--- a/PPT/System.pptx
+++ b/PPT/System.pptx
@@ -3886,8 +3886,8 @@
         </p:blipFill>
         <p:spPr>
           <a:xfrm>
-            <a:off x="8093308" y="1947453"/>
-            <a:ext cx="4611600" cy="4540275"/>
+            <a:off x="8084308" y="1947453"/>
+            <a:ext cx="4629600" cy="4540275"/>
           </a:xfrm>
           <a:prstGeom prst="rect">
             <a:avLst/>
@@ -5728,19 +5728,7 @@
                     <a:latin typeface="나눔고딕 ExtraBold" panose="020D0904000000000000" pitchFamily="50" charset="-127"/>
                     <a:ea typeface="나눔고딕 ExtraBold" panose="020D0904000000000000" pitchFamily="50" charset="-127"/>
                   </a:rPr>
-                  <a:t>기능 개발하여 관리 하려 했으나 </a:t>
-                </a:r>
-                <a:r>
-                  <a:rPr lang="ko-KR" altLang="en-US" sz="2400" dirty="0" smtClean="0">
-                    <a:solidFill>
-                      <a:schemeClr val="accent1">
-                        <a:lumMod val="50000"/>
-                      </a:schemeClr>
-                    </a:solidFill>
-                    <a:latin typeface="나눔고딕 ExtraBold" panose="020D0904000000000000" pitchFamily="50" charset="-127"/>
-                    <a:ea typeface="나눔고딕 ExtraBold" panose="020D0904000000000000" pitchFamily="50" charset="-127"/>
-                  </a:rPr>
-                  <a:t>데이터 관리에서 문제점 발생하여 기능 </a:t>
+                  <a:t>기능 개발하여 관리 하려 했으나 데이터 관리에서 문제점 발생하여 기능 </a:t>
                 </a:r>
                 <a:r>
                   <a:rPr lang="ko-KR" altLang="en-US" sz="2400" dirty="0" err="1" smtClean="0">
@@ -9043,19 +9031,7 @@
                 <a:latin typeface="나눔고딕 ExtraBold" panose="020D0904000000000000" pitchFamily="50" charset="-127"/>
                 <a:ea typeface="나눔고딕 ExtraBold" panose="020D0904000000000000" pitchFamily="50" charset="-127"/>
               </a:rPr>
-              <a:t>팀</a:t>
-            </a:r>
-            <a:r>
-              <a:rPr lang="ko-KR" altLang="en-US" sz="4370" dirty="0">
-                <a:solidFill>
-                  <a:schemeClr val="accent5">
-                    <a:lumMod val="50000"/>
-                  </a:schemeClr>
-                </a:solidFill>
-                <a:latin typeface="나눔고딕 ExtraBold" panose="020D0904000000000000" pitchFamily="50" charset="-127"/>
-                <a:ea typeface="나눔고딕 ExtraBold" panose="020D0904000000000000" pitchFamily="50" charset="-127"/>
-              </a:rPr>
-              <a:t> 소개</a:t>
+              <a:t>팀 소개</a:t>
             </a:r>
             <a:endParaRPr lang="en-US" sz="4370" dirty="0">
               <a:solidFill>

--- a/PPT/System.pptx
+++ b/PPT/System.pptx
@@ -7221,6 +7221,17 @@
           <a:bodyPr rtlCol="0" anchor="ctr"/>
           <a:lstStyle/>
           <a:p>
+            <a:endParaRPr lang="en-US" altLang="ko-KR" sz="2000" dirty="0" smtClean="0">
+              <a:solidFill>
+                <a:schemeClr val="accent1">
+                  <a:lumMod val="50000"/>
+                </a:schemeClr>
+              </a:solidFill>
+              <a:latin typeface="나눔고딕 ExtraBold" panose="020D0904000000000000" pitchFamily="50" charset="-127"/>
+              <a:ea typeface="나눔고딕 ExtraBold" panose="020D0904000000000000" pitchFamily="50" charset="-127"/>
+            </a:endParaRPr>
+          </a:p>
+          <a:p>
             <a:r>
               <a:rPr lang="ko-KR" altLang="en-US" sz="2000" dirty="0" smtClean="0">
                 <a:solidFill>
@@ -7231,7 +7242,67 @@
                 <a:latin typeface="나눔고딕 ExtraBold" panose="020D0904000000000000" pitchFamily="50" charset="-127"/>
                 <a:ea typeface="나눔고딕 ExtraBold" panose="020D0904000000000000" pitchFamily="50" charset="-127"/>
               </a:rPr>
-              <a:t>프로젝트 개요</a:t>
+              <a:t>다들 맡은 역할 열심히 수행해 주고 모르면 도와주고 함께해서 더 나은 결과물이 나온 것 같아 기쁘고</a:t>
+            </a:r>
+            <a:r>
+              <a:rPr lang="en-US" altLang="ko-KR" sz="2000" dirty="0" smtClean="0">
+                <a:solidFill>
+                  <a:schemeClr val="accent1">
+                    <a:lumMod val="50000"/>
+                  </a:schemeClr>
+                </a:solidFill>
+                <a:latin typeface="나눔고딕 ExtraBold" panose="020D0904000000000000" pitchFamily="50" charset="-127"/>
+                <a:ea typeface="나눔고딕 ExtraBold" panose="020D0904000000000000" pitchFamily="50" charset="-127"/>
+              </a:rPr>
+              <a:t>, </a:t>
+            </a:r>
+            <a:r>
+              <a:rPr lang="ko-KR" altLang="en-US" sz="2000" dirty="0" smtClean="0">
+                <a:solidFill>
+                  <a:schemeClr val="accent1">
+                    <a:lumMod val="50000"/>
+                  </a:schemeClr>
+                </a:solidFill>
+                <a:latin typeface="나눔고딕 ExtraBold" panose="020D0904000000000000" pitchFamily="50" charset="-127"/>
+                <a:ea typeface="나눔고딕 ExtraBold" panose="020D0904000000000000" pitchFamily="50" charset="-127"/>
+              </a:rPr>
+              <a:t>이 프로젝트를 계기로 다 같이 한 단계 성장한 것 같고 좋았습니다</a:t>
+            </a:r>
+            <a:r>
+              <a:rPr lang="en-US" altLang="ko-KR" sz="2000" dirty="0" smtClean="0">
+                <a:solidFill>
+                  <a:schemeClr val="accent1">
+                    <a:lumMod val="50000"/>
+                  </a:schemeClr>
+                </a:solidFill>
+                <a:latin typeface="나눔고딕 ExtraBold" panose="020D0904000000000000" pitchFamily="50" charset="-127"/>
+                <a:ea typeface="나눔고딕 ExtraBold" panose="020D0904000000000000" pitchFamily="50" charset="-127"/>
+              </a:rPr>
+              <a:t>! </a:t>
+            </a:r>
+            <a:r>
+              <a:rPr lang="ko-KR" altLang="en-US" sz="2000" dirty="0" smtClean="0">
+                <a:solidFill>
+                  <a:schemeClr val="accent1">
+                    <a:lumMod val="50000"/>
+                  </a:schemeClr>
+                </a:solidFill>
+                <a:latin typeface="나눔고딕 ExtraBold" panose="020D0904000000000000" pitchFamily="50" charset="-127"/>
+                <a:ea typeface="나눔고딕 ExtraBold" panose="020D0904000000000000" pitchFamily="50" charset="-127"/>
+              </a:rPr>
+              <a:t>다들 고생하셨습니다</a:t>
+            </a:r>
+            <a:r>
+              <a:rPr lang="en-US" altLang="ko-KR" sz="2000" dirty="0" smtClean="0">
+                <a:solidFill>
+                  <a:schemeClr val="accent1">
+                    <a:lumMod val="50000"/>
+                  </a:schemeClr>
+                </a:solidFill>
+                <a:latin typeface="나눔고딕 ExtraBold" panose="020D0904000000000000" pitchFamily="50" charset="-127"/>
+                <a:ea typeface="나눔고딕 ExtraBold" panose="020D0904000000000000" pitchFamily="50" charset="-127"/>
+              </a:rPr>
+              <a:t>!!!</a:t>
             </a:r>
             <a:endParaRPr lang="ko-KR" altLang="en-US" sz="2000" dirty="0">
               <a:solidFill>
@@ -7358,19 +7429,7 @@
           <a:bodyPr rtlCol="0" anchor="ctr"/>
           <a:lstStyle/>
           <a:p>
-            <a:r>
-              <a:rPr lang="ko-KR" altLang="en-US" sz="2400" dirty="0" smtClean="0">
-                <a:solidFill>
-                  <a:schemeClr val="accent1">
-                    <a:lumMod val="50000"/>
-                  </a:schemeClr>
-                </a:solidFill>
-                <a:latin typeface="나눔고딕 ExtraBold" panose="020D0904000000000000" pitchFamily="50" charset="-127"/>
-                <a:ea typeface="나눔고딕 ExtraBold" panose="020D0904000000000000" pitchFamily="50" charset="-127"/>
-              </a:rPr>
-              <a:t>프로젝트 개요</a:t>
-            </a:r>
-            <a:endParaRPr lang="ko-KR" altLang="en-US" sz="2400" dirty="0">
+            <a:endParaRPr lang="en-US" altLang="ko-KR" sz="2000" dirty="0" smtClean="0">
               <a:solidFill>
                 <a:schemeClr val="accent1">
                   <a:lumMod val="50000"/>
@@ -7379,6 +7438,80 @@
               <a:latin typeface="나눔고딕 ExtraBold" panose="020D0904000000000000" pitchFamily="50" charset="-127"/>
               <a:ea typeface="나눔고딕 ExtraBold" panose="020D0904000000000000" pitchFamily="50" charset="-127"/>
             </a:endParaRPr>
+          </a:p>
+          <a:p>
+            <a:r>
+              <a:rPr lang="ko-KR" altLang="en-US" sz="2000" dirty="0" smtClean="0">
+                <a:solidFill>
+                  <a:schemeClr val="accent1">
+                    <a:lumMod val="50000"/>
+                  </a:schemeClr>
+                </a:solidFill>
+                <a:latin typeface="나눔고딕 ExtraBold" panose="020D0904000000000000" pitchFamily="50" charset="-127"/>
+                <a:ea typeface="나눔고딕 ExtraBold" panose="020D0904000000000000" pitchFamily="50" charset="-127"/>
+              </a:rPr>
+              <a:t>프로젝트를 하며 가계부 기능 구현의 궁금한 점을 인터넷에 검색하</a:t>
+            </a:r>
+            <a:r>
+              <a:rPr lang="ko-KR" altLang="en-US" sz="2000" dirty="0" smtClean="0">
+                <a:solidFill>
+                  <a:schemeClr val="accent1">
+                    <a:lumMod val="50000"/>
+                  </a:schemeClr>
+                </a:solidFill>
+                <a:latin typeface="나눔고딕 ExtraBold" panose="020D0904000000000000" pitchFamily="50" charset="-127"/>
+                <a:ea typeface="나눔고딕 ExtraBold" panose="020D0904000000000000" pitchFamily="50" charset="-127"/>
+              </a:rPr>
+              <a:t>여</a:t>
+            </a:r>
+            <a:r>
+              <a:rPr lang="ko-KR" altLang="en-US" sz="2000" dirty="0" smtClean="0">
+                <a:solidFill>
+                  <a:schemeClr val="accent1">
+                    <a:lumMod val="50000"/>
+                  </a:schemeClr>
+                </a:solidFill>
+                <a:latin typeface="나눔고딕 ExtraBold" panose="020D0904000000000000" pitchFamily="50" charset="-127"/>
+                <a:ea typeface="나눔고딕 ExtraBold" panose="020D0904000000000000" pitchFamily="50" charset="-127"/>
+              </a:rPr>
+              <a:t> 알아가고 기능 구현 을 하는 과정이 좋았으며 </a:t>
+            </a:r>
+            <a:r>
+              <a:rPr lang="en-US" altLang="ko-KR" sz="2000" dirty="0" smtClean="0">
+                <a:solidFill>
+                  <a:schemeClr val="accent1">
+                    <a:lumMod val="50000"/>
+                  </a:schemeClr>
+                </a:solidFill>
+                <a:latin typeface="나눔고딕 ExtraBold" panose="020D0904000000000000" pitchFamily="50" charset="-127"/>
+                <a:ea typeface="나눔고딕 ExtraBold" panose="020D0904000000000000" pitchFamily="50" charset="-127"/>
+              </a:rPr>
+              <a:t>, </a:t>
+            </a:r>
+            <a:r>
+              <a:rPr lang="ko-KR" altLang="en-US" sz="2000" dirty="0" smtClean="0">
+                <a:solidFill>
+                  <a:schemeClr val="accent1">
+                    <a:lumMod val="50000"/>
+                  </a:schemeClr>
+                </a:solidFill>
+                <a:latin typeface="나눔고딕 ExtraBold" panose="020D0904000000000000" pitchFamily="50" charset="-127"/>
+                <a:ea typeface="나눔고딕 ExtraBold" panose="020D0904000000000000" pitchFamily="50" charset="-127"/>
+              </a:rPr>
+              <a:t>또한 조원들과 프로젝트를 더 좋게 만들기 위해 의견을 나누며 개발하는  시간이 즐거웠습니다</a:t>
+            </a:r>
+            <a:r>
+              <a:rPr lang="en-US" altLang="ko-KR" sz="2000" dirty="0" smtClean="0">
+                <a:solidFill>
+                  <a:schemeClr val="accent1">
+                    <a:lumMod val="50000"/>
+                  </a:schemeClr>
+                </a:solidFill>
+                <a:latin typeface="나눔고딕 ExtraBold" panose="020D0904000000000000" pitchFamily="50" charset="-127"/>
+                <a:ea typeface="나눔고딕 ExtraBold" panose="020D0904000000000000" pitchFamily="50" charset="-127"/>
+              </a:rPr>
+              <a:t>.</a:t>
+            </a:r>
           </a:p>
         </p:txBody>
       </p:sp>

--- a/PPT/System.pptx
+++ b/PPT/System.pptx
@@ -5,7 +5,7 @@
     <p:sldMasterId id="2147483648" r:id="rId1"/>
   </p:sldMasterIdLst>
   <p:notesMasterIdLst>
-    <p:notesMasterId r:id="rId19"/>
+    <p:notesMasterId r:id="rId20"/>
   </p:notesMasterIdLst>
   <p:sldIdLst>
     <p:sldId id="271" r:id="rId2"/>
@@ -23,8 +23,9 @@
     <p:sldId id="317" r:id="rId14"/>
     <p:sldId id="318" r:id="rId15"/>
     <p:sldId id="294" r:id="rId16"/>
-    <p:sldId id="319" r:id="rId17"/>
+    <p:sldId id="320" r:id="rId17"/>
     <p:sldId id="300" r:id="rId18"/>
+    <p:sldId id="321" r:id="rId19"/>
   </p:sldIdLst>
   <p:sldSz cx="14630400" cy="8229600"/>
   <p:notesSz cx="8229600" cy="14630400"/>
@@ -927,7 +928,7 @@
     </p:spTree>
     <p:extLst>
       <p:ext uri="{BB962C8B-B14F-4D97-AF65-F5344CB8AC3E}">
-        <p14:creationId xmlns:p14="http://schemas.microsoft.com/office/powerpoint/2010/main" val="2061482417"/>
+        <p14:creationId xmlns:p14="http://schemas.microsoft.com/office/powerpoint/2010/main" val="2224209237"/>
       </p:ext>
     </p:extLst>
   </p:cSld>
@@ -1012,6 +1013,90 @@
     <p:extLst>
       <p:ext uri="{BB962C8B-B14F-4D97-AF65-F5344CB8AC3E}">
         <p14:creationId xmlns:p14="http://schemas.microsoft.com/office/powerpoint/2010/main" val="213637091"/>
+      </p:ext>
+    </p:extLst>
+  </p:cSld>
+  <p:clrMapOvr>
+    <a:masterClrMapping/>
+  </p:clrMapOvr>
+</p:notes>
+</file>
+
+<file path=ppt/notesSlides/notesSlide18.xml><?xml version="1.0" encoding="utf-8"?>
+<p:notes xmlns:a="http://schemas.openxmlformats.org/drawingml/2006/main" xmlns:r="http://schemas.openxmlformats.org/officeDocument/2006/relationships" xmlns:p="http://schemas.openxmlformats.org/presentationml/2006/main">
+  <p:cSld>
+    <p:spTree>
+      <p:nvGrpSpPr>
+        <p:cNvPr id="1" name=""/>
+        <p:cNvGrpSpPr/>
+        <p:nvPr/>
+      </p:nvGrpSpPr>
+      <p:grpSpPr>
+        <a:xfrm>
+          <a:off x="0" y="0"/>
+          <a:ext cx="0" cy="0"/>
+          <a:chOff x="0" y="0"/>
+          <a:chExt cx="0" cy="0"/>
+        </a:xfrm>
+      </p:grpSpPr>
+      <p:sp>
+        <p:nvSpPr>
+          <p:cNvPr id="2" name="Slide Image Placeholder 1"/>
+          <p:cNvSpPr>
+            <a:spLocks noGrp="1" noRot="1" noChangeAspect="1"/>
+          </p:cNvSpPr>
+          <p:nvPr>
+            <p:ph type="sldImg"/>
+          </p:nvPr>
+        </p:nvSpPr>
+        <p:spPr/>
+      </p:sp>
+      <p:sp>
+        <p:nvSpPr>
+          <p:cNvPr id="3" name="Notes Placeholder 2"/>
+          <p:cNvSpPr>
+            <a:spLocks noGrp="1"/>
+          </p:cNvSpPr>
+          <p:nvPr>
+            <p:ph type="body" idx="1"/>
+          </p:nvPr>
+        </p:nvSpPr>
+        <p:spPr/>
+        <p:txBody>
+          <a:bodyPr/>
+          <a:lstStyle/>
+          <a:p>
+            <a:endParaRPr lang="en-US" dirty="0"/>
+          </a:p>
+        </p:txBody>
+      </p:sp>
+      <p:sp>
+        <p:nvSpPr>
+          <p:cNvPr id="4" name="Slide Number Placeholder 3"/>
+          <p:cNvSpPr>
+            <a:spLocks noGrp="1"/>
+          </p:cNvSpPr>
+          <p:nvPr>
+            <p:ph type="sldNum" sz="quarter" idx="10"/>
+          </p:nvPr>
+        </p:nvSpPr>
+        <p:spPr/>
+        <p:txBody>
+          <a:bodyPr/>
+          <a:lstStyle/>
+          <a:p>
+            <a:fld id="{F7021451-1387-4CA6-816F-3879F97B5CBC}" type="slidenum">
+              <a:rPr lang="en-US"/>
+              <a:t>18</a:t>
+            </a:fld>
+            <a:endParaRPr lang="en-US"/>
+          </a:p>
+        </p:txBody>
+      </p:sp>
+    </p:spTree>
+    <p:extLst>
+      <p:ext uri="{BB962C8B-B14F-4D97-AF65-F5344CB8AC3E}">
+        <p14:creationId xmlns:p14="http://schemas.microsoft.com/office/powerpoint/2010/main" val="3278285955"/>
       </p:ext>
     </p:extLst>
   </p:cSld>
@@ -5623,126 +5708,65 @@
       </p:sp>
       <p:grpSp>
         <p:nvGrpSpPr>
-          <p:cNvPr id="34" name="그룹 33"/>
+          <p:cNvPr id="35" name="그룹 34"/>
           <p:cNvGrpSpPr/>
           <p:nvPr/>
         </p:nvGrpSpPr>
         <p:grpSpPr>
           <a:xfrm>
-            <a:off x="282027" y="1440264"/>
-            <a:ext cx="13991534" cy="4848017"/>
+            <a:off x="319433" y="1645162"/>
+            <a:ext cx="13991534" cy="609600"/>
             <a:chOff x="282027" y="1440264"/>
-            <a:chExt cx="5559973" cy="4848017"/>
+            <a:chExt cx="5559973" cy="609600"/>
           </a:xfrm>
         </p:grpSpPr>
-        <p:grpSp>
-          <p:nvGrpSpPr>
-            <p:cNvPr id="35" name="그룹 34"/>
-            <p:cNvGrpSpPr/>
+        <p:sp>
+          <p:nvSpPr>
+            <p:cNvPr id="48" name="직사각형 47"/>
+            <p:cNvSpPr/>
             <p:nvPr/>
-          </p:nvGrpSpPr>
-          <p:grpSpPr>
+          </p:nvSpPr>
+          <p:spPr>
             <a:xfrm>
-              <a:off x="282027" y="1440264"/>
-              <a:ext cx="5559973" cy="609600"/>
-              <a:chOff x="282027" y="1440264"/>
-              <a:chExt cx="5559973" cy="609600"/>
+              <a:off x="723900" y="1611307"/>
+              <a:ext cx="5118100" cy="436964"/>
             </a:xfrm>
-          </p:grpSpPr>
-          <p:sp>
-            <p:nvSpPr>
-              <p:cNvPr id="48" name="직사각형 47"/>
-              <p:cNvSpPr/>
-              <p:nvPr/>
-            </p:nvSpPr>
-            <p:spPr>
-              <a:xfrm>
-                <a:off x="723900" y="1611307"/>
-                <a:ext cx="5118100" cy="436964"/>
-              </a:xfrm>
-              <a:prstGeom prst="rect">
-                <a:avLst/>
-              </a:prstGeom>
-              <a:solidFill>
-                <a:schemeClr val="accent5">
-                  <a:lumMod val="40000"/>
-                  <a:lumOff val="60000"/>
-                </a:schemeClr>
-              </a:solidFill>
-              <a:ln>
-                <a:noFill/>
-              </a:ln>
-            </p:spPr>
-            <p:style>
-              <a:lnRef idx="2">
-                <a:schemeClr val="accent1">
-                  <a:shade val="50000"/>
-                </a:schemeClr>
-              </a:lnRef>
-              <a:fillRef idx="1">
-                <a:schemeClr val="accent1"/>
-              </a:fillRef>
-              <a:effectRef idx="0">
-                <a:schemeClr val="accent1"/>
-              </a:effectRef>
-              <a:fontRef idx="minor">
-                <a:schemeClr val="lt1"/>
-              </a:fontRef>
-            </p:style>
-            <p:txBody>
-              <a:bodyPr rtlCol="0" anchor="ctr"/>
-              <a:lstStyle/>
-              <a:p>
-                <a:pPr algn="ctr"/>
-                <a:r>
-                  <a:rPr lang="ko-KR" altLang="en-US" sz="2400" dirty="0" smtClean="0">
-                    <a:solidFill>
-                      <a:schemeClr val="accent1">
-                        <a:lumMod val="50000"/>
-                      </a:schemeClr>
-                    </a:solidFill>
-                    <a:latin typeface="나눔고딕 ExtraBold" panose="020D0904000000000000" pitchFamily="50" charset="-127"/>
-                    <a:ea typeface="나눔고딕 ExtraBold" panose="020D0904000000000000" pitchFamily="50" charset="-127"/>
-                  </a:rPr>
-                  <a:t>개발 초기 </a:t>
-                </a:r>
-                <a:r>
-                  <a:rPr lang="en-US" altLang="ko-KR" sz="2400" dirty="0" smtClean="0">
-                    <a:solidFill>
-                      <a:schemeClr val="accent1">
-                        <a:lumMod val="50000"/>
-                      </a:schemeClr>
-                    </a:solidFill>
-                    <a:latin typeface="나눔고딕 ExtraBold" panose="020D0904000000000000" pitchFamily="50" charset="-127"/>
-                    <a:ea typeface="나눔고딕 ExtraBold" panose="020D0904000000000000" pitchFamily="50" charset="-127"/>
-                  </a:rPr>
-                  <a:t>ID </a:t>
-                </a:r>
-                <a:r>
-                  <a:rPr lang="ko-KR" altLang="en-US" sz="2400" dirty="0" smtClean="0">
-                    <a:solidFill>
-                      <a:schemeClr val="accent1">
-                        <a:lumMod val="50000"/>
-                      </a:schemeClr>
-                    </a:solidFill>
-                    <a:latin typeface="나눔고딕 ExtraBold" panose="020D0904000000000000" pitchFamily="50" charset="-127"/>
-                    <a:ea typeface="나눔고딕 ExtraBold" panose="020D0904000000000000" pitchFamily="50" charset="-127"/>
-                  </a:rPr>
-                  <a:t>기능 개발하여 관리 하려 했으나 데이터 관리에서 문제점 발생하여 기능 </a:t>
-                </a:r>
-                <a:r>
-                  <a:rPr lang="ko-KR" altLang="en-US" sz="2400" dirty="0" err="1" smtClean="0">
-                    <a:solidFill>
-                      <a:schemeClr val="accent1">
-                        <a:lumMod val="50000"/>
-                      </a:schemeClr>
-                    </a:solidFill>
-                    <a:latin typeface="나눔고딕 ExtraBold" panose="020D0904000000000000" pitchFamily="50" charset="-127"/>
-                    <a:ea typeface="나눔고딕 ExtraBold" panose="020D0904000000000000" pitchFamily="50" charset="-127"/>
-                  </a:rPr>
-                  <a:t>미구현</a:t>
-                </a:r>
-                <a:endParaRPr lang="ko-KR" altLang="en-US" sz="2400" dirty="0">
+            <a:prstGeom prst="rect">
+              <a:avLst/>
+            </a:prstGeom>
+            <a:solidFill>
+              <a:schemeClr val="accent5">
+                <a:lumMod val="40000"/>
+                <a:lumOff val="60000"/>
+              </a:schemeClr>
+            </a:solidFill>
+            <a:ln>
+              <a:noFill/>
+            </a:ln>
+          </p:spPr>
+          <p:style>
+            <a:lnRef idx="2">
+              <a:schemeClr val="accent1">
+                <a:shade val="50000"/>
+              </a:schemeClr>
+            </a:lnRef>
+            <a:fillRef idx="1">
+              <a:schemeClr val="accent1"/>
+            </a:fillRef>
+            <a:effectRef idx="0">
+              <a:schemeClr val="accent1"/>
+            </a:effectRef>
+            <a:fontRef idx="minor">
+              <a:schemeClr val="lt1"/>
+            </a:fontRef>
+          </p:style>
+          <p:txBody>
+            <a:bodyPr rtlCol="0" anchor="ctr"/>
+            <a:lstStyle/>
+            <a:p>
+              <a:pPr algn="ctr"/>
+              <a:r>
+                <a:rPr lang="ko-KR" altLang="en-US" sz="2400" dirty="0" smtClean="0">
                   <a:solidFill>
                     <a:schemeClr val="accent1">
                       <a:lumMod val="50000"/>
@@ -5750,68 +5774,104 @@
                   </a:solidFill>
                   <a:latin typeface="나눔고딕 ExtraBold" panose="020D0904000000000000" pitchFamily="50" charset="-127"/>
                   <a:ea typeface="나눔고딕 ExtraBold" panose="020D0904000000000000" pitchFamily="50" charset="-127"/>
-                </a:endParaRPr>
-              </a:p>
-            </p:txBody>
-          </p:sp>
-          <p:sp>
-            <p:nvSpPr>
-              <p:cNvPr id="49" name="모서리가 둥근 직사각형 48"/>
-              <p:cNvSpPr/>
-              <p:nvPr/>
-            </p:nvSpPr>
-            <p:spPr>
-              <a:xfrm>
-                <a:off x="282027" y="1440264"/>
-                <a:ext cx="331267" cy="609600"/>
-              </a:xfrm>
-              <a:prstGeom prst="roundRect">
-                <a:avLst/>
-              </a:prstGeom>
-              <a:solidFill>
-                <a:schemeClr val="accent5">
-                  <a:lumMod val="20000"/>
-                  <a:lumOff val="80000"/>
-                </a:schemeClr>
-              </a:solidFill>
-              <a:ln>
-                <a:noFill/>
-              </a:ln>
-            </p:spPr>
-            <p:style>
-              <a:lnRef idx="2">
-                <a:schemeClr val="accent1">
-                  <a:shade val="50000"/>
-                </a:schemeClr>
-              </a:lnRef>
-              <a:fillRef idx="1">
-                <a:schemeClr val="accent1"/>
-              </a:fillRef>
-              <a:effectRef idx="0">
-                <a:schemeClr val="accent1"/>
-              </a:effectRef>
-              <a:fontRef idx="minor">
-                <a:schemeClr val="lt1"/>
-              </a:fontRef>
-            </p:style>
-            <p:txBody>
-              <a:bodyPr rtlCol="0" anchor="ctr"/>
-              <a:lstStyle/>
-              <a:p>
-                <a:pPr algn="ctr"/>
-                <a:r>
-                  <a:rPr lang="en-US" altLang="ko-KR" sz="3000" dirty="0" smtClean="0">
-                    <a:solidFill>
-                      <a:schemeClr val="accent5">
-                        <a:lumMod val="75000"/>
-                      </a:schemeClr>
-                    </a:solidFill>
-                    <a:latin typeface="나눔고딕 ExtraBold" panose="020D0904000000000000" pitchFamily="50" charset="-127"/>
-                    <a:ea typeface="나눔고딕 ExtraBold" panose="020D0904000000000000" pitchFamily="50" charset="-127"/>
-                  </a:rPr>
-                  <a:t>1</a:t>
-                </a:r>
-                <a:endParaRPr lang="ko-KR" altLang="en-US" sz="3000" dirty="0">
+                </a:rPr>
+                <a:t>개발 초기 </a:t>
+              </a:r>
+              <a:r>
+                <a:rPr lang="en-US" altLang="ko-KR" sz="2400" dirty="0" smtClean="0">
+                  <a:solidFill>
+                    <a:schemeClr val="accent1">
+                      <a:lumMod val="50000"/>
+                    </a:schemeClr>
+                  </a:solidFill>
+                  <a:latin typeface="나눔고딕 ExtraBold" panose="020D0904000000000000" pitchFamily="50" charset="-127"/>
+                  <a:ea typeface="나눔고딕 ExtraBold" panose="020D0904000000000000" pitchFamily="50" charset="-127"/>
+                </a:rPr>
+                <a:t>ID </a:t>
+              </a:r>
+              <a:r>
+                <a:rPr lang="ko-KR" altLang="en-US" sz="2400" dirty="0" smtClean="0">
+                  <a:solidFill>
+                    <a:schemeClr val="accent1">
+                      <a:lumMod val="50000"/>
+                    </a:schemeClr>
+                  </a:solidFill>
+                  <a:latin typeface="나눔고딕 ExtraBold" panose="020D0904000000000000" pitchFamily="50" charset="-127"/>
+                  <a:ea typeface="나눔고딕 ExtraBold" panose="020D0904000000000000" pitchFamily="50" charset="-127"/>
+                </a:rPr>
+                <a:t>기능 개발하여 관리 하려 했으나 데이터 관리에서 문제점 발생하여 기능 </a:t>
+              </a:r>
+              <a:r>
+                <a:rPr lang="ko-KR" altLang="en-US" sz="2400" dirty="0" err="1" smtClean="0">
+                  <a:solidFill>
+                    <a:schemeClr val="accent1">
+                      <a:lumMod val="50000"/>
+                    </a:schemeClr>
+                  </a:solidFill>
+                  <a:latin typeface="나눔고딕 ExtraBold" panose="020D0904000000000000" pitchFamily="50" charset="-127"/>
+                  <a:ea typeface="나눔고딕 ExtraBold" panose="020D0904000000000000" pitchFamily="50" charset="-127"/>
+                </a:rPr>
+                <a:t>미구현</a:t>
+              </a:r>
+              <a:endParaRPr lang="ko-KR" altLang="en-US" sz="2400" dirty="0">
+                <a:solidFill>
+                  <a:schemeClr val="accent1">
+                    <a:lumMod val="50000"/>
+                  </a:schemeClr>
+                </a:solidFill>
+                <a:latin typeface="나눔고딕 ExtraBold" panose="020D0904000000000000" pitchFamily="50" charset="-127"/>
+                <a:ea typeface="나눔고딕 ExtraBold" panose="020D0904000000000000" pitchFamily="50" charset="-127"/>
+              </a:endParaRPr>
+            </a:p>
+          </p:txBody>
+        </p:sp>
+        <p:sp>
+          <p:nvSpPr>
+            <p:cNvPr id="49" name="모서리가 둥근 직사각형 48"/>
+            <p:cNvSpPr/>
+            <p:nvPr/>
+          </p:nvSpPr>
+          <p:spPr>
+            <a:xfrm>
+              <a:off x="282027" y="1440264"/>
+              <a:ext cx="331267" cy="609600"/>
+            </a:xfrm>
+            <a:prstGeom prst="roundRect">
+              <a:avLst/>
+            </a:prstGeom>
+            <a:solidFill>
+              <a:schemeClr val="accent5">
+                <a:lumMod val="20000"/>
+                <a:lumOff val="80000"/>
+              </a:schemeClr>
+            </a:solidFill>
+            <a:ln>
+              <a:noFill/>
+            </a:ln>
+          </p:spPr>
+          <p:style>
+            <a:lnRef idx="2">
+              <a:schemeClr val="accent1">
+                <a:shade val="50000"/>
+              </a:schemeClr>
+            </a:lnRef>
+            <a:fillRef idx="1">
+              <a:schemeClr val="accent1"/>
+            </a:fillRef>
+            <a:effectRef idx="0">
+              <a:schemeClr val="accent1"/>
+            </a:effectRef>
+            <a:fontRef idx="minor">
+              <a:schemeClr val="lt1"/>
+            </a:fontRef>
+          </p:style>
+          <p:txBody>
+            <a:bodyPr rtlCol="0" anchor="ctr"/>
+            <a:lstStyle/>
+            <a:p>
+              <a:pPr algn="ctr"/>
+              <a:r>
+                <a:rPr lang="en-US" altLang="ko-KR" sz="3000" dirty="0" smtClean="0">
                   <a:solidFill>
                     <a:schemeClr val="accent5">
                       <a:lumMod val="75000"/>
@@ -5819,11 +5879,36 @@
                   </a:solidFill>
                   <a:latin typeface="나눔고딕 ExtraBold" panose="020D0904000000000000" pitchFamily="50" charset="-127"/>
                   <a:ea typeface="나눔고딕 ExtraBold" panose="020D0904000000000000" pitchFamily="50" charset="-127"/>
-                </a:endParaRPr>
-              </a:p>
-            </p:txBody>
-          </p:sp>
-        </p:grpSp>
+                </a:rPr>
+                <a:t>1</a:t>
+              </a:r>
+              <a:endParaRPr lang="ko-KR" altLang="en-US" sz="3000" dirty="0">
+                <a:solidFill>
+                  <a:schemeClr val="accent5">
+                    <a:lumMod val="75000"/>
+                  </a:schemeClr>
+                </a:solidFill>
+                <a:latin typeface="나눔고딕 ExtraBold" panose="020D0904000000000000" pitchFamily="50" charset="-127"/>
+                <a:ea typeface="나눔고딕 ExtraBold" panose="020D0904000000000000" pitchFamily="50" charset="-127"/>
+              </a:endParaRPr>
+            </a:p>
+          </p:txBody>
+        </p:sp>
+      </p:grpSp>
+      <p:grpSp>
+        <p:nvGrpSpPr>
+          <p:cNvPr id="2" name="그룹 1"/>
+          <p:cNvGrpSpPr/>
+          <p:nvPr/>
+        </p:nvGrpSpPr>
+        <p:grpSpPr>
+          <a:xfrm>
+            <a:off x="319433" y="2576249"/>
+            <a:ext cx="13991534" cy="609600"/>
+            <a:chOff x="319433" y="2956435"/>
+            <a:chExt cx="13991534" cy="609600"/>
+          </a:xfrm>
+        </p:grpSpPr>
         <p:sp>
           <p:nvSpPr>
             <p:cNvPr id="38" name="직사각형 37"/>
@@ -5832,8 +5917,8 @@
           </p:nvSpPr>
           <p:spPr>
             <a:xfrm>
-              <a:off x="723900" y="2460245"/>
-              <a:ext cx="5118100" cy="436964"/>
+              <a:off x="1431395" y="3127478"/>
+              <a:ext cx="12879572" cy="436964"/>
             </a:xfrm>
             <a:prstGeom prst="rect">
               <a:avLst/>
@@ -5913,8 +5998,8 @@
           </p:nvSpPr>
           <p:spPr>
             <a:xfrm>
-              <a:off x="282027" y="2289202"/>
-              <a:ext cx="335803" cy="609600"/>
+              <a:off x="319433" y="2956435"/>
+              <a:ext cx="845040" cy="609600"/>
             </a:xfrm>
             <a:prstGeom prst="roundRect">
               <a:avLst/>
@@ -5974,6 +6059,21 @@
             </a:p>
           </p:txBody>
         </p:sp>
+      </p:grpSp>
+      <p:grpSp>
+        <p:nvGrpSpPr>
+          <p:cNvPr id="3" name="그룹 2"/>
+          <p:cNvGrpSpPr/>
+          <p:nvPr/>
+        </p:nvGrpSpPr>
+        <p:grpSpPr>
+          <a:xfrm>
+            <a:off x="319433" y="3504951"/>
+            <a:ext cx="13991534" cy="609600"/>
+            <a:chOff x="319433" y="3809751"/>
+            <a:chExt cx="13991534" cy="609600"/>
+          </a:xfrm>
+        </p:grpSpPr>
         <p:sp>
           <p:nvSpPr>
             <p:cNvPr id="40" name="직사각형 39"/>
@@ -5982,8 +6082,8 @@
           </p:nvSpPr>
           <p:spPr>
             <a:xfrm>
-              <a:off x="723900" y="3313561"/>
-              <a:ext cx="5118100" cy="436964"/>
+              <a:off x="1431395" y="3980794"/>
+              <a:ext cx="12879572" cy="436964"/>
             </a:xfrm>
             <a:prstGeom prst="rect">
               <a:avLst/>
@@ -6053,31 +6153,7 @@
                   <a:latin typeface="나눔고딕OTF" panose="020D0604000000000000" pitchFamily="34" charset="-127"/>
                   <a:ea typeface="나눔고딕OTF" panose="020D0604000000000000" pitchFamily="34" charset="-127"/>
                 </a:rPr>
-                <a:t>를 이용하여 루프는 막았으나 일부기능에서 </a:t>
-              </a:r>
-              <a:r>
-                <a:rPr lang="ko-KR" altLang="en-US" sz="2400" b="1" dirty="0" err="1" smtClean="0">
-                  <a:solidFill>
-                    <a:schemeClr val="accent1">
-                      <a:lumMod val="50000"/>
-                    </a:schemeClr>
-                  </a:solidFill>
-                  <a:latin typeface="나눔고딕OTF" panose="020D0604000000000000" pitchFamily="34" charset="-127"/>
-                  <a:ea typeface="나눔고딕OTF" panose="020D0604000000000000" pitchFamily="34" charset="-127"/>
-                </a:rPr>
-                <a:t>버그발생</a:t>
-              </a:r>
-              <a:r>
-                <a:rPr lang="ko-KR" altLang="en-US" sz="2400" b="1" dirty="0" smtClean="0">
-                  <a:solidFill>
-                    <a:schemeClr val="accent1">
-                      <a:lumMod val="50000"/>
-                    </a:schemeClr>
-                  </a:solidFill>
-                  <a:latin typeface="나눔고딕OTF" panose="020D0604000000000000" pitchFamily="34" charset="-127"/>
-                  <a:ea typeface="나눔고딕OTF" panose="020D0604000000000000" pitchFamily="34" charset="-127"/>
-                </a:rPr>
-                <a:t> </a:t>
+                <a:t>를 이용하여 루프는 막았으나 일부기능에서 버그 발생 </a:t>
               </a:r>
               <a:r>
                 <a:rPr lang="en-US" altLang="ko-KR" sz="2400" b="1" dirty="0" smtClean="0">
@@ -6135,8 +6211,8 @@
           </p:nvSpPr>
           <p:spPr>
             <a:xfrm>
-              <a:off x="282027" y="3142518"/>
-              <a:ext cx="335803" cy="609600"/>
+              <a:off x="319433" y="3809751"/>
+              <a:ext cx="845040" cy="609600"/>
             </a:xfrm>
             <a:prstGeom prst="roundRect">
               <a:avLst/>
@@ -6196,6 +6272,21 @@
             </a:p>
           </p:txBody>
         </p:sp>
+      </p:grpSp>
+      <p:grpSp>
+        <p:nvGrpSpPr>
+          <p:cNvPr id="4" name="그룹 3"/>
+          <p:cNvGrpSpPr/>
+          <p:nvPr/>
+        </p:nvGrpSpPr>
+        <p:grpSpPr>
+          <a:xfrm>
+            <a:off x="319433" y="4433653"/>
+            <a:ext cx="13991534" cy="609600"/>
+            <a:chOff x="319433" y="4661474"/>
+            <a:chExt cx="13991534" cy="609600"/>
+          </a:xfrm>
+        </p:grpSpPr>
         <p:sp>
           <p:nvSpPr>
             <p:cNvPr id="42" name="직사각형 41"/>
@@ -6204,8 +6295,8 @@
           </p:nvSpPr>
           <p:spPr>
             <a:xfrm>
-              <a:off x="723900" y="4165284"/>
-              <a:ext cx="5118100" cy="436964"/>
+              <a:off x="1431395" y="4832517"/>
+              <a:ext cx="12879572" cy="436964"/>
             </a:xfrm>
             <a:prstGeom prst="rect">
               <a:avLst/>
@@ -6251,55 +6342,7 @@
                   <a:latin typeface="나눔고딕OTF" panose="020D0604000000000000" pitchFamily="34" charset="-127"/>
                   <a:ea typeface="나눔고딕OTF" panose="020D0604000000000000" pitchFamily="34" charset="-127"/>
                 </a:rPr>
-                <a:t>모든 메뉴에서의 </a:t>
-              </a:r>
-              <a:r>
-                <a:rPr lang="ko-KR" altLang="en-US" sz="2400" b="1" dirty="0" err="1" smtClean="0">
-                  <a:solidFill>
-                    <a:schemeClr val="accent1">
-                      <a:lumMod val="50000"/>
-                    </a:schemeClr>
-                  </a:solidFill>
-                  <a:latin typeface="나눔고딕OTF" panose="020D0604000000000000" pitchFamily="34" charset="-127"/>
-                  <a:ea typeface="나눔고딕OTF" panose="020D0604000000000000" pitchFamily="34" charset="-127"/>
-                </a:rPr>
-                <a:t>뒤로가기</a:t>
-              </a:r>
-              <a:r>
-                <a:rPr lang="ko-KR" altLang="en-US" sz="2400" b="1" dirty="0" smtClean="0">
-                  <a:solidFill>
-                    <a:schemeClr val="accent1">
-                      <a:lumMod val="50000"/>
-                    </a:schemeClr>
-                  </a:solidFill>
-                  <a:latin typeface="나눔고딕OTF" panose="020D0604000000000000" pitchFamily="34" charset="-127"/>
-                  <a:ea typeface="나눔고딕OTF" panose="020D0604000000000000" pitchFamily="34" charset="-127"/>
-                </a:rPr>
-                <a:t> 활성화를 시도하였으나 일부 메뉴에서의 </a:t>
-              </a:r>
-              <a:r>
-                <a:rPr lang="ko-KR" altLang="en-US" sz="2400" b="1" dirty="0" err="1" smtClean="0">
-                  <a:solidFill>
-                    <a:schemeClr val="accent1">
-                      <a:lumMod val="50000"/>
-                    </a:schemeClr>
-                  </a:solidFill>
-                  <a:latin typeface="나눔고딕OTF" panose="020D0604000000000000" pitchFamily="34" charset="-127"/>
-                  <a:ea typeface="나눔고딕OTF" panose="020D0604000000000000" pitchFamily="34" charset="-127"/>
-                </a:rPr>
-                <a:t>뒤로가기</a:t>
-              </a:r>
-              <a:r>
-                <a:rPr lang="ko-KR" altLang="en-US" sz="2400" b="1" dirty="0" smtClean="0">
-                  <a:solidFill>
-                    <a:schemeClr val="accent1">
-                      <a:lumMod val="50000"/>
-                    </a:schemeClr>
-                  </a:solidFill>
-                  <a:latin typeface="나눔고딕OTF" panose="020D0604000000000000" pitchFamily="34" charset="-127"/>
-                  <a:ea typeface="나눔고딕OTF" panose="020D0604000000000000" pitchFamily="34" charset="-127"/>
-                </a:rPr>
-                <a:t> 기능 구현 </a:t>
+                <a:t>모든 메뉴에서의 뒤로 가기 활성화를 시도하였으나 일부 메뉴에서의 뒤로 가기 기능 구현 </a:t>
               </a:r>
               <a:endParaRPr lang="ko-KR" altLang="en-US" sz="2400" b="1" dirty="0">
                 <a:solidFill>
@@ -6321,8 +6364,8 @@
           </p:nvSpPr>
           <p:spPr>
             <a:xfrm>
-              <a:off x="282027" y="3994241"/>
-              <a:ext cx="335803" cy="609600"/>
+              <a:off x="319433" y="4661474"/>
+              <a:ext cx="845040" cy="609600"/>
             </a:xfrm>
             <a:prstGeom prst="roundRect">
               <a:avLst/>
@@ -6382,52 +6425,54 @@
             </a:p>
           </p:txBody>
         </p:sp>
-        <p:sp>
-          <p:nvSpPr>
-            <p:cNvPr id="44" name="직사각형 43"/>
-            <p:cNvSpPr/>
-            <p:nvPr/>
-          </p:nvSpPr>
-          <p:spPr>
-            <a:xfrm>
-              <a:off x="723900" y="5013128"/>
-              <a:ext cx="5118100" cy="436964"/>
-            </a:xfrm>
-            <a:prstGeom prst="rect">
-              <a:avLst/>
-            </a:prstGeom>
-            <a:solidFill>
-              <a:schemeClr val="accent5">
-                <a:lumMod val="40000"/>
-                <a:lumOff val="60000"/>
-              </a:schemeClr>
-            </a:solidFill>
-            <a:ln>
-              <a:noFill/>
-            </a:ln>
-          </p:spPr>
-          <p:style>
-            <a:lnRef idx="2">
-              <a:schemeClr val="accent1">
-                <a:shade val="50000"/>
-              </a:schemeClr>
-            </a:lnRef>
-            <a:fillRef idx="1">
-              <a:schemeClr val="accent1"/>
-            </a:fillRef>
-            <a:effectRef idx="0">
-              <a:schemeClr val="accent1"/>
-            </a:effectRef>
-            <a:fontRef idx="minor">
-              <a:schemeClr val="lt1"/>
-            </a:fontRef>
-          </p:style>
-          <p:txBody>
-            <a:bodyPr rtlCol="0" anchor="ctr"/>
-            <a:lstStyle/>
-            <a:p>
-              <a:pPr algn="ctr"/>
-              <a:endParaRPr lang="ko-KR" altLang="en-US" sz="2400" b="1" dirty="0">
+      </p:grpSp>
+      <p:sp>
+        <p:nvSpPr>
+          <p:cNvPr id="44" name="직사각형 43"/>
+          <p:cNvSpPr/>
+          <p:nvPr/>
+        </p:nvSpPr>
+        <p:spPr>
+          <a:xfrm>
+            <a:off x="1431395" y="5533398"/>
+            <a:ext cx="12879572" cy="436964"/>
+          </a:xfrm>
+          <a:prstGeom prst="rect">
+            <a:avLst/>
+          </a:prstGeom>
+          <a:solidFill>
+            <a:schemeClr val="accent5">
+              <a:lumMod val="40000"/>
+              <a:lumOff val="60000"/>
+            </a:schemeClr>
+          </a:solidFill>
+          <a:ln>
+            <a:noFill/>
+          </a:ln>
+        </p:spPr>
+        <p:style>
+          <a:lnRef idx="2">
+            <a:schemeClr val="accent1">
+              <a:shade val="50000"/>
+            </a:schemeClr>
+          </a:lnRef>
+          <a:fillRef idx="1">
+            <a:schemeClr val="accent1"/>
+          </a:fillRef>
+          <a:effectRef idx="0">
+            <a:schemeClr val="accent1"/>
+          </a:effectRef>
+          <a:fontRef idx="minor">
+            <a:schemeClr val="lt1"/>
+          </a:fontRef>
+        </p:style>
+        <p:txBody>
+          <a:bodyPr rtlCol="0" anchor="ctr"/>
+          <a:lstStyle/>
+          <a:p>
+            <a:pPr algn="ctr"/>
+            <a:r>
+              <a:rPr lang="ko-KR" altLang="en-US" sz="2400" b="1" dirty="0" smtClean="0">
                 <a:solidFill>
                   <a:schemeClr val="accent1">
                     <a:lumMod val="50000"/>
@@ -6435,68 +6480,104 @@
                 </a:solidFill>
                 <a:latin typeface="나눔고딕OTF" panose="020D0604000000000000" pitchFamily="34" charset="-127"/>
                 <a:ea typeface="나눔고딕OTF" panose="020D0604000000000000" pitchFamily="34" charset="-127"/>
-              </a:endParaRPr>
-            </a:p>
-          </p:txBody>
-        </p:sp>
-        <p:sp>
-          <p:nvSpPr>
-            <p:cNvPr id="45" name="모서리가 둥근 직사각형 44"/>
-            <p:cNvSpPr/>
-            <p:nvPr/>
-          </p:nvSpPr>
-          <p:spPr>
-            <a:xfrm>
-              <a:off x="282027" y="4842085"/>
-              <a:ext cx="335803" cy="609600"/>
-            </a:xfrm>
-            <a:prstGeom prst="roundRect">
-              <a:avLst/>
-            </a:prstGeom>
-            <a:solidFill>
-              <a:schemeClr val="accent5">
-                <a:lumMod val="20000"/>
-                <a:lumOff val="80000"/>
-              </a:schemeClr>
-            </a:solidFill>
-            <a:ln>
-              <a:noFill/>
-            </a:ln>
-          </p:spPr>
-          <p:style>
-            <a:lnRef idx="2">
-              <a:schemeClr val="accent1">
-                <a:shade val="50000"/>
-              </a:schemeClr>
-            </a:lnRef>
-            <a:fillRef idx="1">
-              <a:schemeClr val="accent1"/>
-            </a:fillRef>
-            <a:effectRef idx="0">
-              <a:schemeClr val="accent1"/>
-            </a:effectRef>
-            <a:fontRef idx="minor">
-              <a:schemeClr val="lt1"/>
-            </a:fontRef>
-          </p:style>
-          <p:txBody>
-            <a:bodyPr rtlCol="0" anchor="ctr"/>
-            <a:lstStyle/>
-            <a:p>
-              <a:pPr algn="ctr"/>
-              <a:r>
-                <a:rPr lang="en-US" altLang="ko-KR" sz="3000" dirty="0" smtClean="0">
-                  <a:solidFill>
-                    <a:schemeClr val="accent5">
-                      <a:lumMod val="75000"/>
-                    </a:schemeClr>
-                  </a:solidFill>
-                  <a:latin typeface="나눔고딕 ExtraBold" panose="020D0904000000000000" pitchFamily="50" charset="-127"/>
-                  <a:ea typeface="나눔고딕 ExtraBold" panose="020D0904000000000000" pitchFamily="50" charset="-127"/>
-                </a:rPr>
-                <a:t>5</a:t>
-              </a:r>
-              <a:endParaRPr lang="ko-KR" altLang="en-US" sz="3000" dirty="0">
+              </a:rPr>
+              <a:t>삭제 기능의 </a:t>
+            </a:r>
+            <a:r>
+              <a:rPr lang="ko-KR" altLang="en-US" sz="2400" b="1" dirty="0" err="1" smtClean="0">
+                <a:solidFill>
+                  <a:schemeClr val="accent1">
+                    <a:lumMod val="50000"/>
+                  </a:schemeClr>
+                </a:solidFill>
+                <a:latin typeface="나눔고딕OTF" panose="020D0604000000000000" pitchFamily="34" charset="-127"/>
+                <a:ea typeface="나눔고딕OTF" panose="020D0604000000000000" pitchFamily="34" charset="-127"/>
+              </a:rPr>
+              <a:t>상세화를</a:t>
+            </a:r>
+            <a:r>
+              <a:rPr lang="ko-KR" altLang="en-US" sz="2400" b="1" dirty="0" smtClean="0">
+                <a:solidFill>
+                  <a:schemeClr val="accent1">
+                    <a:lumMod val="50000"/>
+                  </a:schemeClr>
+                </a:solidFill>
+                <a:latin typeface="나눔고딕OTF" panose="020D0604000000000000" pitchFamily="34" charset="-127"/>
+                <a:ea typeface="나눔고딕OTF" panose="020D0604000000000000" pitchFamily="34" charset="-127"/>
+              </a:rPr>
+              <a:t> 구현하려 하였으나 스킬 역량의 부족으로 기능 </a:t>
+            </a:r>
+            <a:r>
+              <a:rPr lang="ko-KR" altLang="en-US" sz="2400" b="1" dirty="0" err="1" smtClean="0">
+                <a:solidFill>
+                  <a:schemeClr val="accent1">
+                    <a:lumMod val="50000"/>
+                  </a:schemeClr>
+                </a:solidFill>
+                <a:latin typeface="나눔고딕OTF" panose="020D0604000000000000" pitchFamily="34" charset="-127"/>
+                <a:ea typeface="나눔고딕OTF" panose="020D0604000000000000" pitchFamily="34" charset="-127"/>
+              </a:rPr>
+              <a:t>미구현</a:t>
+            </a:r>
+            <a:endParaRPr lang="ko-KR" altLang="en-US" sz="2400" b="1" dirty="0">
+              <a:solidFill>
+                <a:schemeClr val="accent1">
+                  <a:lumMod val="50000"/>
+                </a:schemeClr>
+              </a:solidFill>
+              <a:latin typeface="나눔고딕OTF" panose="020D0604000000000000" pitchFamily="34" charset="-127"/>
+              <a:ea typeface="나눔고딕OTF" panose="020D0604000000000000" pitchFamily="34" charset="-127"/>
+            </a:endParaRPr>
+          </a:p>
+        </p:txBody>
+      </p:sp>
+      <p:sp>
+        <p:nvSpPr>
+          <p:cNvPr id="45" name="모서리가 둥근 직사각형 44"/>
+          <p:cNvSpPr/>
+          <p:nvPr/>
+        </p:nvSpPr>
+        <p:spPr>
+          <a:xfrm>
+            <a:off x="319433" y="5362355"/>
+            <a:ext cx="845040" cy="609600"/>
+          </a:xfrm>
+          <a:prstGeom prst="roundRect">
+            <a:avLst/>
+          </a:prstGeom>
+          <a:solidFill>
+            <a:schemeClr val="accent5">
+              <a:lumMod val="20000"/>
+              <a:lumOff val="80000"/>
+            </a:schemeClr>
+          </a:solidFill>
+          <a:ln>
+            <a:noFill/>
+          </a:ln>
+        </p:spPr>
+        <p:style>
+          <a:lnRef idx="2">
+            <a:schemeClr val="accent1">
+              <a:shade val="50000"/>
+            </a:schemeClr>
+          </a:lnRef>
+          <a:fillRef idx="1">
+            <a:schemeClr val="accent1"/>
+          </a:fillRef>
+          <a:effectRef idx="0">
+            <a:schemeClr val="accent1"/>
+          </a:effectRef>
+          <a:fontRef idx="minor">
+            <a:schemeClr val="lt1"/>
+          </a:fontRef>
+        </p:style>
+        <p:txBody>
+          <a:bodyPr rtlCol="0" anchor="ctr"/>
+          <a:lstStyle/>
+          <a:p>
+            <a:pPr algn="ctr"/>
+            <a:r>
+              <a:rPr lang="en-US" altLang="ko-KR" sz="3000" dirty="0" smtClean="0">
                 <a:solidFill>
                   <a:schemeClr val="accent5">
                     <a:lumMod val="75000"/>
@@ -6504,165 +6585,25 @@
                 </a:solidFill>
                 <a:latin typeface="나눔고딕 ExtraBold" panose="020D0904000000000000" pitchFamily="50" charset="-127"/>
                 <a:ea typeface="나눔고딕 ExtraBold" panose="020D0904000000000000" pitchFamily="50" charset="-127"/>
-              </a:endParaRPr>
-            </a:p>
-          </p:txBody>
-        </p:sp>
-        <p:sp>
-          <p:nvSpPr>
-            <p:cNvPr id="46" name="직사각형 45"/>
-            <p:cNvSpPr/>
-            <p:nvPr/>
-          </p:nvSpPr>
-          <p:spPr>
-            <a:xfrm>
-              <a:off x="723900" y="5849724"/>
-              <a:ext cx="5118100" cy="436964"/>
-            </a:xfrm>
-            <a:prstGeom prst="rect">
-              <a:avLst/>
-            </a:prstGeom>
-            <a:solidFill>
-              <a:schemeClr val="accent5">
-                <a:lumMod val="40000"/>
-                <a:lumOff val="60000"/>
-              </a:schemeClr>
-            </a:solidFill>
-            <a:ln>
-              <a:noFill/>
-            </a:ln>
-          </p:spPr>
-          <p:style>
-            <a:lnRef idx="2">
-              <a:schemeClr val="accent1">
-                <a:shade val="50000"/>
-              </a:schemeClr>
-            </a:lnRef>
-            <a:fillRef idx="1">
-              <a:schemeClr val="accent1"/>
-            </a:fillRef>
-            <a:effectRef idx="0">
-              <a:schemeClr val="accent1"/>
-            </a:effectRef>
-            <a:fontRef idx="minor">
-              <a:schemeClr val="lt1"/>
-            </a:fontRef>
-          </p:style>
-          <p:txBody>
-            <a:bodyPr rtlCol="0" anchor="ctr"/>
-            <a:lstStyle/>
-            <a:p>
-              <a:pPr algn="ctr"/>
-              <a:r>
-                <a:rPr lang="ko-KR" altLang="en-US" sz="2400" b="1" dirty="0">
-                  <a:solidFill>
-                    <a:schemeClr val="accent1">
-                      <a:lumMod val="50000"/>
-                    </a:schemeClr>
-                  </a:solidFill>
-                  <a:latin typeface="나눔고딕OTF" panose="020D0604000000000000" pitchFamily="34" charset="-127"/>
-                  <a:ea typeface="나눔고딕OTF" panose="020D0604000000000000" pitchFamily="34" charset="-127"/>
-                </a:rPr>
-                <a:t>시행착오 및 자체 </a:t>
-              </a:r>
-              <a:r>
-                <a:rPr lang="ko-KR" altLang="en-US" sz="2400" b="1" dirty="0" err="1" smtClean="0">
-                  <a:solidFill>
-                    <a:schemeClr val="accent1">
-                      <a:lumMod val="50000"/>
-                    </a:schemeClr>
-                  </a:solidFill>
-                  <a:latin typeface="나눔고딕OTF" panose="020D0604000000000000" pitchFamily="34" charset="-127"/>
-                  <a:ea typeface="나눔고딕OTF" panose="020D0604000000000000" pitchFamily="34" charset="-127"/>
-                </a:rPr>
-                <a:t>평가의견</a:t>
-              </a:r>
-              <a:endParaRPr lang="ko-KR" altLang="en-US" sz="2400" b="1" dirty="0">
-                <a:solidFill>
-                  <a:schemeClr val="accent1">
-                    <a:lumMod val="50000"/>
-                  </a:schemeClr>
-                </a:solidFill>
-                <a:latin typeface="나눔고딕OTF" panose="020D0604000000000000" pitchFamily="34" charset="-127"/>
-                <a:ea typeface="나눔고딕OTF" panose="020D0604000000000000" pitchFamily="34" charset="-127"/>
-              </a:endParaRPr>
-            </a:p>
-          </p:txBody>
-        </p:sp>
-        <p:sp>
-          <p:nvSpPr>
-            <p:cNvPr id="47" name="모서리가 둥근 직사각형 46"/>
-            <p:cNvSpPr/>
-            <p:nvPr/>
-          </p:nvSpPr>
-          <p:spPr>
-            <a:xfrm>
-              <a:off x="282027" y="5678681"/>
-              <a:ext cx="335803" cy="609600"/>
-            </a:xfrm>
-            <a:prstGeom prst="roundRect">
-              <a:avLst/>
-            </a:prstGeom>
-            <a:solidFill>
-              <a:schemeClr val="accent5">
-                <a:lumMod val="20000"/>
-                <a:lumOff val="80000"/>
-              </a:schemeClr>
-            </a:solidFill>
-            <a:ln>
-              <a:noFill/>
-            </a:ln>
-          </p:spPr>
-          <p:style>
-            <a:lnRef idx="2">
-              <a:schemeClr val="accent1">
-                <a:shade val="50000"/>
-              </a:schemeClr>
-            </a:lnRef>
-            <a:fillRef idx="1">
-              <a:schemeClr val="accent1"/>
-            </a:fillRef>
-            <a:effectRef idx="0">
-              <a:schemeClr val="accent1"/>
-            </a:effectRef>
-            <a:fontRef idx="minor">
-              <a:schemeClr val="lt1"/>
-            </a:fontRef>
-          </p:style>
-          <p:txBody>
-            <a:bodyPr rtlCol="0" anchor="ctr"/>
-            <a:lstStyle/>
-            <a:p>
-              <a:pPr algn="ctr"/>
-              <a:r>
-                <a:rPr lang="en-US" altLang="ko-KR" sz="3000" dirty="0" smtClean="0">
-                  <a:solidFill>
-                    <a:schemeClr val="accent5">
-                      <a:lumMod val="75000"/>
-                    </a:schemeClr>
-                  </a:solidFill>
-                  <a:latin typeface="나눔고딕 ExtraBold" panose="020D0904000000000000" pitchFamily="50" charset="-127"/>
-                  <a:ea typeface="나눔고딕 ExtraBold" panose="020D0904000000000000" pitchFamily="50" charset="-127"/>
-                </a:rPr>
-                <a:t>6</a:t>
-              </a:r>
-              <a:endParaRPr lang="ko-KR" altLang="en-US" sz="3000" dirty="0">
-                <a:solidFill>
-                  <a:schemeClr val="accent5">
-                    <a:lumMod val="75000"/>
-                  </a:schemeClr>
-                </a:solidFill>
-                <a:latin typeface="나눔고딕 ExtraBold" panose="020D0904000000000000" pitchFamily="50" charset="-127"/>
-                <a:ea typeface="나눔고딕 ExtraBold" panose="020D0904000000000000" pitchFamily="50" charset="-127"/>
-              </a:endParaRPr>
-            </a:p>
-          </p:txBody>
-        </p:sp>
-      </p:grpSp>
+              </a:rPr>
+              <a:t>5</a:t>
+            </a:r>
+            <a:endParaRPr lang="ko-KR" altLang="en-US" sz="3000" dirty="0">
+              <a:solidFill>
+                <a:schemeClr val="accent5">
+                  <a:lumMod val="75000"/>
+                </a:schemeClr>
+              </a:solidFill>
+              <a:latin typeface="나눔고딕 ExtraBold" panose="020D0904000000000000" pitchFamily="50" charset="-127"/>
+              <a:ea typeface="나눔고딕 ExtraBold" panose="020D0904000000000000" pitchFamily="50" charset="-127"/>
+            </a:endParaRPr>
+          </a:p>
+        </p:txBody>
+      </p:sp>
     </p:spTree>
     <p:extLst>
       <p:ext uri="{BB962C8B-B14F-4D97-AF65-F5344CB8AC3E}">
-        <p14:creationId xmlns:p14="http://schemas.microsoft.com/office/powerpoint/2010/main" val="1036128194"/>
+        <p14:creationId xmlns:p14="http://schemas.microsoft.com/office/powerpoint/2010/main" val="3888472046"/>
       </p:ext>
     </p:extLst>
   </p:cSld>
@@ -7450,31 +7391,7 @@
                 <a:latin typeface="나눔고딕 ExtraBold" panose="020D0904000000000000" pitchFamily="50" charset="-127"/>
                 <a:ea typeface="나눔고딕 ExtraBold" panose="020D0904000000000000" pitchFamily="50" charset="-127"/>
               </a:rPr>
-              <a:t>프로젝트를 하며 가계부 기능 구현의 궁금한 점을 인터넷에 검색하</a:t>
-            </a:r>
-            <a:r>
-              <a:rPr lang="ko-KR" altLang="en-US" sz="2000" dirty="0" smtClean="0">
-                <a:solidFill>
-                  <a:schemeClr val="accent1">
-                    <a:lumMod val="50000"/>
-                  </a:schemeClr>
-                </a:solidFill>
-                <a:latin typeface="나눔고딕 ExtraBold" panose="020D0904000000000000" pitchFamily="50" charset="-127"/>
-                <a:ea typeface="나눔고딕 ExtraBold" panose="020D0904000000000000" pitchFamily="50" charset="-127"/>
-              </a:rPr>
-              <a:t>여</a:t>
-            </a:r>
-            <a:r>
-              <a:rPr lang="ko-KR" altLang="en-US" sz="2000" dirty="0" smtClean="0">
-                <a:solidFill>
-                  <a:schemeClr val="accent1">
-                    <a:lumMod val="50000"/>
-                  </a:schemeClr>
-                </a:solidFill>
-                <a:latin typeface="나눔고딕 ExtraBold" panose="020D0904000000000000" pitchFamily="50" charset="-127"/>
-                <a:ea typeface="나눔고딕 ExtraBold" panose="020D0904000000000000" pitchFamily="50" charset="-127"/>
-              </a:rPr>
-              <a:t> 알아가고 기능 구현 을 하는 과정이 좋았으며 </a:t>
+              <a:t>프로젝트를 하며 가계부 기능 구현의 궁금한 점을 인터넷에 검색하여 알아가고 기능 구현 을 하는 과정이 좋았으며 </a:t>
             </a:r>
             <a:r>
               <a:rPr lang="en-US" altLang="ko-KR" sz="2000" dirty="0" smtClean="0">
@@ -7588,6 +7505,242 @@
     <p:extLst>
       <p:ext uri="{BB962C8B-B14F-4D97-AF65-F5344CB8AC3E}">
         <p14:creationId xmlns:p14="http://schemas.microsoft.com/office/powerpoint/2010/main" val="1129017725"/>
+      </p:ext>
+    </p:extLst>
+  </p:cSld>
+  <p:clrMapOvr>
+    <a:masterClrMapping/>
+  </p:clrMapOvr>
+  <p:timing>
+    <p:tnLst>
+      <p:par>
+        <p:cTn id="1" dur="indefinite" restart="never" nodeType="tmRoot"/>
+      </p:par>
+    </p:tnLst>
+  </p:timing>
+</p:sld>
+</file>
+
+<file path=ppt/slides/slide18.xml><?xml version="1.0" encoding="utf-8"?>
+<p:sld xmlns:a="http://schemas.openxmlformats.org/drawingml/2006/main" xmlns:r="http://schemas.openxmlformats.org/officeDocument/2006/relationships" xmlns:p="http://schemas.openxmlformats.org/presentationml/2006/main">
+  <p:cSld>
+    <p:spTree>
+      <p:nvGrpSpPr>
+        <p:cNvPr id="1" name=""/>
+        <p:cNvGrpSpPr/>
+        <p:nvPr/>
+      </p:nvGrpSpPr>
+      <p:grpSpPr>
+        <a:xfrm>
+          <a:off x="0" y="0"/>
+          <a:ext cx="0" cy="0"/>
+          <a:chOff x="0" y="0"/>
+          <a:chExt cx="0" cy="0"/>
+        </a:xfrm>
+      </p:grpSpPr>
+      <p:grpSp>
+        <p:nvGrpSpPr>
+          <p:cNvPr id="10" name="그룹 9"/>
+          <p:cNvGrpSpPr/>
+          <p:nvPr/>
+        </p:nvGrpSpPr>
+        <p:grpSpPr>
+          <a:xfrm>
+            <a:off x="1" y="5936343"/>
+            <a:ext cx="14630399" cy="2293257"/>
+            <a:chOff x="1" y="5936343"/>
+            <a:chExt cx="14630399" cy="2293257"/>
+          </a:xfrm>
+        </p:grpSpPr>
+        <p:sp>
+          <p:nvSpPr>
+            <p:cNvPr id="11" name="직각 삼각형 10"/>
+            <p:cNvSpPr/>
+            <p:nvPr/>
+          </p:nvSpPr>
+          <p:spPr>
+            <a:xfrm>
+              <a:off x="1" y="5936343"/>
+              <a:ext cx="14630399" cy="2293257"/>
+            </a:xfrm>
+            <a:prstGeom prst="rtTriangle">
+              <a:avLst/>
+            </a:prstGeom>
+            <a:solidFill>
+              <a:schemeClr val="accent5">
+                <a:lumMod val="20000"/>
+                <a:lumOff val="80000"/>
+              </a:schemeClr>
+            </a:solidFill>
+            <a:ln>
+              <a:noFill/>
+            </a:ln>
+          </p:spPr>
+          <p:style>
+            <a:lnRef idx="2">
+              <a:schemeClr val="accent1">
+                <a:shade val="50000"/>
+              </a:schemeClr>
+            </a:lnRef>
+            <a:fillRef idx="1">
+              <a:schemeClr val="accent1"/>
+            </a:fillRef>
+            <a:effectRef idx="0">
+              <a:schemeClr val="accent1"/>
+            </a:effectRef>
+            <a:fontRef idx="minor">
+              <a:schemeClr val="lt1"/>
+            </a:fontRef>
+          </p:style>
+          <p:txBody>
+            <a:bodyPr rtlCol="0" anchor="ctr"/>
+            <a:lstStyle/>
+            <a:p>
+              <a:pPr algn="ctr"/>
+              <a:endParaRPr lang="ko-KR" altLang="en-US"/>
+            </a:p>
+          </p:txBody>
+        </p:sp>
+        <p:sp>
+          <p:nvSpPr>
+            <p:cNvPr id="12" name="직각 삼각형 11"/>
+            <p:cNvSpPr/>
+            <p:nvPr/>
+          </p:nvSpPr>
+          <p:spPr>
+            <a:xfrm>
+              <a:off x="1" y="6694360"/>
+              <a:ext cx="14630399" cy="1535240"/>
+            </a:xfrm>
+            <a:prstGeom prst="rtTriangle">
+              <a:avLst/>
+            </a:prstGeom>
+            <a:solidFill>
+              <a:schemeClr val="accent1">
+                <a:lumMod val="60000"/>
+                <a:lumOff val="40000"/>
+              </a:schemeClr>
+            </a:solidFill>
+            <a:ln>
+              <a:noFill/>
+            </a:ln>
+          </p:spPr>
+          <p:style>
+            <a:lnRef idx="2">
+              <a:schemeClr val="accent1">
+                <a:shade val="50000"/>
+              </a:schemeClr>
+            </a:lnRef>
+            <a:fillRef idx="1">
+              <a:schemeClr val="accent1"/>
+            </a:fillRef>
+            <a:effectRef idx="0">
+              <a:schemeClr val="accent1"/>
+            </a:effectRef>
+            <a:fontRef idx="minor">
+              <a:schemeClr val="lt1"/>
+            </a:fontRef>
+          </p:style>
+          <p:txBody>
+            <a:bodyPr rtlCol="0" anchor="ctr"/>
+            <a:lstStyle/>
+            <a:p>
+              <a:pPr algn="ctr"/>
+              <a:endParaRPr lang="ko-KR" altLang="en-US"/>
+            </a:p>
+          </p:txBody>
+        </p:sp>
+      </p:grpSp>
+      <p:sp>
+        <p:nvSpPr>
+          <p:cNvPr id="71" name="Text 2"/>
+          <p:cNvSpPr/>
+          <p:nvPr/>
+        </p:nvSpPr>
+        <p:spPr>
+          <a:xfrm>
+            <a:off x="5093256" y="3767614"/>
+            <a:ext cx="4443889" cy="694373"/>
+          </a:xfrm>
+          <a:prstGeom prst="rect">
+            <a:avLst/>
+          </a:prstGeom>
+          <a:noFill/>
+          <a:ln/>
+        </p:spPr>
+        <p:txBody>
+          <a:bodyPr wrap="none" rtlCol="0" anchor="t"/>
+          <a:lstStyle/>
+          <a:p>
+            <a:pPr algn="ctr">
+              <a:lnSpc>
+                <a:spcPts val="5468"/>
+              </a:lnSpc>
+            </a:pPr>
+            <a:r>
+              <a:rPr lang="ko-KR" altLang="en-US" sz="8800" dirty="0" smtClean="0">
+                <a:solidFill>
+                  <a:schemeClr val="accent5">
+                    <a:lumMod val="50000"/>
+                  </a:schemeClr>
+                </a:solidFill>
+                <a:latin typeface="나눔고딕 ExtraBold" panose="020D0904000000000000" pitchFamily="50" charset="-127"/>
+                <a:ea typeface="나눔고딕 ExtraBold" panose="020D0904000000000000" pitchFamily="50" charset="-127"/>
+              </a:rPr>
+              <a:t>감  사  합  </a:t>
+            </a:r>
+            <a:r>
+              <a:rPr lang="ko-KR" altLang="en-US" sz="8800" dirty="0" err="1" smtClean="0">
+                <a:solidFill>
+                  <a:schemeClr val="accent5">
+                    <a:lumMod val="50000"/>
+                  </a:schemeClr>
+                </a:solidFill>
+                <a:latin typeface="나눔고딕 ExtraBold" panose="020D0904000000000000" pitchFamily="50" charset="-127"/>
+                <a:ea typeface="나눔고딕 ExtraBold" panose="020D0904000000000000" pitchFamily="50" charset="-127"/>
+              </a:rPr>
+              <a:t>니</a:t>
+            </a:r>
+            <a:r>
+              <a:rPr lang="ko-KR" altLang="en-US" sz="8800" dirty="0" smtClean="0">
+                <a:solidFill>
+                  <a:schemeClr val="accent5">
+                    <a:lumMod val="50000"/>
+                  </a:schemeClr>
+                </a:solidFill>
+                <a:latin typeface="나눔고딕 ExtraBold" panose="020D0904000000000000" pitchFamily="50" charset="-127"/>
+                <a:ea typeface="나눔고딕 ExtraBold" panose="020D0904000000000000" pitchFamily="50" charset="-127"/>
+              </a:rPr>
+              <a:t>  다  </a:t>
+            </a:r>
+            <a:r>
+              <a:rPr lang="en-US" altLang="ko-KR" sz="8800" dirty="0" smtClean="0">
+                <a:solidFill>
+                  <a:schemeClr val="accent5">
+                    <a:lumMod val="50000"/>
+                  </a:schemeClr>
+                </a:solidFill>
+                <a:latin typeface="나눔고딕 ExtraBold" panose="020D0904000000000000" pitchFamily="50" charset="-127"/>
+                <a:ea typeface="나눔고딕 ExtraBold" panose="020D0904000000000000" pitchFamily="50" charset="-127"/>
+              </a:rPr>
+              <a:t>!</a:t>
+            </a:r>
+            <a:endParaRPr lang="en-US" sz="8800" dirty="0">
+              <a:solidFill>
+                <a:schemeClr val="accent5">
+                  <a:lumMod val="50000"/>
+                </a:schemeClr>
+              </a:solidFill>
+              <a:latin typeface="나눔고딕 ExtraBold" panose="020D0904000000000000" pitchFamily="50" charset="-127"/>
+              <a:ea typeface="나눔고딕 ExtraBold" panose="020D0904000000000000" pitchFamily="50" charset="-127"/>
+            </a:endParaRPr>
+          </a:p>
+        </p:txBody>
+      </p:sp>
+    </p:spTree>
+    <p:extLst>
+      <p:ext uri="{BB962C8B-B14F-4D97-AF65-F5344CB8AC3E}">
+        <p14:creationId xmlns:p14="http://schemas.microsoft.com/office/powerpoint/2010/main" val="2800518265"/>
       </p:ext>
     </p:extLst>
   </p:cSld>

--- a/PPT/System.pptx
+++ b/PPT/System.pptx
@@ -6434,7 +6434,7 @@
         </p:nvSpPr>
         <p:spPr>
           <a:xfrm>
-            <a:off x="1431395" y="5533398"/>
+            <a:off x="1431395" y="5545583"/>
             <a:ext cx="12879572" cy="436964"/>
           </a:xfrm>
           <a:prstGeom prst="rect">
@@ -6989,7 +6989,7 @@
         </p:nvSpPr>
         <p:spPr>
           <a:xfrm>
-            <a:off x="869387" y="4271004"/>
+            <a:off x="814472" y="4271004"/>
             <a:ext cx="6066036" cy="1907278"/>
           </a:xfrm>
           <a:prstGeom prst="rect">
@@ -7025,8 +7025,19 @@
           <a:bodyPr rtlCol="0" anchor="ctr"/>
           <a:lstStyle/>
           <a:p>
-            <a:r>
-              <a:rPr lang="ko-KR" altLang="en-US" sz="2400" dirty="0" smtClean="0">
+            <a:endParaRPr lang="en-US" altLang="ko-KR" sz="2000" dirty="0" smtClean="0">
+              <a:solidFill>
+                <a:schemeClr val="accent1">
+                  <a:lumMod val="50000"/>
+                </a:schemeClr>
+              </a:solidFill>
+              <a:latin typeface="나눔고딕 ExtraBold" panose="020D0904000000000000" pitchFamily="50" charset="-127"/>
+              <a:ea typeface="나눔고딕 ExtraBold" panose="020D0904000000000000" pitchFamily="50" charset="-127"/>
+            </a:endParaRPr>
+          </a:p>
+          <a:p>
+            <a:r>
+              <a:rPr lang="ko-KR" altLang="en-US" sz="2000" dirty="0" smtClean="0">
                 <a:solidFill>
                   <a:schemeClr val="accent1">
                     <a:lumMod val="50000"/>
@@ -7035,9 +7046,33 @@
                 <a:latin typeface="나눔고딕 ExtraBold" panose="020D0904000000000000" pitchFamily="50" charset="-127"/>
                 <a:ea typeface="나눔고딕 ExtraBold" panose="020D0904000000000000" pitchFamily="50" charset="-127"/>
               </a:rPr>
-              <a:t>프로젝트 개요</a:t>
-            </a:r>
-            <a:endParaRPr lang="ko-KR" altLang="en-US" sz="2400" dirty="0">
+              <a:t>프로젝트를 하기 전엔 혼자서 해오다 보니 폭이 좁았는데 조원들과 같이 한 프로젝트를 해보아 다른 분 들의 방식도 알게 되고  더 나은 것들도 의견을 나누어 다 같이 성장한 것 같아 좋았습니다</a:t>
+            </a:r>
+            <a:r>
+              <a:rPr lang="en-US" altLang="ko-KR" sz="2000" dirty="0" smtClean="0">
+                <a:solidFill>
+                  <a:schemeClr val="accent1">
+                    <a:lumMod val="50000"/>
+                  </a:schemeClr>
+                </a:solidFill>
+                <a:latin typeface="나눔고딕 ExtraBold" panose="020D0904000000000000" pitchFamily="50" charset="-127"/>
+                <a:ea typeface="나눔고딕 ExtraBold" panose="020D0904000000000000" pitchFamily="50" charset="-127"/>
+              </a:rPr>
+              <a:t>.</a:t>
+            </a:r>
+            <a:r>
+              <a:rPr lang="ko-KR" altLang="en-US" sz="2000" dirty="0" smtClean="0">
+                <a:solidFill>
+                  <a:schemeClr val="accent1">
+                    <a:lumMod val="50000"/>
+                  </a:schemeClr>
+                </a:solidFill>
+                <a:latin typeface="나눔고딕 ExtraBold" panose="020D0904000000000000" pitchFamily="50" charset="-127"/>
+                <a:ea typeface="나눔고딕 ExtraBold" panose="020D0904000000000000" pitchFamily="50" charset="-127"/>
+              </a:rPr>
+              <a:t> </a:t>
+            </a:r>
+            <a:endParaRPr lang="ko-KR" altLang="en-US" sz="2000" dirty="0">
               <a:solidFill>
                 <a:schemeClr val="accent1">
                   <a:lumMod val="50000"/>

--- a/PPT/System.pptx
+++ b/PPT/System.pptx
@@ -5,27 +5,29 @@
     <p:sldMasterId id="2147483648" r:id="rId1"/>
   </p:sldMasterIdLst>
   <p:notesMasterIdLst>
-    <p:notesMasterId r:id="rId20"/>
+    <p:notesMasterId r:id="rId22"/>
   </p:notesMasterIdLst>
   <p:sldIdLst>
     <p:sldId id="271" r:id="rId2"/>
     <p:sldId id="285" r:id="rId3"/>
-    <p:sldId id="298" r:id="rId4"/>
-    <p:sldId id="286" r:id="rId5"/>
-    <p:sldId id="299" r:id="rId6"/>
-    <p:sldId id="287" r:id="rId7"/>
-    <p:sldId id="302" r:id="rId8"/>
-    <p:sldId id="308" r:id="rId9"/>
-    <p:sldId id="306" r:id="rId10"/>
-    <p:sldId id="303" r:id="rId11"/>
-    <p:sldId id="315" r:id="rId12"/>
-    <p:sldId id="316" r:id="rId13"/>
-    <p:sldId id="317" r:id="rId14"/>
-    <p:sldId id="318" r:id="rId15"/>
-    <p:sldId id="294" r:id="rId16"/>
-    <p:sldId id="320" r:id="rId17"/>
-    <p:sldId id="300" r:id="rId18"/>
-    <p:sldId id="321" r:id="rId19"/>
+    <p:sldId id="322" r:id="rId4"/>
+    <p:sldId id="323" r:id="rId5"/>
+    <p:sldId id="298" r:id="rId6"/>
+    <p:sldId id="286" r:id="rId7"/>
+    <p:sldId id="299" r:id="rId8"/>
+    <p:sldId id="287" r:id="rId9"/>
+    <p:sldId id="302" r:id="rId10"/>
+    <p:sldId id="308" r:id="rId11"/>
+    <p:sldId id="306" r:id="rId12"/>
+    <p:sldId id="303" r:id="rId13"/>
+    <p:sldId id="315" r:id="rId14"/>
+    <p:sldId id="316" r:id="rId15"/>
+    <p:sldId id="317" r:id="rId16"/>
+    <p:sldId id="318" r:id="rId17"/>
+    <p:sldId id="294" r:id="rId18"/>
+    <p:sldId id="320" r:id="rId19"/>
+    <p:sldId id="300" r:id="rId20"/>
+    <p:sldId id="321" r:id="rId21"/>
   </p:sldIdLst>
   <p:sldSz cx="14630400" cy="8229600"/>
   <p:notesSz cx="8229600" cy="14630400"/>
@@ -424,7 +426,7 @@
     </p:spTree>
     <p:extLst>
       <p:ext uri="{BB962C8B-B14F-4D97-AF65-F5344CB8AC3E}">
-        <p14:creationId xmlns:p14="http://schemas.microsoft.com/office/powerpoint/2010/main" val="2363180814"/>
+        <p14:creationId xmlns:p14="http://schemas.microsoft.com/office/powerpoint/2010/main" val="4223157187"/>
       </p:ext>
     </p:extLst>
   </p:cSld>
@@ -508,7 +510,7 @@
     </p:spTree>
     <p:extLst>
       <p:ext uri="{BB962C8B-B14F-4D97-AF65-F5344CB8AC3E}">
-        <p14:creationId xmlns:p14="http://schemas.microsoft.com/office/powerpoint/2010/main" val="49345682"/>
+        <p14:creationId xmlns:p14="http://schemas.microsoft.com/office/powerpoint/2010/main" val="3554653329"/>
       </p:ext>
     </p:extLst>
   </p:cSld>
@@ -592,7 +594,7 @@
     </p:spTree>
     <p:extLst>
       <p:ext uri="{BB962C8B-B14F-4D97-AF65-F5344CB8AC3E}">
-        <p14:creationId xmlns:p14="http://schemas.microsoft.com/office/powerpoint/2010/main" val="32326140"/>
+        <p14:creationId xmlns:p14="http://schemas.microsoft.com/office/powerpoint/2010/main" val="2363180814"/>
       </p:ext>
     </p:extLst>
   </p:cSld>
@@ -676,7 +678,7 @@
     </p:spTree>
     <p:extLst>
       <p:ext uri="{BB962C8B-B14F-4D97-AF65-F5344CB8AC3E}">
-        <p14:creationId xmlns:p14="http://schemas.microsoft.com/office/powerpoint/2010/main" val="469427802"/>
+        <p14:creationId xmlns:p14="http://schemas.microsoft.com/office/powerpoint/2010/main" val="49345682"/>
       </p:ext>
     </p:extLst>
   </p:cSld>
@@ -760,7 +762,7 @@
     </p:spTree>
     <p:extLst>
       <p:ext uri="{BB962C8B-B14F-4D97-AF65-F5344CB8AC3E}">
-        <p14:creationId xmlns:p14="http://schemas.microsoft.com/office/powerpoint/2010/main" val="4001165120"/>
+        <p14:creationId xmlns:p14="http://schemas.microsoft.com/office/powerpoint/2010/main" val="32326140"/>
       </p:ext>
     </p:extLst>
   </p:cSld>
@@ -844,7 +846,7 @@
     </p:spTree>
     <p:extLst>
       <p:ext uri="{BB962C8B-B14F-4D97-AF65-F5344CB8AC3E}">
-        <p14:creationId xmlns:p14="http://schemas.microsoft.com/office/powerpoint/2010/main" val="3350822274"/>
+        <p14:creationId xmlns:p14="http://schemas.microsoft.com/office/powerpoint/2010/main" val="469427802"/>
       </p:ext>
     </p:extLst>
   </p:cSld>
@@ -928,7 +930,7 @@
     </p:spTree>
     <p:extLst>
       <p:ext uri="{BB962C8B-B14F-4D97-AF65-F5344CB8AC3E}">
-        <p14:creationId xmlns:p14="http://schemas.microsoft.com/office/powerpoint/2010/main" val="2224209237"/>
+        <p14:creationId xmlns:p14="http://schemas.microsoft.com/office/powerpoint/2010/main" val="4001165120"/>
       </p:ext>
     </p:extLst>
   </p:cSld>
@@ -1012,7 +1014,7 @@
     </p:spTree>
     <p:extLst>
       <p:ext uri="{BB962C8B-B14F-4D97-AF65-F5344CB8AC3E}">
-        <p14:creationId xmlns:p14="http://schemas.microsoft.com/office/powerpoint/2010/main" val="213637091"/>
+        <p14:creationId xmlns:p14="http://schemas.microsoft.com/office/powerpoint/2010/main" val="3350822274"/>
       </p:ext>
     </p:extLst>
   </p:cSld>
@@ -1096,7 +1098,91 @@
     </p:spTree>
     <p:extLst>
       <p:ext uri="{BB962C8B-B14F-4D97-AF65-F5344CB8AC3E}">
-        <p14:creationId xmlns:p14="http://schemas.microsoft.com/office/powerpoint/2010/main" val="3278285955"/>
+        <p14:creationId xmlns:p14="http://schemas.microsoft.com/office/powerpoint/2010/main" val="2224209237"/>
+      </p:ext>
+    </p:extLst>
+  </p:cSld>
+  <p:clrMapOvr>
+    <a:masterClrMapping/>
+  </p:clrMapOvr>
+</p:notes>
+</file>
+
+<file path=ppt/notesSlides/notesSlide19.xml><?xml version="1.0" encoding="utf-8"?>
+<p:notes xmlns:a="http://schemas.openxmlformats.org/drawingml/2006/main" xmlns:r="http://schemas.openxmlformats.org/officeDocument/2006/relationships" xmlns:p="http://schemas.openxmlformats.org/presentationml/2006/main">
+  <p:cSld>
+    <p:spTree>
+      <p:nvGrpSpPr>
+        <p:cNvPr id="1" name=""/>
+        <p:cNvGrpSpPr/>
+        <p:nvPr/>
+      </p:nvGrpSpPr>
+      <p:grpSpPr>
+        <a:xfrm>
+          <a:off x="0" y="0"/>
+          <a:ext cx="0" cy="0"/>
+          <a:chOff x="0" y="0"/>
+          <a:chExt cx="0" cy="0"/>
+        </a:xfrm>
+      </p:grpSpPr>
+      <p:sp>
+        <p:nvSpPr>
+          <p:cNvPr id="2" name="Slide Image Placeholder 1"/>
+          <p:cNvSpPr>
+            <a:spLocks noGrp="1" noRot="1" noChangeAspect="1"/>
+          </p:cNvSpPr>
+          <p:nvPr>
+            <p:ph type="sldImg"/>
+          </p:nvPr>
+        </p:nvSpPr>
+        <p:spPr/>
+      </p:sp>
+      <p:sp>
+        <p:nvSpPr>
+          <p:cNvPr id="3" name="Notes Placeholder 2"/>
+          <p:cNvSpPr>
+            <a:spLocks noGrp="1"/>
+          </p:cNvSpPr>
+          <p:nvPr>
+            <p:ph type="body" idx="1"/>
+          </p:nvPr>
+        </p:nvSpPr>
+        <p:spPr/>
+        <p:txBody>
+          <a:bodyPr/>
+          <a:lstStyle/>
+          <a:p>
+            <a:endParaRPr lang="en-US" dirty="0"/>
+          </a:p>
+        </p:txBody>
+      </p:sp>
+      <p:sp>
+        <p:nvSpPr>
+          <p:cNvPr id="4" name="Slide Number Placeholder 3"/>
+          <p:cNvSpPr>
+            <a:spLocks noGrp="1"/>
+          </p:cNvSpPr>
+          <p:nvPr>
+            <p:ph type="sldNum" sz="quarter" idx="10"/>
+          </p:nvPr>
+        </p:nvSpPr>
+        <p:spPr/>
+        <p:txBody>
+          <a:bodyPr/>
+          <a:lstStyle/>
+          <a:p>
+            <a:fld id="{F7021451-1387-4CA6-816F-3879F97B5CBC}" type="slidenum">
+              <a:rPr lang="en-US"/>
+              <a:t>19</a:t>
+            </a:fld>
+            <a:endParaRPr lang="en-US"/>
+          </a:p>
+        </p:txBody>
+      </p:sp>
+    </p:spTree>
+    <p:extLst>
+      <p:ext uri="{BB962C8B-B14F-4D97-AF65-F5344CB8AC3E}">
+        <p14:creationId xmlns:p14="http://schemas.microsoft.com/office/powerpoint/2010/main" val="213637091"/>
       </p:ext>
     </p:extLst>
   </p:cSld>
@@ -1190,6 +1276,90 @@
 </p:notes>
 </file>
 
+<file path=ppt/notesSlides/notesSlide20.xml><?xml version="1.0" encoding="utf-8"?>
+<p:notes xmlns:a="http://schemas.openxmlformats.org/drawingml/2006/main" xmlns:r="http://schemas.openxmlformats.org/officeDocument/2006/relationships" xmlns:p="http://schemas.openxmlformats.org/presentationml/2006/main">
+  <p:cSld>
+    <p:spTree>
+      <p:nvGrpSpPr>
+        <p:cNvPr id="1" name=""/>
+        <p:cNvGrpSpPr/>
+        <p:nvPr/>
+      </p:nvGrpSpPr>
+      <p:grpSpPr>
+        <a:xfrm>
+          <a:off x="0" y="0"/>
+          <a:ext cx="0" cy="0"/>
+          <a:chOff x="0" y="0"/>
+          <a:chExt cx="0" cy="0"/>
+        </a:xfrm>
+      </p:grpSpPr>
+      <p:sp>
+        <p:nvSpPr>
+          <p:cNvPr id="2" name="Slide Image Placeholder 1"/>
+          <p:cNvSpPr>
+            <a:spLocks noGrp="1" noRot="1" noChangeAspect="1"/>
+          </p:cNvSpPr>
+          <p:nvPr>
+            <p:ph type="sldImg"/>
+          </p:nvPr>
+        </p:nvSpPr>
+        <p:spPr/>
+      </p:sp>
+      <p:sp>
+        <p:nvSpPr>
+          <p:cNvPr id="3" name="Notes Placeholder 2"/>
+          <p:cNvSpPr>
+            <a:spLocks noGrp="1"/>
+          </p:cNvSpPr>
+          <p:nvPr>
+            <p:ph type="body" idx="1"/>
+          </p:nvPr>
+        </p:nvSpPr>
+        <p:spPr/>
+        <p:txBody>
+          <a:bodyPr/>
+          <a:lstStyle/>
+          <a:p>
+            <a:endParaRPr lang="en-US" dirty="0"/>
+          </a:p>
+        </p:txBody>
+      </p:sp>
+      <p:sp>
+        <p:nvSpPr>
+          <p:cNvPr id="4" name="Slide Number Placeholder 3"/>
+          <p:cNvSpPr>
+            <a:spLocks noGrp="1"/>
+          </p:cNvSpPr>
+          <p:nvPr>
+            <p:ph type="sldNum" sz="quarter" idx="10"/>
+          </p:nvPr>
+        </p:nvSpPr>
+        <p:spPr/>
+        <p:txBody>
+          <a:bodyPr/>
+          <a:lstStyle/>
+          <a:p>
+            <a:fld id="{F7021451-1387-4CA6-816F-3879F97B5CBC}" type="slidenum">
+              <a:rPr lang="en-US"/>
+              <a:t>20</a:t>
+            </a:fld>
+            <a:endParaRPr lang="en-US"/>
+          </a:p>
+        </p:txBody>
+      </p:sp>
+    </p:spTree>
+    <p:extLst>
+      <p:ext uri="{BB962C8B-B14F-4D97-AF65-F5344CB8AC3E}">
+        <p14:creationId xmlns:p14="http://schemas.microsoft.com/office/powerpoint/2010/main" val="3278285955"/>
+      </p:ext>
+    </p:extLst>
+  </p:cSld>
+  <p:clrMapOvr>
+    <a:masterClrMapping/>
+  </p:clrMapOvr>
+</p:notes>
+</file>
+
 <file path=ppt/notesSlides/notesSlide3.xml><?xml version="1.0" encoding="utf-8"?>
 <p:notes xmlns:a="http://schemas.openxmlformats.org/drawingml/2006/main" xmlns:r="http://schemas.openxmlformats.org/officeDocument/2006/relationships" xmlns:p="http://schemas.openxmlformats.org/presentationml/2006/main">
   <p:cSld>
@@ -1264,7 +1434,7 @@
     </p:spTree>
     <p:extLst>
       <p:ext uri="{BB962C8B-B14F-4D97-AF65-F5344CB8AC3E}">
-        <p14:creationId xmlns:p14="http://schemas.microsoft.com/office/powerpoint/2010/main" val="1608348726"/>
+        <p14:creationId xmlns:p14="http://schemas.microsoft.com/office/powerpoint/2010/main" val="1602441274"/>
       </p:ext>
     </p:extLst>
   </p:cSld>
@@ -1348,7 +1518,7 @@
     </p:spTree>
     <p:extLst>
       <p:ext uri="{BB962C8B-B14F-4D97-AF65-F5344CB8AC3E}">
-        <p14:creationId xmlns:p14="http://schemas.microsoft.com/office/powerpoint/2010/main" val="1275714329"/>
+        <p14:creationId xmlns:p14="http://schemas.microsoft.com/office/powerpoint/2010/main" val="3055159290"/>
       </p:ext>
     </p:extLst>
   </p:cSld>
@@ -1432,7 +1602,7 @@
     </p:spTree>
     <p:extLst>
       <p:ext uri="{BB962C8B-B14F-4D97-AF65-F5344CB8AC3E}">
-        <p14:creationId xmlns:p14="http://schemas.microsoft.com/office/powerpoint/2010/main" val="647836622"/>
+        <p14:creationId xmlns:p14="http://schemas.microsoft.com/office/powerpoint/2010/main" val="1608348726"/>
       </p:ext>
     </p:extLst>
   </p:cSld>
@@ -1516,7 +1686,7 @@
     </p:spTree>
     <p:extLst>
       <p:ext uri="{BB962C8B-B14F-4D97-AF65-F5344CB8AC3E}">
-        <p14:creationId xmlns:p14="http://schemas.microsoft.com/office/powerpoint/2010/main" val="986532924"/>
+        <p14:creationId xmlns:p14="http://schemas.microsoft.com/office/powerpoint/2010/main" val="1275714329"/>
       </p:ext>
     </p:extLst>
   </p:cSld>
@@ -1600,7 +1770,7 @@
     </p:spTree>
     <p:extLst>
       <p:ext uri="{BB962C8B-B14F-4D97-AF65-F5344CB8AC3E}">
-        <p14:creationId xmlns:p14="http://schemas.microsoft.com/office/powerpoint/2010/main" val="3925158857"/>
+        <p14:creationId xmlns:p14="http://schemas.microsoft.com/office/powerpoint/2010/main" val="647836622"/>
       </p:ext>
     </p:extLst>
   </p:cSld>
@@ -1684,7 +1854,7 @@
     </p:spTree>
     <p:extLst>
       <p:ext uri="{BB962C8B-B14F-4D97-AF65-F5344CB8AC3E}">
-        <p14:creationId xmlns:p14="http://schemas.microsoft.com/office/powerpoint/2010/main" val="4223157187"/>
+        <p14:creationId xmlns:p14="http://schemas.microsoft.com/office/powerpoint/2010/main" val="986532924"/>
       </p:ext>
     </p:extLst>
   </p:cSld>
@@ -1768,7 +1938,7 @@
     </p:spTree>
     <p:extLst>
       <p:ext uri="{BB962C8B-B14F-4D97-AF65-F5344CB8AC3E}">
-        <p14:creationId xmlns:p14="http://schemas.microsoft.com/office/powerpoint/2010/main" val="3554653329"/>
+        <p14:creationId xmlns:p14="http://schemas.microsoft.com/office/powerpoint/2010/main" val="3925158857"/>
       </p:ext>
     </p:extLst>
   </p:cSld>
@@ -2694,6 +2864,2025 @@
       </p:grpSp>
       <p:sp>
         <p:nvSpPr>
+          <p:cNvPr id="71" name="Text 2"/>
+          <p:cNvSpPr/>
+          <p:nvPr/>
+        </p:nvSpPr>
+        <p:spPr>
+          <a:xfrm>
+            <a:off x="1115653" y="510855"/>
+            <a:ext cx="4443889" cy="694373"/>
+          </a:xfrm>
+          <a:prstGeom prst="rect">
+            <a:avLst/>
+          </a:prstGeom>
+          <a:noFill/>
+          <a:ln/>
+        </p:spPr>
+        <p:txBody>
+          <a:bodyPr wrap="none" rtlCol="0" anchor="t"/>
+          <a:lstStyle/>
+          <a:p>
+            <a:pPr algn="ctr">
+              <a:lnSpc>
+                <a:spcPts val="5468"/>
+              </a:lnSpc>
+            </a:pPr>
+            <a:r>
+              <a:rPr lang="ko-KR" altLang="en-US" sz="4370" dirty="0">
+                <a:solidFill>
+                  <a:schemeClr val="accent5">
+                    <a:lumMod val="50000"/>
+                  </a:schemeClr>
+                </a:solidFill>
+                <a:latin typeface="나눔고딕 ExtraBold" panose="020D0904000000000000" pitchFamily="50" charset="-127"/>
+                <a:ea typeface="나눔고딕 ExtraBold" panose="020D0904000000000000" pitchFamily="50" charset="-127"/>
+              </a:rPr>
+              <a:t>프로젝트 </a:t>
+            </a:r>
+            <a:r>
+              <a:rPr lang="ko-KR" altLang="en-US" sz="4370" dirty="0" err="1">
+                <a:solidFill>
+                  <a:schemeClr val="accent5">
+                    <a:lumMod val="50000"/>
+                  </a:schemeClr>
+                </a:solidFill>
+                <a:latin typeface="나눔고딕 ExtraBold" panose="020D0904000000000000" pitchFamily="50" charset="-127"/>
+                <a:ea typeface="나눔고딕 ExtraBold" panose="020D0904000000000000" pitchFamily="50" charset="-127"/>
+              </a:rPr>
+              <a:t>수행절차</a:t>
+            </a:r>
+            <a:endParaRPr lang="en-US" sz="4370" dirty="0">
+              <a:solidFill>
+                <a:schemeClr val="accent5">
+                  <a:lumMod val="50000"/>
+                </a:schemeClr>
+              </a:solidFill>
+              <a:latin typeface="나눔고딕 ExtraBold" panose="020D0904000000000000" pitchFamily="50" charset="-127"/>
+              <a:ea typeface="나눔고딕 ExtraBold" panose="020D0904000000000000" pitchFamily="50" charset="-127"/>
+            </a:endParaRPr>
+          </a:p>
+        </p:txBody>
+      </p:sp>
+      <p:sp>
+        <p:nvSpPr>
+          <p:cNvPr id="72" name="Shape 3"/>
+          <p:cNvSpPr/>
+          <p:nvPr/>
+        </p:nvSpPr>
+        <p:spPr>
+          <a:xfrm rot="16200000">
+            <a:off x="3285297" y="-1818376"/>
+            <a:ext cx="104602" cy="6151811"/>
+          </a:xfrm>
+          <a:prstGeom prst="rect">
+            <a:avLst/>
+          </a:prstGeom>
+          <a:solidFill>
+            <a:srgbClr val="E7EDF9"/>
+          </a:solidFill>
+          <a:ln/>
+        </p:spPr>
+      </p:sp>
+      <p:sp>
+        <p:nvSpPr>
+          <p:cNvPr id="7" name="Shape 3"/>
+          <p:cNvSpPr/>
+          <p:nvPr/>
+        </p:nvSpPr>
+        <p:spPr>
+          <a:xfrm rot="16200000" flipH="1">
+            <a:off x="7271888" y="-3200401"/>
+            <a:ext cx="86623" cy="14630401"/>
+          </a:xfrm>
+          <a:prstGeom prst="rect">
+            <a:avLst/>
+          </a:prstGeom>
+          <a:solidFill>
+            <a:srgbClr val="E7EDF9"/>
+          </a:solidFill>
+          <a:ln/>
+        </p:spPr>
+      </p:sp>
+      <p:grpSp>
+        <p:nvGrpSpPr>
+          <p:cNvPr id="2" name="그룹 1"/>
+          <p:cNvGrpSpPr/>
+          <p:nvPr/>
+        </p:nvGrpSpPr>
+        <p:grpSpPr>
+          <a:xfrm>
+            <a:off x="596405" y="3207703"/>
+            <a:ext cx="13437590" cy="1814194"/>
+            <a:chOff x="436373" y="2257293"/>
+            <a:chExt cx="13437590" cy="1814194"/>
+          </a:xfrm>
+        </p:grpSpPr>
+        <p:sp>
+          <p:nvSpPr>
+            <p:cNvPr id="8" name="타원 7"/>
+            <p:cNvSpPr/>
+            <p:nvPr/>
+          </p:nvSpPr>
+          <p:spPr>
+            <a:xfrm>
+              <a:off x="436373" y="2257293"/>
+              <a:ext cx="1877850" cy="1814194"/>
+            </a:xfrm>
+            <a:prstGeom prst="ellipse">
+              <a:avLst/>
+            </a:prstGeom>
+            <a:solidFill>
+              <a:schemeClr val="accent5">
+                <a:lumMod val="60000"/>
+                <a:lumOff val="40000"/>
+              </a:schemeClr>
+            </a:solidFill>
+            <a:ln>
+              <a:noFill/>
+            </a:ln>
+          </p:spPr>
+          <p:style>
+            <a:lnRef idx="2">
+              <a:schemeClr val="accent1">
+                <a:shade val="50000"/>
+              </a:schemeClr>
+            </a:lnRef>
+            <a:fillRef idx="1">
+              <a:schemeClr val="accent1"/>
+            </a:fillRef>
+            <a:effectRef idx="0">
+              <a:schemeClr val="accent1"/>
+            </a:effectRef>
+            <a:fontRef idx="minor">
+              <a:schemeClr val="lt1"/>
+            </a:fontRef>
+          </p:style>
+          <p:txBody>
+            <a:bodyPr rtlCol="0" anchor="ctr"/>
+            <a:lstStyle/>
+            <a:p>
+              <a:pPr algn="ctr"/>
+              <a:r>
+                <a:rPr lang="en-US" altLang="ko-KR" sz="2500" dirty="0">
+                  <a:solidFill>
+                    <a:schemeClr val="accent5">
+                      <a:lumMod val="50000"/>
+                    </a:schemeClr>
+                  </a:solidFill>
+                  <a:latin typeface="나눔고딕 ExtraBold" panose="020D0904000000000000" pitchFamily="50" charset="-127"/>
+                  <a:ea typeface="나눔고딕 ExtraBold" panose="020D0904000000000000" pitchFamily="50" charset="-127"/>
+                </a:rPr>
+                <a:t>9/12</a:t>
+              </a:r>
+              <a:endParaRPr lang="ko-KR" altLang="en-US" sz="2500" dirty="0">
+                <a:solidFill>
+                  <a:schemeClr val="accent5">
+                    <a:lumMod val="50000"/>
+                  </a:schemeClr>
+                </a:solidFill>
+                <a:latin typeface="나눔고딕 ExtraBold" panose="020D0904000000000000" pitchFamily="50" charset="-127"/>
+                <a:ea typeface="나눔고딕 ExtraBold" panose="020D0904000000000000" pitchFamily="50" charset="-127"/>
+              </a:endParaRPr>
+            </a:p>
+          </p:txBody>
+        </p:sp>
+        <p:sp>
+          <p:nvSpPr>
+            <p:cNvPr id="17" name="타원 16"/>
+            <p:cNvSpPr/>
+            <p:nvPr/>
+          </p:nvSpPr>
+          <p:spPr>
+            <a:xfrm>
+              <a:off x="3326308" y="2257293"/>
+              <a:ext cx="1877850" cy="1814194"/>
+            </a:xfrm>
+            <a:prstGeom prst="ellipse">
+              <a:avLst/>
+            </a:prstGeom>
+            <a:solidFill>
+              <a:schemeClr val="accent5">
+                <a:lumMod val="60000"/>
+                <a:lumOff val="40000"/>
+              </a:schemeClr>
+            </a:solidFill>
+            <a:ln>
+              <a:noFill/>
+            </a:ln>
+          </p:spPr>
+          <p:style>
+            <a:lnRef idx="2">
+              <a:schemeClr val="accent1">
+                <a:shade val="50000"/>
+              </a:schemeClr>
+            </a:lnRef>
+            <a:fillRef idx="1">
+              <a:schemeClr val="accent1"/>
+            </a:fillRef>
+            <a:effectRef idx="0">
+              <a:schemeClr val="accent1"/>
+            </a:effectRef>
+            <a:fontRef idx="minor">
+              <a:schemeClr val="lt1"/>
+            </a:fontRef>
+          </p:style>
+          <p:txBody>
+            <a:bodyPr rtlCol="0" anchor="ctr"/>
+            <a:lstStyle/>
+            <a:p>
+              <a:pPr algn="ctr"/>
+              <a:r>
+                <a:rPr lang="en-US" altLang="ko-KR" sz="2500" dirty="0">
+                  <a:solidFill>
+                    <a:schemeClr val="accent5">
+                      <a:lumMod val="50000"/>
+                    </a:schemeClr>
+                  </a:solidFill>
+                  <a:latin typeface="나눔고딕 ExtraBold" panose="020D0904000000000000" pitchFamily="50" charset="-127"/>
+                  <a:ea typeface="나눔고딕 ExtraBold" panose="020D0904000000000000" pitchFamily="50" charset="-127"/>
+                </a:rPr>
+                <a:t>9/14</a:t>
+              </a:r>
+              <a:endParaRPr lang="ko-KR" altLang="en-US" sz="2500" dirty="0">
+                <a:solidFill>
+                  <a:schemeClr val="accent5">
+                    <a:lumMod val="50000"/>
+                  </a:schemeClr>
+                </a:solidFill>
+                <a:latin typeface="나눔고딕 ExtraBold" panose="020D0904000000000000" pitchFamily="50" charset="-127"/>
+                <a:ea typeface="나눔고딕 ExtraBold" panose="020D0904000000000000" pitchFamily="50" charset="-127"/>
+              </a:endParaRPr>
+            </a:p>
+          </p:txBody>
+        </p:sp>
+        <p:sp>
+          <p:nvSpPr>
+            <p:cNvPr id="18" name="타원 17"/>
+            <p:cNvSpPr/>
+            <p:nvPr/>
+          </p:nvSpPr>
+          <p:spPr>
+            <a:xfrm>
+              <a:off x="6216243" y="2257293"/>
+              <a:ext cx="1877850" cy="1814194"/>
+            </a:xfrm>
+            <a:prstGeom prst="ellipse">
+              <a:avLst/>
+            </a:prstGeom>
+            <a:solidFill>
+              <a:schemeClr val="accent5">
+                <a:lumMod val="60000"/>
+                <a:lumOff val="40000"/>
+              </a:schemeClr>
+            </a:solidFill>
+            <a:ln>
+              <a:noFill/>
+            </a:ln>
+          </p:spPr>
+          <p:style>
+            <a:lnRef idx="2">
+              <a:schemeClr val="accent1">
+                <a:shade val="50000"/>
+              </a:schemeClr>
+            </a:lnRef>
+            <a:fillRef idx="1">
+              <a:schemeClr val="accent1"/>
+            </a:fillRef>
+            <a:effectRef idx="0">
+              <a:schemeClr val="accent1"/>
+            </a:effectRef>
+            <a:fontRef idx="minor">
+              <a:schemeClr val="lt1"/>
+            </a:fontRef>
+          </p:style>
+          <p:txBody>
+            <a:bodyPr rtlCol="0" anchor="ctr"/>
+            <a:lstStyle/>
+            <a:p>
+              <a:pPr algn="ctr"/>
+              <a:r>
+                <a:rPr lang="en-US" altLang="ko-KR" sz="2500" dirty="0">
+                  <a:solidFill>
+                    <a:schemeClr val="accent5">
+                      <a:lumMod val="50000"/>
+                    </a:schemeClr>
+                  </a:solidFill>
+                  <a:latin typeface="나눔고딕 ExtraBold" panose="020D0904000000000000" pitchFamily="50" charset="-127"/>
+                  <a:ea typeface="나눔고딕 ExtraBold" panose="020D0904000000000000" pitchFamily="50" charset="-127"/>
+                </a:rPr>
+                <a:t>9/16</a:t>
+              </a:r>
+              <a:endParaRPr lang="ko-KR" altLang="en-US" sz="2500" dirty="0">
+                <a:solidFill>
+                  <a:schemeClr val="accent5">
+                    <a:lumMod val="50000"/>
+                  </a:schemeClr>
+                </a:solidFill>
+                <a:latin typeface="나눔고딕 ExtraBold" panose="020D0904000000000000" pitchFamily="50" charset="-127"/>
+                <a:ea typeface="나눔고딕 ExtraBold" panose="020D0904000000000000" pitchFamily="50" charset="-127"/>
+              </a:endParaRPr>
+            </a:p>
+          </p:txBody>
+        </p:sp>
+        <p:sp>
+          <p:nvSpPr>
+            <p:cNvPr id="19" name="타원 18"/>
+            <p:cNvSpPr/>
+            <p:nvPr/>
+          </p:nvSpPr>
+          <p:spPr>
+            <a:xfrm>
+              <a:off x="9106178" y="2257293"/>
+              <a:ext cx="1877850" cy="1814194"/>
+            </a:xfrm>
+            <a:prstGeom prst="ellipse">
+              <a:avLst/>
+            </a:prstGeom>
+            <a:solidFill>
+              <a:schemeClr val="accent5">
+                <a:lumMod val="60000"/>
+                <a:lumOff val="40000"/>
+              </a:schemeClr>
+            </a:solidFill>
+            <a:ln>
+              <a:noFill/>
+            </a:ln>
+          </p:spPr>
+          <p:style>
+            <a:lnRef idx="2">
+              <a:schemeClr val="accent1">
+                <a:shade val="50000"/>
+              </a:schemeClr>
+            </a:lnRef>
+            <a:fillRef idx="1">
+              <a:schemeClr val="accent1"/>
+            </a:fillRef>
+            <a:effectRef idx="0">
+              <a:schemeClr val="accent1"/>
+            </a:effectRef>
+            <a:fontRef idx="minor">
+              <a:schemeClr val="lt1"/>
+            </a:fontRef>
+          </p:style>
+          <p:txBody>
+            <a:bodyPr rtlCol="0" anchor="ctr"/>
+            <a:lstStyle/>
+            <a:p>
+              <a:pPr algn="ctr"/>
+              <a:r>
+                <a:rPr lang="en-US" altLang="ko-KR" sz="2500" dirty="0" smtClean="0">
+                  <a:solidFill>
+                    <a:schemeClr val="accent5">
+                      <a:lumMod val="50000"/>
+                    </a:schemeClr>
+                  </a:solidFill>
+                  <a:latin typeface="나눔고딕 ExtraBold" panose="020D0904000000000000" pitchFamily="50" charset="-127"/>
+                  <a:ea typeface="나눔고딕 ExtraBold" panose="020D0904000000000000" pitchFamily="50" charset="-127"/>
+                </a:rPr>
+                <a:t>9/19</a:t>
+              </a:r>
+              <a:endParaRPr lang="ko-KR" altLang="en-US" sz="2500" dirty="0">
+                <a:solidFill>
+                  <a:schemeClr val="accent5">
+                    <a:lumMod val="50000"/>
+                  </a:schemeClr>
+                </a:solidFill>
+                <a:latin typeface="나눔고딕 ExtraBold" panose="020D0904000000000000" pitchFamily="50" charset="-127"/>
+                <a:ea typeface="나눔고딕 ExtraBold" panose="020D0904000000000000" pitchFamily="50" charset="-127"/>
+              </a:endParaRPr>
+            </a:p>
+          </p:txBody>
+        </p:sp>
+        <p:sp>
+          <p:nvSpPr>
+            <p:cNvPr id="20" name="타원 19"/>
+            <p:cNvSpPr/>
+            <p:nvPr/>
+          </p:nvSpPr>
+          <p:spPr>
+            <a:xfrm>
+              <a:off x="11996113" y="2257293"/>
+              <a:ext cx="1877850" cy="1814194"/>
+            </a:xfrm>
+            <a:prstGeom prst="ellipse">
+              <a:avLst/>
+            </a:prstGeom>
+            <a:solidFill>
+              <a:schemeClr val="accent5">
+                <a:lumMod val="60000"/>
+                <a:lumOff val="40000"/>
+              </a:schemeClr>
+            </a:solidFill>
+            <a:ln>
+              <a:noFill/>
+            </a:ln>
+          </p:spPr>
+          <p:style>
+            <a:lnRef idx="2">
+              <a:schemeClr val="accent1">
+                <a:shade val="50000"/>
+              </a:schemeClr>
+            </a:lnRef>
+            <a:fillRef idx="1">
+              <a:schemeClr val="accent1"/>
+            </a:fillRef>
+            <a:effectRef idx="0">
+              <a:schemeClr val="accent1"/>
+            </a:effectRef>
+            <a:fontRef idx="minor">
+              <a:schemeClr val="lt1"/>
+            </a:fontRef>
+          </p:style>
+          <p:txBody>
+            <a:bodyPr rtlCol="0" anchor="ctr"/>
+            <a:lstStyle/>
+            <a:p>
+              <a:pPr algn="ctr"/>
+              <a:r>
+                <a:rPr lang="en-US" altLang="ko-KR" sz="2500" dirty="0">
+                  <a:solidFill>
+                    <a:schemeClr val="accent5">
+                      <a:lumMod val="50000"/>
+                    </a:schemeClr>
+                  </a:solidFill>
+                  <a:latin typeface="나눔고딕 ExtraBold" panose="020D0904000000000000" pitchFamily="50" charset="-127"/>
+                  <a:ea typeface="나눔고딕 ExtraBold" panose="020D0904000000000000" pitchFamily="50" charset="-127"/>
+                </a:rPr>
+                <a:t>9/20</a:t>
+              </a:r>
+              <a:endParaRPr lang="ko-KR" altLang="en-US" sz="2500" dirty="0">
+                <a:solidFill>
+                  <a:schemeClr val="accent5">
+                    <a:lumMod val="50000"/>
+                  </a:schemeClr>
+                </a:solidFill>
+                <a:latin typeface="나눔고딕 ExtraBold" panose="020D0904000000000000" pitchFamily="50" charset="-127"/>
+                <a:ea typeface="나눔고딕 ExtraBold" panose="020D0904000000000000" pitchFamily="50" charset="-127"/>
+              </a:endParaRPr>
+            </a:p>
+          </p:txBody>
+        </p:sp>
+      </p:grpSp>
+      <p:sp>
+        <p:nvSpPr>
+          <p:cNvPr id="3" name="직사각형 2"/>
+          <p:cNvSpPr/>
+          <p:nvPr/>
+        </p:nvSpPr>
+        <p:spPr>
+          <a:xfrm>
+            <a:off x="180724" y="5178175"/>
+            <a:ext cx="2709212" cy="965771"/>
+          </a:xfrm>
+          <a:prstGeom prst="rect">
+            <a:avLst/>
+          </a:prstGeom>
+          <a:noFill/>
+          <a:ln>
+            <a:noFill/>
+          </a:ln>
+        </p:spPr>
+        <p:style>
+          <a:lnRef idx="2">
+            <a:schemeClr val="accent5"/>
+          </a:lnRef>
+          <a:fillRef idx="1">
+            <a:schemeClr val="lt1"/>
+          </a:fillRef>
+          <a:effectRef idx="0">
+            <a:schemeClr val="accent5"/>
+          </a:effectRef>
+          <a:fontRef idx="minor">
+            <a:schemeClr val="dk1"/>
+          </a:fontRef>
+        </p:style>
+        <p:txBody>
+          <a:bodyPr rtlCol="0" anchor="ctr"/>
+          <a:lstStyle/>
+          <a:p>
+            <a:pPr indent="-285750">
+              <a:buFont typeface="Arial" panose="020B0604020202020204" pitchFamily="34" charset="0"/>
+              <a:buChar char="•"/>
+            </a:pPr>
+            <a:r>
+              <a:rPr lang="ko-KR" altLang="en-US" dirty="0">
+                <a:solidFill>
+                  <a:schemeClr val="accent5">
+                    <a:lumMod val="50000"/>
+                  </a:schemeClr>
+                </a:solidFill>
+                <a:latin typeface="나눔고딕 ExtraBold" panose="020D0904000000000000" pitchFamily="50" charset="-127"/>
+                <a:ea typeface="나눔고딕 ExtraBold" panose="020D0904000000000000" pitchFamily="50" charset="-127"/>
+              </a:rPr>
+              <a:t>프로젝트 주제 선정</a:t>
+            </a:r>
+            <a:r>
+              <a:rPr lang="en-US" altLang="ko-KR" dirty="0">
+                <a:solidFill>
+                  <a:schemeClr val="accent5">
+                    <a:lumMod val="50000"/>
+                  </a:schemeClr>
+                </a:solidFill>
+                <a:latin typeface="나눔고딕 ExtraBold" panose="020D0904000000000000" pitchFamily="50" charset="-127"/>
+                <a:ea typeface="나눔고딕 ExtraBold" panose="020D0904000000000000" pitchFamily="50" charset="-127"/>
+              </a:rPr>
+              <a:t/>
+            </a:r>
+            <a:br>
+              <a:rPr lang="en-US" altLang="ko-KR" dirty="0">
+                <a:solidFill>
+                  <a:schemeClr val="accent5">
+                    <a:lumMod val="50000"/>
+                  </a:schemeClr>
+                </a:solidFill>
+                <a:latin typeface="나눔고딕 ExtraBold" panose="020D0904000000000000" pitchFamily="50" charset="-127"/>
+                <a:ea typeface="나눔고딕 ExtraBold" panose="020D0904000000000000" pitchFamily="50" charset="-127"/>
+              </a:rPr>
+            </a:br>
+            <a:r>
+              <a:rPr lang="en-US" altLang="ko-KR" dirty="0" smtClean="0">
+                <a:solidFill>
+                  <a:schemeClr val="accent5">
+                    <a:lumMod val="50000"/>
+                  </a:schemeClr>
+                </a:solidFill>
+                <a:latin typeface="나눔고딕 ExtraBold" panose="020D0904000000000000" pitchFamily="50" charset="-127"/>
+                <a:ea typeface="나눔고딕 ExtraBold" panose="020D0904000000000000" pitchFamily="50" charset="-127"/>
+              </a:rPr>
+              <a:t>     (</a:t>
+            </a:r>
+            <a:r>
+              <a:rPr lang="ko-KR" altLang="en-US" dirty="0">
+                <a:solidFill>
+                  <a:schemeClr val="accent5">
+                    <a:lumMod val="50000"/>
+                  </a:schemeClr>
+                </a:solidFill>
+                <a:latin typeface="나눔고딕 ExtraBold" panose="020D0904000000000000" pitchFamily="50" charset="-127"/>
+                <a:ea typeface="나눔고딕 ExtraBold" panose="020D0904000000000000" pitchFamily="50" charset="-127"/>
+              </a:rPr>
+              <a:t>가계부 프로그램</a:t>
+            </a:r>
+            <a:r>
+              <a:rPr lang="en-US" altLang="ko-KR" dirty="0">
+                <a:solidFill>
+                  <a:schemeClr val="accent5">
+                    <a:lumMod val="50000"/>
+                  </a:schemeClr>
+                </a:solidFill>
+                <a:latin typeface="나눔고딕 ExtraBold" panose="020D0904000000000000" pitchFamily="50" charset="-127"/>
+                <a:ea typeface="나눔고딕 ExtraBold" panose="020D0904000000000000" pitchFamily="50" charset="-127"/>
+              </a:rPr>
+              <a:t>)</a:t>
+            </a:r>
+            <a:endParaRPr lang="ko-KR" altLang="en-US" dirty="0">
+              <a:solidFill>
+                <a:schemeClr val="accent5">
+                  <a:lumMod val="50000"/>
+                </a:schemeClr>
+              </a:solidFill>
+              <a:latin typeface="나눔고딕 ExtraBold" panose="020D0904000000000000" pitchFamily="50" charset="-127"/>
+              <a:ea typeface="나눔고딕 ExtraBold" panose="020D0904000000000000" pitchFamily="50" charset="-127"/>
+            </a:endParaRPr>
+          </a:p>
+        </p:txBody>
+      </p:sp>
+      <p:sp>
+        <p:nvSpPr>
+          <p:cNvPr id="24" name="직사각형 23"/>
+          <p:cNvSpPr/>
+          <p:nvPr/>
+        </p:nvSpPr>
+        <p:spPr>
+          <a:xfrm>
+            <a:off x="3070659" y="5178175"/>
+            <a:ext cx="2709212" cy="965771"/>
+          </a:xfrm>
+          <a:prstGeom prst="rect">
+            <a:avLst/>
+          </a:prstGeom>
+          <a:noFill/>
+          <a:ln>
+            <a:noFill/>
+          </a:ln>
+        </p:spPr>
+        <p:style>
+          <a:lnRef idx="2">
+            <a:schemeClr val="accent5"/>
+          </a:lnRef>
+          <a:fillRef idx="1">
+            <a:schemeClr val="lt1"/>
+          </a:fillRef>
+          <a:effectRef idx="0">
+            <a:schemeClr val="accent5"/>
+          </a:effectRef>
+          <a:fontRef idx="minor">
+            <a:schemeClr val="dk1"/>
+          </a:fontRef>
+        </p:style>
+        <p:txBody>
+          <a:bodyPr rtlCol="0" anchor="ctr"/>
+          <a:lstStyle/>
+          <a:p>
+            <a:pPr indent="-285750">
+              <a:buFont typeface="Arial" panose="020B0604020202020204" pitchFamily="34" charset="0"/>
+              <a:buChar char="•"/>
+            </a:pPr>
+            <a:r>
+              <a:rPr lang="en-US" altLang="ko-KR" dirty="0">
+                <a:solidFill>
+                  <a:schemeClr val="accent5">
+                    <a:lumMod val="50000"/>
+                  </a:schemeClr>
+                </a:solidFill>
+                <a:latin typeface="나눔고딕 ExtraBold" panose="020D0904000000000000" pitchFamily="50" charset="-127"/>
+                <a:ea typeface="나눔고딕 ExtraBold" panose="020D0904000000000000" pitchFamily="50" charset="-127"/>
+              </a:rPr>
+              <a:t>UI</a:t>
+            </a:r>
+            <a:r>
+              <a:rPr lang="ko-KR" altLang="en-US" dirty="0">
+                <a:solidFill>
+                  <a:schemeClr val="accent5">
+                    <a:lumMod val="50000"/>
+                  </a:schemeClr>
+                </a:solidFill>
+                <a:latin typeface="나눔고딕 ExtraBold" panose="020D0904000000000000" pitchFamily="50" charset="-127"/>
+                <a:ea typeface="나눔고딕 ExtraBold" panose="020D0904000000000000" pitchFamily="50" charset="-127"/>
+              </a:rPr>
+              <a:t> 구조 설계 구현</a:t>
+            </a:r>
+            <a:endParaRPr lang="en-US" altLang="ko-KR" dirty="0">
+              <a:solidFill>
+                <a:schemeClr val="accent5">
+                  <a:lumMod val="50000"/>
+                </a:schemeClr>
+              </a:solidFill>
+              <a:latin typeface="나눔고딕 ExtraBold" panose="020D0904000000000000" pitchFamily="50" charset="-127"/>
+              <a:ea typeface="나눔고딕 ExtraBold" panose="020D0904000000000000" pitchFamily="50" charset="-127"/>
+            </a:endParaRPr>
+          </a:p>
+          <a:p>
+            <a:pPr indent="-285750">
+              <a:buFont typeface="Arial" panose="020B0604020202020204" pitchFamily="34" charset="0"/>
+              <a:buChar char="•"/>
+            </a:pPr>
+            <a:r>
+              <a:rPr lang="ko-KR" altLang="en-US" dirty="0">
+                <a:solidFill>
+                  <a:schemeClr val="accent5">
+                    <a:lumMod val="50000"/>
+                  </a:schemeClr>
+                </a:solidFill>
+                <a:latin typeface="나눔고딕 ExtraBold" panose="020D0904000000000000" pitchFamily="50" charset="-127"/>
+                <a:ea typeface="나눔고딕 ExtraBold" panose="020D0904000000000000" pitchFamily="50" charset="-127"/>
+              </a:rPr>
+              <a:t>필수 구성 요소 구현</a:t>
+            </a:r>
+          </a:p>
+        </p:txBody>
+      </p:sp>
+      <p:sp>
+        <p:nvSpPr>
+          <p:cNvPr id="25" name="직사각형 24"/>
+          <p:cNvSpPr/>
+          <p:nvPr/>
+        </p:nvSpPr>
+        <p:spPr>
+          <a:xfrm>
+            <a:off x="5960593" y="5178175"/>
+            <a:ext cx="2709212" cy="965771"/>
+          </a:xfrm>
+          <a:prstGeom prst="rect">
+            <a:avLst/>
+          </a:prstGeom>
+          <a:noFill/>
+          <a:ln>
+            <a:noFill/>
+          </a:ln>
+        </p:spPr>
+        <p:style>
+          <a:lnRef idx="2">
+            <a:schemeClr val="accent5"/>
+          </a:lnRef>
+          <a:fillRef idx="1">
+            <a:schemeClr val="lt1"/>
+          </a:fillRef>
+          <a:effectRef idx="0">
+            <a:schemeClr val="accent5"/>
+          </a:effectRef>
+          <a:fontRef idx="minor">
+            <a:schemeClr val="dk1"/>
+          </a:fontRef>
+        </p:style>
+        <p:txBody>
+          <a:bodyPr rtlCol="0" anchor="ctr"/>
+          <a:lstStyle/>
+          <a:p>
+            <a:pPr indent="-285750">
+              <a:buFont typeface="Arial" panose="020B0604020202020204" pitchFamily="34" charset="0"/>
+              <a:buChar char="•"/>
+            </a:pPr>
+            <a:r>
+              <a:rPr lang="en-US" altLang="ko-KR" dirty="0">
+                <a:solidFill>
+                  <a:schemeClr val="accent5">
+                    <a:lumMod val="50000"/>
+                  </a:schemeClr>
+                </a:solidFill>
+                <a:latin typeface="나눔고딕 ExtraBold" panose="020D0904000000000000" pitchFamily="50" charset="-127"/>
+                <a:ea typeface="나눔고딕 ExtraBold" panose="020D0904000000000000" pitchFamily="50" charset="-127"/>
+              </a:rPr>
+              <a:t>UI </a:t>
+            </a:r>
+            <a:r>
+              <a:rPr lang="ko-KR" altLang="en-US" dirty="0">
+                <a:solidFill>
+                  <a:schemeClr val="accent5">
+                    <a:lumMod val="50000"/>
+                  </a:schemeClr>
+                </a:solidFill>
+                <a:latin typeface="나눔고딕 ExtraBold" panose="020D0904000000000000" pitchFamily="50" charset="-127"/>
+                <a:ea typeface="나눔고딕 ExtraBold" panose="020D0904000000000000" pitchFamily="50" charset="-127"/>
+              </a:rPr>
+              <a:t>수정</a:t>
+            </a:r>
+            <a:endParaRPr lang="en-US" altLang="ko-KR" dirty="0">
+              <a:solidFill>
+                <a:schemeClr val="accent5">
+                  <a:lumMod val="50000"/>
+                </a:schemeClr>
+              </a:solidFill>
+              <a:latin typeface="나눔고딕 ExtraBold" panose="020D0904000000000000" pitchFamily="50" charset="-127"/>
+              <a:ea typeface="나눔고딕 ExtraBold" panose="020D0904000000000000" pitchFamily="50" charset="-127"/>
+            </a:endParaRPr>
+          </a:p>
+          <a:p>
+            <a:pPr indent="-285750">
+              <a:buFont typeface="Arial" panose="020B0604020202020204" pitchFamily="34" charset="0"/>
+              <a:buChar char="•"/>
+            </a:pPr>
+            <a:r>
+              <a:rPr lang="ko-KR" altLang="en-US" dirty="0">
+                <a:solidFill>
+                  <a:schemeClr val="accent5">
+                    <a:lumMod val="50000"/>
+                  </a:schemeClr>
+                </a:solidFill>
+                <a:latin typeface="나눔고딕 ExtraBold" panose="020D0904000000000000" pitchFamily="50" charset="-127"/>
+                <a:ea typeface="나눔고딕 ExtraBold" panose="020D0904000000000000" pitchFamily="50" charset="-127"/>
+              </a:rPr>
+              <a:t>뒤로 가기 기능 추가</a:t>
+            </a:r>
+            <a:endParaRPr lang="en-US" altLang="ko-KR" dirty="0">
+              <a:solidFill>
+                <a:schemeClr val="accent5">
+                  <a:lumMod val="50000"/>
+                </a:schemeClr>
+              </a:solidFill>
+              <a:latin typeface="나눔고딕 ExtraBold" panose="020D0904000000000000" pitchFamily="50" charset="-127"/>
+              <a:ea typeface="나눔고딕 ExtraBold" panose="020D0904000000000000" pitchFamily="50" charset="-127"/>
+            </a:endParaRPr>
+          </a:p>
+          <a:p>
+            <a:pPr indent="-285750">
+              <a:buFont typeface="Arial" panose="020B0604020202020204" pitchFamily="34" charset="0"/>
+              <a:buChar char="•"/>
+            </a:pPr>
+            <a:r>
+              <a:rPr lang="ko-KR" altLang="en-US" dirty="0">
+                <a:solidFill>
+                  <a:schemeClr val="accent5">
+                    <a:lumMod val="50000"/>
+                  </a:schemeClr>
+                </a:solidFill>
+                <a:latin typeface="나눔고딕 ExtraBold" panose="020D0904000000000000" pitchFamily="50" charset="-127"/>
+                <a:ea typeface="나눔고딕 ExtraBold" panose="020D0904000000000000" pitchFamily="50" charset="-127"/>
+              </a:rPr>
+              <a:t>오류 수정</a:t>
+            </a:r>
+          </a:p>
+        </p:txBody>
+      </p:sp>
+      <p:sp>
+        <p:nvSpPr>
+          <p:cNvPr id="26" name="직사각형 25"/>
+          <p:cNvSpPr/>
+          <p:nvPr/>
+        </p:nvSpPr>
+        <p:spPr>
+          <a:xfrm>
+            <a:off x="8850527" y="5178175"/>
+            <a:ext cx="2709212" cy="965771"/>
+          </a:xfrm>
+          <a:prstGeom prst="rect">
+            <a:avLst/>
+          </a:prstGeom>
+          <a:noFill/>
+          <a:ln>
+            <a:noFill/>
+          </a:ln>
+        </p:spPr>
+        <p:style>
+          <a:lnRef idx="2">
+            <a:schemeClr val="accent5"/>
+          </a:lnRef>
+          <a:fillRef idx="1">
+            <a:schemeClr val="lt1"/>
+          </a:fillRef>
+          <a:effectRef idx="0">
+            <a:schemeClr val="accent5"/>
+          </a:effectRef>
+          <a:fontRef idx="minor">
+            <a:schemeClr val="dk1"/>
+          </a:fontRef>
+        </p:style>
+        <p:txBody>
+          <a:bodyPr rtlCol="0" anchor="ctr"/>
+          <a:lstStyle/>
+          <a:p>
+            <a:pPr indent="-285750">
+              <a:buFont typeface="Arial" panose="020B0604020202020204" pitchFamily="34" charset="0"/>
+              <a:buChar char="•"/>
+            </a:pPr>
+            <a:r>
+              <a:rPr lang="ko-KR" altLang="en-US" dirty="0">
+                <a:solidFill>
+                  <a:schemeClr val="accent5">
+                    <a:lumMod val="50000"/>
+                  </a:schemeClr>
+                </a:solidFill>
+                <a:latin typeface="나눔고딕 ExtraBold" panose="020D0904000000000000" pitchFamily="50" charset="-127"/>
+                <a:ea typeface="나눔고딕 ExtraBold" panose="020D0904000000000000" pitchFamily="50" charset="-127"/>
+              </a:rPr>
+              <a:t>코드 간소화 작업</a:t>
+            </a:r>
+            <a:endParaRPr lang="en-US" altLang="ko-KR" dirty="0">
+              <a:solidFill>
+                <a:schemeClr val="accent5">
+                  <a:lumMod val="50000"/>
+                </a:schemeClr>
+              </a:solidFill>
+              <a:latin typeface="나눔고딕 ExtraBold" panose="020D0904000000000000" pitchFamily="50" charset="-127"/>
+              <a:ea typeface="나눔고딕 ExtraBold" panose="020D0904000000000000" pitchFamily="50" charset="-127"/>
+            </a:endParaRPr>
+          </a:p>
+          <a:p>
+            <a:pPr indent="-285750">
+              <a:buFont typeface="Arial" panose="020B0604020202020204" pitchFamily="34" charset="0"/>
+              <a:buChar char="•"/>
+            </a:pPr>
+            <a:r>
+              <a:rPr lang="ko-KR" altLang="en-US" dirty="0">
+                <a:solidFill>
+                  <a:schemeClr val="accent5">
+                    <a:lumMod val="50000"/>
+                  </a:schemeClr>
+                </a:solidFill>
+                <a:latin typeface="나눔고딕 ExtraBold" panose="020D0904000000000000" pitchFamily="50" charset="-127"/>
+                <a:ea typeface="나눔고딕 ExtraBold" panose="020D0904000000000000" pitchFamily="50" charset="-127"/>
+              </a:rPr>
+              <a:t>오류 수정</a:t>
+            </a:r>
+            <a:endParaRPr lang="en-US" altLang="ko-KR" dirty="0">
+              <a:solidFill>
+                <a:schemeClr val="accent5">
+                  <a:lumMod val="50000"/>
+                </a:schemeClr>
+              </a:solidFill>
+              <a:latin typeface="나눔고딕 ExtraBold" panose="020D0904000000000000" pitchFamily="50" charset="-127"/>
+              <a:ea typeface="나눔고딕 ExtraBold" panose="020D0904000000000000" pitchFamily="50" charset="-127"/>
+            </a:endParaRPr>
+          </a:p>
+          <a:p>
+            <a:pPr indent="-285750">
+              <a:buFont typeface="Arial" panose="020B0604020202020204" pitchFamily="34" charset="0"/>
+              <a:buChar char="•"/>
+            </a:pPr>
+            <a:endParaRPr lang="ko-KR" altLang="en-US" dirty="0">
+              <a:solidFill>
+                <a:schemeClr val="accent5">
+                  <a:lumMod val="50000"/>
+                </a:schemeClr>
+              </a:solidFill>
+              <a:latin typeface="나눔고딕 ExtraBold" panose="020D0904000000000000" pitchFamily="50" charset="-127"/>
+              <a:ea typeface="나눔고딕 ExtraBold" panose="020D0904000000000000" pitchFamily="50" charset="-127"/>
+            </a:endParaRPr>
+          </a:p>
+        </p:txBody>
+      </p:sp>
+      <p:sp>
+        <p:nvSpPr>
+          <p:cNvPr id="27" name="직사각형 26"/>
+          <p:cNvSpPr/>
+          <p:nvPr/>
+        </p:nvSpPr>
+        <p:spPr>
+          <a:xfrm>
+            <a:off x="11740461" y="5178175"/>
+            <a:ext cx="2709212" cy="965771"/>
+          </a:xfrm>
+          <a:prstGeom prst="rect">
+            <a:avLst/>
+          </a:prstGeom>
+          <a:noFill/>
+          <a:ln>
+            <a:noFill/>
+          </a:ln>
+        </p:spPr>
+        <p:style>
+          <a:lnRef idx="2">
+            <a:schemeClr val="accent5"/>
+          </a:lnRef>
+          <a:fillRef idx="1">
+            <a:schemeClr val="lt1"/>
+          </a:fillRef>
+          <a:effectRef idx="0">
+            <a:schemeClr val="accent5"/>
+          </a:effectRef>
+          <a:fontRef idx="minor">
+            <a:schemeClr val="dk1"/>
+          </a:fontRef>
+        </p:style>
+        <p:txBody>
+          <a:bodyPr rtlCol="0" anchor="ctr"/>
+          <a:lstStyle/>
+          <a:p>
+            <a:pPr indent="-285750">
+              <a:buFont typeface="Arial" panose="020B0604020202020204" pitchFamily="34" charset="0"/>
+              <a:buChar char="•"/>
+            </a:pPr>
+            <a:r>
+              <a:rPr lang="ko-KR" altLang="en-US" dirty="0">
+                <a:solidFill>
+                  <a:schemeClr val="accent5">
+                    <a:lumMod val="50000"/>
+                  </a:schemeClr>
+                </a:solidFill>
+                <a:latin typeface="나눔고딕 ExtraBold" panose="020D0904000000000000" pitchFamily="50" charset="-127"/>
+                <a:ea typeface="나눔고딕 ExtraBold" panose="020D0904000000000000" pitchFamily="50" charset="-127"/>
+              </a:rPr>
+              <a:t>코드 오류 검증</a:t>
+            </a:r>
+            <a:endParaRPr lang="en-US" altLang="ko-KR" dirty="0">
+              <a:solidFill>
+                <a:schemeClr val="accent5">
+                  <a:lumMod val="50000"/>
+                </a:schemeClr>
+              </a:solidFill>
+              <a:latin typeface="나눔고딕 ExtraBold" panose="020D0904000000000000" pitchFamily="50" charset="-127"/>
+              <a:ea typeface="나눔고딕 ExtraBold" panose="020D0904000000000000" pitchFamily="50" charset="-127"/>
+            </a:endParaRPr>
+          </a:p>
+          <a:p>
+            <a:pPr indent="-285750">
+              <a:buFont typeface="Arial" panose="020B0604020202020204" pitchFamily="34" charset="0"/>
+              <a:buChar char="•"/>
+            </a:pPr>
+            <a:r>
+              <a:rPr lang="en-US" altLang="ko-KR" dirty="0">
+                <a:solidFill>
+                  <a:schemeClr val="accent5">
+                    <a:lumMod val="50000"/>
+                  </a:schemeClr>
+                </a:solidFill>
+                <a:latin typeface="나눔고딕 ExtraBold" panose="020D0904000000000000" pitchFamily="50" charset="-127"/>
+                <a:ea typeface="나눔고딕 ExtraBold" panose="020D0904000000000000" pitchFamily="50" charset="-127"/>
+              </a:rPr>
+              <a:t>UI </a:t>
+            </a:r>
+            <a:r>
+              <a:rPr lang="ko-KR" altLang="en-US" dirty="0" err="1">
+                <a:solidFill>
+                  <a:schemeClr val="accent5">
+                    <a:lumMod val="50000"/>
+                  </a:schemeClr>
+                </a:solidFill>
+                <a:latin typeface="나눔고딕 ExtraBold" panose="020D0904000000000000" pitchFamily="50" charset="-127"/>
+                <a:ea typeface="나눔고딕 ExtraBold" panose="020D0904000000000000" pitchFamily="50" charset="-127"/>
+              </a:rPr>
+              <a:t>최종수정</a:t>
+            </a:r>
+            <a:endParaRPr lang="en-US" altLang="ko-KR" dirty="0">
+              <a:solidFill>
+                <a:schemeClr val="accent5">
+                  <a:lumMod val="50000"/>
+                </a:schemeClr>
+              </a:solidFill>
+              <a:latin typeface="나눔고딕 ExtraBold" panose="020D0904000000000000" pitchFamily="50" charset="-127"/>
+              <a:ea typeface="나눔고딕 ExtraBold" panose="020D0904000000000000" pitchFamily="50" charset="-127"/>
+            </a:endParaRPr>
+          </a:p>
+          <a:p>
+            <a:pPr indent="-285750">
+              <a:buFont typeface="Arial" panose="020B0604020202020204" pitchFamily="34" charset="0"/>
+              <a:buChar char="•"/>
+            </a:pPr>
+            <a:r>
+              <a:rPr lang="ko-KR" altLang="en-US" dirty="0">
+                <a:solidFill>
+                  <a:schemeClr val="accent5">
+                    <a:lumMod val="50000"/>
+                  </a:schemeClr>
+                </a:solidFill>
+                <a:latin typeface="나눔고딕 ExtraBold" panose="020D0904000000000000" pitchFamily="50" charset="-127"/>
+                <a:ea typeface="나눔고딕 ExtraBold" panose="020D0904000000000000" pitchFamily="50" charset="-127"/>
+              </a:rPr>
+              <a:t>프로그램 완성</a:t>
+            </a:r>
+          </a:p>
+        </p:txBody>
+      </p:sp>
+    </p:spTree>
+    <p:extLst>
+      <p:ext uri="{BB962C8B-B14F-4D97-AF65-F5344CB8AC3E}">
+        <p14:creationId xmlns:p14="http://schemas.microsoft.com/office/powerpoint/2010/main" val="386533802"/>
+      </p:ext>
+    </p:extLst>
+  </p:cSld>
+  <p:clrMapOvr>
+    <a:masterClrMapping/>
+  </p:clrMapOvr>
+  <p:timing>
+    <p:tnLst>
+      <p:par>
+        <p:cTn id="1" dur="indefinite" restart="never" nodeType="tmRoot"/>
+      </p:par>
+    </p:tnLst>
+  </p:timing>
+</p:sld>
+</file>
+
+<file path=ppt/slides/slide11.xml><?xml version="1.0" encoding="utf-8"?>
+<p:sld xmlns:a="http://schemas.openxmlformats.org/drawingml/2006/main" xmlns:r="http://schemas.openxmlformats.org/officeDocument/2006/relationships" xmlns:p="http://schemas.openxmlformats.org/presentationml/2006/main">
+  <p:cSld>
+    <p:spTree>
+      <p:nvGrpSpPr>
+        <p:cNvPr id="1" name=""/>
+        <p:cNvGrpSpPr/>
+        <p:nvPr/>
+      </p:nvGrpSpPr>
+      <p:grpSpPr>
+        <a:xfrm>
+          <a:off x="0" y="0"/>
+          <a:ext cx="0" cy="0"/>
+          <a:chOff x="0" y="0"/>
+          <a:chExt cx="0" cy="0"/>
+        </a:xfrm>
+      </p:grpSpPr>
+      <p:pic>
+        <p:nvPicPr>
+          <p:cNvPr id="2" name="그림 1"/>
+          <p:cNvPicPr>
+            <a:picLocks noChangeAspect="1"/>
+          </p:cNvPicPr>
+          <p:nvPr/>
+        </p:nvPicPr>
+        <p:blipFill>
+          <a:blip r:embed="rId3">
+            <a:extLst>
+              <a:ext uri="{28A0092B-C50C-407E-A947-70E740481C1C}">
+                <a14:useLocalDpi xmlns:a14="http://schemas.microsoft.com/office/drawing/2010/main" val="0"/>
+              </a:ext>
+            </a:extLst>
+          </a:blip>
+          <a:stretch>
+            <a:fillRect/>
+          </a:stretch>
+        </p:blipFill>
+        <p:spPr>
+          <a:xfrm>
+            <a:off x="6813051" y="1309831"/>
+            <a:ext cx="7086600" cy="6248400"/>
+          </a:xfrm>
+          <a:prstGeom prst="rect">
+            <a:avLst/>
+          </a:prstGeom>
+        </p:spPr>
+      </p:pic>
+      <p:grpSp>
+        <p:nvGrpSpPr>
+          <p:cNvPr id="10" name="그룹 9"/>
+          <p:cNvGrpSpPr/>
+          <p:nvPr/>
+        </p:nvGrpSpPr>
+        <p:grpSpPr>
+          <a:xfrm>
+            <a:off x="1" y="5936343"/>
+            <a:ext cx="14630399" cy="2293257"/>
+            <a:chOff x="1" y="5936343"/>
+            <a:chExt cx="14630399" cy="2293257"/>
+          </a:xfrm>
+        </p:grpSpPr>
+        <p:sp>
+          <p:nvSpPr>
+            <p:cNvPr id="11" name="직각 삼각형 10"/>
+            <p:cNvSpPr/>
+            <p:nvPr/>
+          </p:nvSpPr>
+          <p:spPr>
+            <a:xfrm>
+              <a:off x="1" y="5936343"/>
+              <a:ext cx="14630399" cy="2293257"/>
+            </a:xfrm>
+            <a:prstGeom prst="rtTriangle">
+              <a:avLst/>
+            </a:prstGeom>
+            <a:solidFill>
+              <a:schemeClr val="accent5">
+                <a:lumMod val="20000"/>
+                <a:lumOff val="80000"/>
+              </a:schemeClr>
+            </a:solidFill>
+            <a:ln>
+              <a:noFill/>
+            </a:ln>
+          </p:spPr>
+          <p:style>
+            <a:lnRef idx="2">
+              <a:schemeClr val="accent1">
+                <a:shade val="50000"/>
+              </a:schemeClr>
+            </a:lnRef>
+            <a:fillRef idx="1">
+              <a:schemeClr val="accent1"/>
+            </a:fillRef>
+            <a:effectRef idx="0">
+              <a:schemeClr val="accent1"/>
+            </a:effectRef>
+            <a:fontRef idx="minor">
+              <a:schemeClr val="lt1"/>
+            </a:fontRef>
+          </p:style>
+          <p:txBody>
+            <a:bodyPr rtlCol="0" anchor="ctr"/>
+            <a:lstStyle/>
+            <a:p>
+              <a:pPr algn="ctr"/>
+              <a:endParaRPr lang="ko-KR" altLang="en-US"/>
+            </a:p>
+          </p:txBody>
+        </p:sp>
+        <p:sp>
+          <p:nvSpPr>
+            <p:cNvPr id="12" name="직각 삼각형 11"/>
+            <p:cNvSpPr/>
+            <p:nvPr/>
+          </p:nvSpPr>
+          <p:spPr>
+            <a:xfrm>
+              <a:off x="1" y="6694360"/>
+              <a:ext cx="14630399" cy="1535240"/>
+            </a:xfrm>
+            <a:prstGeom prst="rtTriangle">
+              <a:avLst/>
+            </a:prstGeom>
+            <a:solidFill>
+              <a:schemeClr val="accent1">
+                <a:lumMod val="60000"/>
+                <a:lumOff val="40000"/>
+              </a:schemeClr>
+            </a:solidFill>
+            <a:ln>
+              <a:noFill/>
+            </a:ln>
+          </p:spPr>
+          <p:style>
+            <a:lnRef idx="2">
+              <a:schemeClr val="accent1">
+                <a:shade val="50000"/>
+              </a:schemeClr>
+            </a:lnRef>
+            <a:fillRef idx="1">
+              <a:schemeClr val="accent1"/>
+            </a:fillRef>
+            <a:effectRef idx="0">
+              <a:schemeClr val="accent1"/>
+            </a:effectRef>
+            <a:fontRef idx="minor">
+              <a:schemeClr val="lt1"/>
+            </a:fontRef>
+          </p:style>
+          <p:txBody>
+            <a:bodyPr rtlCol="0" anchor="ctr"/>
+            <a:lstStyle/>
+            <a:p>
+              <a:pPr algn="ctr"/>
+              <a:endParaRPr lang="ko-KR" altLang="en-US"/>
+            </a:p>
+          </p:txBody>
+        </p:sp>
+      </p:grpSp>
+      <p:sp>
+        <p:nvSpPr>
+          <p:cNvPr id="71" name="Text 2"/>
+          <p:cNvSpPr/>
+          <p:nvPr/>
+        </p:nvSpPr>
+        <p:spPr>
+          <a:xfrm>
+            <a:off x="1115653" y="510855"/>
+            <a:ext cx="4443889" cy="694373"/>
+          </a:xfrm>
+          <a:prstGeom prst="rect">
+            <a:avLst/>
+          </a:prstGeom>
+          <a:noFill/>
+          <a:ln/>
+        </p:spPr>
+        <p:txBody>
+          <a:bodyPr wrap="none" rtlCol="0" anchor="t"/>
+          <a:lstStyle/>
+          <a:p>
+            <a:pPr algn="ctr">
+              <a:lnSpc>
+                <a:spcPts val="5468"/>
+              </a:lnSpc>
+            </a:pPr>
+            <a:r>
+              <a:rPr lang="ko-KR" altLang="en-US" sz="4370" dirty="0">
+                <a:solidFill>
+                  <a:schemeClr val="accent5">
+                    <a:lumMod val="50000"/>
+                  </a:schemeClr>
+                </a:solidFill>
+                <a:latin typeface="나눔고딕 ExtraBold" panose="020D0904000000000000" pitchFamily="50" charset="-127"/>
+                <a:ea typeface="나눔고딕 ExtraBold" panose="020D0904000000000000" pitchFamily="50" charset="-127"/>
+              </a:rPr>
+              <a:t>프로젝트 </a:t>
+            </a:r>
+            <a:r>
+              <a:rPr lang="ko-KR" altLang="en-US" sz="4370" dirty="0" err="1">
+                <a:solidFill>
+                  <a:schemeClr val="accent5">
+                    <a:lumMod val="50000"/>
+                  </a:schemeClr>
+                </a:solidFill>
+                <a:latin typeface="나눔고딕 ExtraBold" panose="020D0904000000000000" pitchFamily="50" charset="-127"/>
+                <a:ea typeface="나눔고딕 ExtraBold" panose="020D0904000000000000" pitchFamily="50" charset="-127"/>
+              </a:rPr>
+              <a:t>수행절차</a:t>
+            </a:r>
+            <a:endParaRPr lang="en-US" sz="4370" dirty="0">
+              <a:solidFill>
+                <a:schemeClr val="accent5">
+                  <a:lumMod val="50000"/>
+                </a:schemeClr>
+              </a:solidFill>
+              <a:latin typeface="나눔고딕 ExtraBold" panose="020D0904000000000000" pitchFamily="50" charset="-127"/>
+              <a:ea typeface="나눔고딕 ExtraBold" panose="020D0904000000000000" pitchFamily="50" charset="-127"/>
+            </a:endParaRPr>
+          </a:p>
+        </p:txBody>
+      </p:sp>
+      <p:sp>
+        <p:nvSpPr>
+          <p:cNvPr id="72" name="Shape 3"/>
+          <p:cNvSpPr/>
+          <p:nvPr/>
+        </p:nvSpPr>
+        <p:spPr>
+          <a:xfrm rot="16200000">
+            <a:off x="3285297" y="-1818376"/>
+            <a:ext cx="104602" cy="6151811"/>
+          </a:xfrm>
+          <a:prstGeom prst="rect">
+            <a:avLst/>
+          </a:prstGeom>
+          <a:solidFill>
+            <a:srgbClr val="E7EDF9"/>
+          </a:solidFill>
+          <a:ln/>
+        </p:spPr>
+      </p:sp>
+      <p:sp>
+        <p:nvSpPr>
+          <p:cNvPr id="3" name="직사각형 2"/>
+          <p:cNvSpPr/>
+          <p:nvPr/>
+        </p:nvSpPr>
+        <p:spPr>
+          <a:xfrm>
+            <a:off x="393492" y="1614791"/>
+            <a:ext cx="5888210" cy="6186792"/>
+          </a:xfrm>
+          <a:prstGeom prst="rect">
+            <a:avLst/>
+          </a:prstGeom>
+          <a:noFill/>
+          <a:ln>
+            <a:noFill/>
+          </a:ln>
+        </p:spPr>
+        <p:style>
+          <a:lnRef idx="2">
+            <a:schemeClr val="accent1">
+              <a:shade val="50000"/>
+            </a:schemeClr>
+          </a:lnRef>
+          <a:fillRef idx="1">
+            <a:schemeClr val="accent1"/>
+          </a:fillRef>
+          <a:effectRef idx="0">
+            <a:schemeClr val="accent1"/>
+          </a:effectRef>
+          <a:fontRef idx="minor">
+            <a:schemeClr val="lt1"/>
+          </a:fontRef>
+        </p:style>
+        <p:txBody>
+          <a:bodyPr rtlCol="0" anchor="t"/>
+          <a:lstStyle/>
+          <a:p>
+            <a:endParaRPr lang="en-US" altLang="ko-KR" dirty="0">
+              <a:solidFill>
+                <a:schemeClr val="accent5">
+                  <a:lumMod val="50000"/>
+                </a:schemeClr>
+              </a:solidFill>
+            </a:endParaRPr>
+          </a:p>
+          <a:p>
+            <a:r>
+              <a:rPr lang="en-US" altLang="ko-KR" dirty="0" smtClean="0">
+                <a:solidFill>
+                  <a:schemeClr val="accent5">
+                    <a:lumMod val="50000"/>
+                  </a:schemeClr>
+                </a:solidFill>
+                <a:latin typeface="나눔고딕 ExtraBold" panose="020D0904000000000000" pitchFamily="50" charset="-127"/>
+                <a:ea typeface="나눔고딕 ExtraBold" panose="020D0904000000000000" pitchFamily="50" charset="-127"/>
+              </a:rPr>
+              <a:t>1) </a:t>
+            </a:r>
+            <a:r>
+              <a:rPr lang="ko-KR" altLang="en-US" dirty="0" smtClean="0">
+                <a:solidFill>
+                  <a:schemeClr val="accent5">
+                    <a:lumMod val="50000"/>
+                  </a:schemeClr>
+                </a:solidFill>
+                <a:latin typeface="나눔고딕 ExtraBold" panose="020D0904000000000000" pitchFamily="50" charset="-127"/>
+                <a:ea typeface="나눔고딕 ExtraBold" panose="020D0904000000000000" pitchFamily="50" charset="-127"/>
+              </a:rPr>
+              <a:t>프로그램 설계 </a:t>
+            </a:r>
+            <a:endParaRPr lang="en-US" altLang="ko-KR" dirty="0" smtClean="0">
+              <a:solidFill>
+                <a:schemeClr val="accent5">
+                  <a:lumMod val="50000"/>
+                </a:schemeClr>
+              </a:solidFill>
+              <a:latin typeface="나눔고딕 ExtraBold" panose="020D0904000000000000" pitchFamily="50" charset="-127"/>
+              <a:ea typeface="나눔고딕 ExtraBold" panose="020D0904000000000000" pitchFamily="50" charset="-127"/>
+            </a:endParaRPr>
+          </a:p>
+          <a:p>
+            <a:r>
+              <a:rPr lang="en-US" altLang="ko-KR" dirty="0" smtClean="0">
+                <a:solidFill>
+                  <a:schemeClr val="accent5">
+                    <a:lumMod val="50000"/>
+                  </a:schemeClr>
+                </a:solidFill>
+                <a:latin typeface="나눔고딕 ExtraBold" panose="020D0904000000000000" pitchFamily="50" charset="-127"/>
+                <a:ea typeface="나눔고딕 ExtraBold" panose="020D0904000000000000" pitchFamily="50" charset="-127"/>
+              </a:rPr>
+              <a:t>-   ‘</a:t>
+            </a:r>
+            <a:r>
+              <a:rPr lang="ko-KR" altLang="en-US" dirty="0" smtClean="0">
+                <a:solidFill>
+                  <a:schemeClr val="accent5">
+                    <a:lumMod val="50000"/>
+                  </a:schemeClr>
+                </a:solidFill>
+                <a:latin typeface="나눔고딕 ExtraBold" panose="020D0904000000000000" pitchFamily="50" charset="-127"/>
+                <a:ea typeface="나눔고딕 ExtraBold" panose="020D0904000000000000" pitchFamily="50" charset="-127"/>
+              </a:rPr>
+              <a:t>네이버 가계부</a:t>
+            </a:r>
+            <a:r>
+              <a:rPr lang="en-US" altLang="ko-KR" dirty="0" smtClean="0">
+                <a:solidFill>
+                  <a:schemeClr val="accent5">
+                    <a:lumMod val="50000"/>
+                  </a:schemeClr>
+                </a:solidFill>
+                <a:latin typeface="나눔고딕 ExtraBold" panose="020D0904000000000000" pitchFamily="50" charset="-127"/>
+                <a:ea typeface="나눔고딕 ExtraBold" panose="020D0904000000000000" pitchFamily="50" charset="-127"/>
+              </a:rPr>
+              <a:t>’ </a:t>
+            </a:r>
+            <a:r>
+              <a:rPr lang="ko-KR" altLang="en-US" dirty="0" smtClean="0">
+                <a:solidFill>
+                  <a:schemeClr val="accent5">
+                    <a:lumMod val="50000"/>
+                  </a:schemeClr>
+                </a:solidFill>
+                <a:latin typeface="나눔고딕 ExtraBold" panose="020D0904000000000000" pitchFamily="50" charset="-127"/>
+                <a:ea typeface="나눔고딕 ExtraBold" panose="020D0904000000000000" pitchFamily="50" charset="-127"/>
+              </a:rPr>
+              <a:t>참고하여 프로그램 구조를 설계</a:t>
+            </a:r>
+            <a:endParaRPr lang="en-US" altLang="ko-KR" dirty="0" smtClean="0">
+              <a:solidFill>
+                <a:schemeClr val="accent5">
+                  <a:lumMod val="50000"/>
+                </a:schemeClr>
+              </a:solidFill>
+              <a:latin typeface="나눔고딕 ExtraBold" panose="020D0904000000000000" pitchFamily="50" charset="-127"/>
+              <a:ea typeface="나눔고딕 ExtraBold" panose="020D0904000000000000" pitchFamily="50" charset="-127"/>
+            </a:endParaRPr>
+          </a:p>
+          <a:p>
+            <a:endParaRPr lang="en-US" altLang="ko-KR" dirty="0" smtClean="0">
+              <a:solidFill>
+                <a:schemeClr val="accent5">
+                  <a:lumMod val="50000"/>
+                </a:schemeClr>
+              </a:solidFill>
+              <a:latin typeface="나눔고딕 ExtraBold" panose="020D0904000000000000" pitchFamily="50" charset="-127"/>
+              <a:ea typeface="나눔고딕 ExtraBold" panose="020D0904000000000000" pitchFamily="50" charset="-127"/>
+            </a:endParaRPr>
+          </a:p>
+          <a:p>
+            <a:r>
+              <a:rPr lang="en-US" altLang="ko-KR" dirty="0" smtClean="0">
+                <a:solidFill>
+                  <a:schemeClr val="accent5">
+                    <a:lumMod val="50000"/>
+                  </a:schemeClr>
+                </a:solidFill>
+                <a:latin typeface="나눔고딕 ExtraBold" panose="020D0904000000000000" pitchFamily="50" charset="-127"/>
+                <a:ea typeface="나눔고딕 ExtraBold" panose="020D0904000000000000" pitchFamily="50" charset="-127"/>
+              </a:rPr>
+              <a:t>2) </a:t>
+            </a:r>
+            <a:r>
+              <a:rPr lang="ko-KR" altLang="en-US" dirty="0" smtClean="0">
+                <a:solidFill>
+                  <a:schemeClr val="accent5">
+                    <a:lumMod val="50000"/>
+                  </a:schemeClr>
+                </a:solidFill>
+                <a:latin typeface="나눔고딕 ExtraBold" panose="020D0904000000000000" pitchFamily="50" charset="-127"/>
+                <a:ea typeface="나눔고딕 ExtraBold" panose="020D0904000000000000" pitchFamily="50" charset="-127"/>
+              </a:rPr>
+              <a:t>프로그램 구현</a:t>
+            </a:r>
+            <a:endParaRPr lang="en-US" altLang="ko-KR" dirty="0" smtClean="0">
+              <a:solidFill>
+                <a:schemeClr val="accent5">
+                  <a:lumMod val="50000"/>
+                </a:schemeClr>
+              </a:solidFill>
+              <a:latin typeface="나눔고딕 ExtraBold" panose="020D0904000000000000" pitchFamily="50" charset="-127"/>
+              <a:ea typeface="나눔고딕 ExtraBold" panose="020D0904000000000000" pitchFamily="50" charset="-127"/>
+            </a:endParaRPr>
+          </a:p>
+          <a:p>
+            <a:pPr marL="285750" indent="-285750">
+              <a:buFontTx/>
+              <a:buChar char="-"/>
+            </a:pPr>
+            <a:r>
+              <a:rPr lang="ko-KR" altLang="en-US" dirty="0" smtClean="0">
+                <a:solidFill>
+                  <a:schemeClr val="accent5">
+                    <a:lumMod val="50000"/>
+                  </a:schemeClr>
+                </a:solidFill>
+                <a:latin typeface="나눔고딕 ExtraBold" panose="020D0904000000000000" pitchFamily="50" charset="-127"/>
+                <a:ea typeface="나눔고딕 ExtraBold" panose="020D0904000000000000" pitchFamily="50" charset="-127"/>
+              </a:rPr>
+              <a:t>설계한 내용을 바탕으로 프로그램 구현</a:t>
+            </a:r>
+            <a:endParaRPr lang="en-US" altLang="ko-KR" dirty="0" smtClean="0">
+              <a:solidFill>
+                <a:schemeClr val="accent5">
+                  <a:lumMod val="50000"/>
+                </a:schemeClr>
+              </a:solidFill>
+              <a:latin typeface="나눔고딕 ExtraBold" panose="020D0904000000000000" pitchFamily="50" charset="-127"/>
+              <a:ea typeface="나눔고딕 ExtraBold" panose="020D0904000000000000" pitchFamily="50" charset="-127"/>
+            </a:endParaRPr>
+          </a:p>
+          <a:p>
+            <a:r>
+              <a:rPr lang="en-US" altLang="ko-KR" dirty="0" smtClean="0">
+                <a:solidFill>
+                  <a:schemeClr val="accent5">
+                    <a:lumMod val="50000"/>
+                  </a:schemeClr>
+                </a:solidFill>
+                <a:latin typeface="나눔고딕 ExtraBold" panose="020D0904000000000000" pitchFamily="50" charset="-127"/>
+                <a:ea typeface="나눔고딕 ExtraBold" panose="020D0904000000000000" pitchFamily="50" charset="-127"/>
+              </a:rPr>
+              <a:t>-    </a:t>
+            </a:r>
+            <a:r>
+              <a:rPr lang="ko-KR" altLang="en-US" dirty="0" smtClean="0">
+                <a:solidFill>
+                  <a:schemeClr val="accent5">
+                    <a:lumMod val="50000"/>
+                  </a:schemeClr>
+                </a:solidFill>
+                <a:latin typeface="나눔고딕 ExtraBold" panose="020D0904000000000000" pitchFamily="50" charset="-127"/>
+                <a:ea typeface="나눔고딕 ExtraBold" panose="020D0904000000000000" pitchFamily="50" charset="-127"/>
+              </a:rPr>
+              <a:t>구현하고자 하는 기능 추가 및 구현 불가 기능 제거</a:t>
+            </a:r>
+            <a:endParaRPr lang="en-US" altLang="ko-KR" dirty="0" smtClean="0">
+              <a:solidFill>
+                <a:schemeClr val="accent5">
+                  <a:lumMod val="50000"/>
+                </a:schemeClr>
+              </a:solidFill>
+              <a:latin typeface="나눔고딕 ExtraBold" panose="020D0904000000000000" pitchFamily="50" charset="-127"/>
+              <a:ea typeface="나눔고딕 ExtraBold" panose="020D0904000000000000" pitchFamily="50" charset="-127"/>
+            </a:endParaRPr>
+          </a:p>
+          <a:p>
+            <a:endParaRPr lang="en-US" altLang="ko-KR" dirty="0">
+              <a:solidFill>
+                <a:schemeClr val="accent5">
+                  <a:lumMod val="50000"/>
+                </a:schemeClr>
+              </a:solidFill>
+              <a:latin typeface="나눔고딕 ExtraBold" panose="020D0904000000000000" pitchFamily="50" charset="-127"/>
+              <a:ea typeface="나눔고딕 ExtraBold" panose="020D0904000000000000" pitchFamily="50" charset="-127"/>
+            </a:endParaRPr>
+          </a:p>
+          <a:p>
+            <a:r>
+              <a:rPr lang="en-US" altLang="ko-KR" dirty="0" smtClean="0">
+                <a:solidFill>
+                  <a:schemeClr val="accent5">
+                    <a:lumMod val="50000"/>
+                  </a:schemeClr>
+                </a:solidFill>
+                <a:latin typeface="나눔고딕 ExtraBold" panose="020D0904000000000000" pitchFamily="50" charset="-127"/>
+                <a:ea typeface="나눔고딕 ExtraBold" panose="020D0904000000000000" pitchFamily="50" charset="-127"/>
+              </a:rPr>
+              <a:t>3) </a:t>
+            </a:r>
+            <a:r>
+              <a:rPr lang="ko-KR" altLang="en-US" dirty="0" smtClean="0">
+                <a:solidFill>
+                  <a:schemeClr val="accent5">
+                    <a:lumMod val="50000"/>
+                  </a:schemeClr>
+                </a:solidFill>
+                <a:latin typeface="나눔고딕 ExtraBold" panose="020D0904000000000000" pitchFamily="50" charset="-127"/>
+                <a:ea typeface="나눔고딕 ExtraBold" panose="020D0904000000000000" pitchFamily="50" charset="-127"/>
+              </a:rPr>
+              <a:t>디버깅</a:t>
+            </a:r>
+            <a:endParaRPr lang="en-US" altLang="ko-KR" dirty="0" smtClean="0">
+              <a:solidFill>
+                <a:schemeClr val="accent5">
+                  <a:lumMod val="50000"/>
+                </a:schemeClr>
+              </a:solidFill>
+              <a:latin typeface="나눔고딕 ExtraBold" panose="020D0904000000000000" pitchFamily="50" charset="-127"/>
+              <a:ea typeface="나눔고딕 ExtraBold" panose="020D0904000000000000" pitchFamily="50" charset="-127"/>
+            </a:endParaRPr>
+          </a:p>
+          <a:p>
+            <a:r>
+              <a:rPr lang="en-US" altLang="ko-KR" dirty="0" smtClean="0">
+                <a:solidFill>
+                  <a:schemeClr val="accent5">
+                    <a:lumMod val="50000"/>
+                  </a:schemeClr>
+                </a:solidFill>
+                <a:latin typeface="나눔고딕 ExtraBold" panose="020D0904000000000000" pitchFamily="50" charset="-127"/>
+                <a:ea typeface="나눔고딕 ExtraBold" panose="020D0904000000000000" pitchFamily="50" charset="-127"/>
+              </a:rPr>
+              <a:t>-  </a:t>
+            </a:r>
+            <a:r>
+              <a:rPr lang="ko-KR" altLang="en-US" dirty="0" smtClean="0">
+                <a:solidFill>
+                  <a:schemeClr val="accent5">
+                    <a:lumMod val="50000"/>
+                  </a:schemeClr>
+                </a:solidFill>
+                <a:latin typeface="나눔고딕 ExtraBold" panose="020D0904000000000000" pitchFamily="50" charset="-127"/>
+                <a:ea typeface="나눔고딕 ExtraBold" panose="020D0904000000000000" pitchFamily="50" charset="-127"/>
+              </a:rPr>
+              <a:t>설계한 코드 오류 검증 위한 일일 디버깅 최소 </a:t>
+            </a:r>
+            <a:r>
+              <a:rPr lang="en-US" altLang="ko-KR" dirty="0" smtClean="0">
+                <a:solidFill>
+                  <a:schemeClr val="accent5">
+                    <a:lumMod val="50000"/>
+                  </a:schemeClr>
+                </a:solidFill>
+                <a:latin typeface="나눔고딕 ExtraBold" panose="020D0904000000000000" pitchFamily="50" charset="-127"/>
+                <a:ea typeface="나눔고딕 ExtraBold" panose="020D0904000000000000" pitchFamily="50" charset="-127"/>
+              </a:rPr>
+              <a:t>30</a:t>
+            </a:r>
+            <a:r>
+              <a:rPr lang="ko-KR" altLang="en-US" dirty="0" smtClean="0">
+                <a:solidFill>
+                  <a:schemeClr val="accent5">
+                    <a:lumMod val="50000"/>
+                  </a:schemeClr>
+                </a:solidFill>
+                <a:latin typeface="나눔고딕 ExtraBold" panose="020D0904000000000000" pitchFamily="50" charset="-127"/>
+                <a:ea typeface="나눔고딕 ExtraBold" panose="020D0904000000000000" pitchFamily="50" charset="-127"/>
+              </a:rPr>
+              <a:t>회</a:t>
+            </a:r>
+            <a:r>
+              <a:rPr lang="en-US" altLang="ko-KR" dirty="0">
+                <a:solidFill>
+                  <a:schemeClr val="accent5">
+                    <a:lumMod val="50000"/>
+                  </a:schemeClr>
+                </a:solidFill>
+                <a:latin typeface="나눔고딕 ExtraBold" panose="020D0904000000000000" pitchFamily="50" charset="-127"/>
+                <a:ea typeface="나눔고딕 ExtraBold" panose="020D0904000000000000" pitchFamily="50" charset="-127"/>
+              </a:rPr>
+              <a:t> </a:t>
+            </a:r>
+            <a:r>
+              <a:rPr lang="ko-KR" altLang="en-US" dirty="0" smtClean="0">
+                <a:solidFill>
+                  <a:schemeClr val="accent5">
+                    <a:lumMod val="50000"/>
+                  </a:schemeClr>
+                </a:solidFill>
+                <a:latin typeface="나눔고딕 ExtraBold" panose="020D0904000000000000" pitchFamily="50" charset="-127"/>
+                <a:ea typeface="나눔고딕 ExtraBold" panose="020D0904000000000000" pitchFamily="50" charset="-127"/>
+              </a:rPr>
+              <a:t>실행</a:t>
+            </a:r>
+            <a:r>
+              <a:rPr lang="en-US" altLang="ko-KR" dirty="0" smtClean="0">
+                <a:solidFill>
+                  <a:schemeClr val="accent5">
+                    <a:lumMod val="50000"/>
+                  </a:schemeClr>
+                </a:solidFill>
+                <a:latin typeface="나눔고딕 ExtraBold" panose="020D0904000000000000" pitchFamily="50" charset="-127"/>
+                <a:ea typeface="나눔고딕 ExtraBold" panose="020D0904000000000000" pitchFamily="50" charset="-127"/>
+              </a:rPr>
+              <a:t>.</a:t>
+            </a:r>
+            <a:endParaRPr lang="en-US" altLang="ko-KR" dirty="0">
+              <a:solidFill>
+                <a:schemeClr val="accent5">
+                  <a:lumMod val="50000"/>
+                </a:schemeClr>
+              </a:solidFill>
+              <a:latin typeface="나눔고딕 ExtraBold" panose="020D0904000000000000" pitchFamily="50" charset="-127"/>
+              <a:ea typeface="나눔고딕 ExtraBold" panose="020D0904000000000000" pitchFamily="50" charset="-127"/>
+            </a:endParaRPr>
+          </a:p>
+          <a:p>
+            <a:r>
+              <a:rPr lang="en-US" altLang="ko-KR" dirty="0" smtClean="0">
+                <a:solidFill>
+                  <a:schemeClr val="accent5">
+                    <a:lumMod val="50000"/>
+                  </a:schemeClr>
+                </a:solidFill>
+                <a:latin typeface="나눔고딕 ExtraBold" panose="020D0904000000000000" pitchFamily="50" charset="-127"/>
+                <a:ea typeface="나눔고딕 ExtraBold" panose="020D0904000000000000" pitchFamily="50" charset="-127"/>
+              </a:rPr>
+              <a:t>-  </a:t>
+            </a:r>
+            <a:r>
+              <a:rPr lang="ko-KR" altLang="en-US" dirty="0" smtClean="0">
+                <a:solidFill>
+                  <a:schemeClr val="accent5">
+                    <a:lumMod val="50000"/>
+                  </a:schemeClr>
+                </a:solidFill>
+                <a:latin typeface="나눔고딕 ExtraBold" panose="020D0904000000000000" pitchFamily="50" charset="-127"/>
+                <a:ea typeface="나눔고딕 ExtraBold" panose="020D0904000000000000" pitchFamily="50" charset="-127"/>
+              </a:rPr>
+              <a:t>오류 </a:t>
+            </a:r>
+            <a:r>
+              <a:rPr lang="ko-KR" altLang="en-US" dirty="0" err="1" smtClean="0">
+                <a:solidFill>
+                  <a:schemeClr val="accent5">
+                    <a:lumMod val="50000"/>
+                  </a:schemeClr>
+                </a:solidFill>
+                <a:latin typeface="나눔고딕 ExtraBold" panose="020D0904000000000000" pitchFamily="50" charset="-127"/>
+                <a:ea typeface="나눔고딕 ExtraBold" panose="020D0904000000000000" pitchFamily="50" charset="-127"/>
+              </a:rPr>
+              <a:t>발견시</a:t>
+            </a:r>
+            <a:r>
+              <a:rPr lang="ko-KR" altLang="en-US" dirty="0" smtClean="0">
+                <a:solidFill>
+                  <a:schemeClr val="accent5">
+                    <a:lumMod val="50000"/>
+                  </a:schemeClr>
+                </a:solidFill>
+                <a:latin typeface="나눔고딕 ExtraBold" panose="020D0904000000000000" pitchFamily="50" charset="-127"/>
+                <a:ea typeface="나눔고딕 ExtraBold" panose="020D0904000000000000" pitchFamily="50" charset="-127"/>
+              </a:rPr>
+              <a:t> 오류 수정하기 위한 팀원 전원 회의진행</a:t>
+            </a:r>
+            <a:r>
+              <a:rPr lang="en-US" altLang="ko-KR" dirty="0" smtClean="0">
+                <a:solidFill>
+                  <a:schemeClr val="accent5">
+                    <a:lumMod val="50000"/>
+                  </a:schemeClr>
+                </a:solidFill>
+                <a:latin typeface="나눔고딕 ExtraBold" panose="020D0904000000000000" pitchFamily="50" charset="-127"/>
+                <a:ea typeface="나눔고딕 ExtraBold" panose="020D0904000000000000" pitchFamily="50" charset="-127"/>
+              </a:rPr>
+              <a:t>.</a:t>
+            </a:r>
+          </a:p>
+          <a:p>
+            <a:pPr marL="285750" indent="-285750">
+              <a:buFontTx/>
+              <a:buChar char="-"/>
+            </a:pPr>
+            <a:endParaRPr lang="en-US" altLang="ko-KR" dirty="0" smtClean="0">
+              <a:solidFill>
+                <a:schemeClr val="accent5">
+                  <a:lumMod val="50000"/>
+                </a:schemeClr>
+              </a:solidFill>
+              <a:latin typeface="나눔고딕 ExtraBold" panose="020D0904000000000000" pitchFamily="50" charset="-127"/>
+              <a:ea typeface="나눔고딕 ExtraBold" panose="020D0904000000000000" pitchFamily="50" charset="-127"/>
+            </a:endParaRPr>
+          </a:p>
+          <a:p>
+            <a:r>
+              <a:rPr lang="en-US" altLang="ko-KR" dirty="0" smtClean="0">
+                <a:solidFill>
+                  <a:schemeClr val="accent5">
+                    <a:lumMod val="50000"/>
+                  </a:schemeClr>
+                </a:solidFill>
+                <a:latin typeface="나눔고딕 ExtraBold" panose="020D0904000000000000" pitchFamily="50" charset="-127"/>
+                <a:ea typeface="나눔고딕 ExtraBold" panose="020D0904000000000000" pitchFamily="50" charset="-127"/>
+              </a:rPr>
+              <a:t>4) </a:t>
+            </a:r>
+            <a:r>
+              <a:rPr lang="ko-KR" altLang="en-US" dirty="0" smtClean="0">
+                <a:solidFill>
+                  <a:schemeClr val="accent5">
+                    <a:lumMod val="50000"/>
+                  </a:schemeClr>
+                </a:solidFill>
+                <a:latin typeface="나눔고딕 ExtraBold" panose="020D0904000000000000" pitchFamily="50" charset="-127"/>
+                <a:ea typeface="나눔고딕 ExtraBold" panose="020D0904000000000000" pitchFamily="50" charset="-127"/>
+              </a:rPr>
+              <a:t>정리</a:t>
+            </a:r>
+            <a:endParaRPr lang="en-US" altLang="ko-KR" dirty="0" smtClean="0">
+              <a:solidFill>
+                <a:schemeClr val="accent5">
+                  <a:lumMod val="50000"/>
+                </a:schemeClr>
+              </a:solidFill>
+              <a:latin typeface="나눔고딕 ExtraBold" panose="020D0904000000000000" pitchFamily="50" charset="-127"/>
+              <a:ea typeface="나눔고딕 ExtraBold" panose="020D0904000000000000" pitchFamily="50" charset="-127"/>
+            </a:endParaRPr>
+          </a:p>
+          <a:p>
+            <a:r>
+              <a:rPr lang="en-US" altLang="ko-KR" dirty="0" smtClean="0">
+                <a:solidFill>
+                  <a:schemeClr val="accent5">
+                    <a:lumMod val="50000"/>
+                  </a:schemeClr>
+                </a:solidFill>
+                <a:latin typeface="나눔고딕 ExtraBold" panose="020D0904000000000000" pitchFamily="50" charset="-127"/>
+                <a:ea typeface="나눔고딕 ExtraBold" panose="020D0904000000000000" pitchFamily="50" charset="-127"/>
+              </a:rPr>
+              <a:t>-  </a:t>
+            </a:r>
+            <a:r>
+              <a:rPr lang="ko-KR" altLang="en-US" dirty="0" smtClean="0">
+                <a:solidFill>
+                  <a:schemeClr val="accent5">
+                    <a:lumMod val="50000"/>
+                  </a:schemeClr>
+                </a:solidFill>
+                <a:latin typeface="나눔고딕 ExtraBold" panose="020D0904000000000000" pitchFamily="50" charset="-127"/>
+                <a:ea typeface="나눔고딕 ExtraBold" panose="020D0904000000000000" pitchFamily="50" charset="-127"/>
+              </a:rPr>
+              <a:t>최종 디버깅 및 </a:t>
+            </a:r>
+            <a:r>
+              <a:rPr lang="en-US" altLang="ko-KR" dirty="0" smtClean="0">
+                <a:solidFill>
+                  <a:schemeClr val="accent5">
+                    <a:lumMod val="50000"/>
+                  </a:schemeClr>
+                </a:solidFill>
+                <a:latin typeface="나눔고딕 ExtraBold" panose="020D0904000000000000" pitchFamily="50" charset="-127"/>
+                <a:ea typeface="나눔고딕 ExtraBold" panose="020D0904000000000000" pitchFamily="50" charset="-127"/>
+              </a:rPr>
+              <a:t>UI </a:t>
+            </a:r>
+            <a:r>
+              <a:rPr lang="ko-KR" altLang="en-US" dirty="0" smtClean="0">
+                <a:solidFill>
+                  <a:schemeClr val="accent5">
+                    <a:lumMod val="50000"/>
+                  </a:schemeClr>
+                </a:solidFill>
+                <a:latin typeface="나눔고딕 ExtraBold" panose="020D0904000000000000" pitchFamily="50" charset="-127"/>
+                <a:ea typeface="나눔고딕 ExtraBold" panose="020D0904000000000000" pitchFamily="50" charset="-127"/>
+              </a:rPr>
+              <a:t>수정</a:t>
+            </a:r>
+            <a:r>
+              <a:rPr lang="en-US" altLang="ko-KR" dirty="0" smtClean="0">
+                <a:solidFill>
+                  <a:schemeClr val="accent5">
+                    <a:lumMod val="50000"/>
+                  </a:schemeClr>
+                </a:solidFill>
+                <a:latin typeface="나눔고딕 ExtraBold" panose="020D0904000000000000" pitchFamily="50" charset="-127"/>
+                <a:ea typeface="나눔고딕 ExtraBold" panose="020D0904000000000000" pitchFamily="50" charset="-127"/>
+              </a:rPr>
+              <a:t>. </a:t>
+            </a:r>
+            <a:endParaRPr lang="ko-KR" altLang="en-US" dirty="0">
+              <a:solidFill>
+                <a:schemeClr val="accent5">
+                  <a:lumMod val="50000"/>
+                </a:schemeClr>
+              </a:solidFill>
+              <a:latin typeface="나눔고딕 ExtraBold" panose="020D0904000000000000" pitchFamily="50" charset="-127"/>
+              <a:ea typeface="나눔고딕 ExtraBold" panose="020D0904000000000000" pitchFamily="50" charset="-127"/>
+            </a:endParaRPr>
+          </a:p>
+        </p:txBody>
+      </p:sp>
+    </p:spTree>
+    <p:extLst>
+      <p:ext uri="{BB962C8B-B14F-4D97-AF65-F5344CB8AC3E}">
+        <p14:creationId xmlns:p14="http://schemas.microsoft.com/office/powerpoint/2010/main" val="2285525781"/>
+      </p:ext>
+    </p:extLst>
+  </p:cSld>
+  <p:clrMapOvr>
+    <a:masterClrMapping/>
+  </p:clrMapOvr>
+  <p:timing>
+    <p:tnLst>
+      <p:par>
+        <p:cTn id="1" dur="indefinite" restart="never" nodeType="tmRoot"/>
+      </p:par>
+    </p:tnLst>
+  </p:timing>
+</p:sld>
+</file>
+
+<file path=ppt/slides/slide12.xml><?xml version="1.0" encoding="utf-8"?>
+<p:sld xmlns:a="http://schemas.openxmlformats.org/drawingml/2006/main" xmlns:r="http://schemas.openxmlformats.org/officeDocument/2006/relationships" xmlns:p="http://schemas.openxmlformats.org/presentationml/2006/main">
+  <p:cSld>
+    <p:spTree>
+      <p:nvGrpSpPr>
+        <p:cNvPr id="1" name=""/>
+        <p:cNvGrpSpPr/>
+        <p:nvPr/>
+      </p:nvGrpSpPr>
+      <p:grpSpPr>
+        <a:xfrm>
+          <a:off x="0" y="0"/>
+          <a:ext cx="0" cy="0"/>
+          <a:chOff x="0" y="0"/>
+          <a:chExt cx="0" cy="0"/>
+        </a:xfrm>
+      </p:grpSpPr>
+      <p:grpSp>
+        <p:nvGrpSpPr>
+          <p:cNvPr id="10" name="그룹 9"/>
+          <p:cNvGrpSpPr/>
+          <p:nvPr/>
+        </p:nvGrpSpPr>
+        <p:grpSpPr>
+          <a:xfrm>
+            <a:off x="1" y="5936343"/>
+            <a:ext cx="14630399" cy="2293257"/>
+            <a:chOff x="1" y="5936343"/>
+            <a:chExt cx="14630399" cy="2293257"/>
+          </a:xfrm>
+        </p:grpSpPr>
+        <p:sp>
+          <p:nvSpPr>
+            <p:cNvPr id="11" name="직각 삼각형 10"/>
+            <p:cNvSpPr/>
+            <p:nvPr/>
+          </p:nvSpPr>
+          <p:spPr>
+            <a:xfrm>
+              <a:off x="1" y="5936343"/>
+              <a:ext cx="14630399" cy="2293257"/>
+            </a:xfrm>
+            <a:prstGeom prst="rtTriangle">
+              <a:avLst/>
+            </a:prstGeom>
+            <a:solidFill>
+              <a:schemeClr val="accent5">
+                <a:lumMod val="20000"/>
+                <a:lumOff val="80000"/>
+              </a:schemeClr>
+            </a:solidFill>
+            <a:ln>
+              <a:noFill/>
+            </a:ln>
+          </p:spPr>
+          <p:style>
+            <a:lnRef idx="2">
+              <a:schemeClr val="accent1">
+                <a:shade val="50000"/>
+              </a:schemeClr>
+            </a:lnRef>
+            <a:fillRef idx="1">
+              <a:schemeClr val="accent1"/>
+            </a:fillRef>
+            <a:effectRef idx="0">
+              <a:schemeClr val="accent1"/>
+            </a:effectRef>
+            <a:fontRef idx="minor">
+              <a:schemeClr val="lt1"/>
+            </a:fontRef>
+          </p:style>
+          <p:txBody>
+            <a:bodyPr rtlCol="0" anchor="ctr"/>
+            <a:lstStyle/>
+            <a:p>
+              <a:pPr algn="ctr"/>
+              <a:endParaRPr lang="ko-KR" altLang="en-US"/>
+            </a:p>
+          </p:txBody>
+        </p:sp>
+        <p:sp>
+          <p:nvSpPr>
+            <p:cNvPr id="12" name="직각 삼각형 11"/>
+            <p:cNvSpPr/>
+            <p:nvPr/>
+          </p:nvSpPr>
+          <p:spPr>
+            <a:xfrm>
+              <a:off x="1" y="6694360"/>
+              <a:ext cx="14630399" cy="1535240"/>
+            </a:xfrm>
+            <a:prstGeom prst="rtTriangle">
+              <a:avLst/>
+            </a:prstGeom>
+            <a:solidFill>
+              <a:schemeClr val="accent1">
+                <a:lumMod val="60000"/>
+                <a:lumOff val="40000"/>
+              </a:schemeClr>
+            </a:solidFill>
+            <a:ln>
+              <a:noFill/>
+            </a:ln>
+          </p:spPr>
+          <p:style>
+            <a:lnRef idx="2">
+              <a:schemeClr val="accent1">
+                <a:shade val="50000"/>
+              </a:schemeClr>
+            </a:lnRef>
+            <a:fillRef idx="1">
+              <a:schemeClr val="accent1"/>
+            </a:fillRef>
+            <a:effectRef idx="0">
+              <a:schemeClr val="accent1"/>
+            </a:effectRef>
+            <a:fontRef idx="minor">
+              <a:schemeClr val="lt1"/>
+            </a:fontRef>
+          </p:style>
+          <p:txBody>
+            <a:bodyPr rtlCol="0" anchor="ctr"/>
+            <a:lstStyle/>
+            <a:p>
+              <a:pPr algn="ctr"/>
+              <a:endParaRPr lang="ko-KR" altLang="en-US"/>
+            </a:p>
+          </p:txBody>
+        </p:sp>
+      </p:grpSp>
+      <p:sp>
+        <p:nvSpPr>
           <p:cNvPr id="9" name="Text 2"/>
           <p:cNvSpPr/>
           <p:nvPr/>
@@ -2824,7 +5013,7 @@
 </p:sld>
 </file>
 
-<file path=ppt/slides/slide11.xml><?xml version="1.0" encoding="utf-8"?>
+<file path=ppt/slides/slide13.xml><?xml version="1.0" encoding="utf-8"?>
 <p:sld xmlns:a="http://schemas.openxmlformats.org/drawingml/2006/main" xmlns:r="http://schemas.openxmlformats.org/officeDocument/2006/relationships" xmlns:p="http://schemas.openxmlformats.org/presentationml/2006/main">
   <p:cSld>
     <p:spTree>
@@ -3546,1194 +5735,6 @@
 </p:sld>
 </file>
 
-<file path=ppt/slides/slide12.xml><?xml version="1.0" encoding="utf-8"?>
-<p:sld xmlns:a="http://schemas.openxmlformats.org/drawingml/2006/main" xmlns:r="http://schemas.openxmlformats.org/officeDocument/2006/relationships" xmlns:p="http://schemas.openxmlformats.org/presentationml/2006/main">
-  <p:cSld>
-    <p:spTree>
-      <p:nvGrpSpPr>
-        <p:cNvPr id="1" name=""/>
-        <p:cNvGrpSpPr/>
-        <p:nvPr/>
-      </p:nvGrpSpPr>
-      <p:grpSpPr>
-        <a:xfrm>
-          <a:off x="0" y="0"/>
-          <a:ext cx="0" cy="0"/>
-          <a:chOff x="0" y="0"/>
-          <a:chExt cx="0" cy="0"/>
-        </a:xfrm>
-      </p:grpSpPr>
-      <p:grpSp>
-        <p:nvGrpSpPr>
-          <p:cNvPr id="10" name="그룹 9"/>
-          <p:cNvGrpSpPr/>
-          <p:nvPr/>
-        </p:nvGrpSpPr>
-        <p:grpSpPr>
-          <a:xfrm>
-            <a:off x="1" y="5936343"/>
-            <a:ext cx="14630399" cy="2293257"/>
-            <a:chOff x="1" y="5936343"/>
-            <a:chExt cx="14630399" cy="2293257"/>
-          </a:xfrm>
-        </p:grpSpPr>
-        <p:sp>
-          <p:nvSpPr>
-            <p:cNvPr id="11" name="직각 삼각형 10"/>
-            <p:cNvSpPr/>
-            <p:nvPr/>
-          </p:nvSpPr>
-          <p:spPr>
-            <a:xfrm>
-              <a:off x="1" y="5936343"/>
-              <a:ext cx="14630399" cy="2293257"/>
-            </a:xfrm>
-            <a:prstGeom prst="rtTriangle">
-              <a:avLst/>
-            </a:prstGeom>
-            <a:solidFill>
-              <a:schemeClr val="accent5">
-                <a:lumMod val="20000"/>
-                <a:lumOff val="80000"/>
-              </a:schemeClr>
-            </a:solidFill>
-            <a:ln>
-              <a:noFill/>
-            </a:ln>
-          </p:spPr>
-          <p:style>
-            <a:lnRef idx="2">
-              <a:schemeClr val="accent1">
-                <a:shade val="50000"/>
-              </a:schemeClr>
-            </a:lnRef>
-            <a:fillRef idx="1">
-              <a:schemeClr val="accent1"/>
-            </a:fillRef>
-            <a:effectRef idx="0">
-              <a:schemeClr val="accent1"/>
-            </a:effectRef>
-            <a:fontRef idx="minor">
-              <a:schemeClr val="lt1"/>
-            </a:fontRef>
-          </p:style>
-          <p:txBody>
-            <a:bodyPr rtlCol="0" anchor="ctr"/>
-            <a:lstStyle/>
-            <a:p>
-              <a:pPr algn="ctr"/>
-              <a:endParaRPr lang="ko-KR" altLang="en-US"/>
-            </a:p>
-          </p:txBody>
-        </p:sp>
-        <p:sp>
-          <p:nvSpPr>
-            <p:cNvPr id="12" name="직각 삼각형 11"/>
-            <p:cNvSpPr/>
-            <p:nvPr/>
-          </p:nvSpPr>
-          <p:spPr>
-            <a:xfrm>
-              <a:off x="1" y="6694360"/>
-              <a:ext cx="14630399" cy="1535240"/>
-            </a:xfrm>
-            <a:prstGeom prst="rtTriangle">
-              <a:avLst/>
-            </a:prstGeom>
-            <a:solidFill>
-              <a:schemeClr val="accent1">
-                <a:lumMod val="60000"/>
-                <a:lumOff val="40000"/>
-              </a:schemeClr>
-            </a:solidFill>
-            <a:ln>
-              <a:noFill/>
-            </a:ln>
-          </p:spPr>
-          <p:style>
-            <a:lnRef idx="2">
-              <a:schemeClr val="accent1">
-                <a:shade val="50000"/>
-              </a:schemeClr>
-            </a:lnRef>
-            <a:fillRef idx="1">
-              <a:schemeClr val="accent1"/>
-            </a:fillRef>
-            <a:effectRef idx="0">
-              <a:schemeClr val="accent1"/>
-            </a:effectRef>
-            <a:fontRef idx="minor">
-              <a:schemeClr val="lt1"/>
-            </a:fontRef>
-          </p:style>
-          <p:txBody>
-            <a:bodyPr rtlCol="0" anchor="ctr"/>
-            <a:lstStyle/>
-            <a:p>
-              <a:pPr algn="ctr"/>
-              <a:endParaRPr lang="ko-KR" altLang="en-US"/>
-            </a:p>
-          </p:txBody>
-        </p:sp>
-      </p:grpSp>
-      <p:sp>
-        <p:nvSpPr>
-          <p:cNvPr id="71" name="Text 2"/>
-          <p:cNvSpPr/>
-          <p:nvPr/>
-        </p:nvSpPr>
-        <p:spPr>
-          <a:xfrm>
-            <a:off x="1115653" y="510855"/>
-            <a:ext cx="4443889" cy="694373"/>
-          </a:xfrm>
-          <a:prstGeom prst="rect">
-            <a:avLst/>
-          </a:prstGeom>
-          <a:noFill/>
-          <a:ln/>
-        </p:spPr>
-        <p:txBody>
-          <a:bodyPr wrap="none" rtlCol="0" anchor="t"/>
-          <a:lstStyle/>
-          <a:p>
-            <a:pPr algn="ctr">
-              <a:lnSpc>
-                <a:spcPts val="5468"/>
-              </a:lnSpc>
-            </a:pPr>
-            <a:r>
-              <a:rPr lang="ko-KR" altLang="en-US" sz="4370" dirty="0">
-                <a:solidFill>
-                  <a:schemeClr val="accent5">
-                    <a:lumMod val="50000"/>
-                  </a:schemeClr>
-                </a:solidFill>
-                <a:latin typeface="나눔고딕 ExtraBold" panose="020D0904000000000000" pitchFamily="50" charset="-127"/>
-                <a:ea typeface="나눔고딕 ExtraBold" panose="020D0904000000000000" pitchFamily="50" charset="-127"/>
-              </a:rPr>
-              <a:t>프로젝트 </a:t>
-            </a:r>
-            <a:r>
-              <a:rPr lang="ko-KR" altLang="en-US" sz="4370" dirty="0" err="1">
-                <a:solidFill>
-                  <a:schemeClr val="accent5">
-                    <a:lumMod val="50000"/>
-                  </a:schemeClr>
-                </a:solidFill>
-                <a:latin typeface="나눔고딕 ExtraBold" panose="020D0904000000000000" pitchFamily="50" charset="-127"/>
-                <a:ea typeface="나눔고딕 ExtraBold" panose="020D0904000000000000" pitchFamily="50" charset="-127"/>
-              </a:rPr>
-              <a:t>수행결과</a:t>
-            </a:r>
-            <a:endParaRPr lang="en-US" sz="4370" dirty="0">
-              <a:solidFill>
-                <a:schemeClr val="accent5">
-                  <a:lumMod val="50000"/>
-                </a:schemeClr>
-              </a:solidFill>
-              <a:latin typeface="나눔고딕 ExtraBold" panose="020D0904000000000000" pitchFamily="50" charset="-127"/>
-              <a:ea typeface="나눔고딕 ExtraBold" panose="020D0904000000000000" pitchFamily="50" charset="-127"/>
-            </a:endParaRPr>
-          </a:p>
-        </p:txBody>
-      </p:sp>
-      <p:sp>
-        <p:nvSpPr>
-          <p:cNvPr id="72" name="Shape 3"/>
-          <p:cNvSpPr/>
-          <p:nvPr/>
-        </p:nvSpPr>
-        <p:spPr>
-          <a:xfrm rot="16200000">
-            <a:off x="3285297" y="-1818376"/>
-            <a:ext cx="104602" cy="6151811"/>
-          </a:xfrm>
-          <a:prstGeom prst="rect">
-            <a:avLst/>
-          </a:prstGeom>
-          <a:solidFill>
-            <a:srgbClr val="E7EDF9"/>
-          </a:solidFill>
-          <a:ln/>
-        </p:spPr>
-      </p:sp>
-      <p:sp>
-        <p:nvSpPr>
-          <p:cNvPr id="2" name="직사각형 1"/>
-          <p:cNvSpPr/>
-          <p:nvPr/>
-        </p:nvSpPr>
-        <p:spPr>
-          <a:xfrm>
-            <a:off x="1774005" y="1691729"/>
-            <a:ext cx="5130034" cy="5028987"/>
-          </a:xfrm>
-          <a:prstGeom prst="rect">
-            <a:avLst/>
-          </a:prstGeom>
-          <a:noFill/>
-          <a:ln w="57150">
-            <a:solidFill>
-              <a:srgbClr val="A6C9E8"/>
-            </a:solidFill>
-          </a:ln>
-        </p:spPr>
-        <p:style>
-          <a:lnRef idx="2">
-            <a:schemeClr val="accent1">
-              <a:shade val="50000"/>
-            </a:schemeClr>
-          </a:lnRef>
-          <a:fillRef idx="1">
-            <a:schemeClr val="accent1"/>
-          </a:fillRef>
-          <a:effectRef idx="0">
-            <a:schemeClr val="accent1"/>
-          </a:effectRef>
-          <a:fontRef idx="minor">
-            <a:schemeClr val="lt1"/>
-          </a:fontRef>
-        </p:style>
-        <p:txBody>
-          <a:bodyPr rtlCol="0" anchor="ctr"/>
-          <a:lstStyle/>
-          <a:p>
-            <a:pPr algn="ctr"/>
-            <a:endParaRPr lang="ko-KR" altLang="en-US"/>
-          </a:p>
-        </p:txBody>
-      </p:sp>
-      <p:pic>
-        <p:nvPicPr>
-          <p:cNvPr id="4" name="그림 3"/>
-          <p:cNvPicPr preferRelativeResize="0">
-            <a:picLocks/>
-          </p:cNvPicPr>
-          <p:nvPr/>
-        </p:nvPicPr>
-        <p:blipFill>
-          <a:blip r:embed="rId3">
-            <a:extLst>
-              <a:ext uri="{28A0092B-C50C-407E-A947-70E740481C1C}">
-                <a14:useLocalDpi xmlns:a14="http://schemas.microsoft.com/office/drawing/2010/main" val="0"/>
-              </a:ext>
-            </a:extLst>
-          </a:blip>
-          <a:stretch>
-            <a:fillRect/>
-          </a:stretch>
-        </p:blipFill>
-        <p:spPr>
-          <a:xfrm>
-            <a:off x="2024221" y="1933262"/>
-            <a:ext cx="4629600" cy="4539600"/>
-          </a:xfrm>
-          <a:prstGeom prst="rect">
-            <a:avLst/>
-          </a:prstGeom>
-        </p:spPr>
-      </p:pic>
-      <p:sp>
-        <p:nvSpPr>
-          <p:cNvPr id="13" name="직사각형 12"/>
-          <p:cNvSpPr/>
-          <p:nvPr/>
-        </p:nvSpPr>
-        <p:spPr>
-          <a:xfrm>
-            <a:off x="1555036" y="6759019"/>
-            <a:ext cx="5567971" cy="542648"/>
-          </a:xfrm>
-          <a:prstGeom prst="rect">
-            <a:avLst/>
-          </a:prstGeom>
-          <a:solidFill>
-            <a:schemeClr val="accent5">
-              <a:lumMod val="40000"/>
-              <a:lumOff val="60000"/>
-            </a:schemeClr>
-          </a:solidFill>
-          <a:ln>
-            <a:noFill/>
-          </a:ln>
-        </p:spPr>
-        <p:style>
-          <a:lnRef idx="2">
-            <a:schemeClr val="accent1">
-              <a:shade val="50000"/>
-            </a:schemeClr>
-          </a:lnRef>
-          <a:fillRef idx="1">
-            <a:schemeClr val="accent1"/>
-          </a:fillRef>
-          <a:effectRef idx="0">
-            <a:schemeClr val="accent1"/>
-          </a:effectRef>
-          <a:fontRef idx="minor">
-            <a:schemeClr val="lt1"/>
-          </a:fontRef>
-        </p:style>
-        <p:txBody>
-          <a:bodyPr rtlCol="0" anchor="ctr"/>
-          <a:lstStyle/>
-          <a:p>
-            <a:pPr algn="ctr"/>
-            <a:r>
-              <a:rPr lang="ko-KR" altLang="en-US" sz="2400" dirty="0" smtClean="0">
-                <a:solidFill>
-                  <a:schemeClr val="accent1">
-                    <a:lumMod val="50000"/>
-                  </a:schemeClr>
-                </a:solidFill>
-                <a:latin typeface="나눔고딕 ExtraBold" panose="020D0904000000000000" pitchFamily="50" charset="-127"/>
-                <a:ea typeface="나눔고딕 ExtraBold" panose="020D0904000000000000" pitchFamily="50" charset="-127"/>
-              </a:rPr>
-              <a:t>수입 메뉴</a:t>
-            </a:r>
-            <a:endParaRPr lang="ko-KR" altLang="en-US" sz="2400" dirty="0">
-              <a:solidFill>
-                <a:schemeClr val="accent1">
-                  <a:lumMod val="50000"/>
-                </a:schemeClr>
-              </a:solidFill>
-              <a:latin typeface="나눔고딕 ExtraBold" panose="020D0904000000000000" pitchFamily="50" charset="-127"/>
-              <a:ea typeface="나눔고딕 ExtraBold" panose="020D0904000000000000" pitchFamily="50" charset="-127"/>
-            </a:endParaRPr>
-          </a:p>
-        </p:txBody>
-      </p:sp>
-      <p:sp>
-        <p:nvSpPr>
-          <p:cNvPr id="14" name="직사각형 13"/>
-          <p:cNvSpPr/>
-          <p:nvPr/>
-        </p:nvSpPr>
-        <p:spPr>
-          <a:xfrm>
-            <a:off x="7834091" y="1691729"/>
-            <a:ext cx="5130035" cy="5028987"/>
-          </a:xfrm>
-          <a:prstGeom prst="rect">
-            <a:avLst/>
-          </a:prstGeom>
-          <a:noFill/>
-          <a:ln w="57150">
-            <a:solidFill>
-              <a:srgbClr val="A6C9E8"/>
-            </a:solidFill>
-          </a:ln>
-        </p:spPr>
-        <p:style>
-          <a:lnRef idx="2">
-            <a:schemeClr val="accent1">
-              <a:shade val="50000"/>
-            </a:schemeClr>
-          </a:lnRef>
-          <a:fillRef idx="1">
-            <a:schemeClr val="accent1"/>
-          </a:fillRef>
-          <a:effectRef idx="0">
-            <a:schemeClr val="accent1"/>
-          </a:effectRef>
-          <a:fontRef idx="minor">
-            <a:schemeClr val="lt1"/>
-          </a:fontRef>
-        </p:style>
-        <p:txBody>
-          <a:bodyPr rtlCol="0" anchor="ctr"/>
-          <a:lstStyle/>
-          <a:p>
-            <a:pPr algn="ctr"/>
-            <a:endParaRPr lang="ko-KR" altLang="en-US"/>
-          </a:p>
-        </p:txBody>
-      </p:sp>
-      <p:pic>
-        <p:nvPicPr>
-          <p:cNvPr id="15" name="그림 14"/>
-          <p:cNvPicPr preferRelativeResize="0">
-            <a:picLocks/>
-          </p:cNvPicPr>
-          <p:nvPr/>
-        </p:nvPicPr>
-        <p:blipFill>
-          <a:blip r:embed="rId4">
-            <a:extLst>
-              <a:ext uri="{28A0092B-C50C-407E-A947-70E740481C1C}">
-                <a14:useLocalDpi xmlns:a14="http://schemas.microsoft.com/office/drawing/2010/main" val="0"/>
-              </a:ext>
-            </a:extLst>
-          </a:blip>
-          <a:stretch>
-            <a:fillRect/>
-          </a:stretch>
-        </p:blipFill>
-        <p:spPr>
-          <a:xfrm>
-            <a:off x="8084308" y="1947453"/>
-            <a:ext cx="4629600" cy="4540275"/>
-          </a:xfrm>
-          <a:prstGeom prst="rect">
-            <a:avLst/>
-          </a:prstGeom>
-        </p:spPr>
-      </p:pic>
-      <p:sp>
-        <p:nvSpPr>
-          <p:cNvPr id="16" name="직사각형 15"/>
-          <p:cNvSpPr/>
-          <p:nvPr/>
-        </p:nvSpPr>
-        <p:spPr>
-          <a:xfrm>
-            <a:off x="7615122" y="6759019"/>
-            <a:ext cx="5567972" cy="542648"/>
-          </a:xfrm>
-          <a:prstGeom prst="rect">
-            <a:avLst/>
-          </a:prstGeom>
-          <a:solidFill>
-            <a:schemeClr val="accent5">
-              <a:lumMod val="40000"/>
-              <a:lumOff val="60000"/>
-            </a:schemeClr>
-          </a:solidFill>
-          <a:ln>
-            <a:noFill/>
-          </a:ln>
-        </p:spPr>
-        <p:style>
-          <a:lnRef idx="2">
-            <a:schemeClr val="accent1">
-              <a:shade val="50000"/>
-            </a:schemeClr>
-          </a:lnRef>
-          <a:fillRef idx="1">
-            <a:schemeClr val="accent1"/>
-          </a:fillRef>
-          <a:effectRef idx="0">
-            <a:schemeClr val="accent1"/>
-          </a:effectRef>
-          <a:fontRef idx="minor">
-            <a:schemeClr val="lt1"/>
-          </a:fontRef>
-        </p:style>
-        <p:txBody>
-          <a:bodyPr rtlCol="0" anchor="ctr"/>
-          <a:lstStyle/>
-          <a:p>
-            <a:pPr algn="ctr"/>
-            <a:r>
-              <a:rPr lang="ko-KR" altLang="en-US" sz="2400" dirty="0" smtClean="0">
-                <a:solidFill>
-                  <a:schemeClr val="accent1">
-                    <a:lumMod val="50000"/>
-                  </a:schemeClr>
-                </a:solidFill>
-                <a:latin typeface="나눔고딕 ExtraBold" panose="020D0904000000000000" pitchFamily="50" charset="-127"/>
-                <a:ea typeface="나눔고딕 ExtraBold" panose="020D0904000000000000" pitchFamily="50" charset="-127"/>
-              </a:rPr>
-              <a:t>삭제 메뉴</a:t>
-            </a:r>
-            <a:endParaRPr lang="ko-KR" altLang="en-US" sz="2400" dirty="0">
-              <a:solidFill>
-                <a:schemeClr val="accent1">
-                  <a:lumMod val="50000"/>
-                </a:schemeClr>
-              </a:solidFill>
-              <a:latin typeface="나눔고딕 ExtraBold" panose="020D0904000000000000" pitchFamily="50" charset="-127"/>
-              <a:ea typeface="나눔고딕 ExtraBold" panose="020D0904000000000000" pitchFamily="50" charset="-127"/>
-            </a:endParaRPr>
-          </a:p>
-        </p:txBody>
-      </p:sp>
-      <p:sp>
-        <p:nvSpPr>
-          <p:cNvPr id="18" name="타원형 설명선 17"/>
-          <p:cNvSpPr/>
-          <p:nvPr/>
-        </p:nvSpPr>
-        <p:spPr>
-          <a:xfrm>
-            <a:off x="11548711" y="3716857"/>
-            <a:ext cx="3081689" cy="2397288"/>
-          </a:xfrm>
-          <a:prstGeom prst="wedgeEllipseCallout">
-            <a:avLst>
-              <a:gd name="adj1" fmla="val -66382"/>
-              <a:gd name="adj2" fmla="val 25658"/>
-            </a:avLst>
-          </a:prstGeom>
-          <a:solidFill>
-            <a:schemeClr val="accent1">
-              <a:lumMod val="20000"/>
-              <a:lumOff val="80000"/>
-            </a:schemeClr>
-          </a:solidFill>
-          <a:ln>
-            <a:noFill/>
-          </a:ln>
-        </p:spPr>
-        <p:style>
-          <a:lnRef idx="2">
-            <a:schemeClr val="accent1">
-              <a:shade val="50000"/>
-            </a:schemeClr>
-          </a:lnRef>
-          <a:fillRef idx="1">
-            <a:schemeClr val="accent1"/>
-          </a:fillRef>
-          <a:effectRef idx="0">
-            <a:schemeClr val="accent1"/>
-          </a:effectRef>
-          <a:fontRef idx="minor">
-            <a:schemeClr val="lt1"/>
-          </a:fontRef>
-        </p:style>
-        <p:txBody>
-          <a:bodyPr rtlCol="0" anchor="ctr"/>
-          <a:lstStyle/>
-          <a:p>
-            <a:pPr algn="ctr"/>
-            <a:r>
-              <a:rPr lang="ko-KR" altLang="en-US" dirty="0" smtClean="0">
-                <a:solidFill>
-                  <a:schemeClr val="accent5">
-                    <a:lumMod val="50000"/>
-                  </a:schemeClr>
-                </a:solidFill>
-                <a:latin typeface="나눔고딕 ExtraBold" panose="020D0904000000000000" pitchFamily="50" charset="-127"/>
-                <a:ea typeface="나눔고딕 ExtraBold" panose="020D0904000000000000" pitchFamily="50" charset="-127"/>
-              </a:rPr>
-              <a:t>삭제 여부 재차 확인하여 사용자 실수로 인한 삭제 방지</a:t>
-            </a:r>
-            <a:endParaRPr lang="ko-KR" altLang="en-US" dirty="0">
-              <a:solidFill>
-                <a:schemeClr val="accent5">
-                  <a:lumMod val="50000"/>
-                </a:schemeClr>
-              </a:solidFill>
-              <a:latin typeface="나눔고딕 ExtraBold" panose="020D0904000000000000" pitchFamily="50" charset="-127"/>
-              <a:ea typeface="나눔고딕 ExtraBold" panose="020D0904000000000000" pitchFamily="50" charset="-127"/>
-            </a:endParaRPr>
-          </a:p>
-        </p:txBody>
-      </p:sp>
-    </p:spTree>
-    <p:extLst>
-      <p:ext uri="{BB962C8B-B14F-4D97-AF65-F5344CB8AC3E}">
-        <p14:creationId xmlns:p14="http://schemas.microsoft.com/office/powerpoint/2010/main" val="1480812642"/>
-      </p:ext>
-    </p:extLst>
-  </p:cSld>
-  <p:clrMapOvr>
-    <a:masterClrMapping/>
-  </p:clrMapOvr>
-  <p:timing>
-    <p:tnLst>
-      <p:par>
-        <p:cTn id="1" dur="indefinite" restart="never" nodeType="tmRoot"/>
-      </p:par>
-    </p:tnLst>
-  </p:timing>
-</p:sld>
-</file>
-
-<file path=ppt/slides/slide13.xml><?xml version="1.0" encoding="utf-8"?>
-<p:sld xmlns:a="http://schemas.openxmlformats.org/drawingml/2006/main" xmlns:r="http://schemas.openxmlformats.org/officeDocument/2006/relationships" xmlns:p="http://schemas.openxmlformats.org/presentationml/2006/main">
-  <p:cSld>
-    <p:spTree>
-      <p:nvGrpSpPr>
-        <p:cNvPr id="1" name=""/>
-        <p:cNvGrpSpPr/>
-        <p:nvPr/>
-      </p:nvGrpSpPr>
-      <p:grpSpPr>
-        <a:xfrm>
-          <a:off x="0" y="0"/>
-          <a:ext cx="0" cy="0"/>
-          <a:chOff x="0" y="0"/>
-          <a:chExt cx="0" cy="0"/>
-        </a:xfrm>
-      </p:grpSpPr>
-      <p:grpSp>
-        <p:nvGrpSpPr>
-          <p:cNvPr id="10" name="그룹 9"/>
-          <p:cNvGrpSpPr/>
-          <p:nvPr/>
-        </p:nvGrpSpPr>
-        <p:grpSpPr>
-          <a:xfrm>
-            <a:off x="1" y="5936343"/>
-            <a:ext cx="14630399" cy="2293257"/>
-            <a:chOff x="1" y="5936343"/>
-            <a:chExt cx="14630399" cy="2293257"/>
-          </a:xfrm>
-        </p:grpSpPr>
-        <p:sp>
-          <p:nvSpPr>
-            <p:cNvPr id="11" name="직각 삼각형 10"/>
-            <p:cNvSpPr/>
-            <p:nvPr/>
-          </p:nvSpPr>
-          <p:spPr>
-            <a:xfrm>
-              <a:off x="1" y="5936343"/>
-              <a:ext cx="14630399" cy="2293257"/>
-            </a:xfrm>
-            <a:prstGeom prst="rtTriangle">
-              <a:avLst/>
-            </a:prstGeom>
-            <a:solidFill>
-              <a:schemeClr val="accent5">
-                <a:lumMod val="20000"/>
-                <a:lumOff val="80000"/>
-              </a:schemeClr>
-            </a:solidFill>
-            <a:ln>
-              <a:noFill/>
-            </a:ln>
-          </p:spPr>
-          <p:style>
-            <a:lnRef idx="2">
-              <a:schemeClr val="accent1">
-                <a:shade val="50000"/>
-              </a:schemeClr>
-            </a:lnRef>
-            <a:fillRef idx="1">
-              <a:schemeClr val="accent1"/>
-            </a:fillRef>
-            <a:effectRef idx="0">
-              <a:schemeClr val="accent1"/>
-            </a:effectRef>
-            <a:fontRef idx="minor">
-              <a:schemeClr val="lt1"/>
-            </a:fontRef>
-          </p:style>
-          <p:txBody>
-            <a:bodyPr rtlCol="0" anchor="ctr"/>
-            <a:lstStyle/>
-            <a:p>
-              <a:pPr algn="ctr"/>
-              <a:endParaRPr lang="ko-KR" altLang="en-US"/>
-            </a:p>
-          </p:txBody>
-        </p:sp>
-        <p:sp>
-          <p:nvSpPr>
-            <p:cNvPr id="12" name="직각 삼각형 11"/>
-            <p:cNvSpPr/>
-            <p:nvPr/>
-          </p:nvSpPr>
-          <p:spPr>
-            <a:xfrm>
-              <a:off x="1" y="6694360"/>
-              <a:ext cx="14630399" cy="1535240"/>
-            </a:xfrm>
-            <a:prstGeom prst="rtTriangle">
-              <a:avLst/>
-            </a:prstGeom>
-            <a:solidFill>
-              <a:schemeClr val="accent1">
-                <a:lumMod val="60000"/>
-                <a:lumOff val="40000"/>
-              </a:schemeClr>
-            </a:solidFill>
-            <a:ln>
-              <a:noFill/>
-            </a:ln>
-          </p:spPr>
-          <p:style>
-            <a:lnRef idx="2">
-              <a:schemeClr val="accent1">
-                <a:shade val="50000"/>
-              </a:schemeClr>
-            </a:lnRef>
-            <a:fillRef idx="1">
-              <a:schemeClr val="accent1"/>
-            </a:fillRef>
-            <a:effectRef idx="0">
-              <a:schemeClr val="accent1"/>
-            </a:effectRef>
-            <a:fontRef idx="minor">
-              <a:schemeClr val="lt1"/>
-            </a:fontRef>
-          </p:style>
-          <p:txBody>
-            <a:bodyPr rtlCol="0" anchor="ctr"/>
-            <a:lstStyle/>
-            <a:p>
-              <a:pPr algn="ctr"/>
-              <a:endParaRPr lang="ko-KR" altLang="en-US"/>
-            </a:p>
-          </p:txBody>
-        </p:sp>
-      </p:grpSp>
-      <p:sp>
-        <p:nvSpPr>
-          <p:cNvPr id="71" name="Text 2"/>
-          <p:cNvSpPr/>
-          <p:nvPr/>
-        </p:nvSpPr>
-        <p:spPr>
-          <a:xfrm>
-            <a:off x="1115653" y="510855"/>
-            <a:ext cx="4443889" cy="694373"/>
-          </a:xfrm>
-          <a:prstGeom prst="rect">
-            <a:avLst/>
-          </a:prstGeom>
-          <a:noFill/>
-          <a:ln/>
-        </p:spPr>
-        <p:txBody>
-          <a:bodyPr wrap="none" rtlCol="0" anchor="t"/>
-          <a:lstStyle/>
-          <a:p>
-            <a:pPr algn="ctr">
-              <a:lnSpc>
-                <a:spcPts val="5468"/>
-              </a:lnSpc>
-            </a:pPr>
-            <a:r>
-              <a:rPr lang="ko-KR" altLang="en-US" sz="4370" dirty="0">
-                <a:solidFill>
-                  <a:schemeClr val="accent5">
-                    <a:lumMod val="50000"/>
-                  </a:schemeClr>
-                </a:solidFill>
-                <a:latin typeface="나눔고딕 ExtraBold" panose="020D0904000000000000" pitchFamily="50" charset="-127"/>
-                <a:ea typeface="나눔고딕 ExtraBold" panose="020D0904000000000000" pitchFamily="50" charset="-127"/>
-              </a:rPr>
-              <a:t>프로젝트 </a:t>
-            </a:r>
-            <a:r>
-              <a:rPr lang="ko-KR" altLang="en-US" sz="4370" dirty="0" err="1">
-                <a:solidFill>
-                  <a:schemeClr val="accent5">
-                    <a:lumMod val="50000"/>
-                  </a:schemeClr>
-                </a:solidFill>
-                <a:latin typeface="나눔고딕 ExtraBold" panose="020D0904000000000000" pitchFamily="50" charset="-127"/>
-                <a:ea typeface="나눔고딕 ExtraBold" panose="020D0904000000000000" pitchFamily="50" charset="-127"/>
-              </a:rPr>
-              <a:t>수행결과</a:t>
-            </a:r>
-            <a:endParaRPr lang="en-US" sz="4370" dirty="0">
-              <a:solidFill>
-                <a:schemeClr val="accent5">
-                  <a:lumMod val="50000"/>
-                </a:schemeClr>
-              </a:solidFill>
-              <a:latin typeface="나눔고딕 ExtraBold" panose="020D0904000000000000" pitchFamily="50" charset="-127"/>
-              <a:ea typeface="나눔고딕 ExtraBold" panose="020D0904000000000000" pitchFamily="50" charset="-127"/>
-            </a:endParaRPr>
-          </a:p>
-        </p:txBody>
-      </p:sp>
-      <p:sp>
-        <p:nvSpPr>
-          <p:cNvPr id="72" name="Shape 3"/>
-          <p:cNvSpPr/>
-          <p:nvPr/>
-        </p:nvSpPr>
-        <p:spPr>
-          <a:xfrm rot="16200000">
-            <a:off x="3285297" y="-1818376"/>
-            <a:ext cx="104602" cy="6151811"/>
-          </a:xfrm>
-          <a:prstGeom prst="rect">
-            <a:avLst/>
-          </a:prstGeom>
-          <a:solidFill>
-            <a:srgbClr val="E7EDF9"/>
-          </a:solidFill>
-          <a:ln/>
-        </p:spPr>
-      </p:sp>
-      <p:sp>
-        <p:nvSpPr>
-          <p:cNvPr id="2" name="직사각형 1"/>
-          <p:cNvSpPr/>
-          <p:nvPr/>
-        </p:nvSpPr>
-        <p:spPr>
-          <a:xfrm>
-            <a:off x="1774005" y="1691729"/>
-            <a:ext cx="5130034" cy="5028987"/>
-          </a:xfrm>
-          <a:prstGeom prst="rect">
-            <a:avLst/>
-          </a:prstGeom>
-          <a:noFill/>
-          <a:ln w="57150">
-            <a:solidFill>
-              <a:srgbClr val="A6C9E8"/>
-            </a:solidFill>
-          </a:ln>
-        </p:spPr>
-        <p:style>
-          <a:lnRef idx="2">
-            <a:schemeClr val="accent1">
-              <a:shade val="50000"/>
-            </a:schemeClr>
-          </a:lnRef>
-          <a:fillRef idx="1">
-            <a:schemeClr val="accent1"/>
-          </a:fillRef>
-          <a:effectRef idx="0">
-            <a:schemeClr val="accent1"/>
-          </a:effectRef>
-          <a:fontRef idx="minor">
-            <a:schemeClr val="lt1"/>
-          </a:fontRef>
-        </p:style>
-        <p:txBody>
-          <a:bodyPr rtlCol="0" anchor="ctr"/>
-          <a:lstStyle/>
-          <a:p>
-            <a:pPr algn="ctr"/>
-            <a:endParaRPr lang="ko-KR" altLang="en-US"/>
-          </a:p>
-        </p:txBody>
-      </p:sp>
-      <p:pic>
-        <p:nvPicPr>
-          <p:cNvPr id="4" name="그림 3"/>
-          <p:cNvPicPr preferRelativeResize="0">
-            <a:picLocks/>
-          </p:cNvPicPr>
-          <p:nvPr/>
-        </p:nvPicPr>
-        <p:blipFill>
-          <a:blip r:embed="rId3">
-            <a:extLst>
-              <a:ext uri="{28A0092B-C50C-407E-A947-70E740481C1C}">
-                <a14:useLocalDpi xmlns:a14="http://schemas.microsoft.com/office/drawing/2010/main" val="0"/>
-              </a:ext>
-            </a:extLst>
-          </a:blip>
-          <a:stretch>
-            <a:fillRect/>
-          </a:stretch>
-        </p:blipFill>
-        <p:spPr>
-          <a:xfrm>
-            <a:off x="2033419" y="1933262"/>
-            <a:ext cx="4611203" cy="4539600"/>
-          </a:xfrm>
-          <a:prstGeom prst="rect">
-            <a:avLst/>
-          </a:prstGeom>
-        </p:spPr>
-      </p:pic>
-      <p:sp>
-        <p:nvSpPr>
-          <p:cNvPr id="13" name="직사각형 12"/>
-          <p:cNvSpPr/>
-          <p:nvPr/>
-        </p:nvSpPr>
-        <p:spPr>
-          <a:xfrm>
-            <a:off x="1555036" y="6759019"/>
-            <a:ext cx="5567971" cy="542648"/>
-          </a:xfrm>
-          <a:prstGeom prst="rect">
-            <a:avLst/>
-          </a:prstGeom>
-          <a:solidFill>
-            <a:schemeClr val="accent5">
-              <a:lumMod val="40000"/>
-              <a:lumOff val="60000"/>
-            </a:schemeClr>
-          </a:solidFill>
-          <a:ln>
-            <a:noFill/>
-          </a:ln>
-        </p:spPr>
-        <p:style>
-          <a:lnRef idx="2">
-            <a:schemeClr val="accent1">
-              <a:shade val="50000"/>
-            </a:schemeClr>
-          </a:lnRef>
-          <a:fillRef idx="1">
-            <a:schemeClr val="accent1"/>
-          </a:fillRef>
-          <a:effectRef idx="0">
-            <a:schemeClr val="accent1"/>
-          </a:effectRef>
-          <a:fontRef idx="minor">
-            <a:schemeClr val="lt1"/>
-          </a:fontRef>
-        </p:style>
-        <p:txBody>
-          <a:bodyPr rtlCol="0" anchor="ctr"/>
-          <a:lstStyle/>
-          <a:p>
-            <a:pPr algn="ctr"/>
-            <a:r>
-              <a:rPr lang="ko-KR" altLang="en-US" sz="2400" dirty="0" smtClean="0">
-                <a:solidFill>
-                  <a:schemeClr val="accent1">
-                    <a:lumMod val="50000"/>
-                  </a:schemeClr>
-                </a:solidFill>
-                <a:latin typeface="나눔고딕 ExtraBold" panose="020D0904000000000000" pitchFamily="50" charset="-127"/>
-                <a:ea typeface="나눔고딕 ExtraBold" panose="020D0904000000000000" pitchFamily="50" charset="-127"/>
-              </a:rPr>
-              <a:t>지출 메뉴</a:t>
-            </a:r>
-            <a:endParaRPr lang="ko-KR" altLang="en-US" sz="2400" dirty="0">
-              <a:solidFill>
-                <a:schemeClr val="accent1">
-                  <a:lumMod val="50000"/>
-                </a:schemeClr>
-              </a:solidFill>
-              <a:latin typeface="나눔고딕 ExtraBold" panose="020D0904000000000000" pitchFamily="50" charset="-127"/>
-              <a:ea typeface="나눔고딕 ExtraBold" panose="020D0904000000000000" pitchFamily="50" charset="-127"/>
-            </a:endParaRPr>
-          </a:p>
-        </p:txBody>
-      </p:sp>
-      <p:sp>
-        <p:nvSpPr>
-          <p:cNvPr id="14" name="직사각형 13"/>
-          <p:cNvSpPr/>
-          <p:nvPr/>
-        </p:nvSpPr>
-        <p:spPr>
-          <a:xfrm>
-            <a:off x="7834091" y="1691729"/>
-            <a:ext cx="5130035" cy="5028987"/>
-          </a:xfrm>
-          <a:prstGeom prst="rect">
-            <a:avLst/>
-          </a:prstGeom>
-          <a:noFill/>
-          <a:ln w="57150">
-            <a:solidFill>
-              <a:srgbClr val="A6C9E8"/>
-            </a:solidFill>
-          </a:ln>
-        </p:spPr>
-        <p:style>
-          <a:lnRef idx="2">
-            <a:schemeClr val="accent1">
-              <a:shade val="50000"/>
-            </a:schemeClr>
-          </a:lnRef>
-          <a:fillRef idx="1">
-            <a:schemeClr val="accent1"/>
-          </a:fillRef>
-          <a:effectRef idx="0">
-            <a:schemeClr val="accent1"/>
-          </a:effectRef>
-          <a:fontRef idx="minor">
-            <a:schemeClr val="lt1"/>
-          </a:fontRef>
-        </p:style>
-        <p:txBody>
-          <a:bodyPr rtlCol="0" anchor="ctr"/>
-          <a:lstStyle/>
-          <a:p>
-            <a:pPr algn="ctr"/>
-            <a:endParaRPr lang="ko-KR" altLang="en-US"/>
-          </a:p>
-        </p:txBody>
-      </p:sp>
-      <p:pic>
-        <p:nvPicPr>
-          <p:cNvPr id="15" name="그림 14"/>
-          <p:cNvPicPr preferRelativeResize="0">
-            <a:picLocks/>
-          </p:cNvPicPr>
-          <p:nvPr/>
-        </p:nvPicPr>
-        <p:blipFill>
-          <a:blip r:embed="rId4">
-            <a:extLst>
-              <a:ext uri="{28A0092B-C50C-407E-A947-70E740481C1C}">
-                <a14:useLocalDpi xmlns:a14="http://schemas.microsoft.com/office/drawing/2010/main" val="0"/>
-              </a:ext>
-            </a:extLst>
-          </a:blip>
-          <a:stretch>
-            <a:fillRect/>
-          </a:stretch>
-        </p:blipFill>
-        <p:spPr>
-          <a:xfrm>
-            <a:off x="8093308" y="1947453"/>
-            <a:ext cx="4611600" cy="4540275"/>
-          </a:xfrm>
-          <a:prstGeom prst="rect">
-            <a:avLst/>
-          </a:prstGeom>
-        </p:spPr>
-      </p:pic>
-      <p:sp>
-        <p:nvSpPr>
-          <p:cNvPr id="16" name="직사각형 15"/>
-          <p:cNvSpPr/>
-          <p:nvPr/>
-        </p:nvSpPr>
-        <p:spPr>
-          <a:xfrm>
-            <a:off x="7615122" y="6759019"/>
-            <a:ext cx="5567972" cy="542648"/>
-          </a:xfrm>
-          <a:prstGeom prst="rect">
-            <a:avLst/>
-          </a:prstGeom>
-          <a:solidFill>
-            <a:schemeClr val="accent5">
-              <a:lumMod val="40000"/>
-              <a:lumOff val="60000"/>
-            </a:schemeClr>
-          </a:solidFill>
-          <a:ln>
-            <a:noFill/>
-          </a:ln>
-        </p:spPr>
-        <p:style>
-          <a:lnRef idx="2">
-            <a:schemeClr val="accent1">
-              <a:shade val="50000"/>
-            </a:schemeClr>
-          </a:lnRef>
-          <a:fillRef idx="1">
-            <a:schemeClr val="accent1"/>
-          </a:fillRef>
-          <a:effectRef idx="0">
-            <a:schemeClr val="accent1"/>
-          </a:effectRef>
-          <a:fontRef idx="minor">
-            <a:schemeClr val="lt1"/>
-          </a:fontRef>
-        </p:style>
-        <p:txBody>
-          <a:bodyPr rtlCol="0" anchor="ctr"/>
-          <a:lstStyle/>
-          <a:p>
-            <a:pPr algn="ctr"/>
-            <a:r>
-              <a:rPr lang="ko-KR" altLang="en-US" sz="2400" dirty="0" smtClean="0">
-                <a:solidFill>
-                  <a:schemeClr val="accent1">
-                    <a:lumMod val="50000"/>
-                  </a:schemeClr>
-                </a:solidFill>
-                <a:latin typeface="나눔고딕 ExtraBold" panose="020D0904000000000000" pitchFamily="50" charset="-127"/>
-                <a:ea typeface="나눔고딕 ExtraBold" panose="020D0904000000000000" pitchFamily="50" charset="-127"/>
-              </a:rPr>
-              <a:t>지출 메뉴</a:t>
-            </a:r>
-            <a:endParaRPr lang="ko-KR" altLang="en-US" sz="2400" dirty="0">
-              <a:solidFill>
-                <a:schemeClr val="accent1">
-                  <a:lumMod val="50000"/>
-                </a:schemeClr>
-              </a:solidFill>
-              <a:latin typeface="나눔고딕 ExtraBold" panose="020D0904000000000000" pitchFamily="50" charset="-127"/>
-              <a:ea typeface="나눔고딕 ExtraBold" panose="020D0904000000000000" pitchFamily="50" charset="-127"/>
-            </a:endParaRPr>
-          </a:p>
-        </p:txBody>
-      </p:sp>
-      <p:sp>
-        <p:nvSpPr>
-          <p:cNvPr id="17" name="타원형 설명선 16"/>
-          <p:cNvSpPr/>
-          <p:nvPr/>
-        </p:nvSpPr>
-        <p:spPr>
-          <a:xfrm>
-            <a:off x="11548711" y="3716857"/>
-            <a:ext cx="3081689" cy="2397288"/>
-          </a:xfrm>
-          <a:prstGeom prst="wedgeEllipseCallout">
-            <a:avLst>
-              <a:gd name="adj1" fmla="val -44540"/>
-              <a:gd name="adj2" fmla="val -66521"/>
-            </a:avLst>
-          </a:prstGeom>
-          <a:solidFill>
-            <a:schemeClr val="accent1">
-              <a:lumMod val="20000"/>
-              <a:lumOff val="80000"/>
-            </a:schemeClr>
-          </a:solidFill>
-          <a:ln>
-            <a:noFill/>
-          </a:ln>
-        </p:spPr>
-        <p:style>
-          <a:lnRef idx="2">
-            <a:schemeClr val="accent1">
-              <a:shade val="50000"/>
-            </a:schemeClr>
-          </a:lnRef>
-          <a:fillRef idx="1">
-            <a:schemeClr val="accent1"/>
-          </a:fillRef>
-          <a:effectRef idx="0">
-            <a:schemeClr val="accent1"/>
-          </a:effectRef>
-          <a:fontRef idx="minor">
-            <a:schemeClr val="lt1"/>
-          </a:fontRef>
-        </p:style>
-        <p:txBody>
-          <a:bodyPr rtlCol="0" anchor="ctr"/>
-          <a:lstStyle/>
-          <a:p>
-            <a:pPr algn="ctr"/>
-            <a:r>
-              <a:rPr lang="ko-KR" altLang="en-US" dirty="0" smtClean="0">
-                <a:solidFill>
-                  <a:schemeClr val="accent5">
-                    <a:lumMod val="50000"/>
-                  </a:schemeClr>
-                </a:solidFill>
-                <a:latin typeface="나눔고딕 ExtraBold" panose="020D0904000000000000" pitchFamily="50" charset="-127"/>
-                <a:ea typeface="나눔고딕 ExtraBold" panose="020D0904000000000000" pitchFamily="50" charset="-127"/>
-              </a:rPr>
-              <a:t>분류 항목 구분으로 사용자 편의성 극대화</a:t>
-            </a:r>
-            <a:endParaRPr lang="ko-KR" altLang="en-US" dirty="0">
-              <a:solidFill>
-                <a:schemeClr val="accent5">
-                  <a:lumMod val="50000"/>
-                </a:schemeClr>
-              </a:solidFill>
-              <a:latin typeface="나눔고딕 ExtraBold" panose="020D0904000000000000" pitchFamily="50" charset="-127"/>
-              <a:ea typeface="나눔고딕 ExtraBold" panose="020D0904000000000000" pitchFamily="50" charset="-127"/>
-            </a:endParaRPr>
-          </a:p>
-        </p:txBody>
-      </p:sp>
-    </p:spTree>
-    <p:extLst>
-      <p:ext uri="{BB962C8B-B14F-4D97-AF65-F5344CB8AC3E}">
-        <p14:creationId xmlns:p14="http://schemas.microsoft.com/office/powerpoint/2010/main" val="1257782632"/>
-      </p:ext>
-    </p:extLst>
-  </p:cSld>
-  <p:clrMapOvr>
-    <a:masterClrMapping/>
-  </p:clrMapOvr>
-  <p:timing>
-    <p:tnLst>
-      <p:par>
-        <p:cTn id="1" dur="indefinite" restart="never" nodeType="tmRoot"/>
-      </p:par>
-    </p:tnLst>
-  </p:timing>
-</p:sld>
-</file>
-
 <file path=ppt/slides/slide14.xml><?xml version="1.0" encoding="utf-8"?>
 <p:sld xmlns:a="http://schemas.openxmlformats.org/drawingml/2006/main" xmlns:r="http://schemas.openxmlformats.org/officeDocument/2006/relationships" xmlns:p="http://schemas.openxmlformats.org/presentationml/2006/main">
   <p:cSld>
@@ -5014,8 +6015,8 @@
         </p:blipFill>
         <p:spPr>
           <a:xfrm>
-            <a:off x="2033221" y="1947453"/>
-            <a:ext cx="4611600" cy="4539600"/>
+            <a:off x="2024221" y="1933262"/>
+            <a:ext cx="4629600" cy="4539600"/>
           </a:xfrm>
           <a:prstGeom prst="rect">
             <a:avLst/>
@@ -5077,7 +6078,7 @@
                 <a:latin typeface="나눔고딕 ExtraBold" panose="020D0904000000000000" pitchFamily="50" charset="-127"/>
                 <a:ea typeface="나눔고딕 ExtraBold" panose="020D0904000000000000" pitchFamily="50" charset="-127"/>
               </a:rPr>
-              <a:t>조회 메뉴</a:t>
+              <a:t>수입 메뉴</a:t>
             </a:r>
             <a:endParaRPr lang="ko-KR" altLang="en-US" sz="2400" dirty="0">
               <a:solidFill>
@@ -5159,8 +6160,8 @@
         </p:blipFill>
         <p:spPr>
           <a:xfrm>
-            <a:off x="8093308" y="1947453"/>
-            <a:ext cx="4611600" cy="4540275"/>
+            <a:off x="8084308" y="1947453"/>
+            <a:ext cx="4629600" cy="4540275"/>
           </a:xfrm>
           <a:prstGeom prst="rect">
             <a:avLst/>
@@ -5222,7 +6223,7 @@
                 <a:latin typeface="나눔고딕 ExtraBold" panose="020D0904000000000000" pitchFamily="50" charset="-127"/>
                 <a:ea typeface="나눔고딕 ExtraBold" panose="020D0904000000000000" pitchFamily="50" charset="-127"/>
               </a:rPr>
-              <a:t>조회 메뉴</a:t>
+              <a:t>삭제 메뉴</a:t>
             </a:r>
             <a:endParaRPr lang="ko-KR" altLang="en-US" sz="2400" dirty="0">
               <a:solidFill>
@@ -5236,10 +6237,82 @@
           </a:p>
         </p:txBody>
       </p:sp>
+      <p:sp>
+        <p:nvSpPr>
+          <p:cNvPr id="18" name="타원형 설명선 17"/>
+          <p:cNvSpPr/>
+          <p:nvPr/>
+        </p:nvSpPr>
+        <p:spPr>
+          <a:xfrm>
+            <a:off x="11548711" y="3716857"/>
+            <a:ext cx="3081689" cy="2397288"/>
+          </a:xfrm>
+          <a:prstGeom prst="wedgeEllipseCallout">
+            <a:avLst>
+              <a:gd name="adj1" fmla="val -66382"/>
+              <a:gd name="adj2" fmla="val 25658"/>
+            </a:avLst>
+          </a:prstGeom>
+          <a:solidFill>
+            <a:schemeClr val="accent1">
+              <a:lumMod val="20000"/>
+              <a:lumOff val="80000"/>
+            </a:schemeClr>
+          </a:solidFill>
+          <a:ln>
+            <a:noFill/>
+          </a:ln>
+        </p:spPr>
+        <p:style>
+          <a:lnRef idx="2">
+            <a:schemeClr val="accent1">
+              <a:shade val="50000"/>
+            </a:schemeClr>
+          </a:lnRef>
+          <a:fillRef idx="1">
+            <a:schemeClr val="accent1"/>
+          </a:fillRef>
+          <a:effectRef idx="0">
+            <a:schemeClr val="accent1"/>
+          </a:effectRef>
+          <a:fontRef idx="minor">
+            <a:schemeClr val="lt1"/>
+          </a:fontRef>
+        </p:style>
+        <p:txBody>
+          <a:bodyPr rtlCol="0" anchor="ctr"/>
+          <a:lstStyle/>
+          <a:p>
+            <a:pPr algn="ctr"/>
+            <a:r>
+              <a:rPr lang="ko-KR" altLang="en-US" dirty="0" smtClean="0">
+                <a:solidFill>
+                  <a:schemeClr val="accent5">
+                    <a:lumMod val="50000"/>
+                  </a:schemeClr>
+                </a:solidFill>
+                <a:latin typeface="나눔고딕 ExtraBold" panose="020D0904000000000000" pitchFamily="50" charset="-127"/>
+                <a:ea typeface="나눔고딕 ExtraBold" panose="020D0904000000000000" pitchFamily="50" charset="-127"/>
+              </a:rPr>
+              <a:t>삭제 여부 재차 확인하여 사용자 실수로 인한 삭제 방지</a:t>
+            </a:r>
+            <a:endParaRPr lang="ko-KR" altLang="en-US" dirty="0">
+              <a:solidFill>
+                <a:schemeClr val="accent5">
+                  <a:lumMod val="50000"/>
+                </a:schemeClr>
+              </a:solidFill>
+              <a:latin typeface="나눔고딕 ExtraBold" panose="020D0904000000000000" pitchFamily="50" charset="-127"/>
+              <a:ea typeface="나눔고딕 ExtraBold" panose="020D0904000000000000" pitchFamily="50" charset="-127"/>
+            </a:endParaRPr>
+          </a:p>
+        </p:txBody>
+      </p:sp>
     </p:spTree>
     <p:extLst>
       <p:ext uri="{BB962C8B-B14F-4D97-AF65-F5344CB8AC3E}">
-        <p14:creationId xmlns:p14="http://schemas.microsoft.com/office/powerpoint/2010/main" val="1986745439"/>
+        <p14:creationId xmlns:p14="http://schemas.microsoft.com/office/powerpoint/2010/main" val="1480812642"/>
       </p:ext>
     </p:extLst>
   </p:cSld>
@@ -5388,6 +6461,1122 @@
       </p:grpSp>
       <p:sp>
         <p:nvSpPr>
+          <p:cNvPr id="71" name="Text 2"/>
+          <p:cNvSpPr/>
+          <p:nvPr/>
+        </p:nvSpPr>
+        <p:spPr>
+          <a:xfrm>
+            <a:off x="1115653" y="510855"/>
+            <a:ext cx="4443889" cy="694373"/>
+          </a:xfrm>
+          <a:prstGeom prst="rect">
+            <a:avLst/>
+          </a:prstGeom>
+          <a:noFill/>
+          <a:ln/>
+        </p:spPr>
+        <p:txBody>
+          <a:bodyPr wrap="none" rtlCol="0" anchor="t"/>
+          <a:lstStyle/>
+          <a:p>
+            <a:pPr algn="ctr">
+              <a:lnSpc>
+                <a:spcPts val="5468"/>
+              </a:lnSpc>
+            </a:pPr>
+            <a:r>
+              <a:rPr lang="ko-KR" altLang="en-US" sz="4370" dirty="0">
+                <a:solidFill>
+                  <a:schemeClr val="accent5">
+                    <a:lumMod val="50000"/>
+                  </a:schemeClr>
+                </a:solidFill>
+                <a:latin typeface="나눔고딕 ExtraBold" panose="020D0904000000000000" pitchFamily="50" charset="-127"/>
+                <a:ea typeface="나눔고딕 ExtraBold" panose="020D0904000000000000" pitchFamily="50" charset="-127"/>
+              </a:rPr>
+              <a:t>프로젝트 </a:t>
+            </a:r>
+            <a:r>
+              <a:rPr lang="ko-KR" altLang="en-US" sz="4370" dirty="0" err="1">
+                <a:solidFill>
+                  <a:schemeClr val="accent5">
+                    <a:lumMod val="50000"/>
+                  </a:schemeClr>
+                </a:solidFill>
+                <a:latin typeface="나눔고딕 ExtraBold" panose="020D0904000000000000" pitchFamily="50" charset="-127"/>
+                <a:ea typeface="나눔고딕 ExtraBold" panose="020D0904000000000000" pitchFamily="50" charset="-127"/>
+              </a:rPr>
+              <a:t>수행결과</a:t>
+            </a:r>
+            <a:endParaRPr lang="en-US" sz="4370" dirty="0">
+              <a:solidFill>
+                <a:schemeClr val="accent5">
+                  <a:lumMod val="50000"/>
+                </a:schemeClr>
+              </a:solidFill>
+              <a:latin typeface="나눔고딕 ExtraBold" panose="020D0904000000000000" pitchFamily="50" charset="-127"/>
+              <a:ea typeface="나눔고딕 ExtraBold" panose="020D0904000000000000" pitchFamily="50" charset="-127"/>
+            </a:endParaRPr>
+          </a:p>
+        </p:txBody>
+      </p:sp>
+      <p:sp>
+        <p:nvSpPr>
+          <p:cNvPr id="72" name="Shape 3"/>
+          <p:cNvSpPr/>
+          <p:nvPr/>
+        </p:nvSpPr>
+        <p:spPr>
+          <a:xfrm rot="16200000">
+            <a:off x="3285297" y="-1818376"/>
+            <a:ext cx="104602" cy="6151811"/>
+          </a:xfrm>
+          <a:prstGeom prst="rect">
+            <a:avLst/>
+          </a:prstGeom>
+          <a:solidFill>
+            <a:srgbClr val="E7EDF9"/>
+          </a:solidFill>
+          <a:ln/>
+        </p:spPr>
+      </p:sp>
+      <p:sp>
+        <p:nvSpPr>
+          <p:cNvPr id="2" name="직사각형 1"/>
+          <p:cNvSpPr/>
+          <p:nvPr/>
+        </p:nvSpPr>
+        <p:spPr>
+          <a:xfrm>
+            <a:off x="1774005" y="1691729"/>
+            <a:ext cx="5130034" cy="5028987"/>
+          </a:xfrm>
+          <a:prstGeom prst="rect">
+            <a:avLst/>
+          </a:prstGeom>
+          <a:noFill/>
+          <a:ln w="57150">
+            <a:solidFill>
+              <a:srgbClr val="A6C9E8"/>
+            </a:solidFill>
+          </a:ln>
+        </p:spPr>
+        <p:style>
+          <a:lnRef idx="2">
+            <a:schemeClr val="accent1">
+              <a:shade val="50000"/>
+            </a:schemeClr>
+          </a:lnRef>
+          <a:fillRef idx="1">
+            <a:schemeClr val="accent1"/>
+          </a:fillRef>
+          <a:effectRef idx="0">
+            <a:schemeClr val="accent1"/>
+          </a:effectRef>
+          <a:fontRef idx="minor">
+            <a:schemeClr val="lt1"/>
+          </a:fontRef>
+        </p:style>
+        <p:txBody>
+          <a:bodyPr rtlCol="0" anchor="ctr"/>
+          <a:lstStyle/>
+          <a:p>
+            <a:pPr algn="ctr"/>
+            <a:endParaRPr lang="ko-KR" altLang="en-US"/>
+          </a:p>
+        </p:txBody>
+      </p:sp>
+      <p:pic>
+        <p:nvPicPr>
+          <p:cNvPr id="4" name="그림 3"/>
+          <p:cNvPicPr preferRelativeResize="0">
+            <a:picLocks/>
+          </p:cNvPicPr>
+          <p:nvPr/>
+        </p:nvPicPr>
+        <p:blipFill>
+          <a:blip r:embed="rId3">
+            <a:extLst>
+              <a:ext uri="{28A0092B-C50C-407E-A947-70E740481C1C}">
+                <a14:useLocalDpi xmlns:a14="http://schemas.microsoft.com/office/drawing/2010/main" val="0"/>
+              </a:ext>
+            </a:extLst>
+          </a:blip>
+          <a:stretch>
+            <a:fillRect/>
+          </a:stretch>
+        </p:blipFill>
+        <p:spPr>
+          <a:xfrm>
+            <a:off x="2033419" y="1933262"/>
+            <a:ext cx="4611203" cy="4539600"/>
+          </a:xfrm>
+          <a:prstGeom prst="rect">
+            <a:avLst/>
+          </a:prstGeom>
+        </p:spPr>
+      </p:pic>
+      <p:sp>
+        <p:nvSpPr>
+          <p:cNvPr id="13" name="직사각형 12"/>
+          <p:cNvSpPr/>
+          <p:nvPr/>
+        </p:nvSpPr>
+        <p:spPr>
+          <a:xfrm>
+            <a:off x="1555036" y="6759019"/>
+            <a:ext cx="5567971" cy="542648"/>
+          </a:xfrm>
+          <a:prstGeom prst="rect">
+            <a:avLst/>
+          </a:prstGeom>
+          <a:solidFill>
+            <a:schemeClr val="accent5">
+              <a:lumMod val="40000"/>
+              <a:lumOff val="60000"/>
+            </a:schemeClr>
+          </a:solidFill>
+          <a:ln>
+            <a:noFill/>
+          </a:ln>
+        </p:spPr>
+        <p:style>
+          <a:lnRef idx="2">
+            <a:schemeClr val="accent1">
+              <a:shade val="50000"/>
+            </a:schemeClr>
+          </a:lnRef>
+          <a:fillRef idx="1">
+            <a:schemeClr val="accent1"/>
+          </a:fillRef>
+          <a:effectRef idx="0">
+            <a:schemeClr val="accent1"/>
+          </a:effectRef>
+          <a:fontRef idx="minor">
+            <a:schemeClr val="lt1"/>
+          </a:fontRef>
+        </p:style>
+        <p:txBody>
+          <a:bodyPr rtlCol="0" anchor="ctr"/>
+          <a:lstStyle/>
+          <a:p>
+            <a:pPr algn="ctr"/>
+            <a:r>
+              <a:rPr lang="ko-KR" altLang="en-US" sz="2400" dirty="0" smtClean="0">
+                <a:solidFill>
+                  <a:schemeClr val="accent1">
+                    <a:lumMod val="50000"/>
+                  </a:schemeClr>
+                </a:solidFill>
+                <a:latin typeface="나눔고딕 ExtraBold" panose="020D0904000000000000" pitchFamily="50" charset="-127"/>
+                <a:ea typeface="나눔고딕 ExtraBold" panose="020D0904000000000000" pitchFamily="50" charset="-127"/>
+              </a:rPr>
+              <a:t>지출 메뉴</a:t>
+            </a:r>
+            <a:endParaRPr lang="ko-KR" altLang="en-US" sz="2400" dirty="0">
+              <a:solidFill>
+                <a:schemeClr val="accent1">
+                  <a:lumMod val="50000"/>
+                </a:schemeClr>
+              </a:solidFill>
+              <a:latin typeface="나눔고딕 ExtraBold" panose="020D0904000000000000" pitchFamily="50" charset="-127"/>
+              <a:ea typeface="나눔고딕 ExtraBold" panose="020D0904000000000000" pitchFamily="50" charset="-127"/>
+            </a:endParaRPr>
+          </a:p>
+        </p:txBody>
+      </p:sp>
+      <p:sp>
+        <p:nvSpPr>
+          <p:cNvPr id="14" name="직사각형 13"/>
+          <p:cNvSpPr/>
+          <p:nvPr/>
+        </p:nvSpPr>
+        <p:spPr>
+          <a:xfrm>
+            <a:off x="7834091" y="1691729"/>
+            <a:ext cx="5130035" cy="5028987"/>
+          </a:xfrm>
+          <a:prstGeom prst="rect">
+            <a:avLst/>
+          </a:prstGeom>
+          <a:noFill/>
+          <a:ln w="57150">
+            <a:solidFill>
+              <a:srgbClr val="A6C9E8"/>
+            </a:solidFill>
+          </a:ln>
+        </p:spPr>
+        <p:style>
+          <a:lnRef idx="2">
+            <a:schemeClr val="accent1">
+              <a:shade val="50000"/>
+            </a:schemeClr>
+          </a:lnRef>
+          <a:fillRef idx="1">
+            <a:schemeClr val="accent1"/>
+          </a:fillRef>
+          <a:effectRef idx="0">
+            <a:schemeClr val="accent1"/>
+          </a:effectRef>
+          <a:fontRef idx="minor">
+            <a:schemeClr val="lt1"/>
+          </a:fontRef>
+        </p:style>
+        <p:txBody>
+          <a:bodyPr rtlCol="0" anchor="ctr"/>
+          <a:lstStyle/>
+          <a:p>
+            <a:pPr algn="ctr"/>
+            <a:endParaRPr lang="ko-KR" altLang="en-US"/>
+          </a:p>
+        </p:txBody>
+      </p:sp>
+      <p:pic>
+        <p:nvPicPr>
+          <p:cNvPr id="15" name="그림 14"/>
+          <p:cNvPicPr preferRelativeResize="0">
+            <a:picLocks/>
+          </p:cNvPicPr>
+          <p:nvPr/>
+        </p:nvPicPr>
+        <p:blipFill>
+          <a:blip r:embed="rId4">
+            <a:extLst>
+              <a:ext uri="{28A0092B-C50C-407E-A947-70E740481C1C}">
+                <a14:useLocalDpi xmlns:a14="http://schemas.microsoft.com/office/drawing/2010/main" val="0"/>
+              </a:ext>
+            </a:extLst>
+          </a:blip>
+          <a:stretch>
+            <a:fillRect/>
+          </a:stretch>
+        </p:blipFill>
+        <p:spPr>
+          <a:xfrm>
+            <a:off x="8093308" y="1947453"/>
+            <a:ext cx="4611600" cy="4540275"/>
+          </a:xfrm>
+          <a:prstGeom prst="rect">
+            <a:avLst/>
+          </a:prstGeom>
+        </p:spPr>
+      </p:pic>
+      <p:sp>
+        <p:nvSpPr>
+          <p:cNvPr id="16" name="직사각형 15"/>
+          <p:cNvSpPr/>
+          <p:nvPr/>
+        </p:nvSpPr>
+        <p:spPr>
+          <a:xfrm>
+            <a:off x="7615122" y="6759019"/>
+            <a:ext cx="5567972" cy="542648"/>
+          </a:xfrm>
+          <a:prstGeom prst="rect">
+            <a:avLst/>
+          </a:prstGeom>
+          <a:solidFill>
+            <a:schemeClr val="accent5">
+              <a:lumMod val="40000"/>
+              <a:lumOff val="60000"/>
+            </a:schemeClr>
+          </a:solidFill>
+          <a:ln>
+            <a:noFill/>
+          </a:ln>
+        </p:spPr>
+        <p:style>
+          <a:lnRef idx="2">
+            <a:schemeClr val="accent1">
+              <a:shade val="50000"/>
+            </a:schemeClr>
+          </a:lnRef>
+          <a:fillRef idx="1">
+            <a:schemeClr val="accent1"/>
+          </a:fillRef>
+          <a:effectRef idx="0">
+            <a:schemeClr val="accent1"/>
+          </a:effectRef>
+          <a:fontRef idx="minor">
+            <a:schemeClr val="lt1"/>
+          </a:fontRef>
+        </p:style>
+        <p:txBody>
+          <a:bodyPr rtlCol="0" anchor="ctr"/>
+          <a:lstStyle/>
+          <a:p>
+            <a:pPr algn="ctr"/>
+            <a:r>
+              <a:rPr lang="ko-KR" altLang="en-US" sz="2400" dirty="0" smtClean="0">
+                <a:solidFill>
+                  <a:schemeClr val="accent1">
+                    <a:lumMod val="50000"/>
+                  </a:schemeClr>
+                </a:solidFill>
+                <a:latin typeface="나눔고딕 ExtraBold" panose="020D0904000000000000" pitchFamily="50" charset="-127"/>
+                <a:ea typeface="나눔고딕 ExtraBold" panose="020D0904000000000000" pitchFamily="50" charset="-127"/>
+              </a:rPr>
+              <a:t>지출 메뉴</a:t>
+            </a:r>
+            <a:endParaRPr lang="ko-KR" altLang="en-US" sz="2400" dirty="0">
+              <a:solidFill>
+                <a:schemeClr val="accent1">
+                  <a:lumMod val="50000"/>
+                </a:schemeClr>
+              </a:solidFill>
+              <a:latin typeface="나눔고딕 ExtraBold" panose="020D0904000000000000" pitchFamily="50" charset="-127"/>
+              <a:ea typeface="나눔고딕 ExtraBold" panose="020D0904000000000000" pitchFamily="50" charset="-127"/>
+            </a:endParaRPr>
+          </a:p>
+        </p:txBody>
+      </p:sp>
+      <p:sp>
+        <p:nvSpPr>
+          <p:cNvPr id="17" name="타원형 설명선 16"/>
+          <p:cNvSpPr/>
+          <p:nvPr/>
+        </p:nvSpPr>
+        <p:spPr>
+          <a:xfrm>
+            <a:off x="11548711" y="3716857"/>
+            <a:ext cx="3081689" cy="2397288"/>
+          </a:xfrm>
+          <a:prstGeom prst="wedgeEllipseCallout">
+            <a:avLst>
+              <a:gd name="adj1" fmla="val -44540"/>
+              <a:gd name="adj2" fmla="val -66521"/>
+            </a:avLst>
+          </a:prstGeom>
+          <a:solidFill>
+            <a:schemeClr val="accent1">
+              <a:lumMod val="20000"/>
+              <a:lumOff val="80000"/>
+            </a:schemeClr>
+          </a:solidFill>
+          <a:ln>
+            <a:noFill/>
+          </a:ln>
+        </p:spPr>
+        <p:style>
+          <a:lnRef idx="2">
+            <a:schemeClr val="accent1">
+              <a:shade val="50000"/>
+            </a:schemeClr>
+          </a:lnRef>
+          <a:fillRef idx="1">
+            <a:schemeClr val="accent1"/>
+          </a:fillRef>
+          <a:effectRef idx="0">
+            <a:schemeClr val="accent1"/>
+          </a:effectRef>
+          <a:fontRef idx="minor">
+            <a:schemeClr val="lt1"/>
+          </a:fontRef>
+        </p:style>
+        <p:txBody>
+          <a:bodyPr rtlCol="0" anchor="ctr"/>
+          <a:lstStyle/>
+          <a:p>
+            <a:pPr algn="ctr"/>
+            <a:r>
+              <a:rPr lang="ko-KR" altLang="en-US" dirty="0" smtClean="0">
+                <a:solidFill>
+                  <a:schemeClr val="accent5">
+                    <a:lumMod val="50000"/>
+                  </a:schemeClr>
+                </a:solidFill>
+                <a:latin typeface="나눔고딕 ExtraBold" panose="020D0904000000000000" pitchFamily="50" charset="-127"/>
+                <a:ea typeface="나눔고딕 ExtraBold" panose="020D0904000000000000" pitchFamily="50" charset="-127"/>
+              </a:rPr>
+              <a:t>분류 항목 구분으로 사용자 편의성 극대화</a:t>
+            </a:r>
+            <a:endParaRPr lang="ko-KR" altLang="en-US" dirty="0">
+              <a:solidFill>
+                <a:schemeClr val="accent5">
+                  <a:lumMod val="50000"/>
+                </a:schemeClr>
+              </a:solidFill>
+              <a:latin typeface="나눔고딕 ExtraBold" panose="020D0904000000000000" pitchFamily="50" charset="-127"/>
+              <a:ea typeface="나눔고딕 ExtraBold" panose="020D0904000000000000" pitchFamily="50" charset="-127"/>
+            </a:endParaRPr>
+          </a:p>
+        </p:txBody>
+      </p:sp>
+    </p:spTree>
+    <p:extLst>
+      <p:ext uri="{BB962C8B-B14F-4D97-AF65-F5344CB8AC3E}">
+        <p14:creationId xmlns:p14="http://schemas.microsoft.com/office/powerpoint/2010/main" val="1257782632"/>
+      </p:ext>
+    </p:extLst>
+  </p:cSld>
+  <p:clrMapOvr>
+    <a:masterClrMapping/>
+  </p:clrMapOvr>
+  <p:timing>
+    <p:tnLst>
+      <p:par>
+        <p:cTn id="1" dur="indefinite" restart="never" nodeType="tmRoot"/>
+      </p:par>
+    </p:tnLst>
+  </p:timing>
+</p:sld>
+</file>
+
+<file path=ppt/slides/slide16.xml><?xml version="1.0" encoding="utf-8"?>
+<p:sld xmlns:a="http://schemas.openxmlformats.org/drawingml/2006/main" xmlns:r="http://schemas.openxmlformats.org/officeDocument/2006/relationships" xmlns:p="http://schemas.openxmlformats.org/presentationml/2006/main">
+  <p:cSld>
+    <p:spTree>
+      <p:nvGrpSpPr>
+        <p:cNvPr id="1" name=""/>
+        <p:cNvGrpSpPr/>
+        <p:nvPr/>
+      </p:nvGrpSpPr>
+      <p:grpSpPr>
+        <a:xfrm>
+          <a:off x="0" y="0"/>
+          <a:ext cx="0" cy="0"/>
+          <a:chOff x="0" y="0"/>
+          <a:chExt cx="0" cy="0"/>
+        </a:xfrm>
+      </p:grpSpPr>
+      <p:grpSp>
+        <p:nvGrpSpPr>
+          <p:cNvPr id="10" name="그룹 9"/>
+          <p:cNvGrpSpPr/>
+          <p:nvPr/>
+        </p:nvGrpSpPr>
+        <p:grpSpPr>
+          <a:xfrm>
+            <a:off x="1" y="5936343"/>
+            <a:ext cx="14630399" cy="2293257"/>
+            <a:chOff x="1" y="5936343"/>
+            <a:chExt cx="14630399" cy="2293257"/>
+          </a:xfrm>
+        </p:grpSpPr>
+        <p:sp>
+          <p:nvSpPr>
+            <p:cNvPr id="11" name="직각 삼각형 10"/>
+            <p:cNvSpPr/>
+            <p:nvPr/>
+          </p:nvSpPr>
+          <p:spPr>
+            <a:xfrm>
+              <a:off x="1" y="5936343"/>
+              <a:ext cx="14630399" cy="2293257"/>
+            </a:xfrm>
+            <a:prstGeom prst="rtTriangle">
+              <a:avLst/>
+            </a:prstGeom>
+            <a:solidFill>
+              <a:schemeClr val="accent5">
+                <a:lumMod val="20000"/>
+                <a:lumOff val="80000"/>
+              </a:schemeClr>
+            </a:solidFill>
+            <a:ln>
+              <a:noFill/>
+            </a:ln>
+          </p:spPr>
+          <p:style>
+            <a:lnRef idx="2">
+              <a:schemeClr val="accent1">
+                <a:shade val="50000"/>
+              </a:schemeClr>
+            </a:lnRef>
+            <a:fillRef idx="1">
+              <a:schemeClr val="accent1"/>
+            </a:fillRef>
+            <a:effectRef idx="0">
+              <a:schemeClr val="accent1"/>
+            </a:effectRef>
+            <a:fontRef idx="minor">
+              <a:schemeClr val="lt1"/>
+            </a:fontRef>
+          </p:style>
+          <p:txBody>
+            <a:bodyPr rtlCol="0" anchor="ctr"/>
+            <a:lstStyle/>
+            <a:p>
+              <a:pPr algn="ctr"/>
+              <a:endParaRPr lang="ko-KR" altLang="en-US"/>
+            </a:p>
+          </p:txBody>
+        </p:sp>
+        <p:sp>
+          <p:nvSpPr>
+            <p:cNvPr id="12" name="직각 삼각형 11"/>
+            <p:cNvSpPr/>
+            <p:nvPr/>
+          </p:nvSpPr>
+          <p:spPr>
+            <a:xfrm>
+              <a:off x="1" y="6694360"/>
+              <a:ext cx="14630399" cy="1535240"/>
+            </a:xfrm>
+            <a:prstGeom prst="rtTriangle">
+              <a:avLst/>
+            </a:prstGeom>
+            <a:solidFill>
+              <a:schemeClr val="accent1">
+                <a:lumMod val="60000"/>
+                <a:lumOff val="40000"/>
+              </a:schemeClr>
+            </a:solidFill>
+            <a:ln>
+              <a:noFill/>
+            </a:ln>
+          </p:spPr>
+          <p:style>
+            <a:lnRef idx="2">
+              <a:schemeClr val="accent1">
+                <a:shade val="50000"/>
+              </a:schemeClr>
+            </a:lnRef>
+            <a:fillRef idx="1">
+              <a:schemeClr val="accent1"/>
+            </a:fillRef>
+            <a:effectRef idx="0">
+              <a:schemeClr val="accent1"/>
+            </a:effectRef>
+            <a:fontRef idx="minor">
+              <a:schemeClr val="lt1"/>
+            </a:fontRef>
+          </p:style>
+          <p:txBody>
+            <a:bodyPr rtlCol="0" anchor="ctr"/>
+            <a:lstStyle/>
+            <a:p>
+              <a:pPr algn="ctr"/>
+              <a:endParaRPr lang="ko-KR" altLang="en-US"/>
+            </a:p>
+          </p:txBody>
+        </p:sp>
+      </p:grpSp>
+      <p:sp>
+        <p:nvSpPr>
+          <p:cNvPr id="71" name="Text 2"/>
+          <p:cNvSpPr/>
+          <p:nvPr/>
+        </p:nvSpPr>
+        <p:spPr>
+          <a:xfrm>
+            <a:off x="1115653" y="510855"/>
+            <a:ext cx="4443889" cy="694373"/>
+          </a:xfrm>
+          <a:prstGeom prst="rect">
+            <a:avLst/>
+          </a:prstGeom>
+          <a:noFill/>
+          <a:ln/>
+        </p:spPr>
+        <p:txBody>
+          <a:bodyPr wrap="none" rtlCol="0" anchor="t"/>
+          <a:lstStyle/>
+          <a:p>
+            <a:pPr algn="ctr">
+              <a:lnSpc>
+                <a:spcPts val="5468"/>
+              </a:lnSpc>
+            </a:pPr>
+            <a:r>
+              <a:rPr lang="ko-KR" altLang="en-US" sz="4370" dirty="0">
+                <a:solidFill>
+                  <a:schemeClr val="accent5">
+                    <a:lumMod val="50000"/>
+                  </a:schemeClr>
+                </a:solidFill>
+                <a:latin typeface="나눔고딕 ExtraBold" panose="020D0904000000000000" pitchFamily="50" charset="-127"/>
+                <a:ea typeface="나눔고딕 ExtraBold" panose="020D0904000000000000" pitchFamily="50" charset="-127"/>
+              </a:rPr>
+              <a:t>프로젝트 </a:t>
+            </a:r>
+            <a:r>
+              <a:rPr lang="ko-KR" altLang="en-US" sz="4370" dirty="0" err="1">
+                <a:solidFill>
+                  <a:schemeClr val="accent5">
+                    <a:lumMod val="50000"/>
+                  </a:schemeClr>
+                </a:solidFill>
+                <a:latin typeface="나눔고딕 ExtraBold" panose="020D0904000000000000" pitchFamily="50" charset="-127"/>
+                <a:ea typeface="나눔고딕 ExtraBold" panose="020D0904000000000000" pitchFamily="50" charset="-127"/>
+              </a:rPr>
+              <a:t>수행결과</a:t>
+            </a:r>
+            <a:endParaRPr lang="en-US" sz="4370" dirty="0">
+              <a:solidFill>
+                <a:schemeClr val="accent5">
+                  <a:lumMod val="50000"/>
+                </a:schemeClr>
+              </a:solidFill>
+              <a:latin typeface="나눔고딕 ExtraBold" panose="020D0904000000000000" pitchFamily="50" charset="-127"/>
+              <a:ea typeface="나눔고딕 ExtraBold" panose="020D0904000000000000" pitchFamily="50" charset="-127"/>
+            </a:endParaRPr>
+          </a:p>
+        </p:txBody>
+      </p:sp>
+      <p:sp>
+        <p:nvSpPr>
+          <p:cNvPr id="72" name="Shape 3"/>
+          <p:cNvSpPr/>
+          <p:nvPr/>
+        </p:nvSpPr>
+        <p:spPr>
+          <a:xfrm rot="16200000">
+            <a:off x="3285297" y="-1818376"/>
+            <a:ext cx="104602" cy="6151811"/>
+          </a:xfrm>
+          <a:prstGeom prst="rect">
+            <a:avLst/>
+          </a:prstGeom>
+          <a:solidFill>
+            <a:srgbClr val="E7EDF9"/>
+          </a:solidFill>
+          <a:ln/>
+        </p:spPr>
+      </p:sp>
+      <p:sp>
+        <p:nvSpPr>
+          <p:cNvPr id="2" name="직사각형 1"/>
+          <p:cNvSpPr/>
+          <p:nvPr/>
+        </p:nvSpPr>
+        <p:spPr>
+          <a:xfrm>
+            <a:off x="1774005" y="1691729"/>
+            <a:ext cx="5130034" cy="5028987"/>
+          </a:xfrm>
+          <a:prstGeom prst="rect">
+            <a:avLst/>
+          </a:prstGeom>
+          <a:noFill/>
+          <a:ln w="57150">
+            <a:solidFill>
+              <a:srgbClr val="A6C9E8"/>
+            </a:solidFill>
+          </a:ln>
+        </p:spPr>
+        <p:style>
+          <a:lnRef idx="2">
+            <a:schemeClr val="accent1">
+              <a:shade val="50000"/>
+            </a:schemeClr>
+          </a:lnRef>
+          <a:fillRef idx="1">
+            <a:schemeClr val="accent1"/>
+          </a:fillRef>
+          <a:effectRef idx="0">
+            <a:schemeClr val="accent1"/>
+          </a:effectRef>
+          <a:fontRef idx="minor">
+            <a:schemeClr val="lt1"/>
+          </a:fontRef>
+        </p:style>
+        <p:txBody>
+          <a:bodyPr rtlCol="0" anchor="ctr"/>
+          <a:lstStyle/>
+          <a:p>
+            <a:pPr algn="ctr"/>
+            <a:endParaRPr lang="ko-KR" altLang="en-US"/>
+          </a:p>
+        </p:txBody>
+      </p:sp>
+      <p:pic>
+        <p:nvPicPr>
+          <p:cNvPr id="4" name="그림 3"/>
+          <p:cNvPicPr preferRelativeResize="0">
+            <a:picLocks/>
+          </p:cNvPicPr>
+          <p:nvPr/>
+        </p:nvPicPr>
+        <p:blipFill>
+          <a:blip r:embed="rId3">
+            <a:extLst>
+              <a:ext uri="{28A0092B-C50C-407E-A947-70E740481C1C}">
+                <a14:useLocalDpi xmlns:a14="http://schemas.microsoft.com/office/drawing/2010/main" val="0"/>
+              </a:ext>
+            </a:extLst>
+          </a:blip>
+          <a:stretch>
+            <a:fillRect/>
+          </a:stretch>
+        </p:blipFill>
+        <p:spPr>
+          <a:xfrm>
+            <a:off x="2033221" y="1947453"/>
+            <a:ext cx="4611600" cy="4539600"/>
+          </a:xfrm>
+          <a:prstGeom prst="rect">
+            <a:avLst/>
+          </a:prstGeom>
+        </p:spPr>
+      </p:pic>
+      <p:sp>
+        <p:nvSpPr>
+          <p:cNvPr id="13" name="직사각형 12"/>
+          <p:cNvSpPr/>
+          <p:nvPr/>
+        </p:nvSpPr>
+        <p:spPr>
+          <a:xfrm>
+            <a:off x="1555036" y="6759019"/>
+            <a:ext cx="5567971" cy="542648"/>
+          </a:xfrm>
+          <a:prstGeom prst="rect">
+            <a:avLst/>
+          </a:prstGeom>
+          <a:solidFill>
+            <a:schemeClr val="accent5">
+              <a:lumMod val="40000"/>
+              <a:lumOff val="60000"/>
+            </a:schemeClr>
+          </a:solidFill>
+          <a:ln>
+            <a:noFill/>
+          </a:ln>
+        </p:spPr>
+        <p:style>
+          <a:lnRef idx="2">
+            <a:schemeClr val="accent1">
+              <a:shade val="50000"/>
+            </a:schemeClr>
+          </a:lnRef>
+          <a:fillRef idx="1">
+            <a:schemeClr val="accent1"/>
+          </a:fillRef>
+          <a:effectRef idx="0">
+            <a:schemeClr val="accent1"/>
+          </a:effectRef>
+          <a:fontRef idx="minor">
+            <a:schemeClr val="lt1"/>
+          </a:fontRef>
+        </p:style>
+        <p:txBody>
+          <a:bodyPr rtlCol="0" anchor="ctr"/>
+          <a:lstStyle/>
+          <a:p>
+            <a:pPr algn="ctr"/>
+            <a:r>
+              <a:rPr lang="ko-KR" altLang="en-US" sz="2400" dirty="0" smtClean="0">
+                <a:solidFill>
+                  <a:schemeClr val="accent1">
+                    <a:lumMod val="50000"/>
+                  </a:schemeClr>
+                </a:solidFill>
+                <a:latin typeface="나눔고딕 ExtraBold" panose="020D0904000000000000" pitchFamily="50" charset="-127"/>
+                <a:ea typeface="나눔고딕 ExtraBold" panose="020D0904000000000000" pitchFamily="50" charset="-127"/>
+              </a:rPr>
+              <a:t>조회 메뉴</a:t>
+            </a:r>
+            <a:endParaRPr lang="ko-KR" altLang="en-US" sz="2400" dirty="0">
+              <a:solidFill>
+                <a:schemeClr val="accent1">
+                  <a:lumMod val="50000"/>
+                </a:schemeClr>
+              </a:solidFill>
+              <a:latin typeface="나눔고딕 ExtraBold" panose="020D0904000000000000" pitchFamily="50" charset="-127"/>
+              <a:ea typeface="나눔고딕 ExtraBold" panose="020D0904000000000000" pitchFamily="50" charset="-127"/>
+            </a:endParaRPr>
+          </a:p>
+        </p:txBody>
+      </p:sp>
+      <p:sp>
+        <p:nvSpPr>
+          <p:cNvPr id="14" name="직사각형 13"/>
+          <p:cNvSpPr/>
+          <p:nvPr/>
+        </p:nvSpPr>
+        <p:spPr>
+          <a:xfrm>
+            <a:off x="7834091" y="1691729"/>
+            <a:ext cx="5130035" cy="5028987"/>
+          </a:xfrm>
+          <a:prstGeom prst="rect">
+            <a:avLst/>
+          </a:prstGeom>
+          <a:noFill/>
+          <a:ln w="57150">
+            <a:solidFill>
+              <a:srgbClr val="A6C9E8"/>
+            </a:solidFill>
+          </a:ln>
+        </p:spPr>
+        <p:style>
+          <a:lnRef idx="2">
+            <a:schemeClr val="accent1">
+              <a:shade val="50000"/>
+            </a:schemeClr>
+          </a:lnRef>
+          <a:fillRef idx="1">
+            <a:schemeClr val="accent1"/>
+          </a:fillRef>
+          <a:effectRef idx="0">
+            <a:schemeClr val="accent1"/>
+          </a:effectRef>
+          <a:fontRef idx="minor">
+            <a:schemeClr val="lt1"/>
+          </a:fontRef>
+        </p:style>
+        <p:txBody>
+          <a:bodyPr rtlCol="0" anchor="ctr"/>
+          <a:lstStyle/>
+          <a:p>
+            <a:pPr algn="ctr"/>
+            <a:endParaRPr lang="ko-KR" altLang="en-US"/>
+          </a:p>
+        </p:txBody>
+      </p:sp>
+      <p:pic>
+        <p:nvPicPr>
+          <p:cNvPr id="15" name="그림 14"/>
+          <p:cNvPicPr preferRelativeResize="0">
+            <a:picLocks/>
+          </p:cNvPicPr>
+          <p:nvPr/>
+        </p:nvPicPr>
+        <p:blipFill>
+          <a:blip r:embed="rId4">
+            <a:extLst>
+              <a:ext uri="{28A0092B-C50C-407E-A947-70E740481C1C}">
+                <a14:useLocalDpi xmlns:a14="http://schemas.microsoft.com/office/drawing/2010/main" val="0"/>
+              </a:ext>
+            </a:extLst>
+          </a:blip>
+          <a:stretch>
+            <a:fillRect/>
+          </a:stretch>
+        </p:blipFill>
+        <p:spPr>
+          <a:xfrm>
+            <a:off x="8093308" y="1947453"/>
+            <a:ext cx="4611600" cy="4540275"/>
+          </a:xfrm>
+          <a:prstGeom prst="rect">
+            <a:avLst/>
+          </a:prstGeom>
+        </p:spPr>
+      </p:pic>
+      <p:sp>
+        <p:nvSpPr>
+          <p:cNvPr id="16" name="직사각형 15"/>
+          <p:cNvSpPr/>
+          <p:nvPr/>
+        </p:nvSpPr>
+        <p:spPr>
+          <a:xfrm>
+            <a:off x="7615122" y="6759019"/>
+            <a:ext cx="5567972" cy="542648"/>
+          </a:xfrm>
+          <a:prstGeom prst="rect">
+            <a:avLst/>
+          </a:prstGeom>
+          <a:solidFill>
+            <a:schemeClr val="accent5">
+              <a:lumMod val="40000"/>
+              <a:lumOff val="60000"/>
+            </a:schemeClr>
+          </a:solidFill>
+          <a:ln>
+            <a:noFill/>
+          </a:ln>
+        </p:spPr>
+        <p:style>
+          <a:lnRef idx="2">
+            <a:schemeClr val="accent1">
+              <a:shade val="50000"/>
+            </a:schemeClr>
+          </a:lnRef>
+          <a:fillRef idx="1">
+            <a:schemeClr val="accent1"/>
+          </a:fillRef>
+          <a:effectRef idx="0">
+            <a:schemeClr val="accent1"/>
+          </a:effectRef>
+          <a:fontRef idx="minor">
+            <a:schemeClr val="lt1"/>
+          </a:fontRef>
+        </p:style>
+        <p:txBody>
+          <a:bodyPr rtlCol="0" anchor="ctr"/>
+          <a:lstStyle/>
+          <a:p>
+            <a:pPr algn="ctr"/>
+            <a:r>
+              <a:rPr lang="ko-KR" altLang="en-US" sz="2400" dirty="0" smtClean="0">
+                <a:solidFill>
+                  <a:schemeClr val="accent1">
+                    <a:lumMod val="50000"/>
+                  </a:schemeClr>
+                </a:solidFill>
+                <a:latin typeface="나눔고딕 ExtraBold" panose="020D0904000000000000" pitchFamily="50" charset="-127"/>
+                <a:ea typeface="나눔고딕 ExtraBold" panose="020D0904000000000000" pitchFamily="50" charset="-127"/>
+              </a:rPr>
+              <a:t>조회 메뉴</a:t>
+            </a:r>
+            <a:endParaRPr lang="ko-KR" altLang="en-US" sz="2400" dirty="0">
+              <a:solidFill>
+                <a:schemeClr val="accent1">
+                  <a:lumMod val="50000"/>
+                </a:schemeClr>
+              </a:solidFill>
+              <a:latin typeface="나눔고딕 ExtraBold" panose="020D0904000000000000" pitchFamily="50" charset="-127"/>
+              <a:ea typeface="나눔고딕 ExtraBold" panose="020D0904000000000000" pitchFamily="50" charset="-127"/>
+            </a:endParaRPr>
+          </a:p>
+        </p:txBody>
+      </p:sp>
+    </p:spTree>
+    <p:extLst>
+      <p:ext uri="{BB962C8B-B14F-4D97-AF65-F5344CB8AC3E}">
+        <p14:creationId xmlns:p14="http://schemas.microsoft.com/office/powerpoint/2010/main" val="1986745439"/>
+      </p:ext>
+    </p:extLst>
+  </p:cSld>
+  <p:clrMapOvr>
+    <a:masterClrMapping/>
+  </p:clrMapOvr>
+  <p:timing>
+    <p:tnLst>
+      <p:par>
+        <p:cTn id="1" dur="indefinite" restart="never" nodeType="tmRoot"/>
+      </p:par>
+    </p:tnLst>
+  </p:timing>
+</p:sld>
+</file>
+
+<file path=ppt/slides/slide17.xml><?xml version="1.0" encoding="utf-8"?>
+<p:sld xmlns:a="http://schemas.openxmlformats.org/drawingml/2006/main" xmlns:r="http://schemas.openxmlformats.org/officeDocument/2006/relationships" xmlns:p="http://schemas.openxmlformats.org/presentationml/2006/main">
+  <p:cSld>
+    <p:spTree>
+      <p:nvGrpSpPr>
+        <p:cNvPr id="1" name=""/>
+        <p:cNvGrpSpPr/>
+        <p:nvPr/>
+      </p:nvGrpSpPr>
+      <p:grpSpPr>
+        <a:xfrm>
+          <a:off x="0" y="0"/>
+          <a:ext cx="0" cy="0"/>
+          <a:chOff x="0" y="0"/>
+          <a:chExt cx="0" cy="0"/>
+        </a:xfrm>
+      </p:grpSpPr>
+      <p:grpSp>
+        <p:nvGrpSpPr>
+          <p:cNvPr id="10" name="그룹 9"/>
+          <p:cNvGrpSpPr/>
+          <p:nvPr/>
+        </p:nvGrpSpPr>
+        <p:grpSpPr>
+          <a:xfrm>
+            <a:off x="1" y="5936343"/>
+            <a:ext cx="14630399" cy="2293257"/>
+            <a:chOff x="1" y="5936343"/>
+            <a:chExt cx="14630399" cy="2293257"/>
+          </a:xfrm>
+        </p:grpSpPr>
+        <p:sp>
+          <p:nvSpPr>
+            <p:cNvPr id="11" name="직각 삼각형 10"/>
+            <p:cNvSpPr/>
+            <p:nvPr/>
+          </p:nvSpPr>
+          <p:spPr>
+            <a:xfrm>
+              <a:off x="1" y="5936343"/>
+              <a:ext cx="14630399" cy="2293257"/>
+            </a:xfrm>
+            <a:prstGeom prst="rtTriangle">
+              <a:avLst/>
+            </a:prstGeom>
+            <a:solidFill>
+              <a:schemeClr val="accent5">
+                <a:lumMod val="20000"/>
+                <a:lumOff val="80000"/>
+              </a:schemeClr>
+            </a:solidFill>
+            <a:ln>
+              <a:noFill/>
+            </a:ln>
+          </p:spPr>
+          <p:style>
+            <a:lnRef idx="2">
+              <a:schemeClr val="accent1">
+                <a:shade val="50000"/>
+              </a:schemeClr>
+            </a:lnRef>
+            <a:fillRef idx="1">
+              <a:schemeClr val="accent1"/>
+            </a:fillRef>
+            <a:effectRef idx="0">
+              <a:schemeClr val="accent1"/>
+            </a:effectRef>
+            <a:fontRef idx="minor">
+              <a:schemeClr val="lt1"/>
+            </a:fontRef>
+          </p:style>
+          <p:txBody>
+            <a:bodyPr rtlCol="0" anchor="ctr"/>
+            <a:lstStyle/>
+            <a:p>
+              <a:pPr algn="ctr"/>
+              <a:endParaRPr lang="ko-KR" altLang="en-US"/>
+            </a:p>
+          </p:txBody>
+        </p:sp>
+        <p:sp>
+          <p:nvSpPr>
+            <p:cNvPr id="12" name="직각 삼각형 11"/>
+            <p:cNvSpPr/>
+            <p:nvPr/>
+          </p:nvSpPr>
+          <p:spPr>
+            <a:xfrm>
+              <a:off x="1" y="6694360"/>
+              <a:ext cx="14630399" cy="1535240"/>
+            </a:xfrm>
+            <a:prstGeom prst="rtTriangle">
+              <a:avLst/>
+            </a:prstGeom>
+            <a:solidFill>
+              <a:schemeClr val="accent1">
+                <a:lumMod val="60000"/>
+                <a:lumOff val="40000"/>
+              </a:schemeClr>
+            </a:solidFill>
+            <a:ln>
+              <a:noFill/>
+            </a:ln>
+          </p:spPr>
+          <p:style>
+            <a:lnRef idx="2">
+              <a:schemeClr val="accent1">
+                <a:shade val="50000"/>
+              </a:schemeClr>
+            </a:lnRef>
+            <a:fillRef idx="1">
+              <a:schemeClr val="accent1"/>
+            </a:fillRef>
+            <a:effectRef idx="0">
+              <a:schemeClr val="accent1"/>
+            </a:effectRef>
+            <a:fontRef idx="minor">
+              <a:schemeClr val="lt1"/>
+            </a:fontRef>
+          </p:style>
+          <p:txBody>
+            <a:bodyPr rtlCol="0" anchor="ctr"/>
+            <a:lstStyle/>
+            <a:p>
+              <a:pPr algn="ctr"/>
+              <a:endParaRPr lang="ko-KR" altLang="en-US"/>
+            </a:p>
+          </p:txBody>
+        </p:sp>
+      </p:grpSp>
+      <p:sp>
+        <p:nvSpPr>
           <p:cNvPr id="9" name="Text 2"/>
           <p:cNvSpPr/>
           <p:nvPr/>
@@ -5506,7 +7695,7 @@
 </p:sld>
 </file>
 
-<file path=ppt/slides/slide16.xml><?xml version="1.0" encoding="utf-8"?>
+<file path=ppt/slides/slide18.xml><?xml version="1.0" encoding="utf-8"?>
 <p:sld xmlns:a="http://schemas.openxmlformats.org/drawingml/2006/main" xmlns:r="http://schemas.openxmlformats.org/officeDocument/2006/relationships" xmlns:p="http://schemas.openxmlformats.org/presentationml/2006/main">
   <p:cSld>
     <p:spTree>
@@ -6620,7 +8809,7 @@
 </p:sld>
 </file>
 
-<file path=ppt/slides/slide17.xml><?xml version="1.0" encoding="utf-8"?>
+<file path=ppt/slides/slide19.xml><?xml version="1.0" encoding="utf-8"?>
 <p:sld xmlns:a="http://schemas.openxmlformats.org/drawingml/2006/main" xmlns:r="http://schemas.openxmlformats.org/officeDocument/2006/relationships" xmlns:p="http://schemas.openxmlformats.org/presentationml/2006/main">
   <p:cSld>
     <p:spTree>
@@ -7540,242 +9729,6 @@
     <p:extLst>
       <p:ext uri="{BB962C8B-B14F-4D97-AF65-F5344CB8AC3E}">
         <p14:creationId xmlns:p14="http://schemas.microsoft.com/office/powerpoint/2010/main" val="1129017725"/>
-      </p:ext>
-    </p:extLst>
-  </p:cSld>
-  <p:clrMapOvr>
-    <a:masterClrMapping/>
-  </p:clrMapOvr>
-  <p:timing>
-    <p:tnLst>
-      <p:par>
-        <p:cTn id="1" dur="indefinite" restart="never" nodeType="tmRoot"/>
-      </p:par>
-    </p:tnLst>
-  </p:timing>
-</p:sld>
-</file>
-
-<file path=ppt/slides/slide18.xml><?xml version="1.0" encoding="utf-8"?>
-<p:sld xmlns:a="http://schemas.openxmlformats.org/drawingml/2006/main" xmlns:r="http://schemas.openxmlformats.org/officeDocument/2006/relationships" xmlns:p="http://schemas.openxmlformats.org/presentationml/2006/main">
-  <p:cSld>
-    <p:spTree>
-      <p:nvGrpSpPr>
-        <p:cNvPr id="1" name=""/>
-        <p:cNvGrpSpPr/>
-        <p:nvPr/>
-      </p:nvGrpSpPr>
-      <p:grpSpPr>
-        <a:xfrm>
-          <a:off x="0" y="0"/>
-          <a:ext cx="0" cy="0"/>
-          <a:chOff x="0" y="0"/>
-          <a:chExt cx="0" cy="0"/>
-        </a:xfrm>
-      </p:grpSpPr>
-      <p:grpSp>
-        <p:nvGrpSpPr>
-          <p:cNvPr id="10" name="그룹 9"/>
-          <p:cNvGrpSpPr/>
-          <p:nvPr/>
-        </p:nvGrpSpPr>
-        <p:grpSpPr>
-          <a:xfrm>
-            <a:off x="1" y="5936343"/>
-            <a:ext cx="14630399" cy="2293257"/>
-            <a:chOff x="1" y="5936343"/>
-            <a:chExt cx="14630399" cy="2293257"/>
-          </a:xfrm>
-        </p:grpSpPr>
-        <p:sp>
-          <p:nvSpPr>
-            <p:cNvPr id="11" name="직각 삼각형 10"/>
-            <p:cNvSpPr/>
-            <p:nvPr/>
-          </p:nvSpPr>
-          <p:spPr>
-            <a:xfrm>
-              <a:off x="1" y="5936343"/>
-              <a:ext cx="14630399" cy="2293257"/>
-            </a:xfrm>
-            <a:prstGeom prst="rtTriangle">
-              <a:avLst/>
-            </a:prstGeom>
-            <a:solidFill>
-              <a:schemeClr val="accent5">
-                <a:lumMod val="20000"/>
-                <a:lumOff val="80000"/>
-              </a:schemeClr>
-            </a:solidFill>
-            <a:ln>
-              <a:noFill/>
-            </a:ln>
-          </p:spPr>
-          <p:style>
-            <a:lnRef idx="2">
-              <a:schemeClr val="accent1">
-                <a:shade val="50000"/>
-              </a:schemeClr>
-            </a:lnRef>
-            <a:fillRef idx="1">
-              <a:schemeClr val="accent1"/>
-            </a:fillRef>
-            <a:effectRef idx="0">
-              <a:schemeClr val="accent1"/>
-            </a:effectRef>
-            <a:fontRef idx="minor">
-              <a:schemeClr val="lt1"/>
-            </a:fontRef>
-          </p:style>
-          <p:txBody>
-            <a:bodyPr rtlCol="0" anchor="ctr"/>
-            <a:lstStyle/>
-            <a:p>
-              <a:pPr algn="ctr"/>
-              <a:endParaRPr lang="ko-KR" altLang="en-US"/>
-            </a:p>
-          </p:txBody>
-        </p:sp>
-        <p:sp>
-          <p:nvSpPr>
-            <p:cNvPr id="12" name="직각 삼각형 11"/>
-            <p:cNvSpPr/>
-            <p:nvPr/>
-          </p:nvSpPr>
-          <p:spPr>
-            <a:xfrm>
-              <a:off x="1" y="6694360"/>
-              <a:ext cx="14630399" cy="1535240"/>
-            </a:xfrm>
-            <a:prstGeom prst="rtTriangle">
-              <a:avLst/>
-            </a:prstGeom>
-            <a:solidFill>
-              <a:schemeClr val="accent1">
-                <a:lumMod val="60000"/>
-                <a:lumOff val="40000"/>
-              </a:schemeClr>
-            </a:solidFill>
-            <a:ln>
-              <a:noFill/>
-            </a:ln>
-          </p:spPr>
-          <p:style>
-            <a:lnRef idx="2">
-              <a:schemeClr val="accent1">
-                <a:shade val="50000"/>
-              </a:schemeClr>
-            </a:lnRef>
-            <a:fillRef idx="1">
-              <a:schemeClr val="accent1"/>
-            </a:fillRef>
-            <a:effectRef idx="0">
-              <a:schemeClr val="accent1"/>
-            </a:effectRef>
-            <a:fontRef idx="minor">
-              <a:schemeClr val="lt1"/>
-            </a:fontRef>
-          </p:style>
-          <p:txBody>
-            <a:bodyPr rtlCol="0" anchor="ctr"/>
-            <a:lstStyle/>
-            <a:p>
-              <a:pPr algn="ctr"/>
-              <a:endParaRPr lang="ko-KR" altLang="en-US"/>
-            </a:p>
-          </p:txBody>
-        </p:sp>
-      </p:grpSp>
-      <p:sp>
-        <p:nvSpPr>
-          <p:cNvPr id="71" name="Text 2"/>
-          <p:cNvSpPr/>
-          <p:nvPr/>
-        </p:nvSpPr>
-        <p:spPr>
-          <a:xfrm>
-            <a:off x="5093256" y="3767614"/>
-            <a:ext cx="4443889" cy="694373"/>
-          </a:xfrm>
-          <a:prstGeom prst="rect">
-            <a:avLst/>
-          </a:prstGeom>
-          <a:noFill/>
-          <a:ln/>
-        </p:spPr>
-        <p:txBody>
-          <a:bodyPr wrap="none" rtlCol="0" anchor="t"/>
-          <a:lstStyle/>
-          <a:p>
-            <a:pPr algn="ctr">
-              <a:lnSpc>
-                <a:spcPts val="5468"/>
-              </a:lnSpc>
-            </a:pPr>
-            <a:r>
-              <a:rPr lang="ko-KR" altLang="en-US" sz="8800" dirty="0" smtClean="0">
-                <a:solidFill>
-                  <a:schemeClr val="accent5">
-                    <a:lumMod val="50000"/>
-                  </a:schemeClr>
-                </a:solidFill>
-                <a:latin typeface="나눔고딕 ExtraBold" panose="020D0904000000000000" pitchFamily="50" charset="-127"/>
-                <a:ea typeface="나눔고딕 ExtraBold" panose="020D0904000000000000" pitchFamily="50" charset="-127"/>
-              </a:rPr>
-              <a:t>감  사  합  </a:t>
-            </a:r>
-            <a:r>
-              <a:rPr lang="ko-KR" altLang="en-US" sz="8800" dirty="0" err="1" smtClean="0">
-                <a:solidFill>
-                  <a:schemeClr val="accent5">
-                    <a:lumMod val="50000"/>
-                  </a:schemeClr>
-                </a:solidFill>
-                <a:latin typeface="나눔고딕 ExtraBold" panose="020D0904000000000000" pitchFamily="50" charset="-127"/>
-                <a:ea typeface="나눔고딕 ExtraBold" panose="020D0904000000000000" pitchFamily="50" charset="-127"/>
-              </a:rPr>
-              <a:t>니</a:t>
-            </a:r>
-            <a:r>
-              <a:rPr lang="ko-KR" altLang="en-US" sz="8800" dirty="0" smtClean="0">
-                <a:solidFill>
-                  <a:schemeClr val="accent5">
-                    <a:lumMod val="50000"/>
-                  </a:schemeClr>
-                </a:solidFill>
-                <a:latin typeface="나눔고딕 ExtraBold" panose="020D0904000000000000" pitchFamily="50" charset="-127"/>
-                <a:ea typeface="나눔고딕 ExtraBold" panose="020D0904000000000000" pitchFamily="50" charset="-127"/>
-              </a:rPr>
-              <a:t>  다  </a:t>
-            </a:r>
-            <a:r>
-              <a:rPr lang="en-US" altLang="ko-KR" sz="8800" dirty="0" smtClean="0">
-                <a:solidFill>
-                  <a:schemeClr val="accent5">
-                    <a:lumMod val="50000"/>
-                  </a:schemeClr>
-                </a:solidFill>
-                <a:latin typeface="나눔고딕 ExtraBold" panose="020D0904000000000000" pitchFamily="50" charset="-127"/>
-                <a:ea typeface="나눔고딕 ExtraBold" panose="020D0904000000000000" pitchFamily="50" charset="-127"/>
-              </a:rPr>
-              <a:t>!</a:t>
-            </a:r>
-            <a:endParaRPr lang="en-US" sz="8800" dirty="0">
-              <a:solidFill>
-                <a:schemeClr val="accent5">
-                  <a:lumMod val="50000"/>
-                </a:schemeClr>
-              </a:solidFill>
-              <a:latin typeface="나눔고딕 ExtraBold" panose="020D0904000000000000" pitchFamily="50" charset="-127"/>
-              <a:ea typeface="나눔고딕 ExtraBold" panose="020D0904000000000000" pitchFamily="50" charset="-127"/>
-            </a:endParaRPr>
-          </a:p>
-        </p:txBody>
-      </p:sp>
-    </p:spTree>
-    <p:extLst>
-      <p:ext uri="{BB962C8B-B14F-4D97-AF65-F5344CB8AC3E}">
-        <p14:creationId xmlns:p14="http://schemas.microsoft.com/office/powerpoint/2010/main" val="2800518265"/>
       </p:ext>
     </p:extLst>
   </p:cSld>
@@ -8935,6 +10888,242 @@
 </p:sld>
 </file>
 
+<file path=ppt/slides/slide20.xml><?xml version="1.0" encoding="utf-8"?>
+<p:sld xmlns:a="http://schemas.openxmlformats.org/drawingml/2006/main" xmlns:r="http://schemas.openxmlformats.org/officeDocument/2006/relationships" xmlns:p="http://schemas.openxmlformats.org/presentationml/2006/main">
+  <p:cSld>
+    <p:spTree>
+      <p:nvGrpSpPr>
+        <p:cNvPr id="1" name=""/>
+        <p:cNvGrpSpPr/>
+        <p:nvPr/>
+      </p:nvGrpSpPr>
+      <p:grpSpPr>
+        <a:xfrm>
+          <a:off x="0" y="0"/>
+          <a:ext cx="0" cy="0"/>
+          <a:chOff x="0" y="0"/>
+          <a:chExt cx="0" cy="0"/>
+        </a:xfrm>
+      </p:grpSpPr>
+      <p:grpSp>
+        <p:nvGrpSpPr>
+          <p:cNvPr id="10" name="그룹 9"/>
+          <p:cNvGrpSpPr/>
+          <p:nvPr/>
+        </p:nvGrpSpPr>
+        <p:grpSpPr>
+          <a:xfrm>
+            <a:off x="1" y="5936343"/>
+            <a:ext cx="14630399" cy="2293257"/>
+            <a:chOff x="1" y="5936343"/>
+            <a:chExt cx="14630399" cy="2293257"/>
+          </a:xfrm>
+        </p:grpSpPr>
+        <p:sp>
+          <p:nvSpPr>
+            <p:cNvPr id="11" name="직각 삼각형 10"/>
+            <p:cNvSpPr/>
+            <p:nvPr/>
+          </p:nvSpPr>
+          <p:spPr>
+            <a:xfrm>
+              <a:off x="1" y="5936343"/>
+              <a:ext cx="14630399" cy="2293257"/>
+            </a:xfrm>
+            <a:prstGeom prst="rtTriangle">
+              <a:avLst/>
+            </a:prstGeom>
+            <a:solidFill>
+              <a:schemeClr val="accent5">
+                <a:lumMod val="20000"/>
+                <a:lumOff val="80000"/>
+              </a:schemeClr>
+            </a:solidFill>
+            <a:ln>
+              <a:noFill/>
+            </a:ln>
+          </p:spPr>
+          <p:style>
+            <a:lnRef idx="2">
+              <a:schemeClr val="accent1">
+                <a:shade val="50000"/>
+              </a:schemeClr>
+            </a:lnRef>
+            <a:fillRef idx="1">
+              <a:schemeClr val="accent1"/>
+            </a:fillRef>
+            <a:effectRef idx="0">
+              <a:schemeClr val="accent1"/>
+            </a:effectRef>
+            <a:fontRef idx="minor">
+              <a:schemeClr val="lt1"/>
+            </a:fontRef>
+          </p:style>
+          <p:txBody>
+            <a:bodyPr rtlCol="0" anchor="ctr"/>
+            <a:lstStyle/>
+            <a:p>
+              <a:pPr algn="ctr"/>
+              <a:endParaRPr lang="ko-KR" altLang="en-US"/>
+            </a:p>
+          </p:txBody>
+        </p:sp>
+        <p:sp>
+          <p:nvSpPr>
+            <p:cNvPr id="12" name="직각 삼각형 11"/>
+            <p:cNvSpPr/>
+            <p:nvPr/>
+          </p:nvSpPr>
+          <p:spPr>
+            <a:xfrm>
+              <a:off x="1" y="6694360"/>
+              <a:ext cx="14630399" cy="1535240"/>
+            </a:xfrm>
+            <a:prstGeom prst="rtTriangle">
+              <a:avLst/>
+            </a:prstGeom>
+            <a:solidFill>
+              <a:schemeClr val="accent1">
+                <a:lumMod val="60000"/>
+                <a:lumOff val="40000"/>
+              </a:schemeClr>
+            </a:solidFill>
+            <a:ln>
+              <a:noFill/>
+            </a:ln>
+          </p:spPr>
+          <p:style>
+            <a:lnRef idx="2">
+              <a:schemeClr val="accent1">
+                <a:shade val="50000"/>
+              </a:schemeClr>
+            </a:lnRef>
+            <a:fillRef idx="1">
+              <a:schemeClr val="accent1"/>
+            </a:fillRef>
+            <a:effectRef idx="0">
+              <a:schemeClr val="accent1"/>
+            </a:effectRef>
+            <a:fontRef idx="minor">
+              <a:schemeClr val="lt1"/>
+            </a:fontRef>
+          </p:style>
+          <p:txBody>
+            <a:bodyPr rtlCol="0" anchor="ctr"/>
+            <a:lstStyle/>
+            <a:p>
+              <a:pPr algn="ctr"/>
+              <a:endParaRPr lang="ko-KR" altLang="en-US"/>
+            </a:p>
+          </p:txBody>
+        </p:sp>
+      </p:grpSp>
+      <p:sp>
+        <p:nvSpPr>
+          <p:cNvPr id="71" name="Text 2"/>
+          <p:cNvSpPr/>
+          <p:nvPr/>
+        </p:nvSpPr>
+        <p:spPr>
+          <a:xfrm>
+            <a:off x="5093256" y="3767614"/>
+            <a:ext cx="4443889" cy="694373"/>
+          </a:xfrm>
+          <a:prstGeom prst="rect">
+            <a:avLst/>
+          </a:prstGeom>
+          <a:noFill/>
+          <a:ln/>
+        </p:spPr>
+        <p:txBody>
+          <a:bodyPr wrap="none" rtlCol="0" anchor="t"/>
+          <a:lstStyle/>
+          <a:p>
+            <a:pPr algn="ctr">
+              <a:lnSpc>
+                <a:spcPts val="5468"/>
+              </a:lnSpc>
+            </a:pPr>
+            <a:r>
+              <a:rPr lang="ko-KR" altLang="en-US" sz="8800" dirty="0" smtClean="0">
+                <a:solidFill>
+                  <a:schemeClr val="accent5">
+                    <a:lumMod val="50000"/>
+                  </a:schemeClr>
+                </a:solidFill>
+                <a:latin typeface="나눔고딕 ExtraBold" panose="020D0904000000000000" pitchFamily="50" charset="-127"/>
+                <a:ea typeface="나눔고딕 ExtraBold" panose="020D0904000000000000" pitchFamily="50" charset="-127"/>
+              </a:rPr>
+              <a:t>감  사  합  </a:t>
+            </a:r>
+            <a:r>
+              <a:rPr lang="ko-KR" altLang="en-US" sz="8800" dirty="0" err="1" smtClean="0">
+                <a:solidFill>
+                  <a:schemeClr val="accent5">
+                    <a:lumMod val="50000"/>
+                  </a:schemeClr>
+                </a:solidFill>
+                <a:latin typeface="나눔고딕 ExtraBold" panose="020D0904000000000000" pitchFamily="50" charset="-127"/>
+                <a:ea typeface="나눔고딕 ExtraBold" panose="020D0904000000000000" pitchFamily="50" charset="-127"/>
+              </a:rPr>
+              <a:t>니</a:t>
+            </a:r>
+            <a:r>
+              <a:rPr lang="ko-KR" altLang="en-US" sz="8800" dirty="0" smtClean="0">
+                <a:solidFill>
+                  <a:schemeClr val="accent5">
+                    <a:lumMod val="50000"/>
+                  </a:schemeClr>
+                </a:solidFill>
+                <a:latin typeface="나눔고딕 ExtraBold" panose="020D0904000000000000" pitchFamily="50" charset="-127"/>
+                <a:ea typeface="나눔고딕 ExtraBold" panose="020D0904000000000000" pitchFamily="50" charset="-127"/>
+              </a:rPr>
+              <a:t>  다  </a:t>
+            </a:r>
+            <a:r>
+              <a:rPr lang="en-US" altLang="ko-KR" sz="8800" dirty="0" smtClean="0">
+                <a:solidFill>
+                  <a:schemeClr val="accent5">
+                    <a:lumMod val="50000"/>
+                  </a:schemeClr>
+                </a:solidFill>
+                <a:latin typeface="나눔고딕 ExtraBold" panose="020D0904000000000000" pitchFamily="50" charset="-127"/>
+                <a:ea typeface="나눔고딕 ExtraBold" panose="020D0904000000000000" pitchFamily="50" charset="-127"/>
+              </a:rPr>
+              <a:t>!</a:t>
+            </a:r>
+            <a:endParaRPr lang="en-US" sz="8800" dirty="0">
+              <a:solidFill>
+                <a:schemeClr val="accent5">
+                  <a:lumMod val="50000"/>
+                </a:schemeClr>
+              </a:solidFill>
+              <a:latin typeface="나눔고딕 ExtraBold" panose="020D0904000000000000" pitchFamily="50" charset="-127"/>
+              <a:ea typeface="나눔고딕 ExtraBold" panose="020D0904000000000000" pitchFamily="50" charset="-127"/>
+            </a:endParaRPr>
+          </a:p>
+        </p:txBody>
+      </p:sp>
+    </p:spTree>
+    <p:extLst>
+      <p:ext uri="{BB962C8B-B14F-4D97-AF65-F5344CB8AC3E}">
+        <p14:creationId xmlns:p14="http://schemas.microsoft.com/office/powerpoint/2010/main" val="2800518265"/>
+      </p:ext>
+    </p:extLst>
+  </p:cSld>
+  <p:clrMapOvr>
+    <a:masterClrMapping/>
+  </p:clrMapOvr>
+  <p:timing>
+    <p:tnLst>
+      <p:par>
+        <p:cTn id="1" dur="indefinite" restart="never" nodeType="tmRoot"/>
+      </p:par>
+    </p:tnLst>
+  </p:timing>
+</p:sld>
+</file>
+
 <file path=ppt/slides/slide3.xml><?xml version="1.0" encoding="utf-8"?>
 <p:sld xmlns:a="http://schemas.openxmlformats.org/drawingml/2006/main" xmlns:r="http://schemas.openxmlformats.org/officeDocument/2006/relationships" xmlns:p="http://schemas.openxmlformats.org/presentationml/2006/main">
   <p:cSld>
@@ -9102,7 +11291,7 @@
                 <a:latin typeface="나눔고딕 ExtraBold" panose="020D0904000000000000" pitchFamily="50" charset="-127"/>
                 <a:ea typeface="나눔고딕 ExtraBold" panose="020D0904000000000000" pitchFamily="50" charset="-127"/>
               </a:rPr>
-              <a:t>팀 소개</a:t>
+              <a:t>프로젝트 개요</a:t>
             </a:r>
             <a:endParaRPr lang="en-US" sz="5000" dirty="0">
               <a:solidFill>
@@ -9168,7 +11357,7 @@
     </p:spTree>
     <p:extLst>
       <p:ext uri="{BB962C8B-B14F-4D97-AF65-F5344CB8AC3E}">
-        <p14:creationId xmlns:p14="http://schemas.microsoft.com/office/powerpoint/2010/main" val="2823928479"/>
+        <p14:creationId xmlns:p14="http://schemas.microsoft.com/office/powerpoint/2010/main" val="1908236287"/>
       </p:ext>
     </p:extLst>
   </p:cSld>
@@ -9343,7 +11532,7 @@
               <a:buNone/>
             </a:pPr>
             <a:r>
-              <a:rPr lang="ko-KR" altLang="en-US" sz="4370" dirty="0">
+              <a:rPr lang="ko-KR" altLang="en-US" sz="4370" dirty="0" smtClean="0">
                 <a:solidFill>
                   <a:schemeClr val="accent5">
                     <a:lumMod val="50000"/>
@@ -9352,7 +11541,7 @@
                 <a:latin typeface="나눔고딕 ExtraBold" panose="020D0904000000000000" pitchFamily="50" charset="-127"/>
                 <a:ea typeface="나눔고딕 ExtraBold" panose="020D0904000000000000" pitchFamily="50" charset="-127"/>
               </a:rPr>
-              <a:t>팀 소개</a:t>
+              <a:t>프로젝트 개요</a:t>
             </a:r>
             <a:endParaRPr lang="en-US" sz="4370" dirty="0">
               <a:solidFill>
@@ -9388,7 +11577,7 @@
       </p:sp>
       <p:sp>
         <p:nvSpPr>
-          <p:cNvPr id="2" name="직사각형 1"/>
+          <p:cNvPr id="32" name="직사각형 31"/>
           <p:cNvSpPr/>
           <p:nvPr/>
         </p:nvSpPr>
@@ -9437,7 +11626,7 @@
                 <a:latin typeface="나눔고딕" panose="020D0604000000000000" pitchFamily="50" charset="-127"/>
                 <a:ea typeface="나눔고딕" panose="020D0604000000000000" pitchFamily="50" charset="-127"/>
               </a:rPr>
-              <a:t>팀 </a:t>
+              <a:t>현대인은 살아가는 데에 필수적으로 소비가 필요하다</a:t>
             </a:r>
             <a:r>
               <a:rPr lang="en-US" altLang="ko-KR" sz="2400" b="1" dirty="0" smtClean="0">
@@ -9449,285 +11638,9 @@
                 <a:latin typeface="나눔고딕" panose="020D0604000000000000" pitchFamily="50" charset="-127"/>
                 <a:ea typeface="나눔고딕" panose="020D0604000000000000" pitchFamily="50" charset="-127"/>
               </a:rPr>
-              <a:t>＇</a:t>
-            </a:r>
-            <a:r>
-              <a:rPr lang="ko-KR" altLang="en-US" sz="2400" b="1" dirty="0" err="1" smtClean="0">
-                <a:solidFill>
-                  <a:schemeClr val="accent5">
-                    <a:lumMod val="50000"/>
-                  </a:schemeClr>
-                </a:solidFill>
-                <a:latin typeface="나눔고딕" panose="020D0604000000000000" pitchFamily="50" charset="-127"/>
-                <a:ea typeface="나눔고딕" panose="020D0604000000000000" pitchFamily="50" charset="-127"/>
-              </a:rPr>
-              <a:t>앉아써</a:t>
-            </a:r>
-            <a:r>
-              <a:rPr lang="en-US" altLang="ko-KR" sz="2400" b="1" dirty="0" smtClean="0">
-                <a:solidFill>
-                  <a:schemeClr val="accent5">
-                    <a:lumMod val="50000"/>
-                  </a:schemeClr>
-                </a:solidFill>
-                <a:latin typeface="나눔고딕" panose="020D0604000000000000" pitchFamily="50" charset="-127"/>
-                <a:ea typeface="나눔고딕" panose="020D0604000000000000" pitchFamily="50" charset="-127"/>
-              </a:rPr>
-              <a:t>＇</a:t>
-            </a:r>
-            <a:r>
-              <a:rPr lang="ko-KR" altLang="en-US" sz="2400" b="1" dirty="0" smtClean="0">
-                <a:solidFill>
-                  <a:schemeClr val="accent5">
-                    <a:lumMod val="50000"/>
-                  </a:schemeClr>
-                </a:solidFill>
-                <a:latin typeface="나눔고딕" panose="020D0604000000000000" pitchFamily="50" charset="-127"/>
-                <a:ea typeface="나눔고딕" panose="020D0604000000000000" pitchFamily="50" charset="-127"/>
-              </a:rPr>
-              <a:t>는 </a:t>
-            </a:r>
-            <a:r>
-              <a:rPr lang="ko-KR" altLang="en-US" sz="2400" b="1" dirty="0">
-                <a:solidFill>
-                  <a:schemeClr val="accent5">
-                    <a:lumMod val="50000"/>
-                  </a:schemeClr>
-                </a:solidFill>
-                <a:latin typeface="나눔고딕" panose="020D0604000000000000" pitchFamily="50" charset="-127"/>
-                <a:ea typeface="나눔고딕" panose="020D0604000000000000" pitchFamily="50" charset="-127"/>
-              </a:rPr>
-              <a:t>코딩을 공부하고자 모인 </a:t>
-            </a:r>
-            <a:r>
-              <a:rPr lang="en-US" altLang="ko-KR" sz="2400" b="1" dirty="0">
-                <a:solidFill>
-                  <a:schemeClr val="accent5">
-                    <a:lumMod val="50000"/>
-                  </a:schemeClr>
-                </a:solidFill>
-                <a:latin typeface="나눔고딕" panose="020D0604000000000000" pitchFamily="50" charset="-127"/>
-                <a:ea typeface="나눔고딕" panose="020D0604000000000000" pitchFamily="50" charset="-127"/>
-              </a:rPr>
-              <a:t>4</a:t>
-            </a:r>
-            <a:r>
-              <a:rPr lang="ko-KR" altLang="en-US" sz="2400" b="1" dirty="0">
-                <a:solidFill>
-                  <a:schemeClr val="accent5">
-                    <a:lumMod val="50000"/>
-                  </a:schemeClr>
-                </a:solidFill>
-                <a:latin typeface="나눔고딕" panose="020D0604000000000000" pitchFamily="50" charset="-127"/>
-                <a:ea typeface="나눔고딕" panose="020D0604000000000000" pitchFamily="50" charset="-127"/>
-              </a:rPr>
-              <a:t>인이 만든 팀으로</a:t>
-            </a:r>
-            <a:r>
-              <a:rPr lang="en-US" altLang="ko-KR" sz="2400" b="1" dirty="0">
-                <a:solidFill>
-                  <a:schemeClr val="accent5">
-                    <a:lumMod val="50000"/>
-                  </a:schemeClr>
-                </a:solidFill>
-                <a:latin typeface="나눔고딕" panose="020D0604000000000000" pitchFamily="50" charset="-127"/>
-                <a:ea typeface="나눔고딕" panose="020D0604000000000000" pitchFamily="50" charset="-127"/>
-              </a:rPr>
-              <a:t>, </a:t>
-            </a:r>
-            <a:r>
-              <a:rPr lang="ko-KR" altLang="en-US" sz="2400" b="1" dirty="0">
-                <a:solidFill>
-                  <a:schemeClr val="accent5">
-                    <a:lumMod val="50000"/>
-                  </a:schemeClr>
-                </a:solidFill>
-                <a:latin typeface="나눔고딕" panose="020D0604000000000000" pitchFamily="50" charset="-127"/>
-                <a:ea typeface="나눔고딕" panose="020D0604000000000000" pitchFamily="50" charset="-127"/>
-              </a:rPr>
-              <a:t>이 </a:t>
-            </a:r>
-            <a:r>
-              <a:rPr lang="ko-KR" altLang="en-US" sz="2400" b="1" dirty="0" err="1">
-                <a:solidFill>
-                  <a:schemeClr val="accent5">
-                    <a:lumMod val="50000"/>
-                  </a:schemeClr>
-                </a:solidFill>
-                <a:latin typeface="나눔고딕" panose="020D0604000000000000" pitchFamily="50" charset="-127"/>
-                <a:ea typeface="나눔고딕" panose="020D0604000000000000" pitchFamily="50" charset="-127"/>
-              </a:rPr>
-              <a:t>팀명은</a:t>
-            </a:r>
-            <a:r>
-              <a:rPr lang="ko-KR" altLang="en-US" sz="2400" b="1" dirty="0">
-                <a:solidFill>
-                  <a:schemeClr val="accent5">
-                    <a:lumMod val="50000"/>
-                  </a:schemeClr>
-                </a:solidFill>
-                <a:latin typeface="나눔고딕" panose="020D0604000000000000" pitchFamily="50" charset="-127"/>
-                <a:ea typeface="나눔고딕" panose="020D0604000000000000" pitchFamily="50" charset="-127"/>
-              </a:rPr>
-              <a:t> </a:t>
-            </a:r>
-            <a:r>
-              <a:rPr lang="en-US" altLang="ko-KR" sz="2400" b="1" dirty="0" smtClean="0">
-                <a:solidFill>
-                  <a:schemeClr val="accent5">
-                    <a:lumMod val="50000"/>
-                  </a:schemeClr>
-                </a:solidFill>
-                <a:latin typeface="나눔고딕" panose="020D0604000000000000" pitchFamily="50" charset="-127"/>
-                <a:ea typeface="나눔고딕" panose="020D0604000000000000" pitchFamily="50" charset="-127"/>
-              </a:rPr>
-              <a:t>＇</a:t>
-            </a:r>
-            <a:r>
-              <a:rPr lang="ko-KR" altLang="en-US" sz="2400" b="1" dirty="0" smtClean="0">
-                <a:solidFill>
-                  <a:schemeClr val="accent5">
-                    <a:lumMod val="50000"/>
-                  </a:schemeClr>
-                </a:solidFill>
-                <a:latin typeface="나눔고딕" panose="020D0604000000000000" pitchFamily="50" charset="-127"/>
-                <a:ea typeface="나눔고딕" panose="020D0604000000000000" pitchFamily="50" charset="-127"/>
-              </a:rPr>
-              <a:t>코딩을 </a:t>
-            </a:r>
-            <a:r>
-              <a:rPr lang="ko-KR" altLang="en-US" sz="2400" b="1" dirty="0">
-                <a:solidFill>
-                  <a:schemeClr val="accent5">
-                    <a:lumMod val="50000"/>
-                  </a:schemeClr>
-                </a:solidFill>
-                <a:latin typeface="나눔고딕" panose="020D0604000000000000" pitchFamily="50" charset="-127"/>
-                <a:ea typeface="나눔고딕" panose="020D0604000000000000" pitchFamily="50" charset="-127"/>
-              </a:rPr>
-              <a:t>하려면 앉아서 써야 </a:t>
-            </a:r>
-            <a:r>
-              <a:rPr lang="ko-KR" altLang="en-US" sz="2400" b="1" dirty="0" smtClean="0">
-                <a:solidFill>
-                  <a:schemeClr val="accent5">
-                    <a:lumMod val="50000"/>
-                  </a:schemeClr>
-                </a:solidFill>
-                <a:latin typeface="나눔고딕" panose="020D0604000000000000" pitchFamily="50" charset="-127"/>
-                <a:ea typeface="나눔고딕" panose="020D0604000000000000" pitchFamily="50" charset="-127"/>
-              </a:rPr>
-              <a:t>한다</a:t>
-            </a:r>
-            <a:r>
-              <a:rPr lang="en-US" altLang="ko-KR" sz="2400" b="1" dirty="0" smtClean="0">
-                <a:solidFill>
-                  <a:schemeClr val="accent5">
-                    <a:lumMod val="50000"/>
-                  </a:schemeClr>
-                </a:solidFill>
-                <a:latin typeface="나눔고딕" panose="020D0604000000000000" pitchFamily="50" charset="-127"/>
-                <a:ea typeface="나눔고딕" panose="020D0604000000000000" pitchFamily="50" charset="-127"/>
-              </a:rPr>
-              <a:t>＇</a:t>
-            </a:r>
-            <a:r>
-              <a:rPr lang="ko-KR" altLang="en-US" sz="2400" b="1" dirty="0" smtClean="0">
-                <a:solidFill>
-                  <a:schemeClr val="accent5">
-                    <a:lumMod val="50000"/>
-                  </a:schemeClr>
-                </a:solidFill>
-                <a:latin typeface="나눔고딕" panose="020D0604000000000000" pitchFamily="50" charset="-127"/>
-                <a:ea typeface="나눔고딕" panose="020D0604000000000000" pitchFamily="50" charset="-127"/>
-              </a:rPr>
-              <a:t>라는 </a:t>
-            </a:r>
-            <a:r>
-              <a:rPr lang="ko-KR" altLang="en-US" sz="2400" b="1" dirty="0">
-                <a:solidFill>
-                  <a:schemeClr val="accent5">
-                    <a:lumMod val="50000"/>
-                  </a:schemeClr>
-                </a:solidFill>
-                <a:latin typeface="나눔고딕" panose="020D0604000000000000" pitchFamily="50" charset="-127"/>
-                <a:ea typeface="나눔고딕" panose="020D0604000000000000" pitchFamily="50" charset="-127"/>
-              </a:rPr>
-              <a:t>직관적인 아이디어에서 비롯되었습니다</a:t>
-            </a:r>
-            <a:r>
-              <a:rPr lang="en-US" altLang="ko-KR" sz="2400" b="1" dirty="0">
-                <a:solidFill>
-                  <a:schemeClr val="accent5">
-                    <a:lumMod val="50000"/>
-                  </a:schemeClr>
-                </a:solidFill>
-                <a:latin typeface="나눔고딕" panose="020D0604000000000000" pitchFamily="50" charset="-127"/>
-                <a:ea typeface="나눔고딕" panose="020D0604000000000000" pitchFamily="50" charset="-127"/>
-              </a:rPr>
               <a:t>. </a:t>
             </a:r>
-            <a:r>
-              <a:rPr lang="ko-KR" altLang="en-US" sz="2400" b="1" dirty="0" smtClean="0">
-                <a:solidFill>
-                  <a:schemeClr val="accent5">
-                    <a:lumMod val="50000"/>
-                  </a:schemeClr>
-                </a:solidFill>
-                <a:latin typeface="나눔고딕" panose="020D0604000000000000" pitchFamily="50" charset="-127"/>
-                <a:ea typeface="나눔고딕" panose="020D0604000000000000" pitchFamily="50" charset="-127"/>
-              </a:rPr>
-              <a:t>저희 팀은 코드 </a:t>
-            </a:r>
-            <a:r>
-              <a:rPr lang="ko-KR" altLang="en-US" sz="2400" b="1" dirty="0">
-                <a:solidFill>
-                  <a:schemeClr val="accent5">
-                    <a:lumMod val="50000"/>
-                  </a:schemeClr>
-                </a:solidFill>
-                <a:latin typeface="나눔고딕" panose="020D0604000000000000" pitchFamily="50" charset="-127"/>
-                <a:ea typeface="나눔고딕" panose="020D0604000000000000" pitchFamily="50" charset="-127"/>
-              </a:rPr>
-              <a:t>작성을 통해 프로젝트를 진행하고</a:t>
-            </a:r>
-            <a:r>
-              <a:rPr lang="en-US" altLang="ko-KR" sz="2400" b="1" dirty="0">
-                <a:solidFill>
-                  <a:schemeClr val="accent5">
-                    <a:lumMod val="50000"/>
-                  </a:schemeClr>
-                </a:solidFill>
-                <a:latin typeface="나눔고딕" panose="020D0604000000000000" pitchFamily="50" charset="-127"/>
-                <a:ea typeface="나눔고딕" panose="020D0604000000000000" pitchFamily="50" charset="-127"/>
-              </a:rPr>
-              <a:t>, </a:t>
-            </a:r>
-            <a:r>
-              <a:rPr lang="ko-KR" altLang="en-US" sz="2400" b="1" dirty="0">
-                <a:solidFill>
-                  <a:schemeClr val="accent5">
-                    <a:lumMod val="50000"/>
-                  </a:schemeClr>
-                </a:solidFill>
-                <a:latin typeface="나눔고딕" panose="020D0604000000000000" pitchFamily="50" charset="-127"/>
-                <a:ea typeface="나눔고딕" panose="020D0604000000000000" pitchFamily="50" charset="-127"/>
-              </a:rPr>
-              <a:t>그 결과물을 통해 지식과 기술을 공유하며 성장하는 목표를 가지고 있습니다</a:t>
-            </a:r>
-            <a:r>
-              <a:rPr lang="en-US" altLang="ko-KR" sz="2400" b="1" dirty="0">
-                <a:solidFill>
-                  <a:schemeClr val="accent5">
-                    <a:lumMod val="50000"/>
-                  </a:schemeClr>
-                </a:solidFill>
-                <a:latin typeface="나눔고딕" panose="020D0604000000000000" pitchFamily="50" charset="-127"/>
-                <a:ea typeface="나눔고딕" panose="020D0604000000000000" pitchFamily="50" charset="-127"/>
-              </a:rPr>
-              <a:t>.</a:t>
-            </a:r>
-            <a:endParaRPr lang="ko-KR" altLang="en-US" sz="2400" b="1" dirty="0">
+            <a:endParaRPr lang="en-US" altLang="ko-KR" sz="2400" b="1" dirty="0" smtClean="0">
               <a:solidFill>
                 <a:schemeClr val="accent5">
                   <a:lumMod val="50000"/>
@@ -9737,11 +11650,75 @@
               <a:ea typeface="나눔고딕" panose="020D0604000000000000" pitchFamily="50" charset="-127"/>
             </a:endParaRPr>
           </a:p>
+          <a:p>
+            <a:r>
+              <a:rPr lang="ko-KR" altLang="en-US" sz="2400" b="1" dirty="0" smtClean="0">
+                <a:solidFill>
+                  <a:schemeClr val="accent5">
+                    <a:lumMod val="50000"/>
+                  </a:schemeClr>
+                </a:solidFill>
+                <a:latin typeface="나눔고딕" panose="020D0604000000000000" pitchFamily="50" charset="-127"/>
+                <a:ea typeface="나눔고딕" panose="020D0604000000000000" pitchFamily="50" charset="-127"/>
+              </a:rPr>
+              <a:t>가계부는 </a:t>
+            </a:r>
+            <a:r>
+              <a:rPr lang="ko-KR" altLang="en-US" sz="2400" b="1" dirty="0" smtClean="0">
+                <a:solidFill>
+                  <a:schemeClr val="accent5">
+                    <a:lumMod val="50000"/>
+                  </a:schemeClr>
+                </a:solidFill>
+                <a:latin typeface="나눔고딕" panose="020D0604000000000000" pitchFamily="50" charset="-127"/>
+                <a:ea typeface="나눔고딕" panose="020D0604000000000000" pitchFamily="50" charset="-127"/>
+              </a:rPr>
+              <a:t>무분별한 소비를 하지 않기 위해 수입과 지출을 기록하여 재정 기획을 하는 데 기여를 할 수 있는 매우 중요한 도구이다</a:t>
+            </a:r>
+            <a:r>
+              <a:rPr lang="en-US" altLang="ko-KR" sz="2400" b="1" dirty="0" smtClean="0">
+                <a:solidFill>
+                  <a:schemeClr val="accent5">
+                    <a:lumMod val="50000"/>
+                  </a:schemeClr>
+                </a:solidFill>
+                <a:latin typeface="나눔고딕" panose="020D0604000000000000" pitchFamily="50" charset="-127"/>
+                <a:ea typeface="나눔고딕" panose="020D0604000000000000" pitchFamily="50" charset="-127"/>
+              </a:rPr>
+              <a:t>.</a:t>
+            </a:r>
+          </a:p>
+          <a:p>
+            <a:r>
+              <a:rPr lang="ko-KR" altLang="en-US" sz="2400" b="1" dirty="0" smtClean="0">
+                <a:solidFill>
+                  <a:schemeClr val="accent5">
+                    <a:lumMod val="50000"/>
+                  </a:schemeClr>
+                </a:solidFill>
+                <a:latin typeface="나눔고딕" panose="020D0604000000000000" pitchFamily="50" charset="-127"/>
+                <a:ea typeface="나눔고딕" panose="020D0604000000000000" pitchFamily="50" charset="-127"/>
+              </a:rPr>
+              <a:t>그러므로 그런 필수적 도구를 만들기 위해 가계부를 만들기로 기획하게 되었다</a:t>
+            </a:r>
+            <a:r>
+              <a:rPr lang="en-US" altLang="ko-KR" sz="2400" b="1" dirty="0" smtClean="0">
+                <a:solidFill>
+                  <a:schemeClr val="accent5">
+                    <a:lumMod val="50000"/>
+                  </a:schemeClr>
+                </a:solidFill>
+                <a:latin typeface="나눔고딕" panose="020D0604000000000000" pitchFamily="50" charset="-127"/>
+                <a:ea typeface="나눔고딕" panose="020D0604000000000000" pitchFamily="50" charset="-127"/>
+              </a:rPr>
+              <a:t>.</a:t>
+            </a:r>
+          </a:p>
         </p:txBody>
       </p:sp>
       <p:sp>
         <p:nvSpPr>
-          <p:cNvPr id="3" name="직사각형 2"/>
+          <p:cNvPr id="33" name="직사각형 32"/>
           <p:cNvSpPr/>
           <p:nvPr/>
         </p:nvSpPr>
@@ -9785,7 +11762,7 @@
           <a:p>
             <a:pPr algn="ctr"/>
             <a:r>
-              <a:rPr lang="en-US" altLang="ko-KR" sz="4000" b="1" dirty="0" smtClean="0">
+              <a:rPr lang="ko-KR" altLang="en-US" sz="4000" b="1" dirty="0" smtClean="0">
                 <a:solidFill>
                   <a:schemeClr val="accent5">
                     <a:lumMod val="50000"/>
@@ -9794,43 +11771,7 @@
                 <a:latin typeface="나눔고딕" panose="020D0604000000000000" pitchFamily="50" charset="-127"/>
                 <a:ea typeface="나눔고딕" panose="020D0604000000000000" pitchFamily="50" charset="-127"/>
               </a:rPr>
-              <a:t>-</a:t>
-            </a:r>
-            <a:r>
-              <a:rPr lang="en-US" altLang="ko-KR" sz="3600" b="1" dirty="0" smtClean="0">
-                <a:solidFill>
-                  <a:schemeClr val="accent5">
-                    <a:lumMod val="50000"/>
-                  </a:schemeClr>
-                </a:solidFill>
-                <a:latin typeface="나눔고딕" panose="020D0604000000000000" pitchFamily="50" charset="-127"/>
-                <a:ea typeface="나눔고딕" panose="020D0604000000000000" pitchFamily="50" charset="-127"/>
-              </a:rPr>
-              <a:t> </a:t>
-            </a:r>
-            <a:r>
-              <a:rPr lang="ko-KR" altLang="en-US" sz="3600" b="1" dirty="0" smtClean="0">
-                <a:solidFill>
-                  <a:schemeClr val="accent5">
-                    <a:lumMod val="50000"/>
-                  </a:schemeClr>
-                </a:solidFill>
-                <a:latin typeface="나눔고딕" panose="020D0604000000000000" pitchFamily="50" charset="-127"/>
-                <a:ea typeface="나눔고딕" panose="020D0604000000000000" pitchFamily="50" charset="-127"/>
-              </a:rPr>
-              <a:t>앉 아 써 </a:t>
-            </a:r>
-            <a:r>
-              <a:rPr lang="en-US" altLang="ko-KR" sz="3600" b="1" dirty="0" smtClean="0">
-                <a:solidFill>
-                  <a:schemeClr val="accent5">
-                    <a:lumMod val="50000"/>
-                  </a:schemeClr>
-                </a:solidFill>
-                <a:latin typeface="나눔고딕" panose="020D0604000000000000" pitchFamily="50" charset="-127"/>
-                <a:ea typeface="나눔고딕" panose="020D0604000000000000" pitchFamily="50" charset="-127"/>
-              </a:rPr>
-              <a:t>-</a:t>
+              <a:t>가계부 기획 이유</a:t>
             </a:r>
             <a:endParaRPr lang="ko-KR" altLang="en-US" sz="3600" b="1" dirty="0">
               <a:solidFill>
@@ -9847,7 +11788,7 @@
     </p:spTree>
     <p:extLst>
       <p:ext uri="{BB962C8B-B14F-4D97-AF65-F5344CB8AC3E}">
-        <p14:creationId xmlns:p14="http://schemas.microsoft.com/office/powerpoint/2010/main" val="3416253565"/>
+        <p14:creationId xmlns:p14="http://schemas.microsoft.com/office/powerpoint/2010/main" val="3380003118"/>
       </p:ext>
     </p:extLst>
   </p:cSld>
@@ -10031,7 +11972,7 @@
                 <a:latin typeface="나눔고딕 ExtraBold" panose="020D0904000000000000" pitchFamily="50" charset="-127"/>
                 <a:ea typeface="나눔고딕 ExtraBold" panose="020D0904000000000000" pitchFamily="50" charset="-127"/>
               </a:rPr>
-              <a:t>구성원 소개</a:t>
+              <a:t>팀 소개</a:t>
             </a:r>
             <a:endParaRPr lang="en-US" sz="5000" dirty="0">
               <a:solidFill>
@@ -10097,7 +12038,7 @@
     </p:spTree>
     <p:extLst>
       <p:ext uri="{BB962C8B-B14F-4D97-AF65-F5344CB8AC3E}">
-        <p14:creationId xmlns:p14="http://schemas.microsoft.com/office/powerpoint/2010/main" val="147813392"/>
+        <p14:creationId xmlns:p14="http://schemas.microsoft.com/office/powerpoint/2010/main" val="2823928479"/>
       </p:ext>
     </p:extLst>
   </p:cSld>
@@ -10281,7 +12222,7 @@
                 <a:latin typeface="나눔고딕 ExtraBold" panose="020D0904000000000000" pitchFamily="50" charset="-127"/>
                 <a:ea typeface="나눔고딕 ExtraBold" panose="020D0904000000000000" pitchFamily="50" charset="-127"/>
               </a:rPr>
-              <a:t>구성원 소개</a:t>
+              <a:t>팀 소개</a:t>
             </a:r>
             <a:endParaRPr lang="en-US" sz="4370" dirty="0">
               <a:solidFill>
@@ -10317,22 +12258,375 @@
       </p:sp>
       <p:sp>
         <p:nvSpPr>
-          <p:cNvPr id="22" name="타원 21"/>
+          <p:cNvPr id="2" name="직사각형 1"/>
           <p:cNvSpPr/>
           <p:nvPr/>
         </p:nvSpPr>
         <p:spPr>
           <a:xfrm>
-            <a:off x="4580403" y="3067963"/>
-            <a:ext cx="2180294" cy="2180294"/>
+            <a:off x="654050" y="2508250"/>
+            <a:ext cx="13322300" cy="3213100"/>
           </a:xfrm>
-          <a:prstGeom prst="ellipse">
+          <a:prstGeom prst="rect">
+            <a:avLst/>
+          </a:prstGeom>
+          <a:solidFill>
+            <a:srgbClr val="A6C9E8"/>
+          </a:solidFill>
+          <a:ln>
+            <a:noFill/>
+          </a:ln>
+        </p:spPr>
+        <p:style>
+          <a:lnRef idx="2">
+            <a:schemeClr val="accent1">
+              <a:shade val="50000"/>
+            </a:schemeClr>
+          </a:lnRef>
+          <a:fillRef idx="1">
+            <a:schemeClr val="accent1"/>
+          </a:fillRef>
+          <a:effectRef idx="0">
+            <a:schemeClr val="accent1"/>
+          </a:effectRef>
+          <a:fontRef idx="minor">
+            <a:schemeClr val="lt1"/>
+          </a:fontRef>
+        </p:style>
+        <p:txBody>
+          <a:bodyPr rtlCol="0" anchor="ctr"/>
+          <a:lstStyle/>
+          <a:p>
+            <a:r>
+              <a:rPr lang="ko-KR" altLang="en-US" sz="2400" b="1" dirty="0" smtClean="0">
+                <a:solidFill>
+                  <a:schemeClr val="accent5">
+                    <a:lumMod val="50000"/>
+                  </a:schemeClr>
+                </a:solidFill>
+                <a:latin typeface="나눔고딕" panose="020D0604000000000000" pitchFamily="50" charset="-127"/>
+                <a:ea typeface="나눔고딕" panose="020D0604000000000000" pitchFamily="50" charset="-127"/>
+              </a:rPr>
+              <a:t>팀 </a:t>
+            </a:r>
+            <a:r>
+              <a:rPr lang="en-US" altLang="ko-KR" sz="2400" b="1" dirty="0" smtClean="0">
+                <a:solidFill>
+                  <a:schemeClr val="accent5">
+                    <a:lumMod val="50000"/>
+                  </a:schemeClr>
+                </a:solidFill>
+                <a:latin typeface="나눔고딕" panose="020D0604000000000000" pitchFamily="50" charset="-127"/>
+                <a:ea typeface="나눔고딕" panose="020D0604000000000000" pitchFamily="50" charset="-127"/>
+              </a:rPr>
+              <a:t>＇</a:t>
+            </a:r>
+            <a:r>
+              <a:rPr lang="ko-KR" altLang="en-US" sz="2400" b="1" dirty="0" err="1" smtClean="0">
+                <a:solidFill>
+                  <a:schemeClr val="accent5">
+                    <a:lumMod val="50000"/>
+                  </a:schemeClr>
+                </a:solidFill>
+                <a:latin typeface="나눔고딕" panose="020D0604000000000000" pitchFamily="50" charset="-127"/>
+                <a:ea typeface="나눔고딕" panose="020D0604000000000000" pitchFamily="50" charset="-127"/>
+              </a:rPr>
+              <a:t>앉아써</a:t>
+            </a:r>
+            <a:r>
+              <a:rPr lang="en-US" altLang="ko-KR" sz="2400" b="1" dirty="0" smtClean="0">
+                <a:solidFill>
+                  <a:schemeClr val="accent5">
+                    <a:lumMod val="50000"/>
+                  </a:schemeClr>
+                </a:solidFill>
+                <a:latin typeface="나눔고딕" panose="020D0604000000000000" pitchFamily="50" charset="-127"/>
+                <a:ea typeface="나눔고딕" panose="020D0604000000000000" pitchFamily="50" charset="-127"/>
+              </a:rPr>
+              <a:t>＇</a:t>
+            </a:r>
+            <a:r>
+              <a:rPr lang="ko-KR" altLang="en-US" sz="2400" b="1" dirty="0" smtClean="0">
+                <a:solidFill>
+                  <a:schemeClr val="accent5">
+                    <a:lumMod val="50000"/>
+                  </a:schemeClr>
+                </a:solidFill>
+                <a:latin typeface="나눔고딕" panose="020D0604000000000000" pitchFamily="50" charset="-127"/>
+                <a:ea typeface="나눔고딕" panose="020D0604000000000000" pitchFamily="50" charset="-127"/>
+              </a:rPr>
+              <a:t>는 </a:t>
+            </a:r>
+            <a:r>
+              <a:rPr lang="ko-KR" altLang="en-US" sz="2400" b="1" dirty="0">
+                <a:solidFill>
+                  <a:schemeClr val="accent5">
+                    <a:lumMod val="50000"/>
+                  </a:schemeClr>
+                </a:solidFill>
+                <a:latin typeface="나눔고딕" panose="020D0604000000000000" pitchFamily="50" charset="-127"/>
+                <a:ea typeface="나눔고딕" panose="020D0604000000000000" pitchFamily="50" charset="-127"/>
+              </a:rPr>
+              <a:t>코딩을 공부하고자 모인 </a:t>
+            </a:r>
+            <a:r>
+              <a:rPr lang="en-US" altLang="ko-KR" sz="2400" b="1" dirty="0">
+                <a:solidFill>
+                  <a:schemeClr val="accent5">
+                    <a:lumMod val="50000"/>
+                  </a:schemeClr>
+                </a:solidFill>
+                <a:latin typeface="나눔고딕" panose="020D0604000000000000" pitchFamily="50" charset="-127"/>
+                <a:ea typeface="나눔고딕" panose="020D0604000000000000" pitchFamily="50" charset="-127"/>
+              </a:rPr>
+              <a:t>4</a:t>
+            </a:r>
+            <a:r>
+              <a:rPr lang="ko-KR" altLang="en-US" sz="2400" b="1" dirty="0">
+                <a:solidFill>
+                  <a:schemeClr val="accent5">
+                    <a:lumMod val="50000"/>
+                  </a:schemeClr>
+                </a:solidFill>
+                <a:latin typeface="나눔고딕" panose="020D0604000000000000" pitchFamily="50" charset="-127"/>
+                <a:ea typeface="나눔고딕" panose="020D0604000000000000" pitchFamily="50" charset="-127"/>
+              </a:rPr>
+              <a:t>인이 만든 팀으로</a:t>
+            </a:r>
+            <a:r>
+              <a:rPr lang="en-US" altLang="ko-KR" sz="2400" b="1" dirty="0">
+                <a:solidFill>
+                  <a:schemeClr val="accent5">
+                    <a:lumMod val="50000"/>
+                  </a:schemeClr>
+                </a:solidFill>
+                <a:latin typeface="나눔고딕" panose="020D0604000000000000" pitchFamily="50" charset="-127"/>
+                <a:ea typeface="나눔고딕" panose="020D0604000000000000" pitchFamily="50" charset="-127"/>
+              </a:rPr>
+              <a:t>, </a:t>
+            </a:r>
+            <a:r>
+              <a:rPr lang="ko-KR" altLang="en-US" sz="2400" b="1" dirty="0">
+                <a:solidFill>
+                  <a:schemeClr val="accent5">
+                    <a:lumMod val="50000"/>
+                  </a:schemeClr>
+                </a:solidFill>
+                <a:latin typeface="나눔고딕" panose="020D0604000000000000" pitchFamily="50" charset="-127"/>
+                <a:ea typeface="나눔고딕" panose="020D0604000000000000" pitchFamily="50" charset="-127"/>
+              </a:rPr>
+              <a:t>이 </a:t>
+            </a:r>
+            <a:r>
+              <a:rPr lang="ko-KR" altLang="en-US" sz="2400" b="1" dirty="0" err="1">
+                <a:solidFill>
+                  <a:schemeClr val="accent5">
+                    <a:lumMod val="50000"/>
+                  </a:schemeClr>
+                </a:solidFill>
+                <a:latin typeface="나눔고딕" panose="020D0604000000000000" pitchFamily="50" charset="-127"/>
+                <a:ea typeface="나눔고딕" panose="020D0604000000000000" pitchFamily="50" charset="-127"/>
+              </a:rPr>
+              <a:t>팀명은</a:t>
+            </a:r>
+            <a:r>
+              <a:rPr lang="ko-KR" altLang="en-US" sz="2400" b="1" dirty="0">
+                <a:solidFill>
+                  <a:schemeClr val="accent5">
+                    <a:lumMod val="50000"/>
+                  </a:schemeClr>
+                </a:solidFill>
+                <a:latin typeface="나눔고딕" panose="020D0604000000000000" pitchFamily="50" charset="-127"/>
+                <a:ea typeface="나눔고딕" panose="020D0604000000000000" pitchFamily="50" charset="-127"/>
+              </a:rPr>
+              <a:t> </a:t>
+            </a:r>
+            <a:r>
+              <a:rPr lang="en-US" altLang="ko-KR" sz="2400" b="1" dirty="0" smtClean="0">
+                <a:solidFill>
+                  <a:schemeClr val="accent5">
+                    <a:lumMod val="50000"/>
+                  </a:schemeClr>
+                </a:solidFill>
+                <a:latin typeface="나눔고딕" panose="020D0604000000000000" pitchFamily="50" charset="-127"/>
+                <a:ea typeface="나눔고딕" panose="020D0604000000000000" pitchFamily="50" charset="-127"/>
+              </a:rPr>
+              <a:t>＇</a:t>
+            </a:r>
+            <a:r>
+              <a:rPr lang="ko-KR" altLang="en-US" sz="2400" b="1" dirty="0" smtClean="0">
+                <a:solidFill>
+                  <a:schemeClr val="accent5">
+                    <a:lumMod val="50000"/>
+                  </a:schemeClr>
+                </a:solidFill>
+                <a:latin typeface="나눔고딕" panose="020D0604000000000000" pitchFamily="50" charset="-127"/>
+                <a:ea typeface="나눔고딕" panose="020D0604000000000000" pitchFamily="50" charset="-127"/>
+              </a:rPr>
+              <a:t>코딩을 </a:t>
+            </a:r>
+            <a:r>
+              <a:rPr lang="ko-KR" altLang="en-US" sz="2400" b="1" dirty="0">
+                <a:solidFill>
+                  <a:schemeClr val="accent5">
+                    <a:lumMod val="50000"/>
+                  </a:schemeClr>
+                </a:solidFill>
+                <a:latin typeface="나눔고딕" panose="020D0604000000000000" pitchFamily="50" charset="-127"/>
+                <a:ea typeface="나눔고딕" panose="020D0604000000000000" pitchFamily="50" charset="-127"/>
+              </a:rPr>
+              <a:t>하려면 앉아서 써야 </a:t>
+            </a:r>
+            <a:r>
+              <a:rPr lang="ko-KR" altLang="en-US" sz="2400" b="1" dirty="0" smtClean="0">
+                <a:solidFill>
+                  <a:schemeClr val="accent5">
+                    <a:lumMod val="50000"/>
+                  </a:schemeClr>
+                </a:solidFill>
+                <a:latin typeface="나눔고딕" panose="020D0604000000000000" pitchFamily="50" charset="-127"/>
+                <a:ea typeface="나눔고딕" panose="020D0604000000000000" pitchFamily="50" charset="-127"/>
+              </a:rPr>
+              <a:t>한다</a:t>
+            </a:r>
+            <a:r>
+              <a:rPr lang="en-US" altLang="ko-KR" sz="2400" b="1" dirty="0" smtClean="0">
+                <a:solidFill>
+                  <a:schemeClr val="accent5">
+                    <a:lumMod val="50000"/>
+                  </a:schemeClr>
+                </a:solidFill>
+                <a:latin typeface="나눔고딕" panose="020D0604000000000000" pitchFamily="50" charset="-127"/>
+                <a:ea typeface="나눔고딕" panose="020D0604000000000000" pitchFamily="50" charset="-127"/>
+              </a:rPr>
+              <a:t>＇</a:t>
+            </a:r>
+            <a:r>
+              <a:rPr lang="ko-KR" altLang="en-US" sz="2400" b="1" dirty="0" smtClean="0">
+                <a:solidFill>
+                  <a:schemeClr val="accent5">
+                    <a:lumMod val="50000"/>
+                  </a:schemeClr>
+                </a:solidFill>
+                <a:latin typeface="나눔고딕" panose="020D0604000000000000" pitchFamily="50" charset="-127"/>
+                <a:ea typeface="나눔고딕" panose="020D0604000000000000" pitchFamily="50" charset="-127"/>
+              </a:rPr>
+              <a:t>라는 </a:t>
+            </a:r>
+            <a:r>
+              <a:rPr lang="ko-KR" altLang="en-US" sz="2400" b="1" dirty="0">
+                <a:solidFill>
+                  <a:schemeClr val="accent5">
+                    <a:lumMod val="50000"/>
+                  </a:schemeClr>
+                </a:solidFill>
+                <a:latin typeface="나눔고딕" panose="020D0604000000000000" pitchFamily="50" charset="-127"/>
+                <a:ea typeface="나눔고딕" panose="020D0604000000000000" pitchFamily="50" charset="-127"/>
+              </a:rPr>
+              <a:t>직관적인 아이디어에서 비롯되었습니다</a:t>
+            </a:r>
+            <a:r>
+              <a:rPr lang="en-US" altLang="ko-KR" sz="2400" b="1" dirty="0">
+                <a:solidFill>
+                  <a:schemeClr val="accent5">
+                    <a:lumMod val="50000"/>
+                  </a:schemeClr>
+                </a:solidFill>
+                <a:latin typeface="나눔고딕" panose="020D0604000000000000" pitchFamily="50" charset="-127"/>
+                <a:ea typeface="나눔고딕" panose="020D0604000000000000" pitchFamily="50" charset="-127"/>
+              </a:rPr>
+              <a:t>. </a:t>
+            </a:r>
+            <a:r>
+              <a:rPr lang="ko-KR" altLang="en-US" sz="2400" b="1" dirty="0" smtClean="0">
+                <a:solidFill>
+                  <a:schemeClr val="accent5">
+                    <a:lumMod val="50000"/>
+                  </a:schemeClr>
+                </a:solidFill>
+                <a:latin typeface="나눔고딕" panose="020D0604000000000000" pitchFamily="50" charset="-127"/>
+                <a:ea typeface="나눔고딕" panose="020D0604000000000000" pitchFamily="50" charset="-127"/>
+              </a:rPr>
+              <a:t>저희 팀은 코드 </a:t>
+            </a:r>
+            <a:r>
+              <a:rPr lang="ko-KR" altLang="en-US" sz="2400" b="1" dirty="0">
+                <a:solidFill>
+                  <a:schemeClr val="accent5">
+                    <a:lumMod val="50000"/>
+                  </a:schemeClr>
+                </a:solidFill>
+                <a:latin typeface="나눔고딕" panose="020D0604000000000000" pitchFamily="50" charset="-127"/>
+                <a:ea typeface="나눔고딕" panose="020D0604000000000000" pitchFamily="50" charset="-127"/>
+              </a:rPr>
+              <a:t>작성을 통해 프로젝트를 진행하고</a:t>
+            </a:r>
+            <a:r>
+              <a:rPr lang="en-US" altLang="ko-KR" sz="2400" b="1" dirty="0">
+                <a:solidFill>
+                  <a:schemeClr val="accent5">
+                    <a:lumMod val="50000"/>
+                  </a:schemeClr>
+                </a:solidFill>
+                <a:latin typeface="나눔고딕" panose="020D0604000000000000" pitchFamily="50" charset="-127"/>
+                <a:ea typeface="나눔고딕" panose="020D0604000000000000" pitchFamily="50" charset="-127"/>
+              </a:rPr>
+              <a:t>, </a:t>
+            </a:r>
+            <a:r>
+              <a:rPr lang="ko-KR" altLang="en-US" sz="2400" b="1" dirty="0">
+                <a:solidFill>
+                  <a:schemeClr val="accent5">
+                    <a:lumMod val="50000"/>
+                  </a:schemeClr>
+                </a:solidFill>
+                <a:latin typeface="나눔고딕" panose="020D0604000000000000" pitchFamily="50" charset="-127"/>
+                <a:ea typeface="나눔고딕" panose="020D0604000000000000" pitchFamily="50" charset="-127"/>
+              </a:rPr>
+              <a:t>그 결과물을 통해 지식과 기술을 공유하며 성장하는 목표를 가지고 있습니다</a:t>
+            </a:r>
+            <a:r>
+              <a:rPr lang="en-US" altLang="ko-KR" sz="2400" b="1" dirty="0">
+                <a:solidFill>
+                  <a:schemeClr val="accent5">
+                    <a:lumMod val="50000"/>
+                  </a:schemeClr>
+                </a:solidFill>
+                <a:latin typeface="나눔고딕" panose="020D0604000000000000" pitchFamily="50" charset="-127"/>
+                <a:ea typeface="나눔고딕" panose="020D0604000000000000" pitchFamily="50" charset="-127"/>
+              </a:rPr>
+              <a:t>.</a:t>
+            </a:r>
+            <a:endParaRPr lang="ko-KR" altLang="en-US" sz="2400" b="1" dirty="0">
+              <a:solidFill>
+                <a:schemeClr val="accent5">
+                  <a:lumMod val="50000"/>
+                </a:schemeClr>
+              </a:solidFill>
+              <a:latin typeface="나눔고딕" panose="020D0604000000000000" pitchFamily="50" charset="-127"/>
+              <a:ea typeface="나눔고딕" panose="020D0604000000000000" pitchFamily="50" charset="-127"/>
+            </a:endParaRPr>
+          </a:p>
+        </p:txBody>
+      </p:sp>
+      <p:sp>
+        <p:nvSpPr>
+          <p:cNvPr id="3" name="직사각형 2"/>
+          <p:cNvSpPr/>
+          <p:nvPr/>
+        </p:nvSpPr>
+        <p:spPr>
+          <a:xfrm>
+            <a:off x="3635298" y="1986220"/>
+            <a:ext cx="7359805" cy="1115122"/>
+          </a:xfrm>
+          <a:prstGeom prst="rect">
             <a:avLst/>
           </a:prstGeom>
           <a:solidFill>
             <a:schemeClr val="accent5">
-              <a:lumMod val="20000"/>
-              <a:lumOff val="80000"/>
+              <a:lumMod val="40000"/>
+              <a:lumOff val="60000"/>
             </a:schemeClr>
           </a:solidFill>
           <a:ln>
@@ -10361,7 +12655,7 @@
           <a:p>
             <a:pPr algn="ctr"/>
             <a:r>
-              <a:rPr lang="ko-KR" altLang="en-US" sz="2400" b="1" dirty="0" err="1">
+              <a:rPr lang="en-US" altLang="ko-KR" sz="4000" b="1" dirty="0" smtClean="0">
                 <a:solidFill>
                   <a:schemeClr val="accent5">
                     <a:lumMod val="50000"/>
@@ -10370,9 +12664,45 @@
                 <a:latin typeface="나눔고딕" panose="020D0604000000000000" pitchFamily="50" charset="-127"/>
                 <a:ea typeface="나눔고딕" panose="020D0604000000000000" pitchFamily="50" charset="-127"/>
               </a:rPr>
-              <a:t>이현오</a:t>
-            </a:r>
-            <a:endParaRPr lang="ko-KR" altLang="en-US" sz="2400" b="1" dirty="0">
+              <a:t>-</a:t>
+            </a:r>
+            <a:r>
+              <a:rPr lang="en-US" altLang="ko-KR" sz="3600" b="1" dirty="0" smtClean="0">
+                <a:solidFill>
+                  <a:schemeClr val="accent5">
+                    <a:lumMod val="50000"/>
+                  </a:schemeClr>
+                </a:solidFill>
+                <a:latin typeface="나눔고딕" panose="020D0604000000000000" pitchFamily="50" charset="-127"/>
+                <a:ea typeface="나눔고딕" panose="020D0604000000000000" pitchFamily="50" charset="-127"/>
+              </a:rPr>
+              <a:t> </a:t>
+            </a:r>
+            <a:r>
+              <a:rPr lang="ko-KR" altLang="en-US" sz="3600" b="1" dirty="0" smtClean="0">
+                <a:solidFill>
+                  <a:schemeClr val="accent5">
+                    <a:lumMod val="50000"/>
+                  </a:schemeClr>
+                </a:solidFill>
+                <a:latin typeface="나눔고딕" panose="020D0604000000000000" pitchFamily="50" charset="-127"/>
+                <a:ea typeface="나눔고딕" panose="020D0604000000000000" pitchFamily="50" charset="-127"/>
+              </a:rPr>
+              <a:t>앉 아 써 </a:t>
+            </a:r>
+            <a:r>
+              <a:rPr lang="en-US" altLang="ko-KR" sz="3600" b="1" dirty="0" smtClean="0">
+                <a:solidFill>
+                  <a:schemeClr val="accent5">
+                    <a:lumMod val="50000"/>
+                  </a:schemeClr>
+                </a:solidFill>
+                <a:latin typeface="나눔고딕" panose="020D0604000000000000" pitchFamily="50" charset="-127"/>
+                <a:ea typeface="나눔고딕" panose="020D0604000000000000" pitchFamily="50" charset="-127"/>
+              </a:rPr>
+              <a:t>-</a:t>
+            </a:r>
+            <a:endParaRPr lang="ko-KR" altLang="en-US" sz="3600" b="1" dirty="0">
               <a:solidFill>
                 <a:schemeClr val="accent5">
                   <a:lumMod val="50000"/>
@@ -10384,852 +12714,10 @@
           </a:p>
         </p:txBody>
       </p:sp>
-      <p:sp>
-        <p:nvSpPr>
-          <p:cNvPr id="23" name="타원 22"/>
-          <p:cNvSpPr/>
-          <p:nvPr/>
-        </p:nvSpPr>
-        <p:spPr>
-          <a:xfrm>
-            <a:off x="4580403" y="2981344"/>
-            <a:ext cx="815028" cy="787400"/>
-          </a:xfrm>
-          <a:prstGeom prst="ellipse">
-            <a:avLst/>
-          </a:prstGeom>
-          <a:solidFill>
-            <a:schemeClr val="accent5">
-              <a:lumMod val="60000"/>
-              <a:lumOff val="40000"/>
-            </a:schemeClr>
-          </a:solidFill>
-          <a:ln>
-            <a:noFill/>
-          </a:ln>
-        </p:spPr>
-        <p:style>
-          <a:lnRef idx="2">
-            <a:schemeClr val="accent1">
-              <a:shade val="50000"/>
-            </a:schemeClr>
-          </a:lnRef>
-          <a:fillRef idx="1">
-            <a:schemeClr val="accent1"/>
-          </a:fillRef>
-          <a:effectRef idx="0">
-            <a:schemeClr val="accent1"/>
-          </a:effectRef>
-          <a:fontRef idx="minor">
-            <a:schemeClr val="lt1"/>
-          </a:fontRef>
-        </p:style>
-        <p:txBody>
-          <a:bodyPr rtlCol="0" anchor="ctr"/>
-          <a:lstStyle/>
-          <a:p>
-            <a:pPr algn="ctr"/>
-            <a:endParaRPr lang="ko-KR" altLang="en-US"/>
-          </a:p>
-        </p:txBody>
-      </p:sp>
-      <p:sp>
-        <p:nvSpPr>
-          <p:cNvPr id="24" name="타원 23"/>
-          <p:cNvSpPr/>
-          <p:nvPr/>
-        </p:nvSpPr>
-        <p:spPr>
-          <a:xfrm>
-            <a:off x="7869703" y="3067963"/>
-            <a:ext cx="2180294" cy="2180294"/>
-          </a:xfrm>
-          <a:prstGeom prst="ellipse">
-            <a:avLst/>
-          </a:prstGeom>
-          <a:solidFill>
-            <a:schemeClr val="accent5">
-              <a:lumMod val="20000"/>
-              <a:lumOff val="80000"/>
-            </a:schemeClr>
-          </a:solidFill>
-          <a:ln>
-            <a:noFill/>
-          </a:ln>
-        </p:spPr>
-        <p:style>
-          <a:lnRef idx="2">
-            <a:schemeClr val="accent1">
-              <a:shade val="50000"/>
-            </a:schemeClr>
-          </a:lnRef>
-          <a:fillRef idx="1">
-            <a:schemeClr val="accent1"/>
-          </a:fillRef>
-          <a:effectRef idx="0">
-            <a:schemeClr val="accent1"/>
-          </a:effectRef>
-          <a:fontRef idx="minor">
-            <a:schemeClr val="lt1"/>
-          </a:fontRef>
-        </p:style>
-        <p:txBody>
-          <a:bodyPr rtlCol="0" anchor="ctr"/>
-          <a:lstStyle/>
-          <a:p>
-            <a:pPr algn="ctr"/>
-            <a:r>
-              <a:rPr lang="ko-KR" altLang="en-US" sz="2400" b="1" dirty="0" err="1">
-                <a:solidFill>
-                  <a:schemeClr val="accent5">
-                    <a:lumMod val="50000"/>
-                  </a:schemeClr>
-                </a:solidFill>
-                <a:latin typeface="나눔고딕" panose="020D0604000000000000" pitchFamily="50" charset="-127"/>
-                <a:ea typeface="나눔고딕" panose="020D0604000000000000" pitchFamily="50" charset="-127"/>
-              </a:rPr>
-              <a:t>정인혁</a:t>
-            </a:r>
-            <a:endParaRPr lang="ko-KR" altLang="en-US" sz="2400" b="1" dirty="0">
-              <a:solidFill>
-                <a:schemeClr val="accent5">
-                  <a:lumMod val="50000"/>
-                </a:schemeClr>
-              </a:solidFill>
-              <a:latin typeface="나눔고딕" panose="020D0604000000000000" pitchFamily="50" charset="-127"/>
-              <a:ea typeface="나눔고딕" panose="020D0604000000000000" pitchFamily="50" charset="-127"/>
-            </a:endParaRPr>
-          </a:p>
-        </p:txBody>
-      </p:sp>
-      <p:sp>
-        <p:nvSpPr>
-          <p:cNvPr id="25" name="타원 24"/>
-          <p:cNvSpPr/>
-          <p:nvPr/>
-        </p:nvSpPr>
-        <p:spPr>
-          <a:xfrm>
-            <a:off x="7869703" y="2981344"/>
-            <a:ext cx="815028" cy="787400"/>
-          </a:xfrm>
-          <a:prstGeom prst="ellipse">
-            <a:avLst/>
-          </a:prstGeom>
-          <a:solidFill>
-            <a:schemeClr val="accent5">
-              <a:lumMod val="60000"/>
-              <a:lumOff val="40000"/>
-            </a:schemeClr>
-          </a:solidFill>
-          <a:ln>
-            <a:noFill/>
-          </a:ln>
-        </p:spPr>
-        <p:style>
-          <a:lnRef idx="2">
-            <a:schemeClr val="accent1">
-              <a:shade val="50000"/>
-            </a:schemeClr>
-          </a:lnRef>
-          <a:fillRef idx="1">
-            <a:schemeClr val="accent1"/>
-          </a:fillRef>
-          <a:effectRef idx="0">
-            <a:schemeClr val="accent1"/>
-          </a:effectRef>
-          <a:fontRef idx="minor">
-            <a:schemeClr val="lt1"/>
-          </a:fontRef>
-        </p:style>
-        <p:txBody>
-          <a:bodyPr rtlCol="0" anchor="ctr"/>
-          <a:lstStyle/>
-          <a:p>
-            <a:pPr algn="ctr"/>
-            <a:endParaRPr lang="ko-KR" altLang="en-US"/>
-          </a:p>
-        </p:txBody>
-      </p:sp>
-      <p:sp>
-        <p:nvSpPr>
-          <p:cNvPr id="26" name="타원 25"/>
-          <p:cNvSpPr/>
-          <p:nvPr/>
-        </p:nvSpPr>
-        <p:spPr>
-          <a:xfrm>
-            <a:off x="11159003" y="3067963"/>
-            <a:ext cx="2180294" cy="2180294"/>
-          </a:xfrm>
-          <a:prstGeom prst="ellipse">
-            <a:avLst/>
-          </a:prstGeom>
-          <a:solidFill>
-            <a:schemeClr val="accent5">
-              <a:lumMod val="20000"/>
-              <a:lumOff val="80000"/>
-            </a:schemeClr>
-          </a:solidFill>
-          <a:ln>
-            <a:noFill/>
-          </a:ln>
-        </p:spPr>
-        <p:style>
-          <a:lnRef idx="2">
-            <a:schemeClr val="accent1">
-              <a:shade val="50000"/>
-            </a:schemeClr>
-          </a:lnRef>
-          <a:fillRef idx="1">
-            <a:schemeClr val="accent1"/>
-          </a:fillRef>
-          <a:effectRef idx="0">
-            <a:schemeClr val="accent1"/>
-          </a:effectRef>
-          <a:fontRef idx="minor">
-            <a:schemeClr val="lt1"/>
-          </a:fontRef>
-        </p:style>
-        <p:txBody>
-          <a:bodyPr rtlCol="0" anchor="ctr"/>
-          <a:lstStyle/>
-          <a:p>
-            <a:pPr algn="ctr"/>
-            <a:r>
-              <a:rPr lang="ko-KR" altLang="en-US" sz="2400" b="1" dirty="0" err="1">
-                <a:solidFill>
-                  <a:schemeClr val="accent5">
-                    <a:lumMod val="50000"/>
-                  </a:schemeClr>
-                </a:solidFill>
-                <a:latin typeface="나눔고딕" panose="020D0604000000000000" pitchFamily="50" charset="-127"/>
-                <a:ea typeface="나눔고딕" panose="020D0604000000000000" pitchFamily="50" charset="-127"/>
-              </a:rPr>
-              <a:t>홍주환</a:t>
-            </a:r>
-            <a:endParaRPr lang="ko-KR" altLang="en-US" sz="2400" b="1" dirty="0">
-              <a:solidFill>
-                <a:schemeClr val="accent5">
-                  <a:lumMod val="50000"/>
-                </a:schemeClr>
-              </a:solidFill>
-              <a:latin typeface="나눔고딕" panose="020D0604000000000000" pitchFamily="50" charset="-127"/>
-              <a:ea typeface="나눔고딕" panose="020D0604000000000000" pitchFamily="50" charset="-127"/>
-            </a:endParaRPr>
-          </a:p>
-        </p:txBody>
-      </p:sp>
-      <p:sp>
-        <p:nvSpPr>
-          <p:cNvPr id="27" name="타원 26"/>
-          <p:cNvSpPr/>
-          <p:nvPr/>
-        </p:nvSpPr>
-        <p:spPr>
-          <a:xfrm>
-            <a:off x="11159003" y="2981344"/>
-            <a:ext cx="815028" cy="787400"/>
-          </a:xfrm>
-          <a:prstGeom prst="ellipse">
-            <a:avLst/>
-          </a:prstGeom>
-          <a:solidFill>
-            <a:schemeClr val="accent5">
-              <a:lumMod val="60000"/>
-              <a:lumOff val="40000"/>
-            </a:schemeClr>
-          </a:solidFill>
-          <a:ln>
-            <a:noFill/>
-          </a:ln>
-        </p:spPr>
-        <p:style>
-          <a:lnRef idx="2">
-            <a:schemeClr val="accent1">
-              <a:shade val="50000"/>
-            </a:schemeClr>
-          </a:lnRef>
-          <a:fillRef idx="1">
-            <a:schemeClr val="accent1"/>
-          </a:fillRef>
-          <a:effectRef idx="0">
-            <a:schemeClr val="accent1"/>
-          </a:effectRef>
-          <a:fontRef idx="minor">
-            <a:schemeClr val="lt1"/>
-          </a:fontRef>
-        </p:style>
-        <p:txBody>
-          <a:bodyPr rtlCol="0" anchor="ctr"/>
-          <a:lstStyle/>
-          <a:p>
-            <a:pPr algn="ctr"/>
-            <a:endParaRPr lang="ko-KR" altLang="en-US"/>
-          </a:p>
-        </p:txBody>
-      </p:sp>
-      <p:sp>
-        <p:nvSpPr>
-          <p:cNvPr id="15" name="타원 14"/>
-          <p:cNvSpPr/>
-          <p:nvPr/>
-        </p:nvSpPr>
-        <p:spPr>
-          <a:xfrm>
-            <a:off x="1291103" y="3067963"/>
-            <a:ext cx="2180294" cy="2180294"/>
-          </a:xfrm>
-          <a:prstGeom prst="ellipse">
-            <a:avLst/>
-          </a:prstGeom>
-          <a:solidFill>
-            <a:schemeClr val="accent5">
-              <a:lumMod val="20000"/>
-              <a:lumOff val="80000"/>
-            </a:schemeClr>
-          </a:solidFill>
-          <a:ln>
-            <a:noFill/>
-          </a:ln>
-        </p:spPr>
-        <p:style>
-          <a:lnRef idx="2">
-            <a:schemeClr val="accent1">
-              <a:shade val="50000"/>
-            </a:schemeClr>
-          </a:lnRef>
-          <a:fillRef idx="1">
-            <a:schemeClr val="accent1"/>
-          </a:fillRef>
-          <a:effectRef idx="0">
-            <a:schemeClr val="accent1"/>
-          </a:effectRef>
-          <a:fontRef idx="minor">
-            <a:schemeClr val="lt1"/>
-          </a:fontRef>
-        </p:style>
-        <p:txBody>
-          <a:bodyPr rtlCol="0" anchor="ctr"/>
-          <a:lstStyle/>
-          <a:p>
-            <a:pPr algn="ctr"/>
-            <a:r>
-              <a:rPr lang="ko-KR" altLang="en-US" sz="2400" b="1" dirty="0" smtClean="0">
-                <a:solidFill>
-                  <a:schemeClr val="accent5">
-                    <a:lumMod val="50000"/>
-                  </a:schemeClr>
-                </a:solidFill>
-                <a:latin typeface="나눔고딕" panose="020D0604000000000000" pitchFamily="50" charset="-127"/>
-                <a:ea typeface="나눔고딕" panose="020D0604000000000000" pitchFamily="50" charset="-127"/>
-              </a:rPr>
-              <a:t>장광수</a:t>
-            </a:r>
-            <a:endParaRPr lang="ko-KR" altLang="en-US" sz="2400" b="1" dirty="0">
-              <a:solidFill>
-                <a:schemeClr val="accent5">
-                  <a:lumMod val="50000"/>
-                </a:schemeClr>
-              </a:solidFill>
-              <a:latin typeface="나눔고딕" panose="020D0604000000000000" pitchFamily="50" charset="-127"/>
-              <a:ea typeface="나눔고딕" panose="020D0604000000000000" pitchFamily="50" charset="-127"/>
-            </a:endParaRPr>
-          </a:p>
-        </p:txBody>
-      </p:sp>
-      <p:sp>
-        <p:nvSpPr>
-          <p:cNvPr id="19" name="타원 18"/>
-          <p:cNvSpPr/>
-          <p:nvPr/>
-        </p:nvSpPr>
-        <p:spPr>
-          <a:xfrm>
-            <a:off x="1291103" y="2981344"/>
-            <a:ext cx="815028" cy="787400"/>
-          </a:xfrm>
-          <a:prstGeom prst="ellipse">
-            <a:avLst/>
-          </a:prstGeom>
-          <a:solidFill>
-            <a:schemeClr val="accent5">
-              <a:lumMod val="60000"/>
-              <a:lumOff val="40000"/>
-            </a:schemeClr>
-          </a:solidFill>
-          <a:ln>
-            <a:noFill/>
-          </a:ln>
-        </p:spPr>
-        <p:style>
-          <a:lnRef idx="2">
-            <a:schemeClr val="accent1">
-              <a:shade val="50000"/>
-            </a:schemeClr>
-          </a:lnRef>
-          <a:fillRef idx="1">
-            <a:schemeClr val="accent1"/>
-          </a:fillRef>
-          <a:effectRef idx="0">
-            <a:schemeClr val="accent1"/>
-          </a:effectRef>
-          <a:fontRef idx="minor">
-            <a:schemeClr val="lt1"/>
-          </a:fontRef>
-        </p:style>
-        <p:txBody>
-          <a:bodyPr rtlCol="0" anchor="ctr"/>
-          <a:lstStyle/>
-          <a:p>
-            <a:pPr algn="ctr"/>
-            <a:endParaRPr lang="ko-KR" altLang="en-US"/>
-          </a:p>
-        </p:txBody>
-      </p:sp>
-      <p:sp>
-        <p:nvSpPr>
-          <p:cNvPr id="3" name="직사각형 2"/>
-          <p:cNvSpPr/>
-          <p:nvPr/>
-        </p:nvSpPr>
-        <p:spPr>
-          <a:xfrm>
-            <a:off x="1079500" y="2532743"/>
-            <a:ext cx="2603500" cy="3403600"/>
-          </a:xfrm>
-          <a:prstGeom prst="rect">
-            <a:avLst/>
-          </a:prstGeom>
-          <a:noFill/>
-          <a:ln>
-            <a:solidFill>
-              <a:schemeClr val="accent5"/>
-            </a:solidFill>
-          </a:ln>
-        </p:spPr>
-        <p:style>
-          <a:lnRef idx="2">
-            <a:schemeClr val="accent5"/>
-          </a:lnRef>
-          <a:fillRef idx="1">
-            <a:schemeClr val="lt1"/>
-          </a:fillRef>
-          <a:effectRef idx="0">
-            <a:schemeClr val="accent5"/>
-          </a:effectRef>
-          <a:fontRef idx="minor">
-            <a:schemeClr val="dk1"/>
-          </a:fontRef>
-        </p:style>
-        <p:txBody>
-          <a:bodyPr rtlCol="0" anchor="ctr"/>
-          <a:lstStyle/>
-          <a:p>
-            <a:pPr algn="ctr"/>
-            <a:endParaRPr lang="ko-KR" altLang="en-US"/>
-          </a:p>
-        </p:txBody>
-      </p:sp>
-      <p:sp>
-        <p:nvSpPr>
-          <p:cNvPr id="20" name="직사각형 19"/>
-          <p:cNvSpPr/>
-          <p:nvPr/>
-        </p:nvSpPr>
-        <p:spPr>
-          <a:xfrm>
-            <a:off x="4368800" y="2532743"/>
-            <a:ext cx="2603500" cy="3403600"/>
-          </a:xfrm>
-          <a:prstGeom prst="rect">
-            <a:avLst/>
-          </a:prstGeom>
-          <a:noFill/>
-        </p:spPr>
-        <p:style>
-          <a:lnRef idx="2">
-            <a:schemeClr val="accent5"/>
-          </a:lnRef>
-          <a:fillRef idx="1">
-            <a:schemeClr val="lt1"/>
-          </a:fillRef>
-          <a:effectRef idx="0">
-            <a:schemeClr val="accent5"/>
-          </a:effectRef>
-          <a:fontRef idx="minor">
-            <a:schemeClr val="dk1"/>
-          </a:fontRef>
-        </p:style>
-        <p:txBody>
-          <a:bodyPr rtlCol="0" anchor="ctr"/>
-          <a:lstStyle/>
-          <a:p>
-            <a:pPr algn="ctr"/>
-            <a:endParaRPr lang="ko-KR" altLang="en-US"/>
-          </a:p>
-        </p:txBody>
-      </p:sp>
-      <p:sp>
-        <p:nvSpPr>
-          <p:cNvPr id="21" name="직사각형 20"/>
-          <p:cNvSpPr/>
-          <p:nvPr/>
-        </p:nvSpPr>
-        <p:spPr>
-          <a:xfrm>
-            <a:off x="7658100" y="2532743"/>
-            <a:ext cx="2603500" cy="3403600"/>
-          </a:xfrm>
-          <a:prstGeom prst="rect">
-            <a:avLst/>
-          </a:prstGeom>
-          <a:noFill/>
-        </p:spPr>
-        <p:style>
-          <a:lnRef idx="2">
-            <a:schemeClr val="accent5"/>
-          </a:lnRef>
-          <a:fillRef idx="1">
-            <a:schemeClr val="lt1"/>
-          </a:fillRef>
-          <a:effectRef idx="0">
-            <a:schemeClr val="accent5"/>
-          </a:effectRef>
-          <a:fontRef idx="minor">
-            <a:schemeClr val="dk1"/>
-          </a:fontRef>
-        </p:style>
-        <p:txBody>
-          <a:bodyPr rtlCol="0" anchor="ctr"/>
-          <a:lstStyle/>
-          <a:p>
-            <a:pPr algn="ctr"/>
-            <a:endParaRPr lang="ko-KR" altLang="en-US"/>
-          </a:p>
-        </p:txBody>
-      </p:sp>
-      <p:sp>
-        <p:nvSpPr>
-          <p:cNvPr id="28" name="직사각형 27"/>
-          <p:cNvSpPr/>
-          <p:nvPr/>
-        </p:nvSpPr>
-        <p:spPr>
-          <a:xfrm>
-            <a:off x="10947400" y="2532743"/>
-            <a:ext cx="2603500" cy="3403600"/>
-          </a:xfrm>
-          <a:prstGeom prst="rect">
-            <a:avLst/>
-          </a:prstGeom>
-          <a:noFill/>
-        </p:spPr>
-        <p:style>
-          <a:lnRef idx="2">
-            <a:schemeClr val="accent5"/>
-          </a:lnRef>
-          <a:fillRef idx="1">
-            <a:schemeClr val="lt1"/>
-          </a:fillRef>
-          <a:effectRef idx="0">
-            <a:schemeClr val="accent5"/>
-          </a:effectRef>
-          <a:fontRef idx="minor">
-            <a:schemeClr val="dk1"/>
-          </a:fontRef>
-        </p:style>
-        <p:txBody>
-          <a:bodyPr rtlCol="0" anchor="ctr"/>
-          <a:lstStyle/>
-          <a:p>
-            <a:pPr algn="ctr"/>
-            <a:endParaRPr lang="ko-KR" altLang="en-US"/>
-          </a:p>
-        </p:txBody>
-      </p:sp>
-      <p:sp>
-        <p:nvSpPr>
-          <p:cNvPr id="4" name="직사각형 3"/>
-          <p:cNvSpPr/>
-          <p:nvPr/>
-        </p:nvSpPr>
-        <p:spPr>
-          <a:xfrm>
-            <a:off x="1079500" y="5334875"/>
-            <a:ext cx="2603500" cy="601467"/>
-          </a:xfrm>
-          <a:prstGeom prst="rect">
-            <a:avLst/>
-          </a:prstGeom>
-          <a:noFill/>
-          <a:ln>
-            <a:solidFill>
-              <a:schemeClr val="accent5"/>
-            </a:solidFill>
-          </a:ln>
-        </p:spPr>
-        <p:style>
-          <a:lnRef idx="2">
-            <a:schemeClr val="accent1">
-              <a:shade val="50000"/>
-            </a:schemeClr>
-          </a:lnRef>
-          <a:fillRef idx="1">
-            <a:schemeClr val="accent1"/>
-          </a:fillRef>
-          <a:effectRef idx="0">
-            <a:schemeClr val="accent1"/>
-          </a:effectRef>
-          <a:fontRef idx="minor">
-            <a:schemeClr val="lt1"/>
-          </a:fontRef>
-        </p:style>
-        <p:txBody>
-          <a:bodyPr rtlCol="0" anchor="ctr"/>
-          <a:lstStyle/>
-          <a:p>
-            <a:pPr algn="ctr"/>
-            <a:r>
-              <a:rPr lang="ko-KR" altLang="en-US" dirty="0" smtClean="0">
-                <a:solidFill>
-                  <a:schemeClr val="accent5">
-                    <a:lumMod val="50000"/>
-                  </a:schemeClr>
-                </a:solidFill>
-              </a:rPr>
-              <a:t>코드 오류 검증 및 설계</a:t>
-            </a:r>
-            <a:r>
-              <a:rPr lang="en-US" altLang="ko-KR" dirty="0" smtClean="0">
-                <a:solidFill>
-                  <a:schemeClr val="accent5">
-                    <a:lumMod val="50000"/>
-                  </a:schemeClr>
-                </a:solidFill>
-              </a:rPr>
-              <a:t>, PPT</a:t>
-            </a:r>
-            <a:r>
-              <a:rPr lang="ko-KR" altLang="en-US" dirty="0" smtClean="0">
-                <a:solidFill>
-                  <a:schemeClr val="accent5">
-                    <a:lumMod val="50000"/>
-                  </a:schemeClr>
-                </a:solidFill>
-              </a:rPr>
-              <a:t>제작</a:t>
-            </a:r>
-            <a:endParaRPr lang="ko-KR" altLang="en-US" dirty="0">
-              <a:solidFill>
-                <a:schemeClr val="accent5">
-                  <a:lumMod val="50000"/>
-                </a:schemeClr>
-              </a:solidFill>
-            </a:endParaRPr>
-          </a:p>
-        </p:txBody>
-      </p:sp>
-      <p:sp>
-        <p:nvSpPr>
-          <p:cNvPr id="29" name="직사각형 28"/>
-          <p:cNvSpPr/>
-          <p:nvPr/>
-        </p:nvSpPr>
-        <p:spPr>
-          <a:xfrm>
-            <a:off x="4368800" y="5334875"/>
-            <a:ext cx="2603500" cy="601467"/>
-          </a:xfrm>
-          <a:prstGeom prst="rect">
-            <a:avLst/>
-          </a:prstGeom>
-          <a:noFill/>
-          <a:ln>
-            <a:solidFill>
-              <a:schemeClr val="accent5"/>
-            </a:solidFill>
-          </a:ln>
-        </p:spPr>
-        <p:style>
-          <a:lnRef idx="2">
-            <a:schemeClr val="accent1">
-              <a:shade val="50000"/>
-            </a:schemeClr>
-          </a:lnRef>
-          <a:fillRef idx="1">
-            <a:schemeClr val="accent1"/>
-          </a:fillRef>
-          <a:effectRef idx="0">
-            <a:schemeClr val="accent1"/>
-          </a:effectRef>
-          <a:fontRef idx="minor">
-            <a:schemeClr val="lt1"/>
-          </a:fontRef>
-        </p:style>
-        <p:txBody>
-          <a:bodyPr rtlCol="0" anchor="ctr"/>
-          <a:lstStyle/>
-          <a:p>
-            <a:pPr algn="ctr"/>
-            <a:r>
-              <a:rPr lang="ko-KR" altLang="en-US" dirty="0" smtClean="0">
-                <a:solidFill>
-                  <a:schemeClr val="accent5">
-                    <a:lumMod val="50000"/>
-                  </a:schemeClr>
-                </a:solidFill>
-              </a:rPr>
-              <a:t>기능 구현 및 설계</a:t>
-            </a:r>
-            <a:endParaRPr lang="ko-KR" altLang="en-US" dirty="0">
-              <a:solidFill>
-                <a:schemeClr val="accent5">
-                  <a:lumMod val="50000"/>
-                </a:schemeClr>
-              </a:solidFill>
-            </a:endParaRPr>
-          </a:p>
-        </p:txBody>
-      </p:sp>
-      <p:sp>
-        <p:nvSpPr>
-          <p:cNvPr id="30" name="직사각형 29"/>
-          <p:cNvSpPr/>
-          <p:nvPr/>
-        </p:nvSpPr>
-        <p:spPr>
-          <a:xfrm>
-            <a:off x="7658100" y="5334875"/>
-            <a:ext cx="2603500" cy="601467"/>
-          </a:xfrm>
-          <a:prstGeom prst="rect">
-            <a:avLst/>
-          </a:prstGeom>
-          <a:noFill/>
-          <a:ln>
-            <a:solidFill>
-              <a:schemeClr val="accent5"/>
-            </a:solidFill>
-          </a:ln>
-        </p:spPr>
-        <p:style>
-          <a:lnRef idx="2">
-            <a:schemeClr val="accent1">
-              <a:shade val="50000"/>
-            </a:schemeClr>
-          </a:lnRef>
-          <a:fillRef idx="1">
-            <a:schemeClr val="accent1"/>
-          </a:fillRef>
-          <a:effectRef idx="0">
-            <a:schemeClr val="accent1"/>
-          </a:effectRef>
-          <a:fontRef idx="minor">
-            <a:schemeClr val="lt1"/>
-          </a:fontRef>
-        </p:style>
-        <p:txBody>
-          <a:bodyPr rtlCol="0" anchor="ctr"/>
-          <a:lstStyle/>
-          <a:p>
-            <a:pPr algn="ctr"/>
-            <a:r>
-              <a:rPr lang="ko-KR" altLang="en-US" dirty="0" smtClean="0">
-                <a:solidFill>
-                  <a:schemeClr val="accent5">
-                    <a:lumMod val="50000"/>
-                  </a:schemeClr>
-                </a:solidFill>
-              </a:rPr>
-              <a:t>기능 구현 및 설계</a:t>
-            </a:r>
-            <a:endParaRPr lang="ko-KR" altLang="en-US" dirty="0">
-              <a:solidFill>
-                <a:schemeClr val="accent5">
-                  <a:lumMod val="50000"/>
-                </a:schemeClr>
-              </a:solidFill>
-            </a:endParaRPr>
-          </a:p>
-        </p:txBody>
-      </p:sp>
-      <p:sp>
-        <p:nvSpPr>
-          <p:cNvPr id="31" name="직사각형 30"/>
-          <p:cNvSpPr/>
-          <p:nvPr/>
-        </p:nvSpPr>
-        <p:spPr>
-          <a:xfrm>
-            <a:off x="10947400" y="5334875"/>
-            <a:ext cx="2603500" cy="601467"/>
-          </a:xfrm>
-          <a:prstGeom prst="rect">
-            <a:avLst/>
-          </a:prstGeom>
-          <a:noFill/>
-          <a:ln>
-            <a:solidFill>
-              <a:schemeClr val="accent5"/>
-            </a:solidFill>
-          </a:ln>
-        </p:spPr>
-        <p:style>
-          <a:lnRef idx="2">
-            <a:schemeClr val="accent1">
-              <a:shade val="50000"/>
-            </a:schemeClr>
-          </a:lnRef>
-          <a:fillRef idx="1">
-            <a:schemeClr val="accent1"/>
-          </a:fillRef>
-          <a:effectRef idx="0">
-            <a:schemeClr val="accent1"/>
-          </a:effectRef>
-          <a:fontRef idx="minor">
-            <a:schemeClr val="lt1"/>
-          </a:fontRef>
-        </p:style>
-        <p:txBody>
-          <a:bodyPr rtlCol="0" anchor="ctr"/>
-          <a:lstStyle/>
-          <a:p>
-            <a:pPr algn="ctr"/>
-            <a:r>
-              <a:rPr lang="en-US" altLang="ko-KR" dirty="0" smtClean="0">
-                <a:solidFill>
-                  <a:schemeClr val="accent5">
-                    <a:lumMod val="50000"/>
-                  </a:schemeClr>
-                </a:solidFill>
-              </a:rPr>
-              <a:t>UI/UX </a:t>
-            </a:r>
-            <a:r>
-              <a:rPr lang="ko-KR" altLang="en-US" dirty="0" smtClean="0">
-                <a:solidFill>
-                  <a:schemeClr val="accent5">
-                    <a:lumMod val="50000"/>
-                  </a:schemeClr>
-                </a:solidFill>
-              </a:rPr>
-              <a:t>구현</a:t>
-            </a:r>
-            <a:endParaRPr lang="ko-KR" altLang="en-US" dirty="0">
-              <a:solidFill>
-                <a:schemeClr val="accent5">
-                  <a:lumMod val="50000"/>
-                </a:schemeClr>
-              </a:solidFill>
-            </a:endParaRPr>
-          </a:p>
-        </p:txBody>
-      </p:sp>
     </p:spTree>
     <p:extLst>
       <p:ext uri="{BB962C8B-B14F-4D97-AF65-F5344CB8AC3E}">
-        <p14:creationId xmlns:p14="http://schemas.microsoft.com/office/powerpoint/2010/main" val="1973067158"/>
+        <p14:creationId xmlns:p14="http://schemas.microsoft.com/office/powerpoint/2010/main" val="3416253565"/>
       </p:ext>
     </p:extLst>
   </p:cSld>
@@ -11413,19 +12901,7 @@
                 <a:latin typeface="나눔고딕 ExtraBold" panose="020D0904000000000000" pitchFamily="50" charset="-127"/>
                 <a:ea typeface="나눔고딕 ExtraBold" panose="020D0904000000000000" pitchFamily="50" charset="-127"/>
               </a:rPr>
-              <a:t>프로젝트 </a:t>
-            </a:r>
-            <a:r>
-              <a:rPr lang="ko-KR" altLang="en-US" sz="5000" dirty="0" err="1" smtClean="0">
-                <a:solidFill>
-                  <a:schemeClr val="accent5">
-                    <a:lumMod val="50000"/>
-                  </a:schemeClr>
-                </a:solidFill>
-                <a:latin typeface="나눔고딕 ExtraBold" panose="020D0904000000000000" pitchFamily="50" charset="-127"/>
-                <a:ea typeface="나눔고딕 ExtraBold" panose="020D0904000000000000" pitchFamily="50" charset="-127"/>
-              </a:rPr>
-              <a:t>수행절차</a:t>
+              <a:t>구성원 소개</a:t>
             </a:r>
             <a:endParaRPr lang="en-US" sz="5000" dirty="0">
               <a:solidFill>
@@ -11491,7 +12967,7 @@
     </p:spTree>
     <p:extLst>
       <p:ext uri="{BB962C8B-B14F-4D97-AF65-F5344CB8AC3E}">
-        <p14:creationId xmlns:p14="http://schemas.microsoft.com/office/powerpoint/2010/main" val="852776922"/>
+        <p14:creationId xmlns:p14="http://schemas.microsoft.com/office/powerpoint/2010/main" val="147813392"/>
       </p:ext>
     </p:extLst>
   </p:cSld>
@@ -11640,13 +13116,13 @@
       </p:grpSp>
       <p:sp>
         <p:nvSpPr>
-          <p:cNvPr id="71" name="Text 2"/>
+          <p:cNvPr id="17" name="Text 2"/>
           <p:cNvSpPr/>
           <p:nvPr/>
         </p:nvSpPr>
         <p:spPr>
           <a:xfrm>
-            <a:off x="1115653" y="510855"/>
+            <a:off x="586827" y="510855"/>
             <a:ext cx="4443889" cy="694373"/>
           </a:xfrm>
           <a:prstGeom prst="rect">
@@ -11659,10 +13135,11 @@
           <a:bodyPr wrap="none" rtlCol="0" anchor="t"/>
           <a:lstStyle/>
           <a:p>
-            <a:pPr algn="ctr">
+            <a:pPr indent="0" algn="ctr">
               <a:lnSpc>
                 <a:spcPts val="5468"/>
               </a:lnSpc>
+              <a:buNone/>
             </a:pPr>
             <a:r>
               <a:rPr lang="ko-KR" altLang="en-US" sz="4370" dirty="0">
@@ -11674,19 +13151,7 @@
                 <a:latin typeface="나눔고딕 ExtraBold" panose="020D0904000000000000" pitchFamily="50" charset="-127"/>
                 <a:ea typeface="나눔고딕 ExtraBold" panose="020D0904000000000000" pitchFamily="50" charset="-127"/>
               </a:rPr>
-              <a:t>프로젝트 </a:t>
-            </a:r>
-            <a:r>
-              <a:rPr lang="ko-KR" altLang="en-US" sz="4370" dirty="0" err="1">
-                <a:solidFill>
-                  <a:schemeClr val="accent5">
-                    <a:lumMod val="50000"/>
-                  </a:schemeClr>
-                </a:solidFill>
-                <a:latin typeface="나눔고딕 ExtraBold" panose="020D0904000000000000" pitchFamily="50" charset="-127"/>
-                <a:ea typeface="나눔고딕 ExtraBold" panose="020D0904000000000000" pitchFamily="50" charset="-127"/>
-              </a:rPr>
-              <a:t>수행절차</a:t>
+              <a:t>구성원 소개</a:t>
             </a:r>
             <a:endParaRPr lang="en-US" sz="4370" dirty="0">
               <a:solidFill>
@@ -11702,14 +13167,14 @@
       </p:sp>
       <p:sp>
         <p:nvSpPr>
-          <p:cNvPr id="72" name="Shape 3"/>
+          <p:cNvPr id="18" name="Shape 3"/>
           <p:cNvSpPr/>
           <p:nvPr/>
         </p:nvSpPr>
         <p:spPr>
           <a:xfrm rot="16200000">
-            <a:off x="3285297" y="-1818376"/>
-            <a:ext cx="104602" cy="6151811"/>
+            <a:off x="2765462" y="-1298542"/>
+            <a:ext cx="86618" cy="5094159"/>
           </a:xfrm>
           <a:prstGeom prst="rect">
             <a:avLst/>
@@ -11722,384 +13187,476 @@
       </p:sp>
       <p:sp>
         <p:nvSpPr>
-          <p:cNvPr id="7" name="Shape 3"/>
+          <p:cNvPr id="22" name="타원 21"/>
           <p:cNvSpPr/>
           <p:nvPr/>
         </p:nvSpPr>
         <p:spPr>
-          <a:xfrm rot="16200000" flipH="1">
-            <a:off x="7271888" y="-3200401"/>
-            <a:ext cx="86623" cy="14630401"/>
+          <a:xfrm>
+            <a:off x="4580403" y="3067963"/>
+            <a:ext cx="2180294" cy="2180294"/>
           </a:xfrm>
-          <a:prstGeom prst="rect">
+          <a:prstGeom prst="ellipse">
             <a:avLst/>
           </a:prstGeom>
           <a:solidFill>
-            <a:srgbClr val="E7EDF9"/>
+            <a:schemeClr val="accent5">
+              <a:lumMod val="20000"/>
+              <a:lumOff val="80000"/>
+            </a:schemeClr>
           </a:solidFill>
-          <a:ln/>
+          <a:ln>
+            <a:noFill/>
+          </a:ln>
         </p:spPr>
-      </p:sp>
-      <p:grpSp>
-        <p:nvGrpSpPr>
-          <p:cNvPr id="2" name="그룹 1"/>
-          <p:cNvGrpSpPr/>
+        <p:style>
+          <a:lnRef idx="2">
+            <a:schemeClr val="accent1">
+              <a:shade val="50000"/>
+            </a:schemeClr>
+          </a:lnRef>
+          <a:fillRef idx="1">
+            <a:schemeClr val="accent1"/>
+          </a:fillRef>
+          <a:effectRef idx="0">
+            <a:schemeClr val="accent1"/>
+          </a:effectRef>
+          <a:fontRef idx="minor">
+            <a:schemeClr val="lt1"/>
+          </a:fontRef>
+        </p:style>
+        <p:txBody>
+          <a:bodyPr rtlCol="0" anchor="ctr"/>
+          <a:lstStyle/>
+          <a:p>
+            <a:pPr algn="ctr"/>
+            <a:r>
+              <a:rPr lang="ko-KR" altLang="en-US" sz="2400" b="1" dirty="0" err="1">
+                <a:solidFill>
+                  <a:schemeClr val="accent5">
+                    <a:lumMod val="50000"/>
+                  </a:schemeClr>
+                </a:solidFill>
+                <a:latin typeface="나눔고딕" panose="020D0604000000000000" pitchFamily="50" charset="-127"/>
+                <a:ea typeface="나눔고딕" panose="020D0604000000000000" pitchFamily="50" charset="-127"/>
+              </a:rPr>
+              <a:t>이현오</a:t>
+            </a:r>
+            <a:endParaRPr lang="ko-KR" altLang="en-US" sz="2400" b="1" dirty="0">
+              <a:solidFill>
+                <a:schemeClr val="accent5">
+                  <a:lumMod val="50000"/>
+                </a:schemeClr>
+              </a:solidFill>
+              <a:latin typeface="나눔고딕" panose="020D0604000000000000" pitchFamily="50" charset="-127"/>
+              <a:ea typeface="나눔고딕" panose="020D0604000000000000" pitchFamily="50" charset="-127"/>
+            </a:endParaRPr>
+          </a:p>
+        </p:txBody>
+      </p:sp>
+      <p:sp>
+        <p:nvSpPr>
+          <p:cNvPr id="23" name="타원 22"/>
+          <p:cNvSpPr/>
           <p:nvPr/>
-        </p:nvGrpSpPr>
-        <p:grpSpPr>
+        </p:nvSpPr>
+        <p:spPr>
           <a:xfrm>
-            <a:off x="596405" y="3207703"/>
-            <a:ext cx="13437590" cy="1814194"/>
-            <a:chOff x="436373" y="2257293"/>
-            <a:chExt cx="13437590" cy="1814194"/>
+            <a:off x="4580403" y="2981344"/>
+            <a:ext cx="815028" cy="787400"/>
           </a:xfrm>
-        </p:grpSpPr>
-        <p:sp>
-          <p:nvSpPr>
-            <p:cNvPr id="8" name="타원 7"/>
-            <p:cNvSpPr/>
-            <p:nvPr/>
-          </p:nvSpPr>
-          <p:spPr>
-            <a:xfrm>
-              <a:off x="436373" y="2257293"/>
-              <a:ext cx="1877850" cy="1814194"/>
-            </a:xfrm>
-            <a:prstGeom prst="ellipse">
-              <a:avLst/>
-            </a:prstGeom>
-            <a:solidFill>
-              <a:schemeClr val="accent5">
-                <a:lumMod val="60000"/>
-                <a:lumOff val="40000"/>
-              </a:schemeClr>
-            </a:solidFill>
-            <a:ln>
-              <a:noFill/>
-            </a:ln>
-          </p:spPr>
-          <p:style>
-            <a:lnRef idx="2">
-              <a:schemeClr val="accent1">
-                <a:shade val="50000"/>
-              </a:schemeClr>
-            </a:lnRef>
-            <a:fillRef idx="1">
-              <a:schemeClr val="accent1"/>
-            </a:fillRef>
-            <a:effectRef idx="0">
-              <a:schemeClr val="accent1"/>
-            </a:effectRef>
-            <a:fontRef idx="minor">
-              <a:schemeClr val="lt1"/>
-            </a:fontRef>
-          </p:style>
-          <p:txBody>
-            <a:bodyPr rtlCol="0" anchor="ctr"/>
-            <a:lstStyle/>
-            <a:p>
-              <a:pPr algn="ctr"/>
-              <a:r>
-                <a:rPr lang="en-US" altLang="ko-KR" sz="2500" dirty="0">
-                  <a:solidFill>
-                    <a:schemeClr val="accent5">
-                      <a:lumMod val="50000"/>
-                    </a:schemeClr>
-                  </a:solidFill>
-                  <a:latin typeface="나눔고딕 ExtraBold" panose="020D0904000000000000" pitchFamily="50" charset="-127"/>
-                  <a:ea typeface="나눔고딕 ExtraBold" panose="020D0904000000000000" pitchFamily="50" charset="-127"/>
-                </a:rPr>
-                <a:t>9/12</a:t>
-              </a:r>
-              <a:endParaRPr lang="ko-KR" altLang="en-US" sz="2500" dirty="0">
-                <a:solidFill>
-                  <a:schemeClr val="accent5">
-                    <a:lumMod val="50000"/>
-                  </a:schemeClr>
-                </a:solidFill>
-                <a:latin typeface="나눔고딕 ExtraBold" panose="020D0904000000000000" pitchFamily="50" charset="-127"/>
-                <a:ea typeface="나눔고딕 ExtraBold" panose="020D0904000000000000" pitchFamily="50" charset="-127"/>
-              </a:endParaRPr>
-            </a:p>
-          </p:txBody>
-        </p:sp>
-        <p:sp>
-          <p:nvSpPr>
-            <p:cNvPr id="17" name="타원 16"/>
-            <p:cNvSpPr/>
-            <p:nvPr/>
-          </p:nvSpPr>
-          <p:spPr>
-            <a:xfrm>
-              <a:off x="3326308" y="2257293"/>
-              <a:ext cx="1877850" cy="1814194"/>
-            </a:xfrm>
-            <a:prstGeom prst="ellipse">
-              <a:avLst/>
-            </a:prstGeom>
-            <a:solidFill>
-              <a:schemeClr val="accent5">
-                <a:lumMod val="60000"/>
-                <a:lumOff val="40000"/>
-              </a:schemeClr>
-            </a:solidFill>
-            <a:ln>
-              <a:noFill/>
-            </a:ln>
-          </p:spPr>
-          <p:style>
-            <a:lnRef idx="2">
-              <a:schemeClr val="accent1">
-                <a:shade val="50000"/>
-              </a:schemeClr>
-            </a:lnRef>
-            <a:fillRef idx="1">
-              <a:schemeClr val="accent1"/>
-            </a:fillRef>
-            <a:effectRef idx="0">
-              <a:schemeClr val="accent1"/>
-            </a:effectRef>
-            <a:fontRef idx="minor">
-              <a:schemeClr val="lt1"/>
-            </a:fontRef>
-          </p:style>
-          <p:txBody>
-            <a:bodyPr rtlCol="0" anchor="ctr"/>
-            <a:lstStyle/>
-            <a:p>
-              <a:pPr algn="ctr"/>
-              <a:r>
-                <a:rPr lang="en-US" altLang="ko-KR" sz="2500" dirty="0">
-                  <a:solidFill>
-                    <a:schemeClr val="accent5">
-                      <a:lumMod val="50000"/>
-                    </a:schemeClr>
-                  </a:solidFill>
-                  <a:latin typeface="나눔고딕 ExtraBold" panose="020D0904000000000000" pitchFamily="50" charset="-127"/>
-                  <a:ea typeface="나눔고딕 ExtraBold" panose="020D0904000000000000" pitchFamily="50" charset="-127"/>
-                </a:rPr>
-                <a:t>9/14</a:t>
-              </a:r>
-              <a:endParaRPr lang="ko-KR" altLang="en-US" sz="2500" dirty="0">
-                <a:solidFill>
-                  <a:schemeClr val="accent5">
-                    <a:lumMod val="50000"/>
-                  </a:schemeClr>
-                </a:solidFill>
-                <a:latin typeface="나눔고딕 ExtraBold" panose="020D0904000000000000" pitchFamily="50" charset="-127"/>
-                <a:ea typeface="나눔고딕 ExtraBold" panose="020D0904000000000000" pitchFamily="50" charset="-127"/>
-              </a:endParaRPr>
-            </a:p>
-          </p:txBody>
-        </p:sp>
-        <p:sp>
-          <p:nvSpPr>
-            <p:cNvPr id="18" name="타원 17"/>
-            <p:cNvSpPr/>
-            <p:nvPr/>
-          </p:nvSpPr>
-          <p:spPr>
-            <a:xfrm>
-              <a:off x="6216243" y="2257293"/>
-              <a:ext cx="1877850" cy="1814194"/>
-            </a:xfrm>
-            <a:prstGeom prst="ellipse">
-              <a:avLst/>
-            </a:prstGeom>
-            <a:solidFill>
-              <a:schemeClr val="accent5">
-                <a:lumMod val="60000"/>
-                <a:lumOff val="40000"/>
-              </a:schemeClr>
-            </a:solidFill>
-            <a:ln>
-              <a:noFill/>
-            </a:ln>
-          </p:spPr>
-          <p:style>
-            <a:lnRef idx="2">
-              <a:schemeClr val="accent1">
-                <a:shade val="50000"/>
-              </a:schemeClr>
-            </a:lnRef>
-            <a:fillRef idx="1">
-              <a:schemeClr val="accent1"/>
-            </a:fillRef>
-            <a:effectRef idx="0">
-              <a:schemeClr val="accent1"/>
-            </a:effectRef>
-            <a:fontRef idx="minor">
-              <a:schemeClr val="lt1"/>
-            </a:fontRef>
-          </p:style>
-          <p:txBody>
-            <a:bodyPr rtlCol="0" anchor="ctr"/>
-            <a:lstStyle/>
-            <a:p>
-              <a:pPr algn="ctr"/>
-              <a:r>
-                <a:rPr lang="en-US" altLang="ko-KR" sz="2500" dirty="0">
-                  <a:solidFill>
-                    <a:schemeClr val="accent5">
-                      <a:lumMod val="50000"/>
-                    </a:schemeClr>
-                  </a:solidFill>
-                  <a:latin typeface="나눔고딕 ExtraBold" panose="020D0904000000000000" pitchFamily="50" charset="-127"/>
-                  <a:ea typeface="나눔고딕 ExtraBold" panose="020D0904000000000000" pitchFamily="50" charset="-127"/>
-                </a:rPr>
-                <a:t>9/16</a:t>
-              </a:r>
-              <a:endParaRPr lang="ko-KR" altLang="en-US" sz="2500" dirty="0">
-                <a:solidFill>
-                  <a:schemeClr val="accent5">
-                    <a:lumMod val="50000"/>
-                  </a:schemeClr>
-                </a:solidFill>
-                <a:latin typeface="나눔고딕 ExtraBold" panose="020D0904000000000000" pitchFamily="50" charset="-127"/>
-                <a:ea typeface="나눔고딕 ExtraBold" panose="020D0904000000000000" pitchFamily="50" charset="-127"/>
-              </a:endParaRPr>
-            </a:p>
-          </p:txBody>
-        </p:sp>
-        <p:sp>
-          <p:nvSpPr>
-            <p:cNvPr id="19" name="타원 18"/>
-            <p:cNvSpPr/>
-            <p:nvPr/>
-          </p:nvSpPr>
-          <p:spPr>
-            <a:xfrm>
-              <a:off x="9106178" y="2257293"/>
-              <a:ext cx="1877850" cy="1814194"/>
-            </a:xfrm>
-            <a:prstGeom prst="ellipse">
-              <a:avLst/>
-            </a:prstGeom>
-            <a:solidFill>
-              <a:schemeClr val="accent5">
-                <a:lumMod val="60000"/>
-                <a:lumOff val="40000"/>
-              </a:schemeClr>
-            </a:solidFill>
-            <a:ln>
-              <a:noFill/>
-            </a:ln>
-          </p:spPr>
-          <p:style>
-            <a:lnRef idx="2">
-              <a:schemeClr val="accent1">
-                <a:shade val="50000"/>
-              </a:schemeClr>
-            </a:lnRef>
-            <a:fillRef idx="1">
-              <a:schemeClr val="accent1"/>
-            </a:fillRef>
-            <a:effectRef idx="0">
-              <a:schemeClr val="accent1"/>
-            </a:effectRef>
-            <a:fontRef idx="minor">
-              <a:schemeClr val="lt1"/>
-            </a:fontRef>
-          </p:style>
-          <p:txBody>
-            <a:bodyPr rtlCol="0" anchor="ctr"/>
-            <a:lstStyle/>
-            <a:p>
-              <a:pPr algn="ctr"/>
-              <a:r>
-                <a:rPr lang="en-US" altLang="ko-KR" sz="2500" dirty="0" smtClean="0">
-                  <a:solidFill>
-                    <a:schemeClr val="accent5">
-                      <a:lumMod val="50000"/>
-                    </a:schemeClr>
-                  </a:solidFill>
-                  <a:latin typeface="나눔고딕 ExtraBold" panose="020D0904000000000000" pitchFamily="50" charset="-127"/>
-                  <a:ea typeface="나눔고딕 ExtraBold" panose="020D0904000000000000" pitchFamily="50" charset="-127"/>
-                </a:rPr>
-                <a:t>9/19</a:t>
-              </a:r>
-              <a:endParaRPr lang="ko-KR" altLang="en-US" sz="2500" dirty="0">
-                <a:solidFill>
-                  <a:schemeClr val="accent5">
-                    <a:lumMod val="50000"/>
-                  </a:schemeClr>
-                </a:solidFill>
-                <a:latin typeface="나눔고딕 ExtraBold" panose="020D0904000000000000" pitchFamily="50" charset="-127"/>
-                <a:ea typeface="나눔고딕 ExtraBold" panose="020D0904000000000000" pitchFamily="50" charset="-127"/>
-              </a:endParaRPr>
-            </a:p>
-          </p:txBody>
-        </p:sp>
-        <p:sp>
-          <p:nvSpPr>
-            <p:cNvPr id="20" name="타원 19"/>
-            <p:cNvSpPr/>
-            <p:nvPr/>
-          </p:nvSpPr>
-          <p:spPr>
-            <a:xfrm>
-              <a:off x="11996113" y="2257293"/>
-              <a:ext cx="1877850" cy="1814194"/>
-            </a:xfrm>
-            <a:prstGeom prst="ellipse">
-              <a:avLst/>
-            </a:prstGeom>
-            <a:solidFill>
-              <a:schemeClr val="accent5">
-                <a:lumMod val="60000"/>
-                <a:lumOff val="40000"/>
-              </a:schemeClr>
-            </a:solidFill>
-            <a:ln>
-              <a:noFill/>
-            </a:ln>
-          </p:spPr>
-          <p:style>
-            <a:lnRef idx="2">
-              <a:schemeClr val="accent1">
-                <a:shade val="50000"/>
-              </a:schemeClr>
-            </a:lnRef>
-            <a:fillRef idx="1">
-              <a:schemeClr val="accent1"/>
-            </a:fillRef>
-            <a:effectRef idx="0">
-              <a:schemeClr val="accent1"/>
-            </a:effectRef>
-            <a:fontRef idx="minor">
-              <a:schemeClr val="lt1"/>
-            </a:fontRef>
-          </p:style>
-          <p:txBody>
-            <a:bodyPr rtlCol="0" anchor="ctr"/>
-            <a:lstStyle/>
-            <a:p>
-              <a:pPr algn="ctr"/>
-              <a:r>
-                <a:rPr lang="en-US" altLang="ko-KR" sz="2500" dirty="0">
-                  <a:solidFill>
-                    <a:schemeClr val="accent5">
-                      <a:lumMod val="50000"/>
-                    </a:schemeClr>
-                  </a:solidFill>
-                  <a:latin typeface="나눔고딕 ExtraBold" panose="020D0904000000000000" pitchFamily="50" charset="-127"/>
-                  <a:ea typeface="나눔고딕 ExtraBold" panose="020D0904000000000000" pitchFamily="50" charset="-127"/>
-                </a:rPr>
-                <a:t>9/20</a:t>
-              </a:r>
-              <a:endParaRPr lang="ko-KR" altLang="en-US" sz="2500" dirty="0">
-                <a:solidFill>
-                  <a:schemeClr val="accent5">
-                    <a:lumMod val="50000"/>
-                  </a:schemeClr>
-                </a:solidFill>
-                <a:latin typeface="나눔고딕 ExtraBold" panose="020D0904000000000000" pitchFamily="50" charset="-127"/>
-                <a:ea typeface="나눔고딕 ExtraBold" panose="020D0904000000000000" pitchFamily="50" charset="-127"/>
-              </a:endParaRPr>
-            </a:p>
-          </p:txBody>
-        </p:sp>
-      </p:grpSp>
+          <a:prstGeom prst="ellipse">
+            <a:avLst/>
+          </a:prstGeom>
+          <a:solidFill>
+            <a:schemeClr val="accent5">
+              <a:lumMod val="60000"/>
+              <a:lumOff val="40000"/>
+            </a:schemeClr>
+          </a:solidFill>
+          <a:ln>
+            <a:noFill/>
+          </a:ln>
+        </p:spPr>
+        <p:style>
+          <a:lnRef idx="2">
+            <a:schemeClr val="accent1">
+              <a:shade val="50000"/>
+            </a:schemeClr>
+          </a:lnRef>
+          <a:fillRef idx="1">
+            <a:schemeClr val="accent1"/>
+          </a:fillRef>
+          <a:effectRef idx="0">
+            <a:schemeClr val="accent1"/>
+          </a:effectRef>
+          <a:fontRef idx="minor">
+            <a:schemeClr val="lt1"/>
+          </a:fontRef>
+        </p:style>
+        <p:txBody>
+          <a:bodyPr rtlCol="0" anchor="ctr"/>
+          <a:lstStyle/>
+          <a:p>
+            <a:pPr algn="ctr"/>
+            <a:endParaRPr lang="ko-KR" altLang="en-US"/>
+          </a:p>
+        </p:txBody>
+      </p:sp>
+      <p:sp>
+        <p:nvSpPr>
+          <p:cNvPr id="24" name="타원 23"/>
+          <p:cNvSpPr/>
+          <p:nvPr/>
+        </p:nvSpPr>
+        <p:spPr>
+          <a:xfrm>
+            <a:off x="7869703" y="3067963"/>
+            <a:ext cx="2180294" cy="2180294"/>
+          </a:xfrm>
+          <a:prstGeom prst="ellipse">
+            <a:avLst/>
+          </a:prstGeom>
+          <a:solidFill>
+            <a:schemeClr val="accent5">
+              <a:lumMod val="20000"/>
+              <a:lumOff val="80000"/>
+            </a:schemeClr>
+          </a:solidFill>
+          <a:ln>
+            <a:noFill/>
+          </a:ln>
+        </p:spPr>
+        <p:style>
+          <a:lnRef idx="2">
+            <a:schemeClr val="accent1">
+              <a:shade val="50000"/>
+            </a:schemeClr>
+          </a:lnRef>
+          <a:fillRef idx="1">
+            <a:schemeClr val="accent1"/>
+          </a:fillRef>
+          <a:effectRef idx="0">
+            <a:schemeClr val="accent1"/>
+          </a:effectRef>
+          <a:fontRef idx="minor">
+            <a:schemeClr val="lt1"/>
+          </a:fontRef>
+        </p:style>
+        <p:txBody>
+          <a:bodyPr rtlCol="0" anchor="ctr"/>
+          <a:lstStyle/>
+          <a:p>
+            <a:pPr algn="ctr"/>
+            <a:r>
+              <a:rPr lang="ko-KR" altLang="en-US" sz="2400" b="1" dirty="0" err="1">
+                <a:solidFill>
+                  <a:schemeClr val="accent5">
+                    <a:lumMod val="50000"/>
+                  </a:schemeClr>
+                </a:solidFill>
+                <a:latin typeface="나눔고딕" panose="020D0604000000000000" pitchFamily="50" charset="-127"/>
+                <a:ea typeface="나눔고딕" panose="020D0604000000000000" pitchFamily="50" charset="-127"/>
+              </a:rPr>
+              <a:t>정인혁</a:t>
+            </a:r>
+            <a:endParaRPr lang="ko-KR" altLang="en-US" sz="2400" b="1" dirty="0">
+              <a:solidFill>
+                <a:schemeClr val="accent5">
+                  <a:lumMod val="50000"/>
+                </a:schemeClr>
+              </a:solidFill>
+              <a:latin typeface="나눔고딕" panose="020D0604000000000000" pitchFamily="50" charset="-127"/>
+              <a:ea typeface="나눔고딕" panose="020D0604000000000000" pitchFamily="50" charset="-127"/>
+            </a:endParaRPr>
+          </a:p>
+        </p:txBody>
+      </p:sp>
+      <p:sp>
+        <p:nvSpPr>
+          <p:cNvPr id="25" name="타원 24"/>
+          <p:cNvSpPr/>
+          <p:nvPr/>
+        </p:nvSpPr>
+        <p:spPr>
+          <a:xfrm>
+            <a:off x="7869703" y="2981344"/>
+            <a:ext cx="815028" cy="787400"/>
+          </a:xfrm>
+          <a:prstGeom prst="ellipse">
+            <a:avLst/>
+          </a:prstGeom>
+          <a:solidFill>
+            <a:schemeClr val="accent5">
+              <a:lumMod val="60000"/>
+              <a:lumOff val="40000"/>
+            </a:schemeClr>
+          </a:solidFill>
+          <a:ln>
+            <a:noFill/>
+          </a:ln>
+        </p:spPr>
+        <p:style>
+          <a:lnRef idx="2">
+            <a:schemeClr val="accent1">
+              <a:shade val="50000"/>
+            </a:schemeClr>
+          </a:lnRef>
+          <a:fillRef idx="1">
+            <a:schemeClr val="accent1"/>
+          </a:fillRef>
+          <a:effectRef idx="0">
+            <a:schemeClr val="accent1"/>
+          </a:effectRef>
+          <a:fontRef idx="minor">
+            <a:schemeClr val="lt1"/>
+          </a:fontRef>
+        </p:style>
+        <p:txBody>
+          <a:bodyPr rtlCol="0" anchor="ctr"/>
+          <a:lstStyle/>
+          <a:p>
+            <a:pPr algn="ctr"/>
+            <a:endParaRPr lang="ko-KR" altLang="en-US"/>
+          </a:p>
+        </p:txBody>
+      </p:sp>
+      <p:sp>
+        <p:nvSpPr>
+          <p:cNvPr id="26" name="타원 25"/>
+          <p:cNvSpPr/>
+          <p:nvPr/>
+        </p:nvSpPr>
+        <p:spPr>
+          <a:xfrm>
+            <a:off x="11159003" y="3067963"/>
+            <a:ext cx="2180294" cy="2180294"/>
+          </a:xfrm>
+          <a:prstGeom prst="ellipse">
+            <a:avLst/>
+          </a:prstGeom>
+          <a:solidFill>
+            <a:schemeClr val="accent5">
+              <a:lumMod val="20000"/>
+              <a:lumOff val="80000"/>
+            </a:schemeClr>
+          </a:solidFill>
+          <a:ln>
+            <a:noFill/>
+          </a:ln>
+        </p:spPr>
+        <p:style>
+          <a:lnRef idx="2">
+            <a:schemeClr val="accent1">
+              <a:shade val="50000"/>
+            </a:schemeClr>
+          </a:lnRef>
+          <a:fillRef idx="1">
+            <a:schemeClr val="accent1"/>
+          </a:fillRef>
+          <a:effectRef idx="0">
+            <a:schemeClr val="accent1"/>
+          </a:effectRef>
+          <a:fontRef idx="minor">
+            <a:schemeClr val="lt1"/>
+          </a:fontRef>
+        </p:style>
+        <p:txBody>
+          <a:bodyPr rtlCol="0" anchor="ctr"/>
+          <a:lstStyle/>
+          <a:p>
+            <a:pPr algn="ctr"/>
+            <a:r>
+              <a:rPr lang="ko-KR" altLang="en-US" sz="2400" b="1" dirty="0" err="1">
+                <a:solidFill>
+                  <a:schemeClr val="accent5">
+                    <a:lumMod val="50000"/>
+                  </a:schemeClr>
+                </a:solidFill>
+                <a:latin typeface="나눔고딕" panose="020D0604000000000000" pitchFamily="50" charset="-127"/>
+                <a:ea typeface="나눔고딕" panose="020D0604000000000000" pitchFamily="50" charset="-127"/>
+              </a:rPr>
+              <a:t>홍주환</a:t>
+            </a:r>
+            <a:endParaRPr lang="ko-KR" altLang="en-US" sz="2400" b="1" dirty="0">
+              <a:solidFill>
+                <a:schemeClr val="accent5">
+                  <a:lumMod val="50000"/>
+                </a:schemeClr>
+              </a:solidFill>
+              <a:latin typeface="나눔고딕" panose="020D0604000000000000" pitchFamily="50" charset="-127"/>
+              <a:ea typeface="나눔고딕" panose="020D0604000000000000" pitchFamily="50" charset="-127"/>
+            </a:endParaRPr>
+          </a:p>
+        </p:txBody>
+      </p:sp>
+      <p:sp>
+        <p:nvSpPr>
+          <p:cNvPr id="27" name="타원 26"/>
+          <p:cNvSpPr/>
+          <p:nvPr/>
+        </p:nvSpPr>
+        <p:spPr>
+          <a:xfrm>
+            <a:off x="11159003" y="2981344"/>
+            <a:ext cx="815028" cy="787400"/>
+          </a:xfrm>
+          <a:prstGeom prst="ellipse">
+            <a:avLst/>
+          </a:prstGeom>
+          <a:solidFill>
+            <a:schemeClr val="accent5">
+              <a:lumMod val="60000"/>
+              <a:lumOff val="40000"/>
+            </a:schemeClr>
+          </a:solidFill>
+          <a:ln>
+            <a:noFill/>
+          </a:ln>
+        </p:spPr>
+        <p:style>
+          <a:lnRef idx="2">
+            <a:schemeClr val="accent1">
+              <a:shade val="50000"/>
+            </a:schemeClr>
+          </a:lnRef>
+          <a:fillRef idx="1">
+            <a:schemeClr val="accent1"/>
+          </a:fillRef>
+          <a:effectRef idx="0">
+            <a:schemeClr val="accent1"/>
+          </a:effectRef>
+          <a:fontRef idx="minor">
+            <a:schemeClr val="lt1"/>
+          </a:fontRef>
+        </p:style>
+        <p:txBody>
+          <a:bodyPr rtlCol="0" anchor="ctr"/>
+          <a:lstStyle/>
+          <a:p>
+            <a:pPr algn="ctr"/>
+            <a:endParaRPr lang="ko-KR" altLang="en-US"/>
+          </a:p>
+        </p:txBody>
+      </p:sp>
+      <p:sp>
+        <p:nvSpPr>
+          <p:cNvPr id="15" name="타원 14"/>
+          <p:cNvSpPr/>
+          <p:nvPr/>
+        </p:nvSpPr>
+        <p:spPr>
+          <a:xfrm>
+            <a:off x="1291103" y="3067963"/>
+            <a:ext cx="2180294" cy="2180294"/>
+          </a:xfrm>
+          <a:prstGeom prst="ellipse">
+            <a:avLst/>
+          </a:prstGeom>
+          <a:solidFill>
+            <a:schemeClr val="accent5">
+              <a:lumMod val="20000"/>
+              <a:lumOff val="80000"/>
+            </a:schemeClr>
+          </a:solidFill>
+          <a:ln>
+            <a:noFill/>
+          </a:ln>
+        </p:spPr>
+        <p:style>
+          <a:lnRef idx="2">
+            <a:schemeClr val="accent1">
+              <a:shade val="50000"/>
+            </a:schemeClr>
+          </a:lnRef>
+          <a:fillRef idx="1">
+            <a:schemeClr val="accent1"/>
+          </a:fillRef>
+          <a:effectRef idx="0">
+            <a:schemeClr val="accent1"/>
+          </a:effectRef>
+          <a:fontRef idx="minor">
+            <a:schemeClr val="lt1"/>
+          </a:fontRef>
+        </p:style>
+        <p:txBody>
+          <a:bodyPr rtlCol="0" anchor="ctr"/>
+          <a:lstStyle/>
+          <a:p>
+            <a:pPr algn="ctr"/>
+            <a:r>
+              <a:rPr lang="ko-KR" altLang="en-US" sz="2400" b="1" dirty="0" smtClean="0">
+                <a:solidFill>
+                  <a:schemeClr val="accent5">
+                    <a:lumMod val="50000"/>
+                  </a:schemeClr>
+                </a:solidFill>
+                <a:latin typeface="나눔고딕" panose="020D0604000000000000" pitchFamily="50" charset="-127"/>
+                <a:ea typeface="나눔고딕" panose="020D0604000000000000" pitchFamily="50" charset="-127"/>
+              </a:rPr>
+              <a:t>장광수</a:t>
+            </a:r>
+            <a:endParaRPr lang="ko-KR" altLang="en-US" sz="2400" b="1" dirty="0">
+              <a:solidFill>
+                <a:schemeClr val="accent5">
+                  <a:lumMod val="50000"/>
+                </a:schemeClr>
+              </a:solidFill>
+              <a:latin typeface="나눔고딕" panose="020D0604000000000000" pitchFamily="50" charset="-127"/>
+              <a:ea typeface="나눔고딕" panose="020D0604000000000000" pitchFamily="50" charset="-127"/>
+            </a:endParaRPr>
+          </a:p>
+        </p:txBody>
+      </p:sp>
+      <p:sp>
+        <p:nvSpPr>
+          <p:cNvPr id="19" name="타원 18"/>
+          <p:cNvSpPr/>
+          <p:nvPr/>
+        </p:nvSpPr>
+        <p:spPr>
+          <a:xfrm>
+            <a:off x="1291103" y="2981344"/>
+            <a:ext cx="815028" cy="787400"/>
+          </a:xfrm>
+          <a:prstGeom prst="ellipse">
+            <a:avLst/>
+          </a:prstGeom>
+          <a:solidFill>
+            <a:schemeClr val="accent5">
+              <a:lumMod val="60000"/>
+              <a:lumOff val="40000"/>
+            </a:schemeClr>
+          </a:solidFill>
+          <a:ln>
+            <a:noFill/>
+          </a:ln>
+        </p:spPr>
+        <p:style>
+          <a:lnRef idx="2">
+            <a:schemeClr val="accent1">
+              <a:shade val="50000"/>
+            </a:schemeClr>
+          </a:lnRef>
+          <a:fillRef idx="1">
+            <a:schemeClr val="accent1"/>
+          </a:fillRef>
+          <a:effectRef idx="0">
+            <a:schemeClr val="accent1"/>
+          </a:effectRef>
+          <a:fontRef idx="minor">
+            <a:schemeClr val="lt1"/>
+          </a:fontRef>
+        </p:style>
+        <p:txBody>
+          <a:bodyPr rtlCol="0" anchor="ctr"/>
+          <a:lstStyle/>
+          <a:p>
+            <a:pPr algn="ctr"/>
+            <a:endParaRPr lang="ko-KR" altLang="en-US"/>
+          </a:p>
+        </p:txBody>
+      </p:sp>
       <p:sp>
         <p:nvSpPr>
           <p:cNvPr id="3" name="직사각형 2"/>
@@ -12108,15 +13665,17 @@
         </p:nvSpPr>
         <p:spPr>
           <a:xfrm>
-            <a:off x="180724" y="5178175"/>
-            <a:ext cx="2709212" cy="965771"/>
+            <a:off x="1079500" y="2532743"/>
+            <a:ext cx="2603500" cy="3403600"/>
           </a:xfrm>
           <a:prstGeom prst="rect">
             <a:avLst/>
           </a:prstGeom>
           <a:noFill/>
           <a:ln>
-            <a:noFill/>
+            <a:solidFill>
+              <a:schemeClr val="accent5"/>
+            </a:solidFill>
           </a:ln>
         </p:spPr>
         <p:style>
@@ -12137,111 +13696,26 @@
           <a:bodyPr rtlCol="0" anchor="ctr"/>
           <a:lstStyle/>
           <a:p>
-            <a:pPr indent="-285750">
-              <a:buFont typeface="Arial" panose="020B0604020202020204" pitchFamily="34" charset="0"/>
-              <a:buChar char="•"/>
-            </a:pPr>
-            <a:r>
-              <a:rPr lang="ko-KR" altLang="en-US" dirty="0">
-                <a:solidFill>
-                  <a:schemeClr val="accent5">
-                    <a:lumMod val="50000"/>
-                  </a:schemeClr>
-                </a:solidFill>
-                <a:latin typeface="나눔고딕 ExtraBold" panose="020D0904000000000000" pitchFamily="50" charset="-127"/>
-                <a:ea typeface="나눔고딕 ExtraBold" panose="020D0904000000000000" pitchFamily="50" charset="-127"/>
-              </a:rPr>
-              <a:t>프로젝트 주제 선정</a:t>
-            </a:r>
-            <a:r>
-              <a:rPr lang="en-US" altLang="ko-KR" dirty="0">
-                <a:solidFill>
-                  <a:schemeClr val="accent5">
-                    <a:lumMod val="50000"/>
-                  </a:schemeClr>
-                </a:solidFill>
-                <a:latin typeface="나눔고딕 ExtraBold" panose="020D0904000000000000" pitchFamily="50" charset="-127"/>
-                <a:ea typeface="나눔고딕 ExtraBold" panose="020D0904000000000000" pitchFamily="50" charset="-127"/>
-              </a:rPr>
-              <a:t/>
-            </a:r>
-            <a:br>
-              <a:rPr lang="en-US" altLang="ko-KR" dirty="0">
-                <a:solidFill>
-                  <a:schemeClr val="accent5">
-                    <a:lumMod val="50000"/>
-                  </a:schemeClr>
-                </a:solidFill>
-                <a:latin typeface="나눔고딕 ExtraBold" panose="020D0904000000000000" pitchFamily="50" charset="-127"/>
-                <a:ea typeface="나눔고딕 ExtraBold" panose="020D0904000000000000" pitchFamily="50" charset="-127"/>
-              </a:rPr>
-            </a:br>
-            <a:r>
-              <a:rPr lang="en-US" altLang="ko-KR" dirty="0" smtClean="0">
-                <a:solidFill>
-                  <a:schemeClr val="accent5">
-                    <a:lumMod val="50000"/>
-                  </a:schemeClr>
-                </a:solidFill>
-                <a:latin typeface="나눔고딕 ExtraBold" panose="020D0904000000000000" pitchFamily="50" charset="-127"/>
-                <a:ea typeface="나눔고딕 ExtraBold" panose="020D0904000000000000" pitchFamily="50" charset="-127"/>
-              </a:rPr>
-              <a:t>     (</a:t>
-            </a:r>
-            <a:r>
-              <a:rPr lang="ko-KR" altLang="en-US" dirty="0">
-                <a:solidFill>
-                  <a:schemeClr val="accent5">
-                    <a:lumMod val="50000"/>
-                  </a:schemeClr>
-                </a:solidFill>
-                <a:latin typeface="나눔고딕 ExtraBold" panose="020D0904000000000000" pitchFamily="50" charset="-127"/>
-                <a:ea typeface="나눔고딕 ExtraBold" panose="020D0904000000000000" pitchFamily="50" charset="-127"/>
-              </a:rPr>
-              <a:t>가계부 프로그램</a:t>
-            </a:r>
-            <a:r>
-              <a:rPr lang="en-US" altLang="ko-KR" dirty="0">
-                <a:solidFill>
-                  <a:schemeClr val="accent5">
-                    <a:lumMod val="50000"/>
-                  </a:schemeClr>
-                </a:solidFill>
-                <a:latin typeface="나눔고딕 ExtraBold" panose="020D0904000000000000" pitchFamily="50" charset="-127"/>
-                <a:ea typeface="나눔고딕 ExtraBold" panose="020D0904000000000000" pitchFamily="50" charset="-127"/>
-              </a:rPr>
-              <a:t>)</a:t>
-            </a:r>
-            <a:endParaRPr lang="ko-KR" altLang="en-US" dirty="0">
-              <a:solidFill>
-                <a:schemeClr val="accent5">
-                  <a:lumMod val="50000"/>
-                </a:schemeClr>
-              </a:solidFill>
-              <a:latin typeface="나눔고딕 ExtraBold" panose="020D0904000000000000" pitchFamily="50" charset="-127"/>
-              <a:ea typeface="나눔고딕 ExtraBold" panose="020D0904000000000000" pitchFamily="50" charset="-127"/>
-            </a:endParaRPr>
+            <a:pPr algn="ctr"/>
+            <a:endParaRPr lang="ko-KR" altLang="en-US"/>
           </a:p>
         </p:txBody>
       </p:sp>
       <p:sp>
         <p:nvSpPr>
-          <p:cNvPr id="24" name="직사각형 23"/>
+          <p:cNvPr id="20" name="직사각형 19"/>
           <p:cNvSpPr/>
           <p:nvPr/>
         </p:nvSpPr>
         <p:spPr>
           <a:xfrm>
-            <a:off x="3070659" y="5178175"/>
-            <a:ext cx="2709212" cy="965771"/>
+            <a:off x="4368800" y="2532743"/>
+            <a:ext cx="2603500" cy="3403600"/>
           </a:xfrm>
           <a:prstGeom prst="rect">
             <a:avLst/>
           </a:prstGeom>
           <a:noFill/>
-          <a:ln>
-            <a:noFill/>
-          </a:ln>
         </p:spPr>
         <p:style>
           <a:lnRef idx="2">
@@ -12261,82 +13735,26 @@
           <a:bodyPr rtlCol="0" anchor="ctr"/>
           <a:lstStyle/>
           <a:p>
-            <a:pPr indent="-285750">
-              <a:buFont typeface="Arial" panose="020B0604020202020204" pitchFamily="34" charset="0"/>
-              <a:buChar char="•"/>
-            </a:pPr>
-            <a:r>
-              <a:rPr lang="en-US" altLang="ko-KR" dirty="0">
-                <a:solidFill>
-                  <a:schemeClr val="accent5">
-                    <a:lumMod val="50000"/>
-                  </a:schemeClr>
-                </a:solidFill>
-                <a:latin typeface="나눔고딕 ExtraBold" panose="020D0904000000000000" pitchFamily="50" charset="-127"/>
-                <a:ea typeface="나눔고딕 ExtraBold" panose="020D0904000000000000" pitchFamily="50" charset="-127"/>
-              </a:rPr>
-              <a:t>UI</a:t>
-            </a:r>
-            <a:r>
-              <a:rPr lang="ko-KR" altLang="en-US" dirty="0">
-                <a:solidFill>
-                  <a:schemeClr val="accent5">
-                    <a:lumMod val="50000"/>
-                  </a:schemeClr>
-                </a:solidFill>
-                <a:latin typeface="나눔고딕 ExtraBold" panose="020D0904000000000000" pitchFamily="50" charset="-127"/>
-                <a:ea typeface="나눔고딕 ExtraBold" panose="020D0904000000000000" pitchFamily="50" charset="-127"/>
-              </a:rPr>
-              <a:t> 구조 설계 구현</a:t>
-            </a:r>
-            <a:endParaRPr lang="en-US" altLang="ko-KR" dirty="0">
-              <a:solidFill>
-                <a:schemeClr val="accent5">
-                  <a:lumMod val="50000"/>
-                </a:schemeClr>
-              </a:solidFill>
-              <a:latin typeface="나눔고딕 ExtraBold" panose="020D0904000000000000" pitchFamily="50" charset="-127"/>
-              <a:ea typeface="나눔고딕 ExtraBold" panose="020D0904000000000000" pitchFamily="50" charset="-127"/>
-            </a:endParaRPr>
-          </a:p>
-          <a:p>
-            <a:pPr indent="-285750">
-              <a:buFont typeface="Arial" panose="020B0604020202020204" pitchFamily="34" charset="0"/>
-              <a:buChar char="•"/>
-            </a:pPr>
-            <a:r>
-              <a:rPr lang="ko-KR" altLang="en-US" dirty="0">
-                <a:solidFill>
-                  <a:schemeClr val="accent5">
-                    <a:lumMod val="50000"/>
-                  </a:schemeClr>
-                </a:solidFill>
-                <a:latin typeface="나눔고딕 ExtraBold" panose="020D0904000000000000" pitchFamily="50" charset="-127"/>
-                <a:ea typeface="나눔고딕 ExtraBold" panose="020D0904000000000000" pitchFamily="50" charset="-127"/>
-              </a:rPr>
-              <a:t>필수 구성 요소 구현</a:t>
-            </a:r>
+            <a:pPr algn="ctr"/>
+            <a:endParaRPr lang="ko-KR" altLang="en-US"/>
           </a:p>
         </p:txBody>
       </p:sp>
       <p:sp>
         <p:nvSpPr>
-          <p:cNvPr id="25" name="직사각형 24"/>
+          <p:cNvPr id="21" name="직사각형 20"/>
           <p:cNvSpPr/>
           <p:nvPr/>
         </p:nvSpPr>
         <p:spPr>
           <a:xfrm>
-            <a:off x="5960593" y="5178175"/>
-            <a:ext cx="2709212" cy="965771"/>
+            <a:off x="7658100" y="2532743"/>
+            <a:ext cx="2603500" cy="3403600"/>
           </a:xfrm>
           <a:prstGeom prst="rect">
             <a:avLst/>
           </a:prstGeom>
           <a:noFill/>
-          <a:ln>
-            <a:noFill/>
-          </a:ln>
         </p:spPr>
         <p:style>
           <a:lnRef idx="2">
@@ -12356,109 +13774,26 @@
           <a:bodyPr rtlCol="0" anchor="ctr"/>
           <a:lstStyle/>
           <a:p>
-            <a:pPr indent="-285750">
-              <a:buFont typeface="Arial" panose="020B0604020202020204" pitchFamily="34" charset="0"/>
-              <a:buChar char="•"/>
-            </a:pPr>
-            <a:r>
-              <a:rPr lang="en-US" altLang="ko-KR" dirty="0">
-                <a:solidFill>
-                  <a:schemeClr val="accent5">
-                    <a:lumMod val="50000"/>
-                  </a:schemeClr>
-                </a:solidFill>
-                <a:latin typeface="나눔고딕 ExtraBold" panose="020D0904000000000000" pitchFamily="50" charset="-127"/>
-                <a:ea typeface="나눔고딕 ExtraBold" panose="020D0904000000000000" pitchFamily="50" charset="-127"/>
-              </a:rPr>
-              <a:t>UI </a:t>
-            </a:r>
-            <a:r>
-              <a:rPr lang="ko-KR" altLang="en-US" dirty="0">
-                <a:solidFill>
-                  <a:schemeClr val="accent5">
-                    <a:lumMod val="50000"/>
-                  </a:schemeClr>
-                </a:solidFill>
-                <a:latin typeface="나눔고딕 ExtraBold" panose="020D0904000000000000" pitchFamily="50" charset="-127"/>
-                <a:ea typeface="나눔고딕 ExtraBold" panose="020D0904000000000000" pitchFamily="50" charset="-127"/>
-              </a:rPr>
-              <a:t>수정</a:t>
-            </a:r>
-            <a:endParaRPr lang="en-US" altLang="ko-KR" dirty="0">
-              <a:solidFill>
-                <a:schemeClr val="accent5">
-                  <a:lumMod val="50000"/>
-                </a:schemeClr>
-              </a:solidFill>
-              <a:latin typeface="나눔고딕 ExtraBold" panose="020D0904000000000000" pitchFamily="50" charset="-127"/>
-              <a:ea typeface="나눔고딕 ExtraBold" panose="020D0904000000000000" pitchFamily="50" charset="-127"/>
-            </a:endParaRPr>
-          </a:p>
-          <a:p>
-            <a:pPr indent="-285750">
-              <a:buFont typeface="Arial" panose="020B0604020202020204" pitchFamily="34" charset="0"/>
-              <a:buChar char="•"/>
-            </a:pPr>
-            <a:r>
-              <a:rPr lang="ko-KR" altLang="en-US" dirty="0">
-                <a:solidFill>
-                  <a:schemeClr val="accent5">
-                    <a:lumMod val="50000"/>
-                  </a:schemeClr>
-                </a:solidFill>
-                <a:latin typeface="나눔고딕 ExtraBold" panose="020D0904000000000000" pitchFamily="50" charset="-127"/>
-                <a:ea typeface="나눔고딕 ExtraBold" panose="020D0904000000000000" pitchFamily="50" charset="-127"/>
-              </a:rPr>
-              <a:t>뒤로 가기 기능 추가</a:t>
-            </a:r>
-            <a:endParaRPr lang="en-US" altLang="ko-KR" dirty="0">
-              <a:solidFill>
-                <a:schemeClr val="accent5">
-                  <a:lumMod val="50000"/>
-                </a:schemeClr>
-              </a:solidFill>
-              <a:latin typeface="나눔고딕 ExtraBold" panose="020D0904000000000000" pitchFamily="50" charset="-127"/>
-              <a:ea typeface="나눔고딕 ExtraBold" panose="020D0904000000000000" pitchFamily="50" charset="-127"/>
-            </a:endParaRPr>
-          </a:p>
-          <a:p>
-            <a:pPr indent="-285750">
-              <a:buFont typeface="Arial" panose="020B0604020202020204" pitchFamily="34" charset="0"/>
-              <a:buChar char="•"/>
-            </a:pPr>
-            <a:r>
-              <a:rPr lang="ko-KR" altLang="en-US" dirty="0">
-                <a:solidFill>
-                  <a:schemeClr val="accent5">
-                    <a:lumMod val="50000"/>
-                  </a:schemeClr>
-                </a:solidFill>
-                <a:latin typeface="나눔고딕 ExtraBold" panose="020D0904000000000000" pitchFamily="50" charset="-127"/>
-                <a:ea typeface="나눔고딕 ExtraBold" panose="020D0904000000000000" pitchFamily="50" charset="-127"/>
-              </a:rPr>
-              <a:t>오류 수정</a:t>
-            </a:r>
+            <a:pPr algn="ctr"/>
+            <a:endParaRPr lang="ko-KR" altLang="en-US"/>
           </a:p>
         </p:txBody>
       </p:sp>
       <p:sp>
         <p:nvSpPr>
-          <p:cNvPr id="26" name="직사각형 25"/>
+          <p:cNvPr id="28" name="직사각형 27"/>
           <p:cNvSpPr/>
           <p:nvPr/>
         </p:nvSpPr>
         <p:spPr>
           <a:xfrm>
-            <a:off x="8850527" y="5178175"/>
-            <a:ext cx="2709212" cy="965771"/>
+            <a:off x="10947400" y="2532743"/>
+            <a:ext cx="2603500" cy="3403600"/>
           </a:xfrm>
           <a:prstGeom prst="rect">
             <a:avLst/>
           </a:prstGeom>
           <a:noFill/>
-          <a:ln>
-            <a:noFill/>
-          </a:ln>
         </p:spPr>
         <p:style>
           <a:lnRef idx="2">
@@ -12478,202 +13813,293 @@
           <a:bodyPr rtlCol="0" anchor="ctr"/>
           <a:lstStyle/>
           <a:p>
-            <a:pPr indent="-285750">
-              <a:buFont typeface="Arial" panose="020B0604020202020204" pitchFamily="34" charset="0"/>
-              <a:buChar char="•"/>
-            </a:pPr>
-            <a:r>
-              <a:rPr lang="ko-KR" altLang="en-US" dirty="0">
-                <a:solidFill>
-                  <a:schemeClr val="accent5">
-                    <a:lumMod val="50000"/>
-                  </a:schemeClr>
-                </a:solidFill>
-                <a:latin typeface="나눔고딕 ExtraBold" panose="020D0904000000000000" pitchFamily="50" charset="-127"/>
-                <a:ea typeface="나눔고딕 ExtraBold" panose="020D0904000000000000" pitchFamily="50" charset="-127"/>
-              </a:rPr>
-              <a:t>코드 간소화 작업</a:t>
-            </a:r>
-            <a:endParaRPr lang="en-US" altLang="ko-KR" dirty="0">
-              <a:solidFill>
-                <a:schemeClr val="accent5">
-                  <a:lumMod val="50000"/>
-                </a:schemeClr>
-              </a:solidFill>
-              <a:latin typeface="나눔고딕 ExtraBold" panose="020D0904000000000000" pitchFamily="50" charset="-127"/>
-              <a:ea typeface="나눔고딕 ExtraBold" panose="020D0904000000000000" pitchFamily="50" charset="-127"/>
-            </a:endParaRPr>
+            <a:pPr algn="ctr"/>
+            <a:endParaRPr lang="ko-KR" altLang="en-US"/>
           </a:p>
+        </p:txBody>
+      </p:sp>
+      <p:sp>
+        <p:nvSpPr>
+          <p:cNvPr id="4" name="직사각형 3"/>
+          <p:cNvSpPr/>
+          <p:nvPr/>
+        </p:nvSpPr>
+        <p:spPr>
+          <a:xfrm>
+            <a:off x="1079500" y="5334875"/>
+            <a:ext cx="2603500" cy="601467"/>
+          </a:xfrm>
+          <a:prstGeom prst="rect">
+            <a:avLst/>
+          </a:prstGeom>
+          <a:noFill/>
+          <a:ln>
+            <a:solidFill>
+              <a:schemeClr val="accent5"/>
+            </a:solidFill>
+          </a:ln>
+        </p:spPr>
+        <p:style>
+          <a:lnRef idx="2">
+            <a:schemeClr val="accent1">
+              <a:shade val="50000"/>
+            </a:schemeClr>
+          </a:lnRef>
+          <a:fillRef idx="1">
+            <a:schemeClr val="accent1"/>
+          </a:fillRef>
+          <a:effectRef idx="0">
+            <a:schemeClr val="accent1"/>
+          </a:effectRef>
+          <a:fontRef idx="minor">
+            <a:schemeClr val="lt1"/>
+          </a:fontRef>
+        </p:style>
+        <p:txBody>
+          <a:bodyPr rtlCol="0" anchor="ctr"/>
+          <a:lstStyle/>
           <a:p>
-            <a:pPr indent="-285750">
-              <a:buFont typeface="Arial" panose="020B0604020202020204" pitchFamily="34" charset="0"/>
-              <a:buChar char="•"/>
-            </a:pPr>
-            <a:r>
-              <a:rPr lang="ko-KR" altLang="en-US" dirty="0">
-                <a:solidFill>
-                  <a:schemeClr val="accent5">
-                    <a:lumMod val="50000"/>
-                  </a:schemeClr>
-                </a:solidFill>
-                <a:latin typeface="나눔고딕 ExtraBold" panose="020D0904000000000000" pitchFamily="50" charset="-127"/>
-                <a:ea typeface="나눔고딕 ExtraBold" panose="020D0904000000000000" pitchFamily="50" charset="-127"/>
-              </a:rPr>
-              <a:t>오류 수정</a:t>
-            </a:r>
-            <a:endParaRPr lang="en-US" altLang="ko-KR" dirty="0">
-              <a:solidFill>
-                <a:schemeClr val="accent5">
-                  <a:lumMod val="50000"/>
-                </a:schemeClr>
-              </a:solidFill>
-              <a:latin typeface="나눔고딕 ExtraBold" panose="020D0904000000000000" pitchFamily="50" charset="-127"/>
-              <a:ea typeface="나눔고딕 ExtraBold" panose="020D0904000000000000" pitchFamily="50" charset="-127"/>
-            </a:endParaRPr>
-          </a:p>
-          <a:p>
-            <a:pPr indent="-285750">
-              <a:buFont typeface="Arial" panose="020B0604020202020204" pitchFamily="34" charset="0"/>
-              <a:buChar char="•"/>
-            </a:pPr>
+            <a:pPr algn="ctr"/>
+            <a:r>
+              <a:rPr lang="ko-KR" altLang="en-US" dirty="0" smtClean="0">
+                <a:solidFill>
+                  <a:schemeClr val="accent5">
+                    <a:lumMod val="50000"/>
+                  </a:schemeClr>
+                </a:solidFill>
+              </a:rPr>
+              <a:t>코드 오류 검증 및 설계</a:t>
+            </a:r>
+            <a:r>
+              <a:rPr lang="en-US" altLang="ko-KR" dirty="0" smtClean="0">
+                <a:solidFill>
+                  <a:schemeClr val="accent5">
+                    <a:lumMod val="50000"/>
+                  </a:schemeClr>
+                </a:solidFill>
+              </a:rPr>
+              <a:t>, PPT</a:t>
+            </a:r>
+            <a:r>
+              <a:rPr lang="ko-KR" altLang="en-US" dirty="0" smtClean="0">
+                <a:solidFill>
+                  <a:schemeClr val="accent5">
+                    <a:lumMod val="50000"/>
+                  </a:schemeClr>
+                </a:solidFill>
+              </a:rPr>
+              <a:t>제작</a:t>
+            </a:r>
             <a:endParaRPr lang="ko-KR" altLang="en-US" dirty="0">
               <a:solidFill>
                 <a:schemeClr val="accent5">
                   <a:lumMod val="50000"/>
                 </a:schemeClr>
               </a:solidFill>
-              <a:latin typeface="나눔고딕 ExtraBold" panose="020D0904000000000000" pitchFamily="50" charset="-127"/>
-              <a:ea typeface="나눔고딕 ExtraBold" panose="020D0904000000000000" pitchFamily="50" charset="-127"/>
             </a:endParaRPr>
           </a:p>
         </p:txBody>
       </p:sp>
       <p:sp>
         <p:nvSpPr>
-          <p:cNvPr id="27" name="직사각형 26"/>
+          <p:cNvPr id="29" name="직사각형 28"/>
           <p:cNvSpPr/>
           <p:nvPr/>
         </p:nvSpPr>
         <p:spPr>
           <a:xfrm>
-            <a:off x="11740461" y="5178175"/>
-            <a:ext cx="2709212" cy="965771"/>
+            <a:off x="4368800" y="5334875"/>
+            <a:ext cx="2603500" cy="601467"/>
           </a:xfrm>
           <a:prstGeom prst="rect">
             <a:avLst/>
           </a:prstGeom>
           <a:noFill/>
           <a:ln>
-            <a:noFill/>
+            <a:solidFill>
+              <a:schemeClr val="accent5"/>
+            </a:solidFill>
           </a:ln>
         </p:spPr>
         <p:style>
           <a:lnRef idx="2">
-            <a:schemeClr val="accent5"/>
+            <a:schemeClr val="accent1">
+              <a:shade val="50000"/>
+            </a:schemeClr>
           </a:lnRef>
           <a:fillRef idx="1">
-            <a:schemeClr val="lt1"/>
+            <a:schemeClr val="accent1"/>
           </a:fillRef>
           <a:effectRef idx="0">
-            <a:schemeClr val="accent5"/>
+            <a:schemeClr val="accent1"/>
           </a:effectRef>
           <a:fontRef idx="minor">
-            <a:schemeClr val="dk1"/>
+            <a:schemeClr val="lt1"/>
           </a:fontRef>
         </p:style>
         <p:txBody>
           <a:bodyPr rtlCol="0" anchor="ctr"/>
           <a:lstStyle/>
           <a:p>
-            <a:pPr indent="-285750">
-              <a:buFont typeface="Arial" panose="020B0604020202020204" pitchFamily="34" charset="0"/>
-              <a:buChar char="•"/>
-            </a:pPr>
-            <a:r>
-              <a:rPr lang="ko-KR" altLang="en-US" dirty="0">
-                <a:solidFill>
-                  <a:schemeClr val="accent5">
-                    <a:lumMod val="50000"/>
-                  </a:schemeClr>
-                </a:solidFill>
-                <a:latin typeface="나눔고딕 ExtraBold" panose="020D0904000000000000" pitchFamily="50" charset="-127"/>
-                <a:ea typeface="나눔고딕 ExtraBold" panose="020D0904000000000000" pitchFamily="50" charset="-127"/>
-              </a:rPr>
-              <a:t>코드 오류 검증</a:t>
-            </a:r>
-            <a:endParaRPr lang="en-US" altLang="ko-KR" dirty="0">
+            <a:pPr algn="ctr"/>
+            <a:r>
+              <a:rPr lang="ko-KR" altLang="en-US" dirty="0" smtClean="0">
+                <a:solidFill>
+                  <a:schemeClr val="accent5">
+                    <a:lumMod val="50000"/>
+                  </a:schemeClr>
+                </a:solidFill>
+              </a:rPr>
+              <a:t>기능 구현 및 설계</a:t>
+            </a:r>
+            <a:endParaRPr lang="ko-KR" altLang="en-US" dirty="0">
               <a:solidFill>
                 <a:schemeClr val="accent5">
                   <a:lumMod val="50000"/>
                 </a:schemeClr>
               </a:solidFill>
-              <a:latin typeface="나눔고딕 ExtraBold" panose="020D0904000000000000" pitchFamily="50" charset="-127"/>
-              <a:ea typeface="나눔고딕 ExtraBold" panose="020D0904000000000000" pitchFamily="50" charset="-127"/>
             </a:endParaRPr>
           </a:p>
+        </p:txBody>
+      </p:sp>
+      <p:sp>
+        <p:nvSpPr>
+          <p:cNvPr id="30" name="직사각형 29"/>
+          <p:cNvSpPr/>
+          <p:nvPr/>
+        </p:nvSpPr>
+        <p:spPr>
+          <a:xfrm>
+            <a:off x="7658100" y="5334875"/>
+            <a:ext cx="2603500" cy="601467"/>
+          </a:xfrm>
+          <a:prstGeom prst="rect">
+            <a:avLst/>
+          </a:prstGeom>
+          <a:noFill/>
+          <a:ln>
+            <a:solidFill>
+              <a:schemeClr val="accent5"/>
+            </a:solidFill>
+          </a:ln>
+        </p:spPr>
+        <p:style>
+          <a:lnRef idx="2">
+            <a:schemeClr val="accent1">
+              <a:shade val="50000"/>
+            </a:schemeClr>
+          </a:lnRef>
+          <a:fillRef idx="1">
+            <a:schemeClr val="accent1"/>
+          </a:fillRef>
+          <a:effectRef idx="0">
+            <a:schemeClr val="accent1"/>
+          </a:effectRef>
+          <a:fontRef idx="minor">
+            <a:schemeClr val="lt1"/>
+          </a:fontRef>
+        </p:style>
+        <p:txBody>
+          <a:bodyPr rtlCol="0" anchor="ctr"/>
+          <a:lstStyle/>
           <a:p>
-            <a:pPr indent="-285750">
-              <a:buFont typeface="Arial" panose="020B0604020202020204" pitchFamily="34" charset="0"/>
-              <a:buChar char="•"/>
-            </a:pPr>
-            <a:r>
-              <a:rPr lang="en-US" altLang="ko-KR" dirty="0">
-                <a:solidFill>
-                  <a:schemeClr val="accent5">
-                    <a:lumMod val="50000"/>
-                  </a:schemeClr>
-                </a:solidFill>
-                <a:latin typeface="나눔고딕 ExtraBold" panose="020D0904000000000000" pitchFamily="50" charset="-127"/>
-                <a:ea typeface="나눔고딕 ExtraBold" panose="020D0904000000000000" pitchFamily="50" charset="-127"/>
-              </a:rPr>
-              <a:t>UI </a:t>
-            </a:r>
-            <a:r>
-              <a:rPr lang="ko-KR" altLang="en-US" dirty="0" err="1">
-                <a:solidFill>
-                  <a:schemeClr val="accent5">
-                    <a:lumMod val="50000"/>
-                  </a:schemeClr>
-                </a:solidFill>
-                <a:latin typeface="나눔고딕 ExtraBold" panose="020D0904000000000000" pitchFamily="50" charset="-127"/>
-                <a:ea typeface="나눔고딕 ExtraBold" panose="020D0904000000000000" pitchFamily="50" charset="-127"/>
-              </a:rPr>
-              <a:t>최종수정</a:t>
-            </a:r>
-            <a:endParaRPr lang="en-US" altLang="ko-KR" dirty="0">
+            <a:pPr algn="ctr"/>
+            <a:r>
+              <a:rPr lang="ko-KR" altLang="en-US" dirty="0" smtClean="0">
+                <a:solidFill>
+                  <a:schemeClr val="accent5">
+                    <a:lumMod val="50000"/>
+                  </a:schemeClr>
+                </a:solidFill>
+              </a:rPr>
+              <a:t>기능 구현 및 설계</a:t>
+            </a:r>
+            <a:endParaRPr lang="ko-KR" altLang="en-US" dirty="0">
               <a:solidFill>
                 <a:schemeClr val="accent5">
                   <a:lumMod val="50000"/>
                 </a:schemeClr>
               </a:solidFill>
-              <a:latin typeface="나눔고딕 ExtraBold" panose="020D0904000000000000" pitchFamily="50" charset="-127"/>
-              <a:ea typeface="나눔고딕 ExtraBold" panose="020D0904000000000000" pitchFamily="50" charset="-127"/>
             </a:endParaRPr>
           </a:p>
+        </p:txBody>
+      </p:sp>
+      <p:sp>
+        <p:nvSpPr>
+          <p:cNvPr id="31" name="직사각형 30"/>
+          <p:cNvSpPr/>
+          <p:nvPr/>
+        </p:nvSpPr>
+        <p:spPr>
+          <a:xfrm>
+            <a:off x="10947400" y="5334875"/>
+            <a:ext cx="2603500" cy="601467"/>
+          </a:xfrm>
+          <a:prstGeom prst="rect">
+            <a:avLst/>
+          </a:prstGeom>
+          <a:noFill/>
+          <a:ln>
+            <a:solidFill>
+              <a:schemeClr val="accent5"/>
+            </a:solidFill>
+          </a:ln>
+        </p:spPr>
+        <p:style>
+          <a:lnRef idx="2">
+            <a:schemeClr val="accent1">
+              <a:shade val="50000"/>
+            </a:schemeClr>
+          </a:lnRef>
+          <a:fillRef idx="1">
+            <a:schemeClr val="accent1"/>
+          </a:fillRef>
+          <a:effectRef idx="0">
+            <a:schemeClr val="accent1"/>
+          </a:effectRef>
+          <a:fontRef idx="minor">
+            <a:schemeClr val="lt1"/>
+          </a:fontRef>
+        </p:style>
+        <p:txBody>
+          <a:bodyPr rtlCol="0" anchor="ctr"/>
+          <a:lstStyle/>
           <a:p>
-            <a:pPr indent="-285750">
-              <a:buFont typeface="Arial" panose="020B0604020202020204" pitchFamily="34" charset="0"/>
-              <a:buChar char="•"/>
-            </a:pPr>
-            <a:r>
-              <a:rPr lang="ko-KR" altLang="en-US" dirty="0">
-                <a:solidFill>
-                  <a:schemeClr val="accent5">
-                    <a:lumMod val="50000"/>
-                  </a:schemeClr>
-                </a:solidFill>
-                <a:latin typeface="나눔고딕 ExtraBold" panose="020D0904000000000000" pitchFamily="50" charset="-127"/>
-                <a:ea typeface="나눔고딕 ExtraBold" panose="020D0904000000000000" pitchFamily="50" charset="-127"/>
-              </a:rPr>
-              <a:t>프로그램 완성</a:t>
-            </a:r>
+            <a:pPr algn="ctr"/>
+            <a:r>
+              <a:rPr lang="en-US" altLang="ko-KR" dirty="0" smtClean="0">
+                <a:solidFill>
+                  <a:schemeClr val="accent5">
+                    <a:lumMod val="50000"/>
+                  </a:schemeClr>
+                </a:solidFill>
+              </a:rPr>
+              <a:t>UI/UX </a:t>
+            </a:r>
+            <a:r>
+              <a:rPr lang="ko-KR" altLang="en-US" dirty="0" smtClean="0">
+                <a:solidFill>
+                  <a:schemeClr val="accent5">
+                    <a:lumMod val="50000"/>
+                  </a:schemeClr>
+                </a:solidFill>
+              </a:rPr>
+              <a:t>구현</a:t>
+            </a:r>
+            <a:endParaRPr lang="ko-KR" altLang="en-US" dirty="0">
+              <a:solidFill>
+                <a:schemeClr val="accent5">
+                  <a:lumMod val="50000"/>
+                </a:schemeClr>
+              </a:solidFill>
+            </a:endParaRPr>
           </a:p>
         </p:txBody>
       </p:sp>
     </p:spTree>
     <p:extLst>
       <p:ext uri="{BB962C8B-B14F-4D97-AF65-F5344CB8AC3E}">
-        <p14:creationId xmlns:p14="http://schemas.microsoft.com/office/powerpoint/2010/main" val="386533802"/>
+        <p14:creationId xmlns:p14="http://schemas.microsoft.com/office/powerpoint/2010/main" val="1973067158"/>
       </p:ext>
     </p:extLst>
   </p:cSld>
@@ -12707,36 +14133,6 @@
           <a:chExt cx="0" cy="0"/>
         </a:xfrm>
       </p:grpSpPr>
-      <p:pic>
-        <p:nvPicPr>
-          <p:cNvPr id="2" name="그림 1"/>
-          <p:cNvPicPr>
-            <a:picLocks noChangeAspect="1"/>
-          </p:cNvPicPr>
-          <p:nvPr/>
-        </p:nvPicPr>
-        <p:blipFill>
-          <a:blip r:embed="rId3">
-            <a:extLst>
-              <a:ext uri="{28A0092B-C50C-407E-A947-70E740481C1C}">
-                <a14:useLocalDpi xmlns:a14="http://schemas.microsoft.com/office/drawing/2010/main" val="0"/>
-              </a:ext>
-            </a:extLst>
-          </a:blip>
-          <a:stretch>
-            <a:fillRect/>
-          </a:stretch>
-        </p:blipFill>
-        <p:spPr>
-          <a:xfrm>
-            <a:off x="6813051" y="1309831"/>
-            <a:ext cx="7086600" cy="6248400"/>
-          </a:xfrm>
-          <a:prstGeom prst="rect">
-            <a:avLst/>
-          </a:prstGeom>
-        </p:spPr>
-      </p:pic>
       <p:grpSp>
         <p:nvGrpSpPr>
           <p:cNvPr id="10" name="그룹 9"/>
@@ -12852,14 +14248,14 @@
       </p:grpSp>
       <p:sp>
         <p:nvSpPr>
-          <p:cNvPr id="71" name="Text 2"/>
+          <p:cNvPr id="9" name="Text 2"/>
           <p:cNvSpPr/>
           <p:nvPr/>
         </p:nvSpPr>
         <p:spPr>
           <a:xfrm>
-            <a:off x="1115653" y="510855"/>
-            <a:ext cx="4443889" cy="694373"/>
+            <a:off x="1026755" y="3335814"/>
+            <a:ext cx="5094160" cy="694373"/>
           </a:xfrm>
           <a:prstGeom prst="rect">
             <a:avLst/>
@@ -12871,13 +14267,14 @@
           <a:bodyPr wrap="none" rtlCol="0" anchor="t"/>
           <a:lstStyle/>
           <a:p>
-            <a:pPr algn="ctr">
+            <a:pPr marL="0" indent="0" algn="ctr">
               <a:lnSpc>
                 <a:spcPts val="5468"/>
               </a:lnSpc>
+              <a:buNone/>
             </a:pPr>
             <a:r>
-              <a:rPr lang="ko-KR" altLang="en-US" sz="4370" dirty="0">
+              <a:rPr lang="ko-KR" altLang="en-US" sz="5000" dirty="0" smtClean="0">
                 <a:solidFill>
                   <a:schemeClr val="accent5">
                     <a:lumMod val="50000"/>
@@ -12889,7 +14286,7 @@
               <a:t>프로젝트 </a:t>
             </a:r>
             <a:r>
-              <a:rPr lang="ko-KR" altLang="en-US" sz="4370" dirty="0" err="1">
+              <a:rPr lang="ko-KR" altLang="en-US" sz="5000" dirty="0" err="1" smtClean="0">
                 <a:solidFill>
                   <a:schemeClr val="accent5">
                     <a:lumMod val="50000"/>
@@ -12900,7 +14297,7 @@
               </a:rPr>
               <a:t>수행절차</a:t>
             </a:r>
-            <a:endParaRPr lang="en-US" sz="4370" dirty="0">
+            <a:endParaRPr lang="en-US" sz="5000" dirty="0">
               <a:solidFill>
                 <a:schemeClr val="accent5">
                   <a:lumMod val="50000"/>
@@ -12914,14 +14311,14 @@
       </p:sp>
       <p:sp>
         <p:nvSpPr>
-          <p:cNvPr id="72" name="Shape 3"/>
+          <p:cNvPr id="13" name="Shape 3"/>
           <p:cNvSpPr/>
           <p:nvPr/>
         </p:nvSpPr>
         <p:spPr>
           <a:xfrm rot="16200000">
-            <a:off x="3285297" y="-1818376"/>
-            <a:ext cx="104602" cy="6151811"/>
+            <a:off x="3511378" y="712516"/>
+            <a:ext cx="86619" cy="6804569"/>
           </a:xfrm>
           <a:prstGeom prst="rect">
             <a:avLst/>
@@ -12932,585 +14329,39 @@
           <a:ln/>
         </p:spPr>
       </p:sp>
-      <p:sp>
-        <p:nvSpPr>
-          <p:cNvPr id="3" name="직사각형 2"/>
-          <p:cNvSpPr/>
+      <p:pic>
+        <p:nvPicPr>
+          <p:cNvPr id="14" name="그림 13"/>
+          <p:cNvPicPr>
+            <a:picLocks noChangeAspect="1"/>
+          </p:cNvPicPr>
           <p:nvPr/>
-        </p:nvSpPr>
+        </p:nvPicPr>
+        <p:blipFill rotWithShape="1">
+          <a:blip r:embed="rId3">
+            <a:extLst>
+              <a:ext uri="{28A0092B-C50C-407E-A947-70E740481C1C}">
+                <a14:useLocalDpi xmlns:a14="http://schemas.microsoft.com/office/drawing/2010/main" val="0"/>
+              </a:ext>
+            </a:extLst>
+          </a:blip>
+          <a:srcRect l="10656" t="-396" r="19571" b="-7922"/>
+          <a:stretch/>
+        </p:blipFill>
         <p:spPr>
           <a:xfrm>
-            <a:off x="393492" y="1614791"/>
-            <a:ext cx="5888210" cy="6186792"/>
+            <a:off x="6956973" y="316282"/>
+            <a:ext cx="7343227" cy="7597037"/>
           </a:xfrm>
           <a:prstGeom prst="rect">
             <a:avLst/>
           </a:prstGeom>
-          <a:noFill/>
-          <a:ln>
-            <a:noFill/>
-          </a:ln>
         </p:spPr>
-        <p:style>
-          <a:lnRef idx="2">
-            <a:schemeClr val="accent1">
-              <a:shade val="50000"/>
-            </a:schemeClr>
-          </a:lnRef>
-          <a:fillRef idx="1">
-            <a:schemeClr val="accent1"/>
-          </a:fillRef>
-          <a:effectRef idx="0">
-            <a:schemeClr val="accent1"/>
-          </a:effectRef>
-          <a:fontRef idx="minor">
-            <a:schemeClr val="lt1"/>
-          </a:fontRef>
-        </p:style>
-        <p:txBody>
-          <a:bodyPr rtlCol="0" anchor="t"/>
-          <a:lstStyle/>
-          <a:p>
-            <a:endParaRPr lang="en-US" altLang="ko-KR" dirty="0">
-              <a:solidFill>
-                <a:schemeClr val="accent5">
-                  <a:lumMod val="50000"/>
-                </a:schemeClr>
-              </a:solidFill>
-            </a:endParaRPr>
-          </a:p>
-          <a:p>
-            <a:r>
-              <a:rPr lang="en-US" altLang="ko-KR" dirty="0" smtClean="0">
-                <a:solidFill>
-                  <a:schemeClr val="accent5">
-                    <a:lumMod val="50000"/>
-                  </a:schemeClr>
-                </a:solidFill>
-                <a:latin typeface="나눔고딕 ExtraBold" panose="020D0904000000000000" pitchFamily="50" charset="-127"/>
-                <a:ea typeface="나눔고딕 ExtraBold" panose="020D0904000000000000" pitchFamily="50" charset="-127"/>
-              </a:rPr>
-              <a:t>1) </a:t>
-            </a:r>
-            <a:r>
-              <a:rPr lang="ko-KR" altLang="en-US" dirty="0" smtClean="0">
-                <a:solidFill>
-                  <a:schemeClr val="accent5">
-                    <a:lumMod val="50000"/>
-                  </a:schemeClr>
-                </a:solidFill>
-                <a:latin typeface="나눔고딕 ExtraBold" panose="020D0904000000000000" pitchFamily="50" charset="-127"/>
-                <a:ea typeface="나눔고딕 ExtraBold" panose="020D0904000000000000" pitchFamily="50" charset="-127"/>
-              </a:rPr>
-              <a:t>프로그램 설계 </a:t>
-            </a:r>
-            <a:endParaRPr lang="en-US" altLang="ko-KR" dirty="0" smtClean="0">
-              <a:solidFill>
-                <a:schemeClr val="accent5">
-                  <a:lumMod val="50000"/>
-                </a:schemeClr>
-              </a:solidFill>
-              <a:latin typeface="나눔고딕 ExtraBold" panose="020D0904000000000000" pitchFamily="50" charset="-127"/>
-              <a:ea typeface="나눔고딕 ExtraBold" panose="020D0904000000000000" pitchFamily="50" charset="-127"/>
-            </a:endParaRPr>
-          </a:p>
-          <a:p>
-            <a:r>
-              <a:rPr lang="en-US" altLang="ko-KR" dirty="0" smtClean="0">
-                <a:solidFill>
-                  <a:schemeClr val="accent5">
-                    <a:lumMod val="50000"/>
-                  </a:schemeClr>
-                </a:solidFill>
-                <a:latin typeface="나눔고딕 ExtraBold" panose="020D0904000000000000" pitchFamily="50" charset="-127"/>
-                <a:ea typeface="나눔고딕 ExtraBold" panose="020D0904000000000000" pitchFamily="50" charset="-127"/>
-              </a:rPr>
-              <a:t>-   ‘</a:t>
-            </a:r>
-            <a:r>
-              <a:rPr lang="ko-KR" altLang="en-US" dirty="0" smtClean="0">
-                <a:solidFill>
-                  <a:schemeClr val="accent5">
-                    <a:lumMod val="50000"/>
-                  </a:schemeClr>
-                </a:solidFill>
-                <a:latin typeface="나눔고딕 ExtraBold" panose="020D0904000000000000" pitchFamily="50" charset="-127"/>
-                <a:ea typeface="나눔고딕 ExtraBold" panose="020D0904000000000000" pitchFamily="50" charset="-127"/>
-              </a:rPr>
-              <a:t>네이버 가계부</a:t>
-            </a:r>
-            <a:r>
-              <a:rPr lang="en-US" altLang="ko-KR" dirty="0" smtClean="0">
-                <a:solidFill>
-                  <a:schemeClr val="accent5">
-                    <a:lumMod val="50000"/>
-                  </a:schemeClr>
-                </a:solidFill>
-                <a:latin typeface="나눔고딕 ExtraBold" panose="020D0904000000000000" pitchFamily="50" charset="-127"/>
-                <a:ea typeface="나눔고딕 ExtraBold" panose="020D0904000000000000" pitchFamily="50" charset="-127"/>
-              </a:rPr>
-              <a:t>’ </a:t>
-            </a:r>
-            <a:r>
-              <a:rPr lang="ko-KR" altLang="en-US" dirty="0" smtClean="0">
-                <a:solidFill>
-                  <a:schemeClr val="accent5">
-                    <a:lumMod val="50000"/>
-                  </a:schemeClr>
-                </a:solidFill>
-                <a:latin typeface="나눔고딕 ExtraBold" panose="020D0904000000000000" pitchFamily="50" charset="-127"/>
-                <a:ea typeface="나눔고딕 ExtraBold" panose="020D0904000000000000" pitchFamily="50" charset="-127"/>
-              </a:rPr>
-              <a:t>참고하여 프로그램 구조를 설계</a:t>
-            </a:r>
-            <a:endParaRPr lang="en-US" altLang="ko-KR" dirty="0" smtClean="0">
-              <a:solidFill>
-                <a:schemeClr val="accent5">
-                  <a:lumMod val="50000"/>
-                </a:schemeClr>
-              </a:solidFill>
-              <a:latin typeface="나눔고딕 ExtraBold" panose="020D0904000000000000" pitchFamily="50" charset="-127"/>
-              <a:ea typeface="나눔고딕 ExtraBold" panose="020D0904000000000000" pitchFamily="50" charset="-127"/>
-            </a:endParaRPr>
-          </a:p>
-          <a:p>
-            <a:endParaRPr lang="en-US" altLang="ko-KR" dirty="0" smtClean="0">
-              <a:solidFill>
-                <a:schemeClr val="accent5">
-                  <a:lumMod val="50000"/>
-                </a:schemeClr>
-              </a:solidFill>
-              <a:latin typeface="나눔고딕 ExtraBold" panose="020D0904000000000000" pitchFamily="50" charset="-127"/>
-              <a:ea typeface="나눔고딕 ExtraBold" panose="020D0904000000000000" pitchFamily="50" charset="-127"/>
-            </a:endParaRPr>
-          </a:p>
-          <a:p>
-            <a:r>
-              <a:rPr lang="en-US" altLang="ko-KR" dirty="0" smtClean="0">
-                <a:solidFill>
-                  <a:schemeClr val="accent5">
-                    <a:lumMod val="50000"/>
-                  </a:schemeClr>
-                </a:solidFill>
-                <a:latin typeface="나눔고딕 ExtraBold" panose="020D0904000000000000" pitchFamily="50" charset="-127"/>
-                <a:ea typeface="나눔고딕 ExtraBold" panose="020D0904000000000000" pitchFamily="50" charset="-127"/>
-              </a:rPr>
-              <a:t>2) </a:t>
-            </a:r>
-            <a:r>
-              <a:rPr lang="ko-KR" altLang="en-US" dirty="0" smtClean="0">
-                <a:solidFill>
-                  <a:schemeClr val="accent5">
-                    <a:lumMod val="50000"/>
-                  </a:schemeClr>
-                </a:solidFill>
-                <a:latin typeface="나눔고딕 ExtraBold" panose="020D0904000000000000" pitchFamily="50" charset="-127"/>
-                <a:ea typeface="나눔고딕 ExtraBold" panose="020D0904000000000000" pitchFamily="50" charset="-127"/>
-              </a:rPr>
-              <a:t>프로그램 구현</a:t>
-            </a:r>
-            <a:endParaRPr lang="en-US" altLang="ko-KR" dirty="0" smtClean="0">
-              <a:solidFill>
-                <a:schemeClr val="accent5">
-                  <a:lumMod val="50000"/>
-                </a:schemeClr>
-              </a:solidFill>
-              <a:latin typeface="나눔고딕 ExtraBold" panose="020D0904000000000000" pitchFamily="50" charset="-127"/>
-              <a:ea typeface="나눔고딕 ExtraBold" panose="020D0904000000000000" pitchFamily="50" charset="-127"/>
-            </a:endParaRPr>
-          </a:p>
-          <a:p>
-            <a:pPr marL="285750" indent="-285750">
-              <a:buFontTx/>
-              <a:buChar char="-"/>
-            </a:pPr>
-            <a:r>
-              <a:rPr lang="ko-KR" altLang="en-US" dirty="0" smtClean="0">
-                <a:solidFill>
-                  <a:schemeClr val="accent5">
-                    <a:lumMod val="50000"/>
-                  </a:schemeClr>
-                </a:solidFill>
-                <a:latin typeface="나눔고딕 ExtraBold" panose="020D0904000000000000" pitchFamily="50" charset="-127"/>
-                <a:ea typeface="나눔고딕 ExtraBold" panose="020D0904000000000000" pitchFamily="50" charset="-127"/>
-              </a:rPr>
-              <a:t>설계한 내용을 바탕으로 프로그램 구현</a:t>
-            </a:r>
-            <a:endParaRPr lang="en-US" altLang="ko-KR" dirty="0" smtClean="0">
-              <a:solidFill>
-                <a:schemeClr val="accent5">
-                  <a:lumMod val="50000"/>
-                </a:schemeClr>
-              </a:solidFill>
-              <a:latin typeface="나눔고딕 ExtraBold" panose="020D0904000000000000" pitchFamily="50" charset="-127"/>
-              <a:ea typeface="나눔고딕 ExtraBold" panose="020D0904000000000000" pitchFamily="50" charset="-127"/>
-            </a:endParaRPr>
-          </a:p>
-          <a:p>
-            <a:r>
-              <a:rPr lang="en-US" altLang="ko-KR" dirty="0" smtClean="0">
-                <a:solidFill>
-                  <a:schemeClr val="accent5">
-                    <a:lumMod val="50000"/>
-                  </a:schemeClr>
-                </a:solidFill>
-                <a:latin typeface="나눔고딕 ExtraBold" panose="020D0904000000000000" pitchFamily="50" charset="-127"/>
-                <a:ea typeface="나눔고딕 ExtraBold" panose="020D0904000000000000" pitchFamily="50" charset="-127"/>
-              </a:rPr>
-              <a:t>-    </a:t>
-            </a:r>
-            <a:r>
-              <a:rPr lang="ko-KR" altLang="en-US" dirty="0" smtClean="0">
-                <a:solidFill>
-                  <a:schemeClr val="accent5">
-                    <a:lumMod val="50000"/>
-                  </a:schemeClr>
-                </a:solidFill>
-                <a:latin typeface="나눔고딕 ExtraBold" panose="020D0904000000000000" pitchFamily="50" charset="-127"/>
-                <a:ea typeface="나눔고딕 ExtraBold" panose="020D0904000000000000" pitchFamily="50" charset="-127"/>
-              </a:rPr>
-              <a:t>구현하고자 하는 기능 추가 및 구현 불가 기능 제거</a:t>
-            </a:r>
-            <a:endParaRPr lang="en-US" altLang="ko-KR" dirty="0" smtClean="0">
-              <a:solidFill>
-                <a:schemeClr val="accent5">
-                  <a:lumMod val="50000"/>
-                </a:schemeClr>
-              </a:solidFill>
-              <a:latin typeface="나눔고딕 ExtraBold" panose="020D0904000000000000" pitchFamily="50" charset="-127"/>
-              <a:ea typeface="나눔고딕 ExtraBold" panose="020D0904000000000000" pitchFamily="50" charset="-127"/>
-            </a:endParaRPr>
-          </a:p>
-          <a:p>
-            <a:endParaRPr lang="en-US" altLang="ko-KR" dirty="0">
-              <a:solidFill>
-                <a:schemeClr val="accent5">
-                  <a:lumMod val="50000"/>
-                </a:schemeClr>
-              </a:solidFill>
-              <a:latin typeface="나눔고딕 ExtraBold" panose="020D0904000000000000" pitchFamily="50" charset="-127"/>
-              <a:ea typeface="나눔고딕 ExtraBold" panose="020D0904000000000000" pitchFamily="50" charset="-127"/>
-            </a:endParaRPr>
-          </a:p>
-          <a:p>
-            <a:r>
-              <a:rPr lang="en-US" altLang="ko-KR" dirty="0" smtClean="0">
-                <a:solidFill>
-                  <a:schemeClr val="accent5">
-                    <a:lumMod val="50000"/>
-                  </a:schemeClr>
-                </a:solidFill>
-                <a:latin typeface="나눔고딕 ExtraBold" panose="020D0904000000000000" pitchFamily="50" charset="-127"/>
-                <a:ea typeface="나눔고딕 ExtraBold" panose="020D0904000000000000" pitchFamily="50" charset="-127"/>
-              </a:rPr>
-              <a:t>3) </a:t>
-            </a:r>
-            <a:r>
-              <a:rPr lang="ko-KR" altLang="en-US" dirty="0" smtClean="0">
-                <a:solidFill>
-                  <a:schemeClr val="accent5">
-                    <a:lumMod val="50000"/>
-                  </a:schemeClr>
-                </a:solidFill>
-                <a:latin typeface="나눔고딕 ExtraBold" panose="020D0904000000000000" pitchFamily="50" charset="-127"/>
-                <a:ea typeface="나눔고딕 ExtraBold" panose="020D0904000000000000" pitchFamily="50" charset="-127"/>
-              </a:rPr>
-              <a:t>디버깅</a:t>
-            </a:r>
-            <a:endParaRPr lang="en-US" altLang="ko-KR" dirty="0" smtClean="0">
-              <a:solidFill>
-                <a:schemeClr val="accent5">
-                  <a:lumMod val="50000"/>
-                </a:schemeClr>
-              </a:solidFill>
-              <a:latin typeface="나눔고딕 ExtraBold" panose="020D0904000000000000" pitchFamily="50" charset="-127"/>
-              <a:ea typeface="나눔고딕 ExtraBold" panose="020D0904000000000000" pitchFamily="50" charset="-127"/>
-            </a:endParaRPr>
-          </a:p>
-          <a:p>
-            <a:r>
-              <a:rPr lang="en-US" altLang="ko-KR" dirty="0" smtClean="0">
-                <a:solidFill>
-                  <a:schemeClr val="accent5">
-                    <a:lumMod val="50000"/>
-                  </a:schemeClr>
-                </a:solidFill>
-                <a:latin typeface="나눔고딕 ExtraBold" panose="020D0904000000000000" pitchFamily="50" charset="-127"/>
-                <a:ea typeface="나눔고딕 ExtraBold" panose="020D0904000000000000" pitchFamily="50" charset="-127"/>
-              </a:rPr>
-              <a:t>-  </a:t>
-            </a:r>
-            <a:r>
-              <a:rPr lang="ko-KR" altLang="en-US" dirty="0" smtClean="0">
-                <a:solidFill>
-                  <a:schemeClr val="accent5">
-                    <a:lumMod val="50000"/>
-                  </a:schemeClr>
-                </a:solidFill>
-                <a:latin typeface="나눔고딕 ExtraBold" panose="020D0904000000000000" pitchFamily="50" charset="-127"/>
-                <a:ea typeface="나눔고딕 ExtraBold" panose="020D0904000000000000" pitchFamily="50" charset="-127"/>
-              </a:rPr>
-              <a:t>설계한 코드 오류 검증 위한 일일 디버깅 최소 </a:t>
-            </a:r>
-            <a:r>
-              <a:rPr lang="en-US" altLang="ko-KR" dirty="0" smtClean="0">
-                <a:solidFill>
-                  <a:schemeClr val="accent5">
-                    <a:lumMod val="50000"/>
-                  </a:schemeClr>
-                </a:solidFill>
-                <a:latin typeface="나눔고딕 ExtraBold" panose="020D0904000000000000" pitchFamily="50" charset="-127"/>
-                <a:ea typeface="나눔고딕 ExtraBold" panose="020D0904000000000000" pitchFamily="50" charset="-127"/>
-              </a:rPr>
-              <a:t>30</a:t>
-            </a:r>
-            <a:r>
-              <a:rPr lang="ko-KR" altLang="en-US" dirty="0" smtClean="0">
-                <a:solidFill>
-                  <a:schemeClr val="accent5">
-                    <a:lumMod val="50000"/>
-                  </a:schemeClr>
-                </a:solidFill>
-                <a:latin typeface="나눔고딕 ExtraBold" panose="020D0904000000000000" pitchFamily="50" charset="-127"/>
-                <a:ea typeface="나눔고딕 ExtraBold" panose="020D0904000000000000" pitchFamily="50" charset="-127"/>
-              </a:rPr>
-              <a:t>회</a:t>
-            </a:r>
-            <a:r>
-              <a:rPr lang="en-US" altLang="ko-KR" dirty="0">
-                <a:solidFill>
-                  <a:schemeClr val="accent5">
-                    <a:lumMod val="50000"/>
-                  </a:schemeClr>
-                </a:solidFill>
-                <a:latin typeface="나눔고딕 ExtraBold" panose="020D0904000000000000" pitchFamily="50" charset="-127"/>
-                <a:ea typeface="나눔고딕 ExtraBold" panose="020D0904000000000000" pitchFamily="50" charset="-127"/>
-              </a:rPr>
-              <a:t> </a:t>
-            </a:r>
-            <a:r>
-              <a:rPr lang="ko-KR" altLang="en-US" dirty="0" smtClean="0">
-                <a:solidFill>
-                  <a:schemeClr val="accent5">
-                    <a:lumMod val="50000"/>
-                  </a:schemeClr>
-                </a:solidFill>
-                <a:latin typeface="나눔고딕 ExtraBold" panose="020D0904000000000000" pitchFamily="50" charset="-127"/>
-                <a:ea typeface="나눔고딕 ExtraBold" panose="020D0904000000000000" pitchFamily="50" charset="-127"/>
-              </a:rPr>
-              <a:t>실행</a:t>
-            </a:r>
-            <a:r>
-              <a:rPr lang="en-US" altLang="ko-KR" dirty="0" smtClean="0">
-                <a:solidFill>
-                  <a:schemeClr val="accent5">
-                    <a:lumMod val="50000"/>
-                  </a:schemeClr>
-                </a:solidFill>
-                <a:latin typeface="나눔고딕 ExtraBold" panose="020D0904000000000000" pitchFamily="50" charset="-127"/>
-                <a:ea typeface="나눔고딕 ExtraBold" panose="020D0904000000000000" pitchFamily="50" charset="-127"/>
-              </a:rPr>
-              <a:t>.</a:t>
-            </a:r>
-            <a:endParaRPr lang="en-US" altLang="ko-KR" dirty="0">
-              <a:solidFill>
-                <a:schemeClr val="accent5">
-                  <a:lumMod val="50000"/>
-                </a:schemeClr>
-              </a:solidFill>
-              <a:latin typeface="나눔고딕 ExtraBold" panose="020D0904000000000000" pitchFamily="50" charset="-127"/>
-              <a:ea typeface="나눔고딕 ExtraBold" panose="020D0904000000000000" pitchFamily="50" charset="-127"/>
-            </a:endParaRPr>
-          </a:p>
-          <a:p>
-            <a:r>
-              <a:rPr lang="en-US" altLang="ko-KR" dirty="0" smtClean="0">
-                <a:solidFill>
-                  <a:schemeClr val="accent5">
-                    <a:lumMod val="50000"/>
-                  </a:schemeClr>
-                </a:solidFill>
-                <a:latin typeface="나눔고딕 ExtraBold" panose="020D0904000000000000" pitchFamily="50" charset="-127"/>
-                <a:ea typeface="나눔고딕 ExtraBold" panose="020D0904000000000000" pitchFamily="50" charset="-127"/>
-              </a:rPr>
-              <a:t>-  </a:t>
-            </a:r>
-            <a:r>
-              <a:rPr lang="ko-KR" altLang="en-US" dirty="0" smtClean="0">
-                <a:solidFill>
-                  <a:schemeClr val="accent5">
-                    <a:lumMod val="50000"/>
-                  </a:schemeClr>
-                </a:solidFill>
-                <a:latin typeface="나눔고딕 ExtraBold" panose="020D0904000000000000" pitchFamily="50" charset="-127"/>
-                <a:ea typeface="나눔고딕 ExtraBold" panose="020D0904000000000000" pitchFamily="50" charset="-127"/>
-              </a:rPr>
-              <a:t>오류 </a:t>
-            </a:r>
-            <a:r>
-              <a:rPr lang="ko-KR" altLang="en-US" dirty="0" err="1" smtClean="0">
-                <a:solidFill>
-                  <a:schemeClr val="accent5">
-                    <a:lumMod val="50000"/>
-                  </a:schemeClr>
-                </a:solidFill>
-                <a:latin typeface="나눔고딕 ExtraBold" panose="020D0904000000000000" pitchFamily="50" charset="-127"/>
-                <a:ea typeface="나눔고딕 ExtraBold" panose="020D0904000000000000" pitchFamily="50" charset="-127"/>
-              </a:rPr>
-              <a:t>발견시</a:t>
-            </a:r>
-            <a:r>
-              <a:rPr lang="ko-KR" altLang="en-US" dirty="0" smtClean="0">
-                <a:solidFill>
-                  <a:schemeClr val="accent5">
-                    <a:lumMod val="50000"/>
-                  </a:schemeClr>
-                </a:solidFill>
-                <a:latin typeface="나눔고딕 ExtraBold" panose="020D0904000000000000" pitchFamily="50" charset="-127"/>
-                <a:ea typeface="나눔고딕 ExtraBold" panose="020D0904000000000000" pitchFamily="50" charset="-127"/>
-              </a:rPr>
-              <a:t> 오류 수정하기 위한 팀원 전원 회의진행</a:t>
-            </a:r>
-            <a:r>
-              <a:rPr lang="en-US" altLang="ko-KR" dirty="0" smtClean="0">
-                <a:solidFill>
-                  <a:schemeClr val="accent5">
-                    <a:lumMod val="50000"/>
-                  </a:schemeClr>
-                </a:solidFill>
-                <a:latin typeface="나눔고딕 ExtraBold" panose="020D0904000000000000" pitchFamily="50" charset="-127"/>
-                <a:ea typeface="나눔고딕 ExtraBold" panose="020D0904000000000000" pitchFamily="50" charset="-127"/>
-              </a:rPr>
-              <a:t>.</a:t>
-            </a:r>
-          </a:p>
-          <a:p>
-            <a:pPr marL="285750" indent="-285750">
-              <a:buFontTx/>
-              <a:buChar char="-"/>
-            </a:pPr>
-            <a:endParaRPr lang="en-US" altLang="ko-KR" dirty="0" smtClean="0">
-              <a:solidFill>
-                <a:schemeClr val="accent5">
-                  <a:lumMod val="50000"/>
-                </a:schemeClr>
-              </a:solidFill>
-              <a:latin typeface="나눔고딕 ExtraBold" panose="020D0904000000000000" pitchFamily="50" charset="-127"/>
-              <a:ea typeface="나눔고딕 ExtraBold" panose="020D0904000000000000" pitchFamily="50" charset="-127"/>
-            </a:endParaRPr>
-          </a:p>
-          <a:p>
-            <a:r>
-              <a:rPr lang="en-US" altLang="ko-KR" dirty="0" smtClean="0">
-                <a:solidFill>
-                  <a:schemeClr val="accent5">
-                    <a:lumMod val="50000"/>
-                  </a:schemeClr>
-                </a:solidFill>
-                <a:latin typeface="나눔고딕 ExtraBold" panose="020D0904000000000000" pitchFamily="50" charset="-127"/>
-                <a:ea typeface="나눔고딕 ExtraBold" panose="020D0904000000000000" pitchFamily="50" charset="-127"/>
-              </a:rPr>
-              <a:t>4) </a:t>
-            </a:r>
-            <a:r>
-              <a:rPr lang="ko-KR" altLang="en-US" dirty="0" smtClean="0">
-                <a:solidFill>
-                  <a:schemeClr val="accent5">
-                    <a:lumMod val="50000"/>
-                  </a:schemeClr>
-                </a:solidFill>
-                <a:latin typeface="나눔고딕 ExtraBold" panose="020D0904000000000000" pitchFamily="50" charset="-127"/>
-                <a:ea typeface="나눔고딕 ExtraBold" panose="020D0904000000000000" pitchFamily="50" charset="-127"/>
-              </a:rPr>
-              <a:t>정리</a:t>
-            </a:r>
-            <a:endParaRPr lang="en-US" altLang="ko-KR" dirty="0" smtClean="0">
-              <a:solidFill>
-                <a:schemeClr val="accent5">
-                  <a:lumMod val="50000"/>
-                </a:schemeClr>
-              </a:solidFill>
-              <a:latin typeface="나눔고딕 ExtraBold" panose="020D0904000000000000" pitchFamily="50" charset="-127"/>
-              <a:ea typeface="나눔고딕 ExtraBold" panose="020D0904000000000000" pitchFamily="50" charset="-127"/>
-            </a:endParaRPr>
-          </a:p>
-          <a:p>
-            <a:r>
-              <a:rPr lang="en-US" altLang="ko-KR" dirty="0" smtClean="0">
-                <a:solidFill>
-                  <a:schemeClr val="accent5">
-                    <a:lumMod val="50000"/>
-                  </a:schemeClr>
-                </a:solidFill>
-                <a:latin typeface="나눔고딕 ExtraBold" panose="020D0904000000000000" pitchFamily="50" charset="-127"/>
-                <a:ea typeface="나눔고딕 ExtraBold" panose="020D0904000000000000" pitchFamily="50" charset="-127"/>
-              </a:rPr>
-              <a:t>-  </a:t>
-            </a:r>
-            <a:r>
-              <a:rPr lang="ko-KR" altLang="en-US" dirty="0" smtClean="0">
-                <a:solidFill>
-                  <a:schemeClr val="accent5">
-                    <a:lumMod val="50000"/>
-                  </a:schemeClr>
-                </a:solidFill>
-                <a:latin typeface="나눔고딕 ExtraBold" panose="020D0904000000000000" pitchFamily="50" charset="-127"/>
-                <a:ea typeface="나눔고딕 ExtraBold" panose="020D0904000000000000" pitchFamily="50" charset="-127"/>
-              </a:rPr>
-              <a:t>최종 디버깅 및 </a:t>
-            </a:r>
-            <a:r>
-              <a:rPr lang="en-US" altLang="ko-KR" dirty="0" smtClean="0">
-                <a:solidFill>
-                  <a:schemeClr val="accent5">
-                    <a:lumMod val="50000"/>
-                  </a:schemeClr>
-                </a:solidFill>
-                <a:latin typeface="나눔고딕 ExtraBold" panose="020D0904000000000000" pitchFamily="50" charset="-127"/>
-                <a:ea typeface="나눔고딕 ExtraBold" panose="020D0904000000000000" pitchFamily="50" charset="-127"/>
-              </a:rPr>
-              <a:t>UI </a:t>
-            </a:r>
-            <a:r>
-              <a:rPr lang="ko-KR" altLang="en-US" dirty="0" smtClean="0">
-                <a:solidFill>
-                  <a:schemeClr val="accent5">
-                    <a:lumMod val="50000"/>
-                  </a:schemeClr>
-                </a:solidFill>
-                <a:latin typeface="나눔고딕 ExtraBold" panose="020D0904000000000000" pitchFamily="50" charset="-127"/>
-                <a:ea typeface="나눔고딕 ExtraBold" panose="020D0904000000000000" pitchFamily="50" charset="-127"/>
-              </a:rPr>
-              <a:t>수정</a:t>
-            </a:r>
-            <a:r>
-              <a:rPr lang="en-US" altLang="ko-KR" dirty="0" smtClean="0">
-                <a:solidFill>
-                  <a:schemeClr val="accent5">
-                    <a:lumMod val="50000"/>
-                  </a:schemeClr>
-                </a:solidFill>
-                <a:latin typeface="나눔고딕 ExtraBold" panose="020D0904000000000000" pitchFamily="50" charset="-127"/>
-                <a:ea typeface="나눔고딕 ExtraBold" panose="020D0904000000000000" pitchFamily="50" charset="-127"/>
-              </a:rPr>
-              <a:t>. </a:t>
-            </a:r>
-            <a:endParaRPr lang="ko-KR" altLang="en-US" dirty="0">
-              <a:solidFill>
-                <a:schemeClr val="accent5">
-                  <a:lumMod val="50000"/>
-                </a:schemeClr>
-              </a:solidFill>
-              <a:latin typeface="나눔고딕 ExtraBold" panose="020D0904000000000000" pitchFamily="50" charset="-127"/>
-              <a:ea typeface="나눔고딕 ExtraBold" panose="020D0904000000000000" pitchFamily="50" charset="-127"/>
-            </a:endParaRPr>
-          </a:p>
-        </p:txBody>
-      </p:sp>
+      </p:pic>
     </p:spTree>
     <p:extLst>
       <p:ext uri="{BB962C8B-B14F-4D97-AF65-F5344CB8AC3E}">
-        <p14:creationId xmlns:p14="http://schemas.microsoft.com/office/powerpoint/2010/main" val="2285525781"/>
+        <p14:creationId xmlns:p14="http://schemas.microsoft.com/office/powerpoint/2010/main" val="852776922"/>
       </p:ext>
     </p:extLst>
   </p:cSld>
